--- a/7.展示PPT/Timeline展示PPT.pptx
+++ b/7.展示PPT/Timeline展示PPT.pptx
@@ -11,24 +11,25 @@
     <p:sldId id="259" r:id="rId6"/>
     <p:sldId id="260" r:id="rId7"/>
     <p:sldId id="261" r:id="rId8"/>
-    <p:sldId id="279" r:id="rId9"/>
-    <p:sldId id="280" r:id="rId10"/>
-    <p:sldId id="262" r:id="rId11"/>
-    <p:sldId id="263" r:id="rId12"/>
-    <p:sldId id="264" r:id="rId13"/>
-    <p:sldId id="268" r:id="rId14"/>
-    <p:sldId id="265" r:id="rId15"/>
-    <p:sldId id="281" r:id="rId16"/>
-    <p:sldId id="266" r:id="rId17"/>
-    <p:sldId id="269" r:id="rId18"/>
-    <p:sldId id="267" r:id="rId19"/>
-    <p:sldId id="270" r:id="rId20"/>
-    <p:sldId id="271" r:id="rId21"/>
-    <p:sldId id="282" r:id="rId22"/>
-    <p:sldId id="272" r:id="rId23"/>
-    <p:sldId id="274" r:id="rId24"/>
-    <p:sldId id="273" r:id="rId25"/>
-    <p:sldId id="275" r:id="rId26"/>
+    <p:sldId id="297" r:id="rId9"/>
+    <p:sldId id="279" r:id="rId10"/>
+    <p:sldId id="280" r:id="rId11"/>
+    <p:sldId id="262" r:id="rId12"/>
+    <p:sldId id="263" r:id="rId13"/>
+    <p:sldId id="264" r:id="rId14"/>
+    <p:sldId id="268" r:id="rId15"/>
+    <p:sldId id="265" r:id="rId16"/>
+    <p:sldId id="281" r:id="rId17"/>
+    <p:sldId id="266" r:id="rId18"/>
+    <p:sldId id="269" r:id="rId19"/>
+    <p:sldId id="267" r:id="rId20"/>
+    <p:sldId id="270" r:id="rId21"/>
+    <p:sldId id="271" r:id="rId22"/>
+    <p:sldId id="282" r:id="rId23"/>
+    <p:sldId id="272" r:id="rId24"/>
+    <p:sldId id="274" r:id="rId25"/>
+    <p:sldId id="273" r:id="rId26"/>
+    <p:sldId id="275" r:id="rId27"/>
   </p:sldIdLst>
   <p:sldSz cx="12192000" cy="6858000"/>
   <p:notesSz cx="6858000" cy="9144000"/>
@@ -3785,14 +3786,14 @@
           <a:lstStyle/>
           <a:p>
             <a:r>
-              <a:rPr lang="en-US" altLang="zh-CN" dirty="0" smtClean="0"/>
-              <a:t>C++11</a:t>
+              <a:rPr lang="en-US" dirty="0" smtClean="0"/>
+              <a:t>TIMELINE</a:t>
             </a:r>
             <a:r>
               <a:rPr lang="zh-CN" altLang="en-US" dirty="0" smtClean="0"/>
-              <a:t>新特性之我见</a:t>
-            </a:r>
-            <a:endParaRPr lang="zh-CN" altLang="en-US" dirty="0"/>
+              <a:t>项目报告</a:t>
+            </a:r>
+            <a:endParaRPr lang="zh-CN" altLang="en-US" dirty="0" smtClean="0"/>
           </a:p>
         </p:txBody>
       </p:sp>
@@ -3808,19 +3809,19 @@
         </p:nvSpPr>
         <p:spPr>
           <a:xfrm>
-            <a:off x="2679906" y="3956279"/>
+            <a:off x="3207591" y="4473169"/>
             <a:ext cx="7695017" cy="1086237"/>
           </a:xfrm>
         </p:spPr>
         <p:txBody>
           <a:bodyPr>
-            <a:normAutofit/>
+            <a:normAutofit fontScale="90000"/>
           </a:bodyPr>
           <a:lstStyle/>
           <a:p>
             <a:r>
               <a:rPr lang="en-US" altLang="zh-CN" dirty="0" smtClean="0"/>
-              <a:t>						</a:t>
+              <a:t>	    </a:t>
             </a:r>
             <a:r>
               <a:rPr lang="en-US" altLang="zh-CN" sz="3600" dirty="0" smtClean="0"/>
@@ -3828,9 +3829,9 @@
             </a:r>
             <a:r>
               <a:rPr lang="zh-CN" altLang="en-US" sz="3600" dirty="0" smtClean="0"/>
-              <a:t>阿岳</a:t>
-            </a:r>
-            <a:endParaRPr lang="zh-CN" altLang="en-US" sz="3600" dirty="0"/>
+              <a:t>赵奕威 吴岳 倪事通 庄子凯</a:t>
+            </a:r>
+            <a:endParaRPr lang="zh-CN" altLang="en-US" sz="3600" dirty="0" smtClean="0"/>
           </a:p>
         </p:txBody>
       </p:sp>
@@ -3931,16 +3932,19 @@
           <a:lstStyle/>
           <a:p>
             <a:r>
-              <a:rPr lang="zh-CN" altLang="en-US" dirty="0"/>
+              <a:rPr lang="zh-CN" altLang="en-US" dirty="0" smtClean="0"/>
               <a:t>例子</a:t>
             </a:r>
-            <a:endParaRPr lang="zh-CN" altLang="en-US" dirty="0"/>
+            <a:endParaRPr lang="en-US" altLang="zh-CN" dirty="0" smtClean="0"/>
+          </a:p>
+          <a:p>
+            <a:endParaRPr lang="en-US" altLang="zh-CN" dirty="0"/>
           </a:p>
         </p:txBody>
       </p:sp>
       <p:pic>
         <p:nvPicPr>
-          <p:cNvPr id="9" name="图片 8"/>
+          <p:cNvPr id="7" name="图片 6"/>
           <p:cNvPicPr>
             <a:picLocks noChangeAspect="1"/>
           </p:cNvPicPr>
@@ -3954,15 +3958,45 @@
               </a:ext>
             </a:extLst>
           </a:blip>
-          <a:srcRect t="353"/>
           <a:stretch>
             <a:fillRect/>
           </a:stretch>
         </p:blipFill>
         <p:spPr>
           <a:xfrm>
-            <a:off x="1371600" y="2171700"/>
-            <a:ext cx="10602595" cy="3999230"/>
+            <a:off x="1158240" y="2430780"/>
+            <a:ext cx="7059930" cy="4055745"/>
+          </a:xfrm>
+          <a:prstGeom prst="rect">
+            <a:avLst/>
+          </a:prstGeom>
+        </p:spPr>
+      </p:pic>
+      <p:pic>
+        <p:nvPicPr>
+          <p:cNvPr id="8" name="图片 7"/>
+          <p:cNvPicPr>
+            <a:picLocks noChangeAspect="1"/>
+          </p:cNvPicPr>
+          <p:nvPr/>
+        </p:nvPicPr>
+        <p:blipFill rotWithShape="1">
+          <a:blip r:embed="rId2">
+            <a:extLst>
+              <a:ext uri="{28A0092B-C50C-407E-A947-70E740481C1C}">
+                <a14:useLocalDpi xmlns:a14="http://schemas.microsoft.com/office/drawing/2010/main" val="0"/>
+              </a:ext>
+            </a:extLst>
+          </a:blip>
+          <a:srcRect l="849" t="31663" r="1762" b="16264"/>
+          <a:stretch>
+            <a:fillRect/>
+          </a:stretch>
+        </p:blipFill>
+        <p:spPr>
+          <a:xfrm>
+            <a:off x="1158240" y="2059305"/>
+            <a:ext cx="10706735" cy="231775"/>
           </a:xfrm>
           <a:prstGeom prst="rect">
             <a:avLst/>
@@ -4018,18 +4052,26 @@
           <a:p>
             <a:r>
               <a:rPr lang="en-US" altLang="zh-CN" dirty="0" smtClean="0"/>
-              <a:t>5.</a:t>
+              <a:t>4.Lambda</a:t>
             </a:r>
             <a:r>
               <a:rPr lang="zh-CN" altLang="en-US" dirty="0" smtClean="0"/>
-              <a:t>重载运算与</a:t>
-            </a:r>
-            <a:r>
-              <a:rPr lang="zh-CN" altLang="en-US" dirty="0"/>
-              <a:t>类型转换</a:t>
+              <a:t>表达式（</a:t>
+            </a:r>
+            <a:r>
+              <a:rPr lang="en-US" altLang="zh-CN" dirty="0" err="1" smtClean="0"/>
+              <a:t>c++</a:t>
+            </a:r>
+            <a:r>
+              <a:rPr lang="en-US" altLang="zh-CN" dirty="0" smtClean="0"/>
+              <a:t>14</a:t>
+            </a:r>
+            <a:r>
+              <a:rPr lang="zh-CN" altLang="en-US" dirty="0" smtClean="0"/>
+              <a:t>中完善）</a:t>
             </a:r>
             <a:br>
-              <a:rPr lang="zh-CN" altLang="en-US" dirty="0"/>
+              <a:rPr lang="zh-CN" altLang="en-US" dirty="0" smtClean="0"/>
             </a:br>
             <a:endParaRPr lang="zh-CN" altLang="en-US" dirty="0"/>
           </a:p>
@@ -4058,32 +4100,16 @@
           <a:lstStyle/>
           <a:p>
             <a:r>
-              <a:rPr lang="en-US" altLang="zh-CN" dirty="0" smtClean="0"/>
-              <a:t>function</a:t>
-            </a:r>
-            <a:r>
-              <a:rPr lang="zh-CN" altLang="en-US" dirty="0" smtClean="0"/>
-              <a:t>类模板    </a:t>
-            </a:r>
-            <a:r>
-              <a:rPr lang="en-US" altLang="zh-CN" dirty="0" smtClean="0"/>
-              <a:t>——</a:t>
-            </a:r>
-            <a:r>
               <a:rPr lang="zh-CN" altLang="en-US" dirty="0"/>
-              <a:t>提供一种通用、多态的函数封装（替代函数指针</a:t>
-            </a:r>
-            <a:r>
-              <a:rPr lang="zh-CN" altLang="en-US" dirty="0"/>
-              <a:t>）</a:t>
-            </a:r>
-            <a:endParaRPr lang="en-US" altLang="zh-CN" dirty="0"/>
+              <a:t>例子</a:t>
+            </a:r>
+            <a:endParaRPr lang="zh-CN" altLang="en-US" dirty="0"/>
           </a:p>
         </p:txBody>
       </p:sp>
       <p:pic>
         <p:nvPicPr>
-          <p:cNvPr id="3" name="图片 2"/>
+          <p:cNvPr id="9" name="图片 8"/>
           <p:cNvPicPr>
             <a:picLocks noChangeAspect="1"/>
           </p:cNvPicPr>
@@ -4097,44 +4123,15 @@
               </a:ext>
             </a:extLst>
           </a:blip>
+          <a:srcRect t="353"/>
           <a:stretch>
             <a:fillRect/>
           </a:stretch>
         </p:blipFill>
         <p:spPr>
           <a:xfrm>
-            <a:off x="6901137" y="2642088"/>
-            <a:ext cx="5123809" cy="2800000"/>
-          </a:xfrm>
-          <a:prstGeom prst="rect">
-            <a:avLst/>
-          </a:prstGeom>
-        </p:spPr>
-      </p:pic>
-      <p:pic>
-        <p:nvPicPr>
-          <p:cNvPr id="5" name="图片 4"/>
-          <p:cNvPicPr>
-            <a:picLocks noChangeAspect="1"/>
-          </p:cNvPicPr>
-          <p:nvPr/>
-        </p:nvPicPr>
-        <p:blipFill>
-          <a:blip r:embed="rId2">
-            <a:extLst>
-              <a:ext uri="{28A0092B-C50C-407E-A947-70E740481C1C}">
-                <a14:useLocalDpi xmlns:a14="http://schemas.microsoft.com/office/drawing/2010/main" val="0"/>
-              </a:ext>
-            </a:extLst>
-          </a:blip>
-          <a:stretch>
-            <a:fillRect/>
-          </a:stretch>
-        </p:blipFill>
-        <p:spPr>
-          <a:xfrm>
-            <a:off x="1371599" y="1977911"/>
-            <a:ext cx="5389685" cy="4766502"/>
+            <a:off x="1371600" y="2171700"/>
+            <a:ext cx="10602595" cy="3999230"/>
           </a:xfrm>
           <a:prstGeom prst="rect">
             <a:avLst/>
@@ -4194,10 +4191,14 @@
             </a:r>
             <a:r>
               <a:rPr lang="zh-CN" altLang="en-US" dirty="0" smtClean="0"/>
-              <a:t>重载运算与类型转换</a:t>
+              <a:t>重载运算与</a:t>
+            </a:r>
+            <a:r>
+              <a:rPr lang="zh-CN" altLang="en-US" dirty="0"/>
+              <a:t>类型转换</a:t>
             </a:r>
             <a:br>
-              <a:rPr lang="zh-CN" altLang="en-US" dirty="0" smtClean="0"/>
+              <a:rPr lang="zh-CN" altLang="en-US" dirty="0"/>
             </a:br>
             <a:endParaRPr lang="zh-CN" altLang="en-US" dirty="0"/>
           </a:p>
@@ -4227,23 +4228,19 @@
           <a:p>
             <a:r>
               <a:rPr lang="en-US" altLang="zh-CN" dirty="0" smtClean="0"/>
-              <a:t>explicit</a:t>
+              <a:t>function</a:t>
             </a:r>
             <a:r>
               <a:rPr lang="zh-CN" altLang="en-US" dirty="0" smtClean="0"/>
-              <a:t>类型转换运算符</a:t>
-            </a:r>
-            <a:r>
-              <a:rPr lang="zh-CN" altLang="en-US" b="1" dirty="0" smtClean="0"/>
-              <a:t> </a:t>
+              <a:t>类模板    </a:t>
             </a:r>
             <a:r>
               <a:rPr lang="en-US" altLang="zh-CN" dirty="0" smtClean="0"/>
               <a:t>——</a:t>
             </a:r>
             <a:r>
-              <a:rPr lang="zh-CN" altLang="en-US" dirty="0" smtClean="0"/>
-              <a:t>用来防止由构造函数定义的隐式转换</a:t>
+              <a:rPr lang="zh-CN" altLang="en-US" dirty="0"/>
+              <a:t>提供一种通用、多态的函数封装（替代函数指针）</a:t>
             </a:r>
             <a:endParaRPr lang="en-US" altLang="zh-CN" dirty="0"/>
           </a:p>
@@ -4251,7 +4248,7 @@
       </p:sp>
       <p:pic>
         <p:nvPicPr>
-          <p:cNvPr id="6" name="图片 5"/>
+          <p:cNvPr id="3" name="图片 2"/>
           <p:cNvPicPr>
             <a:picLocks noChangeAspect="1"/>
           </p:cNvPicPr>
@@ -4271,8 +4268,8 @@
         </p:blipFill>
         <p:spPr>
           <a:xfrm>
-            <a:off x="1371599" y="4093745"/>
-            <a:ext cx="5952482" cy="2052078"/>
+            <a:off x="6901137" y="2642088"/>
+            <a:ext cx="5123809" cy="2800000"/>
           </a:xfrm>
           <a:prstGeom prst="rect">
             <a:avLst/>
@@ -4281,7 +4278,7 @@
       </p:pic>
       <p:pic>
         <p:nvPicPr>
-          <p:cNvPr id="7" name="图片 6"/>
+          <p:cNvPr id="5" name="图片 4"/>
           <p:cNvPicPr>
             <a:picLocks noChangeAspect="1"/>
           </p:cNvPicPr>
@@ -4301,8 +4298,8 @@
         </p:blipFill>
         <p:spPr>
           <a:xfrm>
-            <a:off x="1371599" y="2171699"/>
-            <a:ext cx="3050931" cy="1763993"/>
+            <a:off x="1371599" y="1977911"/>
+            <a:ext cx="5389685" cy="4766502"/>
           </a:xfrm>
           <a:prstGeom prst="rect">
             <a:avLst/>
@@ -4358,12 +4355,15 @@
           <a:p>
             <a:r>
               <a:rPr lang="en-US" altLang="zh-CN" dirty="0" smtClean="0"/>
-              <a:t>6.</a:t>
+              <a:t>5.</a:t>
             </a:r>
             <a:r>
               <a:rPr lang="zh-CN" altLang="en-US" dirty="0" smtClean="0"/>
-              <a:t>动态内存</a:t>
-            </a:r>
+              <a:t>重载运算与类型转换</a:t>
+            </a:r>
+            <a:br>
+              <a:rPr lang="zh-CN" altLang="en-US" dirty="0" smtClean="0"/>
+            </a:br>
             <a:endParaRPr lang="zh-CN" altLang="en-US" dirty="0"/>
           </a:p>
         </p:txBody>
@@ -4391,159 +4391,32 @@
           <a:lstStyle/>
           <a:p>
             <a:r>
-              <a:rPr lang="en-US" altLang="zh-CN" dirty="0" err="1"/>
-              <a:t>s</a:t>
-            </a:r>
-            <a:r>
-              <a:rPr lang="en-US" altLang="zh-CN" dirty="0" err="1" smtClean="0"/>
-              <a:t>hared_ptr</a:t>
+              <a:rPr lang="en-US" altLang="zh-CN" dirty="0" smtClean="0"/>
+              <a:t>explicit</a:t>
             </a:r>
             <a:r>
               <a:rPr lang="zh-CN" altLang="en-US" dirty="0" smtClean="0"/>
-              <a:t>与</a:t>
-            </a:r>
-            <a:r>
-              <a:rPr lang="en-US" altLang="zh-CN" dirty="0" err="1" smtClean="0"/>
-              <a:t>weak_ptr</a:t>
+              <a:t>类型转换运算符</a:t>
+            </a:r>
+            <a:r>
+              <a:rPr lang="zh-CN" altLang="en-US" b="1" dirty="0" smtClean="0"/>
+              <a:t> </a:t>
             </a:r>
             <a:r>
               <a:rPr lang="en-US" altLang="zh-CN" dirty="0" smtClean="0"/>
-              <a:t>(</a:t>
-            </a:r>
-            <a:r>
-              <a:rPr lang="zh-CN" altLang="en-US" dirty="0"/>
-              <a:t>只提供了对管理对象的一个访问手段，同时也可以实时动态地知道指向的对象是否存活</a:t>
-            </a:r>
-            <a:r>
-              <a:rPr lang="en-US" altLang="zh-CN" dirty="0" smtClean="0"/>
-              <a:t>)</a:t>
-            </a:r>
-            <a:endParaRPr lang="en-US" altLang="zh-CN" dirty="0" smtClean="0"/>
-          </a:p>
-          <a:p>
-            <a:pPr marL="0" indent="0">
-              <a:buNone/>
-            </a:pPr>
+              <a:t>——</a:t>
+            </a:r>
             <a:r>
               <a:rPr lang="zh-CN" altLang="en-US" dirty="0" smtClean="0"/>
-              <a:t>用</a:t>
-            </a:r>
-            <a:r>
-              <a:rPr lang="en-US" altLang="zh-CN" dirty="0" err="1" smtClean="0">
-                <a:solidFill>
-                  <a:srgbClr val="FF0000"/>
-                </a:solidFill>
-              </a:rPr>
-              <a:t>std</a:t>
-            </a:r>
-            <a:r>
-              <a:rPr lang="en-US" altLang="zh-CN" dirty="0" smtClean="0">
-                <a:solidFill>
-                  <a:srgbClr val="FF0000"/>
-                </a:solidFill>
-              </a:rPr>
-              <a:t>::</a:t>
-            </a:r>
-            <a:r>
-              <a:rPr lang="en-US" altLang="zh-CN" dirty="0" err="1" smtClean="0">
-                <a:solidFill>
-                  <a:srgbClr val="FF0000"/>
-                </a:solidFill>
-              </a:rPr>
-              <a:t>make_shared</a:t>
-            </a:r>
-            <a:r>
-              <a:rPr lang="zh-CN" altLang="en-US" dirty="0" smtClean="0">
-                <a:solidFill>
-                  <a:srgbClr val="FF0000"/>
-                </a:solidFill>
-              </a:rPr>
-              <a:t>替代</a:t>
-            </a:r>
-            <a:r>
-              <a:rPr lang="en-US" altLang="zh-CN" dirty="0" smtClean="0">
-                <a:solidFill>
-                  <a:srgbClr val="FF0000"/>
-                </a:solidFill>
-              </a:rPr>
-              <a:t>new</a:t>
-            </a:r>
-            <a:r>
-              <a:rPr lang="en-US" altLang="zh-CN" dirty="0" smtClean="0"/>
-              <a:t> </a:t>
-            </a:r>
-            <a:r>
-              <a:rPr lang="zh-CN" altLang="en-US" dirty="0" smtClean="0">
-                <a:latin typeface="Arial" panose="020B0604020202020204" pitchFamily="34" charset="0"/>
-                <a:cs typeface="Arial" panose="020B0604020202020204" pitchFamily="34" charset="0"/>
-              </a:rPr>
-              <a:t>以及</a:t>
-            </a:r>
-            <a:r>
-              <a:rPr lang="en-US" altLang="zh-CN" dirty="0" smtClean="0">
-                <a:latin typeface="Arial" panose="020B0604020202020204" pitchFamily="34" charset="0"/>
-                <a:cs typeface="Arial" panose="020B0604020202020204" pitchFamily="34" charset="0"/>
-              </a:rPr>
-              <a:t> </a:t>
-            </a:r>
-            <a:r>
-              <a:rPr lang="zh-CN" altLang="en-US" dirty="0" smtClean="0">
-                <a:solidFill>
-                  <a:srgbClr val="FF0000"/>
-                </a:solidFill>
-                <a:latin typeface="Arial" panose="020B0604020202020204" pitchFamily="34" charset="0"/>
-                <a:cs typeface="Arial" panose="020B0604020202020204" pitchFamily="34" charset="0"/>
-              </a:rPr>
-              <a:t>避免循环引用</a:t>
-            </a:r>
-            <a:r>
-              <a:rPr lang="zh-CN" altLang="en-US" dirty="0" smtClean="0">
-                <a:latin typeface="Arial" panose="020B0604020202020204" pitchFamily="34" charset="0"/>
-                <a:cs typeface="Arial" panose="020B0604020202020204" pitchFamily="34" charset="0"/>
-              </a:rPr>
-              <a:t>（</a:t>
-            </a:r>
-            <a:r>
-              <a:rPr lang="en-US" altLang="zh-CN" dirty="0" err="1" smtClean="0">
-                <a:latin typeface="Arial" panose="020B0604020202020204" pitchFamily="34" charset="0"/>
-                <a:cs typeface="Arial" panose="020B0604020202020204" pitchFamily="34" charset="0"/>
-              </a:rPr>
-              <a:t>make_unique</a:t>
-            </a:r>
-            <a:r>
-              <a:rPr lang="zh-CN" altLang="en-US" dirty="0" smtClean="0">
-                <a:latin typeface="Arial" panose="020B0604020202020204" pitchFamily="34" charset="0"/>
-                <a:cs typeface="Arial" panose="020B0604020202020204" pitchFamily="34" charset="0"/>
-              </a:rPr>
-              <a:t>在</a:t>
-            </a:r>
-            <a:r>
-              <a:rPr lang="en-US" altLang="zh-CN" dirty="0" smtClean="0">
-                <a:latin typeface="Arial" panose="020B0604020202020204" pitchFamily="34" charset="0"/>
-                <a:cs typeface="Arial" panose="020B0604020202020204" pitchFamily="34" charset="0"/>
-              </a:rPr>
-              <a:t>C++14</a:t>
-            </a:r>
-            <a:r>
-              <a:rPr lang="zh-CN" altLang="en-US" dirty="0" smtClean="0">
-                <a:latin typeface="Arial" panose="020B0604020202020204" pitchFamily="34" charset="0"/>
-                <a:cs typeface="Arial" panose="020B0604020202020204" pitchFamily="34" charset="0"/>
-              </a:rPr>
-              <a:t>后有）</a:t>
-            </a:r>
-            <a:endParaRPr lang="en-US" altLang="zh-CN" dirty="0" smtClean="0"/>
-          </a:p>
-          <a:p>
-            <a:pPr marL="0" indent="0">
-              <a:buNone/>
-            </a:pPr>
+              <a:t>用来防止由构造函数定义的隐式转换</a:t>
+            </a:r>
             <a:endParaRPr lang="en-US" altLang="zh-CN" dirty="0"/>
           </a:p>
         </p:txBody>
       </p:sp>
       <p:pic>
         <p:nvPicPr>
-          <p:cNvPr id="3" name="图片 2"/>
+          <p:cNvPr id="6" name="图片 5"/>
           <p:cNvPicPr>
             <a:picLocks noChangeAspect="1"/>
           </p:cNvPicPr>
@@ -4563,164 +4436,44 @@
         </p:blipFill>
         <p:spPr>
           <a:xfrm>
-            <a:off x="1371600" y="2967263"/>
-            <a:ext cx="7152017" cy="1042335"/>
+            <a:off x="1371599" y="4093745"/>
+            <a:ext cx="5952482" cy="2052078"/>
           </a:xfrm>
           <a:prstGeom prst="rect">
             <a:avLst/>
           </a:prstGeom>
         </p:spPr>
       </p:pic>
-      <p:sp>
-        <p:nvSpPr>
-          <p:cNvPr id="5" name="文本框 4"/>
-          <p:cNvSpPr txBox="1"/>
+      <p:pic>
+        <p:nvPicPr>
+          <p:cNvPr id="7" name="图片 6"/>
+          <p:cNvPicPr>
+            <a:picLocks noChangeAspect="1"/>
+          </p:cNvPicPr>
           <p:nvPr/>
-        </p:nvSpPr>
-        <p:spPr>
-          <a:xfrm>
-            <a:off x="1371600" y="4237892"/>
-            <a:ext cx="8921931" cy="707886"/>
+        </p:nvPicPr>
+        <p:blipFill>
+          <a:blip r:embed="rId2">
+            <a:extLst>
+              <a:ext uri="{28A0092B-C50C-407E-A947-70E740481C1C}">
+                <a14:useLocalDpi xmlns:a14="http://schemas.microsoft.com/office/drawing/2010/main" val="0"/>
+              </a:ext>
+            </a:extLst>
+          </a:blip>
+          <a:stretch>
+            <a:fillRect/>
+          </a:stretch>
+        </p:blipFill>
+        <p:spPr>
+          <a:xfrm>
+            <a:off x="1371599" y="2171699"/>
+            <a:ext cx="3050931" cy="1763993"/>
           </a:xfrm>
           <a:prstGeom prst="rect">
             <a:avLst/>
           </a:prstGeom>
-          <a:noFill/>
-        </p:spPr>
-        <p:txBody>
-          <a:bodyPr wrap="square" rtlCol="0">
-            <a:spAutoFit/>
-          </a:bodyPr>
-          <a:lstStyle/>
-          <a:p>
-            <a:r>
-              <a:rPr lang="zh-CN" altLang="en-US" sz="2000" dirty="0" smtClean="0">
-                <a:effectLst/>
-              </a:rPr>
-              <a:t>同直接使用</a:t>
-            </a:r>
-            <a:r>
-              <a:rPr lang="en-US" altLang="zh-CN" sz="2000" dirty="0" smtClean="0">
-                <a:effectLst/>
-              </a:rPr>
-              <a:t>new</a:t>
-            </a:r>
-            <a:r>
-              <a:rPr lang="zh-CN" altLang="en-US" sz="2000" dirty="0" smtClean="0">
-                <a:effectLst/>
-              </a:rPr>
-              <a:t>相比，</a:t>
-            </a:r>
-            <a:r>
-              <a:rPr lang="en-US" altLang="zh-CN" sz="2000" dirty="0" smtClean="0">
-                <a:effectLst/>
-              </a:rPr>
-              <a:t>make</a:t>
-            </a:r>
-            <a:r>
-              <a:rPr lang="zh-CN" altLang="en-US" sz="2000" dirty="0" smtClean="0">
-                <a:effectLst/>
-              </a:rPr>
-              <a:t>函数减小了代码重复，提高了异常安全，并且对于</a:t>
-            </a:r>
-            <a:r>
-              <a:rPr lang="en-US" altLang="zh-CN" sz="2000" dirty="0" err="1" smtClean="0">
-                <a:effectLst/>
-              </a:rPr>
-              <a:t>std</a:t>
-            </a:r>
-            <a:r>
-              <a:rPr lang="en-US" altLang="zh-CN" sz="2000" dirty="0" smtClean="0">
-                <a:effectLst/>
-              </a:rPr>
-              <a:t>::</a:t>
-            </a:r>
-            <a:r>
-              <a:rPr lang="en-US" altLang="zh-CN" sz="2000" dirty="0" err="1" smtClean="0">
-                <a:effectLst/>
-              </a:rPr>
-              <a:t>make_shared</a:t>
-            </a:r>
-            <a:r>
-              <a:rPr lang="zh-CN" altLang="en-US" sz="2000" dirty="0" smtClean="0">
-                <a:effectLst/>
-              </a:rPr>
-              <a:t>和</a:t>
-            </a:r>
-            <a:r>
-              <a:rPr lang="en-US" altLang="zh-CN" sz="2000" dirty="0" err="1" smtClean="0">
-                <a:effectLst/>
-              </a:rPr>
-              <a:t>std</a:t>
-            </a:r>
-            <a:r>
-              <a:rPr lang="en-US" altLang="zh-CN" sz="2000" dirty="0" smtClean="0">
-                <a:effectLst/>
-              </a:rPr>
-              <a:t>::</a:t>
-            </a:r>
-            <a:r>
-              <a:rPr lang="en-US" altLang="zh-CN" sz="2000" dirty="0" err="1" smtClean="0">
-                <a:effectLst/>
-              </a:rPr>
-              <a:t>allcoated_shared</a:t>
-            </a:r>
-            <a:r>
-              <a:rPr lang="zh-CN" altLang="en-US" sz="2000" dirty="0" smtClean="0">
-                <a:effectLst/>
-              </a:rPr>
-              <a:t>，生成的代码会更小更快。</a:t>
-            </a:r>
-            <a:endParaRPr lang="zh-CN" altLang="en-US" sz="2000" dirty="0"/>
-          </a:p>
-        </p:txBody>
-      </p:sp>
-      <p:sp>
-        <p:nvSpPr>
-          <p:cNvPr id="6" name="文本框 5"/>
-          <p:cNvSpPr txBox="1"/>
-          <p:nvPr/>
-        </p:nvSpPr>
-        <p:spPr>
-          <a:xfrm>
-            <a:off x="1365068" y="5154718"/>
-            <a:ext cx="7432765" cy="400110"/>
-          </a:xfrm>
-          <a:prstGeom prst="rect">
-            <a:avLst/>
-          </a:prstGeom>
-          <a:noFill/>
-        </p:spPr>
-        <p:txBody>
-          <a:bodyPr wrap="square" rtlCol="0">
-            <a:spAutoFit/>
-          </a:bodyPr>
-          <a:lstStyle/>
-          <a:p>
-            <a:r>
-              <a:rPr lang="zh-CN" altLang="en-US" sz="2000" dirty="0" smtClean="0"/>
-              <a:t>不要让</a:t>
-            </a:r>
-            <a:r>
-              <a:rPr lang="en-US" altLang="zh-CN" sz="2000" dirty="0" smtClean="0"/>
-              <a:t>child</a:t>
-            </a:r>
-            <a:r>
-              <a:rPr lang="zh-CN" altLang="en-US" sz="2000" dirty="0" smtClean="0"/>
-              <a:t>与</a:t>
-            </a:r>
-            <a:r>
-              <a:rPr lang="en-US" altLang="zh-CN" sz="2000" dirty="0" smtClean="0"/>
-              <a:t>parent</a:t>
-            </a:r>
-            <a:r>
-              <a:rPr lang="zh-CN" altLang="en-US" sz="2000" dirty="0" smtClean="0"/>
-              <a:t>互相循环引用导致内存泄漏</a:t>
-            </a:r>
-            <a:endParaRPr lang="zh-CN" altLang="en-US" sz="2000" dirty="0"/>
-          </a:p>
-        </p:txBody>
-      </p:sp>
+        </p:spPr>
+      </p:pic>
     </p:spTree>
   </p:cSld>
   <p:clrMapOvr>
@@ -4776,6 +4529,418 @@
               <a:rPr lang="zh-CN" altLang="en-US" dirty="0" smtClean="0"/>
               <a:t>动态内存</a:t>
             </a:r>
+            <a:endParaRPr lang="zh-CN" altLang="en-US" dirty="0"/>
+          </a:p>
+        </p:txBody>
+      </p:sp>
+      <p:sp>
+        <p:nvSpPr>
+          <p:cNvPr id="4" name="内容占位符 2"/>
+          <p:cNvSpPr>
+            <a:spLocks noGrp="1"/>
+          </p:cNvSpPr>
+          <p:nvPr>
+            <p:ph idx="1"/>
+          </p:nvPr>
+        </p:nvSpPr>
+        <p:spPr>
+          <a:xfrm>
+            <a:off x="1371600" y="1617784"/>
+            <a:ext cx="9601200" cy="5240216"/>
+          </a:xfrm>
+        </p:spPr>
+        <p:txBody>
+          <a:bodyPr>
+            <a:normAutofit/>
+          </a:bodyPr>
+          <a:lstStyle/>
+          <a:p>
+            <a:r>
+              <a:rPr lang="en-US" altLang="zh-CN" dirty="0" err="1"/>
+              <a:t>s</a:t>
+            </a:r>
+            <a:r>
+              <a:rPr lang="en-US" altLang="zh-CN" dirty="0" err="1" smtClean="0"/>
+              <a:t>hared_ptr</a:t>
+            </a:r>
+            <a:r>
+              <a:rPr lang="zh-CN" altLang="en-US" dirty="0" smtClean="0"/>
+              <a:t>与</a:t>
+            </a:r>
+            <a:r>
+              <a:rPr lang="en-US" altLang="zh-CN" dirty="0" err="1" smtClean="0"/>
+              <a:t>weak_ptr</a:t>
+            </a:r>
+            <a:r>
+              <a:rPr lang="en-US" altLang="zh-CN" dirty="0" smtClean="0"/>
+              <a:t>(</a:t>
+            </a:r>
+            <a:r>
+              <a:rPr lang="zh-CN" altLang="en-US" dirty="0"/>
+              <a:t>只提供了对管理对象的一个访问手段，同时也可以实时动态地知道指向的对象是否存活</a:t>
+            </a:r>
+            <a:r>
+              <a:rPr lang="en-US" altLang="zh-CN" dirty="0" smtClean="0"/>
+              <a:t>)</a:t>
+            </a:r>
+            <a:endParaRPr lang="en-US" altLang="zh-CN" dirty="0" smtClean="0"/>
+          </a:p>
+          <a:p>
+            <a:pPr marL="0" indent="0">
+              <a:buNone/>
+            </a:pPr>
+            <a:r>
+              <a:rPr lang="zh-CN" altLang="en-US" dirty="0" smtClean="0"/>
+              <a:t>用</a:t>
+            </a:r>
+            <a:r>
+              <a:rPr lang="en-US" altLang="zh-CN" dirty="0" err="1" smtClean="0">
+                <a:solidFill>
+                  <a:srgbClr val="FF0000"/>
+                </a:solidFill>
+              </a:rPr>
+              <a:t>std</a:t>
+            </a:r>
+            <a:r>
+              <a:rPr lang="en-US" altLang="zh-CN" dirty="0" smtClean="0">
+                <a:solidFill>
+                  <a:srgbClr val="FF0000"/>
+                </a:solidFill>
+              </a:rPr>
+              <a:t>::</a:t>
+            </a:r>
+            <a:r>
+              <a:rPr lang="en-US" altLang="zh-CN" dirty="0" err="1" smtClean="0">
+                <a:solidFill>
+                  <a:srgbClr val="FF0000"/>
+                </a:solidFill>
+              </a:rPr>
+              <a:t>make_shared</a:t>
+            </a:r>
+            <a:r>
+              <a:rPr lang="zh-CN" altLang="en-US" dirty="0" smtClean="0">
+                <a:solidFill>
+                  <a:srgbClr val="FF0000"/>
+                </a:solidFill>
+              </a:rPr>
+              <a:t>替代</a:t>
+            </a:r>
+            <a:r>
+              <a:rPr lang="en-US" altLang="zh-CN" dirty="0" smtClean="0">
+                <a:solidFill>
+                  <a:srgbClr val="FF0000"/>
+                </a:solidFill>
+              </a:rPr>
+              <a:t>new</a:t>
+            </a:r>
+            <a:r>
+              <a:rPr lang="en-US" altLang="zh-CN" dirty="0" smtClean="0"/>
+              <a:t> </a:t>
+            </a:r>
+            <a:r>
+              <a:rPr lang="zh-CN" altLang="en-US" dirty="0" smtClean="0">
+                <a:latin typeface="Arial" panose="020B0604020202020204" pitchFamily="34" charset="0"/>
+                <a:cs typeface="Arial" panose="020B0604020202020204" pitchFamily="34" charset="0"/>
+              </a:rPr>
+              <a:t>以及</a:t>
+            </a:r>
+            <a:r>
+              <a:rPr lang="en-US" altLang="zh-CN" dirty="0" smtClean="0">
+                <a:latin typeface="Arial" panose="020B0604020202020204" pitchFamily="34" charset="0"/>
+                <a:cs typeface="Arial" panose="020B0604020202020204" pitchFamily="34" charset="0"/>
+              </a:rPr>
+              <a:t> </a:t>
+            </a:r>
+            <a:r>
+              <a:rPr lang="zh-CN" altLang="en-US" dirty="0" smtClean="0">
+                <a:solidFill>
+                  <a:srgbClr val="FF0000"/>
+                </a:solidFill>
+                <a:latin typeface="Arial" panose="020B0604020202020204" pitchFamily="34" charset="0"/>
+                <a:cs typeface="Arial" panose="020B0604020202020204" pitchFamily="34" charset="0"/>
+              </a:rPr>
+              <a:t>避免循环引用</a:t>
+            </a:r>
+            <a:r>
+              <a:rPr lang="zh-CN" altLang="en-US" dirty="0" smtClean="0">
+                <a:latin typeface="Arial" panose="020B0604020202020204" pitchFamily="34" charset="0"/>
+                <a:cs typeface="Arial" panose="020B0604020202020204" pitchFamily="34" charset="0"/>
+              </a:rPr>
+              <a:t>（</a:t>
+            </a:r>
+            <a:r>
+              <a:rPr lang="en-US" altLang="zh-CN" dirty="0" err="1" smtClean="0">
+                <a:latin typeface="Arial" panose="020B0604020202020204" pitchFamily="34" charset="0"/>
+                <a:cs typeface="Arial" panose="020B0604020202020204" pitchFamily="34" charset="0"/>
+              </a:rPr>
+              <a:t>make_unique</a:t>
+            </a:r>
+            <a:r>
+              <a:rPr lang="zh-CN" altLang="en-US" dirty="0" smtClean="0">
+                <a:latin typeface="Arial" panose="020B0604020202020204" pitchFamily="34" charset="0"/>
+                <a:cs typeface="Arial" panose="020B0604020202020204" pitchFamily="34" charset="0"/>
+              </a:rPr>
+              <a:t>在</a:t>
+            </a:r>
+            <a:r>
+              <a:rPr lang="en-US" altLang="zh-CN" dirty="0" smtClean="0">
+                <a:latin typeface="Arial" panose="020B0604020202020204" pitchFamily="34" charset="0"/>
+                <a:cs typeface="Arial" panose="020B0604020202020204" pitchFamily="34" charset="0"/>
+              </a:rPr>
+              <a:t>C++14</a:t>
+            </a:r>
+            <a:r>
+              <a:rPr lang="zh-CN" altLang="en-US" dirty="0" smtClean="0">
+                <a:latin typeface="Arial" panose="020B0604020202020204" pitchFamily="34" charset="0"/>
+                <a:cs typeface="Arial" panose="020B0604020202020204" pitchFamily="34" charset="0"/>
+              </a:rPr>
+              <a:t>后有）</a:t>
+            </a:r>
+            <a:endParaRPr lang="en-US" altLang="zh-CN" dirty="0" smtClean="0"/>
+          </a:p>
+          <a:p>
+            <a:pPr marL="0" indent="0">
+              <a:buNone/>
+            </a:pPr>
+            <a:endParaRPr lang="en-US" altLang="zh-CN" dirty="0"/>
+          </a:p>
+        </p:txBody>
+      </p:sp>
+      <p:pic>
+        <p:nvPicPr>
+          <p:cNvPr id="3" name="图片 2"/>
+          <p:cNvPicPr>
+            <a:picLocks noChangeAspect="1"/>
+          </p:cNvPicPr>
+          <p:nvPr/>
+        </p:nvPicPr>
+        <p:blipFill>
+          <a:blip r:embed="rId1">
+            <a:extLst>
+              <a:ext uri="{28A0092B-C50C-407E-A947-70E740481C1C}">
+                <a14:useLocalDpi xmlns:a14="http://schemas.microsoft.com/office/drawing/2010/main" val="0"/>
+              </a:ext>
+            </a:extLst>
+          </a:blip>
+          <a:stretch>
+            <a:fillRect/>
+          </a:stretch>
+        </p:blipFill>
+        <p:spPr>
+          <a:xfrm>
+            <a:off x="1371600" y="2967263"/>
+            <a:ext cx="7152017" cy="1042335"/>
+          </a:xfrm>
+          <a:prstGeom prst="rect">
+            <a:avLst/>
+          </a:prstGeom>
+        </p:spPr>
+      </p:pic>
+      <p:sp>
+        <p:nvSpPr>
+          <p:cNvPr id="5" name="文本框 4"/>
+          <p:cNvSpPr txBox="1"/>
+          <p:nvPr/>
+        </p:nvSpPr>
+        <p:spPr>
+          <a:xfrm>
+            <a:off x="1371600" y="4237892"/>
+            <a:ext cx="8921931" cy="707886"/>
+          </a:xfrm>
+          <a:prstGeom prst="rect">
+            <a:avLst/>
+          </a:prstGeom>
+          <a:noFill/>
+        </p:spPr>
+        <p:txBody>
+          <a:bodyPr wrap="square" rtlCol="0">
+            <a:spAutoFit/>
+          </a:bodyPr>
+          <a:lstStyle/>
+          <a:p>
+            <a:r>
+              <a:rPr lang="zh-CN" altLang="en-US" sz="2000" dirty="0" smtClean="0">
+                <a:effectLst/>
+              </a:rPr>
+              <a:t>同直接使用</a:t>
+            </a:r>
+            <a:r>
+              <a:rPr lang="en-US" altLang="zh-CN" sz="2000" dirty="0" smtClean="0">
+                <a:effectLst/>
+              </a:rPr>
+              <a:t>new</a:t>
+            </a:r>
+            <a:r>
+              <a:rPr lang="zh-CN" altLang="en-US" sz="2000" dirty="0" smtClean="0">
+                <a:effectLst/>
+              </a:rPr>
+              <a:t>相比，</a:t>
+            </a:r>
+            <a:r>
+              <a:rPr lang="en-US" altLang="zh-CN" sz="2000" dirty="0" smtClean="0">
+                <a:effectLst/>
+              </a:rPr>
+              <a:t>make</a:t>
+            </a:r>
+            <a:r>
+              <a:rPr lang="zh-CN" altLang="en-US" sz="2000" dirty="0" smtClean="0">
+                <a:effectLst/>
+              </a:rPr>
+              <a:t>函数减小了代码重复，提高了异常安全，并且对于</a:t>
+            </a:r>
+            <a:r>
+              <a:rPr lang="en-US" altLang="zh-CN" sz="2000" dirty="0" err="1" smtClean="0">
+                <a:effectLst/>
+              </a:rPr>
+              <a:t>std</a:t>
+            </a:r>
+            <a:r>
+              <a:rPr lang="en-US" altLang="zh-CN" sz="2000" dirty="0" smtClean="0">
+                <a:effectLst/>
+              </a:rPr>
+              <a:t>::</a:t>
+            </a:r>
+            <a:r>
+              <a:rPr lang="en-US" altLang="zh-CN" sz="2000" dirty="0" err="1" smtClean="0">
+                <a:effectLst/>
+              </a:rPr>
+              <a:t>make_shared</a:t>
+            </a:r>
+            <a:r>
+              <a:rPr lang="zh-CN" altLang="en-US" sz="2000" dirty="0" smtClean="0">
+                <a:effectLst/>
+              </a:rPr>
+              <a:t>和</a:t>
+            </a:r>
+            <a:r>
+              <a:rPr lang="en-US" altLang="zh-CN" sz="2000" dirty="0" err="1" smtClean="0">
+                <a:effectLst/>
+              </a:rPr>
+              <a:t>std</a:t>
+            </a:r>
+            <a:r>
+              <a:rPr lang="en-US" altLang="zh-CN" sz="2000" dirty="0" smtClean="0">
+                <a:effectLst/>
+              </a:rPr>
+              <a:t>::</a:t>
+            </a:r>
+            <a:r>
+              <a:rPr lang="en-US" altLang="zh-CN" sz="2000" dirty="0" err="1" smtClean="0">
+                <a:effectLst/>
+              </a:rPr>
+              <a:t>allcoated_shared</a:t>
+            </a:r>
+            <a:r>
+              <a:rPr lang="zh-CN" altLang="en-US" sz="2000" dirty="0" smtClean="0">
+                <a:effectLst/>
+              </a:rPr>
+              <a:t>，生成的代码会更小更快。</a:t>
+            </a:r>
+            <a:endParaRPr lang="zh-CN" altLang="en-US" sz="2000" dirty="0"/>
+          </a:p>
+        </p:txBody>
+      </p:sp>
+      <p:sp>
+        <p:nvSpPr>
+          <p:cNvPr id="6" name="文本框 5"/>
+          <p:cNvSpPr txBox="1"/>
+          <p:nvPr/>
+        </p:nvSpPr>
+        <p:spPr>
+          <a:xfrm>
+            <a:off x="1365068" y="5154718"/>
+            <a:ext cx="7432765" cy="400110"/>
+          </a:xfrm>
+          <a:prstGeom prst="rect">
+            <a:avLst/>
+          </a:prstGeom>
+          <a:noFill/>
+        </p:spPr>
+        <p:txBody>
+          <a:bodyPr wrap="square" rtlCol="0">
+            <a:spAutoFit/>
+          </a:bodyPr>
+          <a:lstStyle/>
+          <a:p>
+            <a:r>
+              <a:rPr lang="zh-CN" altLang="en-US" sz="2000" dirty="0" smtClean="0"/>
+              <a:t>不要让</a:t>
+            </a:r>
+            <a:r>
+              <a:rPr lang="en-US" altLang="zh-CN" sz="2000" dirty="0" smtClean="0"/>
+              <a:t>child</a:t>
+            </a:r>
+            <a:r>
+              <a:rPr lang="zh-CN" altLang="en-US" sz="2000" dirty="0" smtClean="0"/>
+              <a:t>与</a:t>
+            </a:r>
+            <a:r>
+              <a:rPr lang="en-US" altLang="zh-CN" sz="2000" dirty="0" smtClean="0"/>
+              <a:t>parent</a:t>
+            </a:r>
+            <a:r>
+              <a:rPr lang="zh-CN" altLang="en-US" sz="2000" dirty="0" smtClean="0"/>
+              <a:t>互相循环引用导致内存泄漏</a:t>
+            </a:r>
+            <a:endParaRPr lang="zh-CN" altLang="en-US" sz="2000" dirty="0"/>
+          </a:p>
+        </p:txBody>
+      </p:sp>
+    </p:spTree>
+  </p:cSld>
+  <p:clrMapOvr>
+    <a:masterClrMapping/>
+  </p:clrMapOvr>
+  <p:timing>
+    <p:tnLst>
+      <p:par>
+        <p:cTn id="1" dur="indefinite" restart="never" nodeType="tmRoot"/>
+      </p:par>
+    </p:tnLst>
+  </p:timing>
+</p:sld>
+</file>
+
+<file path=ppt/slides/slide15.xml><?xml version="1.0" encoding="utf-8"?>
+<p:sld xmlns:a="http://schemas.openxmlformats.org/drawingml/2006/main" xmlns:r="http://schemas.openxmlformats.org/officeDocument/2006/relationships" xmlns:p="http://schemas.openxmlformats.org/presentationml/2006/main">
+  <p:cSld>
+    <p:spTree>
+      <p:nvGrpSpPr>
+        <p:cNvPr id="1" name=""/>
+        <p:cNvGrpSpPr/>
+        <p:nvPr/>
+      </p:nvGrpSpPr>
+      <p:grpSpPr>
+        <a:xfrm>
+          <a:off x="0" y="0"/>
+          <a:ext cx="0" cy="0"/>
+          <a:chOff x="0" y="0"/>
+          <a:chExt cx="0" cy="0"/>
+        </a:xfrm>
+      </p:grpSpPr>
+      <p:sp>
+        <p:nvSpPr>
+          <p:cNvPr id="2" name="标题 1"/>
+          <p:cNvSpPr>
+            <a:spLocks noGrp="1"/>
+          </p:cNvSpPr>
+          <p:nvPr>
+            <p:ph type="title"/>
+          </p:nvPr>
+        </p:nvSpPr>
+        <p:spPr/>
+        <p:txBody>
+          <a:bodyPr/>
+          <a:lstStyle/>
+          <a:p>
+            <a:r>
+              <a:rPr lang="en-US" altLang="zh-CN" dirty="0" smtClean="0"/>
+              <a:t>6.</a:t>
+            </a:r>
+            <a:r>
+              <a:rPr lang="zh-CN" altLang="en-US" dirty="0" smtClean="0"/>
+              <a:t>动态内存</a:t>
+            </a:r>
             <a:r>
               <a:rPr lang="en-US" altLang="zh-CN" dirty="0" smtClean="0"/>
               <a:t>——</a:t>
@@ -4832,7 +4997,7 @@
 </p:sld>
 </file>
 
-<file path=ppt/slides/slide15.xml><?xml version="1.0" encoding="utf-8"?>
+<file path=ppt/slides/slide16.xml><?xml version="1.0" encoding="utf-8"?>
 <p:sld xmlns:a="http://schemas.openxmlformats.org/drawingml/2006/main" xmlns:r="http://schemas.openxmlformats.org/officeDocument/2006/relationships" xmlns:p="http://schemas.openxmlformats.org/presentationml/2006/main">
   <p:cSld>
     <p:spTree>
@@ -5178,7 +5343,7 @@
 </p:sld>
 </file>
 
-<file path=ppt/slides/slide16.xml><?xml version="1.0" encoding="utf-8"?>
+<file path=ppt/slides/slide17.xml><?xml version="1.0" encoding="utf-8"?>
 <p:sld xmlns:a="http://schemas.openxmlformats.org/drawingml/2006/main" xmlns:r="http://schemas.openxmlformats.org/officeDocument/2006/relationships" xmlns:p="http://schemas.openxmlformats.org/presentationml/2006/main">
   <p:cSld>
     <p:spTree>
@@ -5254,11 +5419,7 @@
             </a:r>
             <a:r>
               <a:rPr lang="zh-CN" altLang="en-US" dirty="0" smtClean="0"/>
-              <a:t>（继承不会继承构造函数和拷贝构造函数</a:t>
-            </a:r>
-            <a:r>
-              <a:rPr lang="zh-CN" altLang="en-US" dirty="0" smtClean="0"/>
-              <a:t>）</a:t>
+              <a:t>（继承不会继承构造函数和拷贝构造函数）</a:t>
             </a:r>
             <a:endParaRPr lang="zh-CN" altLang="en-US" dirty="0" smtClean="0"/>
           </a:p>
@@ -5327,94 +5488,6 @@
           </a:p>
         </p:txBody>
       </p:sp>
-    </p:spTree>
-  </p:cSld>
-  <p:clrMapOvr>
-    <a:masterClrMapping/>
-  </p:clrMapOvr>
-  <p:timing>
-    <p:tnLst>
-      <p:par>
-        <p:cTn id="1" dur="indefinite" restart="never" nodeType="tmRoot"/>
-      </p:par>
-    </p:tnLst>
-  </p:timing>
-</p:sld>
-</file>
-
-<file path=ppt/slides/slide17.xml><?xml version="1.0" encoding="utf-8"?>
-<p:sld xmlns:a="http://schemas.openxmlformats.org/drawingml/2006/main" xmlns:r="http://schemas.openxmlformats.org/officeDocument/2006/relationships" xmlns:p="http://schemas.openxmlformats.org/presentationml/2006/main">
-  <p:cSld>
-    <p:spTree>
-      <p:nvGrpSpPr>
-        <p:cNvPr id="1" name=""/>
-        <p:cNvGrpSpPr/>
-        <p:nvPr/>
-      </p:nvGrpSpPr>
-      <p:grpSpPr>
-        <a:xfrm>
-          <a:off x="0" y="0"/>
-          <a:ext cx="0" cy="0"/>
-          <a:chOff x="0" y="0"/>
-          <a:chExt cx="0" cy="0"/>
-        </a:xfrm>
-      </p:grpSpPr>
-      <p:sp>
-        <p:nvSpPr>
-          <p:cNvPr id="2" name="标题 1"/>
-          <p:cNvSpPr>
-            <a:spLocks noGrp="1"/>
-          </p:cNvSpPr>
-          <p:nvPr>
-            <p:ph type="title"/>
-          </p:nvPr>
-        </p:nvSpPr>
-        <p:spPr/>
-        <p:txBody>
-          <a:bodyPr/>
-          <a:lstStyle/>
-          <a:p>
-            <a:r>
-              <a:rPr lang="en-US" altLang="zh-CN" dirty="0" smtClean="0"/>
-              <a:t>8.</a:t>
-            </a:r>
-            <a:r>
-              <a:rPr lang="zh-CN" altLang="en-US" dirty="0" smtClean="0"/>
-              <a:t>右值引用</a:t>
-            </a:r>
-            <a:endParaRPr lang="zh-CN" altLang="en-US" dirty="0"/>
-          </a:p>
-        </p:txBody>
-      </p:sp>
-      <p:pic>
-        <p:nvPicPr>
-          <p:cNvPr id="5" name="内容占位符 4"/>
-          <p:cNvPicPr>
-            <a:picLocks noGrp="1" noChangeAspect="1"/>
-          </p:cNvPicPr>
-          <p:nvPr>
-            <p:ph idx="1"/>
-          </p:nvPr>
-        </p:nvPicPr>
-        <p:blipFill>
-          <a:blip r:embed="rId1">
-            <a:extLst>
-              <a:ext uri="{28A0092B-C50C-407E-A947-70E740481C1C}">
-                <a14:useLocalDpi xmlns:a14="http://schemas.microsoft.com/office/drawing/2010/main" val="0"/>
-              </a:ext>
-            </a:extLst>
-          </a:blip>
-          <a:stretch>
-            <a:fillRect/>
-          </a:stretch>
-        </p:blipFill>
-        <p:spPr>
-          <a:xfrm>
-            <a:off x="1371600" y="1434524"/>
-            <a:ext cx="7328263" cy="5253337"/>
-          </a:xfrm>
-        </p:spPr>
-      </p:pic>
     </p:spTree>
   </p:cSld>
   <p:clrMapOvr>
@@ -5476,11 +5549,13 @@
       </p:sp>
       <p:pic>
         <p:nvPicPr>
-          <p:cNvPr id="5" name="图片 4"/>
+          <p:cNvPr id="5" name="内容占位符 4"/>
           <p:cNvPicPr>
-            <a:picLocks noChangeAspect="1"/>
+            <a:picLocks noGrp="1" noChangeAspect="1"/>
           </p:cNvPicPr>
-          <p:nvPr/>
+          <p:nvPr>
+            <p:ph idx="1"/>
+          </p:nvPr>
         </p:nvPicPr>
         <p:blipFill>
           <a:blip r:embed="rId1">
@@ -5496,12 +5571,9 @@
         </p:blipFill>
         <p:spPr>
           <a:xfrm>
-            <a:off x="1371600" y="1428750"/>
-            <a:ext cx="6662057" cy="5298779"/>
-          </a:xfrm>
-          <a:prstGeom prst="rect">
-            <a:avLst/>
-          </a:prstGeom>
+            <a:off x="1371600" y="1434524"/>
+            <a:ext cx="7328263" cy="5253337"/>
+          </a:xfrm>
         </p:spPr>
       </p:pic>
     </p:spTree>
@@ -5585,8 +5657,8 @@
         </p:blipFill>
         <p:spPr>
           <a:xfrm>
-            <a:off x="1371600" y="1940379"/>
-            <a:ext cx="9684423" cy="4042410"/>
+            <a:off x="1371600" y="1428750"/>
+            <a:ext cx="6662057" cy="5298779"/>
           </a:xfrm>
           <a:prstGeom prst="rect">
             <a:avLst/>
@@ -5635,20 +5707,21 @@
             <p:ph type="title"/>
           </p:nvPr>
         </p:nvSpPr>
-        <p:spPr/>
+        <p:spPr>
+          <a:xfrm>
+            <a:off x="1371600" y="556895"/>
+            <a:ext cx="9601200" cy="1485900"/>
+          </a:xfrm>
+        </p:spPr>
         <p:txBody>
           <a:bodyPr/>
           <a:lstStyle/>
           <a:p>
             <a:r>
-              <a:rPr lang="en-US" altLang="zh-CN" dirty="0" smtClean="0"/>
-              <a:t>1.</a:t>
-            </a:r>
-            <a:r>
               <a:rPr lang="zh-CN" altLang="en-US" dirty="0" smtClean="0"/>
-              <a:t>常量与变量</a:t>
-            </a:r>
-            <a:endParaRPr lang="zh-CN" altLang="en-US" dirty="0"/>
+              <a:t>项目分工</a:t>
+            </a:r>
+            <a:endParaRPr lang="zh-CN" altLang="en-US" dirty="0" smtClean="0"/>
           </a:p>
         </p:txBody>
       </p:sp>
@@ -5664,7 +5737,7 @@
         </p:nvSpPr>
         <p:spPr>
           <a:xfrm>
-            <a:off x="1371600" y="1420299"/>
+            <a:off x="1371600" y="1172649"/>
             <a:ext cx="9601200" cy="5240216"/>
           </a:xfrm>
         </p:spPr>
@@ -5674,231 +5747,57 @@
           </a:bodyPr>
           <a:lstStyle/>
           <a:p>
-            <a:r>
-              <a:rPr lang="en-US" altLang="zh-CN" dirty="0" err="1"/>
-              <a:t>n</a:t>
-            </a:r>
-            <a:r>
-              <a:rPr lang="en-US" altLang="zh-CN" dirty="0" err="1" smtClean="0"/>
-              <a:t>ullptr</a:t>
-            </a:r>
-            <a:r>
-              <a:rPr lang="zh-CN" altLang="en-US" dirty="0"/>
-              <a:t>常量 </a:t>
-            </a:r>
-            <a:r>
-              <a:rPr lang="zh-CN" altLang="en-US" dirty="0" smtClean="0"/>
-              <a:t> </a:t>
-            </a:r>
-            <a:r>
-              <a:rPr lang="en-US" altLang="zh-CN" dirty="0" smtClean="0"/>
-              <a:t>——</a:t>
-            </a:r>
-            <a:r>
-              <a:rPr lang="zh-CN" altLang="en-US" dirty="0"/>
-              <a:t>用于解决函数重载后的函数匹配</a:t>
-            </a:r>
-            <a:r>
-              <a:rPr lang="zh-CN" altLang="en-US" dirty="0" smtClean="0"/>
-              <a:t>问题</a:t>
-            </a:r>
-            <a:endParaRPr lang="zh-CN" altLang="en-US" dirty="0" smtClean="0"/>
-          </a:p>
-          <a:p>
-            <a:endParaRPr lang="zh-CN" altLang="en-US" dirty="0" smtClean="0"/>
-          </a:p>
-          <a:p>
-            <a:endParaRPr lang="en-US" altLang="zh-CN" dirty="0" smtClean="0"/>
-          </a:p>
-          <a:p>
-            <a:endParaRPr lang="en-US" altLang="zh-CN" dirty="0" smtClean="0"/>
-          </a:p>
-          <a:p>
-            <a:endParaRPr lang="en-US" altLang="zh-CN" dirty="0" smtClean="0"/>
-          </a:p>
-          <a:p>
-            <a:endParaRPr lang="en-US" altLang="zh-CN" dirty="0" smtClean="0"/>
-          </a:p>
-          <a:p>
-            <a:endParaRPr lang="en-US" altLang="zh-CN" dirty="0" err="1" smtClean="0"/>
-          </a:p>
-          <a:p>
-            <a:r>
-              <a:rPr lang="en-US" altLang="zh-CN" dirty="0" err="1" smtClean="0"/>
-              <a:t>nullptr</a:t>
-            </a:r>
-            <a:r>
-              <a:rPr lang="zh-CN" altLang="en-US" dirty="0"/>
-              <a:t>关键字用于标识空指针，是</a:t>
-            </a:r>
-            <a:r>
-              <a:rPr lang="en-US" altLang="zh-CN" dirty="0" err="1"/>
-              <a:t>std</a:t>
-            </a:r>
-            <a:r>
-              <a:rPr lang="en-US" altLang="zh-CN" dirty="0"/>
-              <a:t>::</a:t>
-            </a:r>
-            <a:r>
-              <a:rPr lang="en-US" altLang="zh-CN" dirty="0" err="1"/>
-              <a:t>nullptr_t</a:t>
-            </a:r>
-            <a:r>
-              <a:rPr lang="zh-CN" altLang="en-US" dirty="0"/>
-              <a:t>类型的（</a:t>
-            </a:r>
-            <a:r>
-              <a:rPr lang="en-US" altLang="zh-CN" dirty="0" err="1"/>
-              <a:t>constexpr</a:t>
-            </a:r>
-            <a:r>
-              <a:rPr lang="zh-CN" altLang="en-US" dirty="0"/>
-              <a:t>）变量。它</a:t>
-            </a:r>
-            <a:r>
-              <a:rPr lang="zh-CN" altLang="en-US" dirty="0" smtClean="0"/>
-              <a:t>可     </a:t>
-            </a:r>
-            <a:r>
-              <a:rPr lang="en-US" altLang="zh-CN" dirty="0"/>
-              <a:t> </a:t>
-            </a:r>
-            <a:r>
-              <a:rPr lang="en-US" altLang="zh-CN" dirty="0" smtClean="0"/>
-              <a:t>   </a:t>
-            </a:r>
-            <a:r>
-              <a:rPr lang="zh-CN" altLang="en-US" dirty="0" smtClean="0"/>
-              <a:t>以</a:t>
-            </a:r>
-            <a:r>
-              <a:rPr lang="zh-CN" altLang="en-US" dirty="0"/>
-              <a:t>转换成任何指针类型和</a:t>
-            </a:r>
-            <a:r>
-              <a:rPr lang="en-US" altLang="zh-CN" dirty="0"/>
-              <a:t>bool</a:t>
-            </a:r>
-            <a:r>
-              <a:rPr lang="zh-CN" altLang="en-US" dirty="0"/>
-              <a:t>布尔类型（主要是为了兼容普通指针可以作为条件判断语句的写法），但是不能被转换为整数。</a:t>
-            </a:r>
-            <a:endParaRPr lang="zh-CN" altLang="en-US" dirty="0"/>
-          </a:p>
-          <a:p>
-            <a:endParaRPr lang="en-US" altLang="zh-CN" dirty="0" smtClean="0"/>
-          </a:p>
-          <a:p>
-            <a:endParaRPr lang="en-US" altLang="zh-CN" dirty="0"/>
-          </a:p>
-          <a:p>
-            <a:endParaRPr lang="en-US" altLang="zh-CN" dirty="0"/>
-          </a:p>
-        </p:txBody>
-      </p:sp>
-      <p:pic>
-        <p:nvPicPr>
-          <p:cNvPr id="6" name="图片 5"/>
-          <p:cNvPicPr>
-            <a:picLocks noChangeAspect="1"/>
-          </p:cNvPicPr>
-          <p:nvPr/>
-        </p:nvPicPr>
-        <p:blipFill>
-          <a:blip r:embed="rId1">
-            <a:extLst>
-              <a:ext uri="{28A0092B-C50C-407E-A947-70E740481C1C}">
-                <a14:useLocalDpi xmlns:a14="http://schemas.microsoft.com/office/drawing/2010/main" val="0"/>
-              </a:ext>
-            </a:extLst>
-          </a:blip>
-          <a:stretch>
-            <a:fillRect/>
-          </a:stretch>
-        </p:blipFill>
-        <p:spPr>
-          <a:xfrm>
-            <a:off x="1684655" y="5534536"/>
-            <a:ext cx="4349931" cy="1027969"/>
-          </a:xfrm>
-          <a:prstGeom prst="rect">
-            <a:avLst/>
-          </a:prstGeom>
-        </p:spPr>
-      </p:pic>
-      <p:sp>
-        <p:nvSpPr>
-          <p:cNvPr id="7" name="文本框 6"/>
-          <p:cNvSpPr txBox="1"/>
-          <p:nvPr/>
-        </p:nvSpPr>
-        <p:spPr>
-          <a:xfrm>
-            <a:off x="1684655" y="1803400"/>
-            <a:ext cx="7603490" cy="368300"/>
-          </a:xfrm>
-          <a:prstGeom prst="rect">
-            <a:avLst/>
-          </a:prstGeom>
-          <a:noFill/>
-        </p:spPr>
-        <p:txBody>
-          <a:bodyPr wrap="square" rtlCol="0">
-            <a:spAutoFit/>
-          </a:bodyPr>
-          <a:p>
-            <a:r>
-              <a:rPr lang="zh-CN" altLang="en-US"/>
-              <a:t>背景：</a:t>
-            </a:r>
-            <a:r>
-              <a:rPr lang="zh-CN" altLang="en-US"/>
-              <a:t>在函数重载的情况下使用</a:t>
-            </a:r>
-            <a:r>
-              <a:rPr lang="en-US" altLang="zh-CN"/>
-              <a:t>NULL</a:t>
-            </a:r>
-            <a:r>
-              <a:rPr lang="zh-CN" altLang="en-US"/>
-              <a:t>会导致指针或是</a:t>
-            </a:r>
-            <a:r>
-              <a:rPr lang="en-US" altLang="zh-CN"/>
-              <a:t>int</a:t>
-            </a:r>
-            <a:r>
-              <a:rPr lang="zh-CN" altLang="en-US"/>
-              <a:t>的不确定性</a:t>
-            </a:r>
-            <a:endParaRPr lang="zh-CN" altLang="en-US"/>
-          </a:p>
-        </p:txBody>
-      </p:sp>
-      <p:pic>
-        <p:nvPicPr>
-          <p:cNvPr id="9" name="图片 8"/>
-          <p:cNvPicPr>
-            <a:picLocks noChangeAspect="1"/>
-          </p:cNvPicPr>
-          <p:nvPr/>
-        </p:nvPicPr>
-        <p:blipFill>
-          <a:blip r:embed="rId2"/>
-          <a:stretch>
-            <a:fillRect/>
-          </a:stretch>
-        </p:blipFill>
-        <p:spPr>
-          <a:xfrm>
-            <a:off x="1684655" y="2253615"/>
-            <a:ext cx="2235835" cy="2175510"/>
-          </a:xfrm>
-          <a:prstGeom prst="rect">
-            <a:avLst/>
-          </a:prstGeom>
-        </p:spPr>
-      </p:pic>
+            <a:pPr marL="0" indent="0">
+              <a:buNone/>
+            </a:pPr>
+          </a:p>
+          <a:p>
+            <a:r>
+              <a:t>项目经理：赵奕威</a:t>
+            </a:r>
+          </a:p>
+          <a:p>
+            <a:r>
+              <a:t>PC前端开发：倪事通</a:t>
+            </a:r>
+          </a:p>
+          <a:p>
+            <a:r>
+              <a:t>PC前端覆盖度脚本：倪事通</a:t>
+            </a:r>
+          </a:p>
+          <a:p>
+            <a:r>
+              <a:t>web前端开发：庄子凯</a:t>
+            </a:r>
+          </a:p>
+          <a:p>
+            <a:r>
+              <a:t>后端开发：庄子凯 赵奕威</a:t>
+            </a:r>
+          </a:p>
+          <a:p>
+            <a:r>
+              <a:t>后端覆盖度脚本：赵奕威</a:t>
+            </a:r>
+          </a:p>
+          <a:p>
+            <a:r>
+              <a:t>云服务器搭建：吴岳 赵奕威</a:t>
+            </a:r>
+          </a:p>
+          <a:p>
+            <a:r>
+              <a:t>系统功能测试：吴岳</a:t>
+            </a:r>
+          </a:p>
+          <a:p>
+            <a:r>
+              <a:t>系统性能测试：吴岳</a:t>
+            </a:r>
+          </a:p>
+        </p:txBody>
+      </p:sp>
     </p:spTree>
   </p:cSld>
   <p:clrMapOvr>
@@ -5958,114 +5857,36 @@
           </a:p>
         </p:txBody>
       </p:sp>
-      <p:sp>
-        <p:nvSpPr>
-          <p:cNvPr id="4" name="内容占位符 2"/>
-          <p:cNvSpPr>
-            <a:spLocks noGrp="1"/>
-          </p:cNvSpPr>
-          <p:nvPr>
-            <p:ph idx="1"/>
-          </p:nvPr>
-        </p:nvSpPr>
-        <p:spPr>
-          <a:xfrm>
-            <a:off x="1371600" y="1617784"/>
-            <a:ext cx="9601200" cy="5240216"/>
-          </a:xfrm>
-        </p:spPr>
-        <p:txBody>
-          <a:bodyPr>
-            <a:normAutofit/>
-          </a:bodyPr>
-          <a:lstStyle/>
-          <a:p>
-            <a:r>
-              <a:rPr lang="zh-CN" altLang="en-US" dirty="0" smtClean="0">
-                <a:latin typeface="+mn-ea"/>
-              </a:rPr>
-              <a:t>背景：</a:t>
-            </a:r>
-            <a:endParaRPr lang="zh-CN" altLang="en-US" dirty="0" smtClean="0">
-              <a:latin typeface="+mn-ea"/>
-            </a:endParaRPr>
-          </a:p>
-          <a:p>
-            <a:pPr marL="0" indent="0">
-              <a:buNone/>
-            </a:pPr>
-            <a:r>
-              <a:rPr lang="en-US" altLang="zh-CN" dirty="0" smtClean="0">
-                <a:latin typeface="+mn-ea"/>
-              </a:rPr>
-              <a:t>在 C++11 之前，右值是不能被引用的，最大限度就是用常量引用绑定一个右值，</a:t>
-            </a:r>
-            <a:endParaRPr lang="en-US" altLang="zh-CN" dirty="0" smtClean="0">
-              <a:latin typeface="+mn-ea"/>
-            </a:endParaRPr>
-          </a:p>
-          <a:p>
-            <a:pPr marL="0" indent="0">
-              <a:buNone/>
-            </a:pPr>
-            <a:r>
-              <a:rPr lang="en-US" altLang="zh-CN" dirty="0" smtClean="0">
-                <a:latin typeface="+mn-ea"/>
-              </a:rPr>
-              <a:t>如 : const int &amp;a = 1;</a:t>
-            </a:r>
-            <a:endParaRPr lang="en-US" altLang="zh-CN" dirty="0" smtClean="0">
-              <a:latin typeface="+mn-ea"/>
-            </a:endParaRPr>
-          </a:p>
-          <a:p>
-            <a:pPr marL="0" indent="0">
-              <a:buNone/>
-            </a:pPr>
-            <a:r>
-              <a:rPr lang="zh-CN" altLang="en-US" dirty="0" smtClean="0">
-                <a:latin typeface="+mn-ea"/>
-              </a:rPr>
-              <a:t>但是在这种情况下，</a:t>
-            </a:r>
-            <a:r>
-              <a:rPr lang="en-US" altLang="zh-CN" dirty="0" smtClean="0">
-                <a:latin typeface="+mn-ea"/>
-              </a:rPr>
-              <a:t>a</a:t>
-            </a:r>
-            <a:r>
-              <a:rPr lang="zh-CN" altLang="en-US" dirty="0" smtClean="0">
-                <a:latin typeface="+mn-ea"/>
-              </a:rPr>
-              <a:t>是</a:t>
-            </a:r>
-            <a:r>
-              <a:rPr lang="zh-CN" altLang="en-US" dirty="0" smtClean="0">
-                <a:latin typeface="+mn-ea"/>
-              </a:rPr>
-              <a:t>不能被修改的。</a:t>
-            </a:r>
-            <a:endParaRPr lang="zh-CN" altLang="en-US" dirty="0" smtClean="0">
-              <a:latin typeface="+mn-ea"/>
-            </a:endParaRPr>
-          </a:p>
-          <a:p>
-            <a:pPr marL="0" indent="0">
-              <a:buNone/>
-            </a:pPr>
-            <a:r>
-              <a:rPr lang="zh-CN" altLang="en-US" dirty="0" smtClean="0">
-                <a:latin typeface="+mn-ea"/>
-              </a:rPr>
-              <a:t>而如果不使用引用，又会导致不必要的拷贝构造函数</a:t>
-            </a:r>
-            <a:endParaRPr lang="zh-CN" altLang="en-US" dirty="0" smtClean="0">
-              <a:latin typeface="+mn-ea"/>
-            </a:endParaRPr>
-          </a:p>
-        </p:txBody>
-      </p:sp>
+      <p:pic>
+        <p:nvPicPr>
+          <p:cNvPr id="5" name="图片 4"/>
+          <p:cNvPicPr>
+            <a:picLocks noChangeAspect="1"/>
+          </p:cNvPicPr>
+          <p:nvPr/>
+        </p:nvPicPr>
+        <p:blipFill>
+          <a:blip r:embed="rId1">
+            <a:extLst>
+              <a:ext uri="{28A0092B-C50C-407E-A947-70E740481C1C}">
+                <a14:useLocalDpi xmlns:a14="http://schemas.microsoft.com/office/drawing/2010/main" val="0"/>
+              </a:ext>
+            </a:extLst>
+          </a:blip>
+          <a:stretch>
+            <a:fillRect/>
+          </a:stretch>
+        </p:blipFill>
+        <p:spPr>
+          <a:xfrm>
+            <a:off x="1371600" y="1940379"/>
+            <a:ext cx="9684423" cy="4042410"/>
+          </a:xfrm>
+          <a:prstGeom prst="rect">
+            <a:avLst/>
+          </a:prstGeom>
+        </p:spPr>
+      </p:pic>
     </p:spTree>
   </p:cSld>
   <p:clrMapOvr>
@@ -6151,116 +5972,79 @@
               <a:rPr lang="zh-CN" altLang="en-US" dirty="0" smtClean="0">
                 <a:latin typeface="+mn-ea"/>
               </a:rPr>
-              <a:t>型如</a:t>
-            </a:r>
+              <a:t>背景：</a:t>
+            </a:r>
+            <a:endParaRPr lang="zh-CN" altLang="en-US" dirty="0" smtClean="0">
+              <a:latin typeface="+mn-ea"/>
+            </a:endParaRPr>
+          </a:p>
+          <a:p>
+            <a:pPr marL="0" indent="0">
+              <a:buNone/>
+            </a:pPr>
             <a:r>
               <a:rPr lang="en-US" altLang="zh-CN" dirty="0" smtClean="0">
                 <a:latin typeface="+mn-ea"/>
               </a:rPr>
-              <a:t>T&amp;&amp; t=</a:t>
-            </a:r>
+              <a:t>在 C++11 之前，右值是不能被引用的，最大限度就是用常量引用绑定一个右值，</a:t>
+            </a:r>
+            <a:endParaRPr lang="en-US" altLang="zh-CN" dirty="0" smtClean="0">
+              <a:latin typeface="+mn-ea"/>
+            </a:endParaRPr>
+          </a:p>
+          <a:p>
+            <a:pPr marL="0" indent="0">
+              <a:buNone/>
+            </a:pPr>
+            <a:r>
+              <a:rPr lang="en-US" altLang="zh-CN" dirty="0" smtClean="0">
+                <a:latin typeface="+mn-ea"/>
+              </a:rPr>
+              <a:t>如 : const int &amp;a = 1;</a:t>
+            </a:r>
+            <a:endParaRPr lang="en-US" altLang="zh-CN" dirty="0" smtClean="0">
+              <a:latin typeface="+mn-ea"/>
+            </a:endParaRPr>
+          </a:p>
+          <a:p>
+            <a:pPr marL="0" indent="0">
+              <a:buNone/>
+            </a:pPr>
             <a:r>
               <a:rPr lang="zh-CN" altLang="en-US" dirty="0" smtClean="0">
                 <a:latin typeface="+mn-ea"/>
               </a:rPr>
-              <a:t>（右值）</a:t>
+              <a:t>但是在这种情况下，</a:t>
             </a:r>
             <a:r>
               <a:rPr lang="en-US" altLang="zh-CN" dirty="0" smtClean="0">
                 <a:latin typeface="+mn-ea"/>
               </a:rPr>
-              <a:t>  </a:t>
-            </a:r>
-            <a:r>
-              <a:rPr lang="en-US" altLang="zh-CN" dirty="0" smtClean="0"/>
-              <a:t>——</a:t>
-            </a:r>
-            <a:r>
-              <a:rPr lang="zh-CN" altLang="en-US" dirty="0" smtClean="0"/>
-              <a:t>通过右值引用减少不必要的拷贝构造</a:t>
-            </a:r>
-            <a:r>
-              <a:rPr lang="en-US" altLang="zh-CN" dirty="0" smtClean="0"/>
-              <a:t>(</a:t>
-            </a:r>
-            <a:r>
-              <a:rPr lang="zh-CN" altLang="en-US" dirty="0" smtClean="0"/>
-              <a:t>转为移动构造</a:t>
-            </a:r>
-            <a:r>
-              <a:rPr lang="en-US" altLang="zh-CN" dirty="0" smtClean="0"/>
-              <a:t>)</a:t>
-            </a:r>
-            <a:endParaRPr lang="en-US" altLang="zh-CN" dirty="0"/>
-          </a:p>
-        </p:txBody>
-      </p:sp>
-      <p:pic>
-        <p:nvPicPr>
-          <p:cNvPr id="6" name="图片 5"/>
-          <p:cNvPicPr>
-            <a:picLocks noChangeAspect="1"/>
-          </p:cNvPicPr>
-          <p:nvPr/>
-        </p:nvPicPr>
-        <p:blipFill rotWithShape="1">
-          <a:blip r:embed="rId1">
-            <a:extLst>
-              <a:ext uri="{28A0092B-C50C-407E-A947-70E740481C1C}">
-                <a14:useLocalDpi xmlns:a14="http://schemas.microsoft.com/office/drawing/2010/main" val="0"/>
-              </a:ext>
-            </a:extLst>
-          </a:blip>
-          <a:srcRect b="7710"/>
-          <a:stretch>
-            <a:fillRect/>
-          </a:stretch>
-        </p:blipFill>
-        <p:spPr>
-          <a:xfrm>
-            <a:off x="1371600" y="2171700"/>
-            <a:ext cx="6126480" cy="4189911"/>
-          </a:xfrm>
-          <a:prstGeom prst="rect">
-            <a:avLst/>
-          </a:prstGeom>
-        </p:spPr>
-      </p:pic>
-      <p:sp>
-        <p:nvSpPr>
-          <p:cNvPr id="7" name="文本框 6"/>
-          <p:cNvSpPr txBox="1"/>
-          <p:nvPr/>
-        </p:nvSpPr>
-        <p:spPr>
-          <a:xfrm>
-            <a:off x="7498080" y="3321232"/>
-            <a:ext cx="3474720" cy="1477328"/>
-          </a:xfrm>
-          <a:prstGeom prst="rect">
-            <a:avLst/>
-          </a:prstGeom>
-          <a:noFill/>
-        </p:spPr>
-        <p:txBody>
-          <a:bodyPr wrap="square" rtlCol="0">
-            <a:spAutoFit/>
-          </a:bodyPr>
-          <a:lstStyle/>
-          <a:p>
-            <a:r>
-              <a:rPr lang="zh-CN" altLang="en-US" dirty="0" smtClean="0"/>
-              <a:t>类有默认的移动构造和移动赋值函数，但是如果你重写了析构函数，则需要同时重写析构，拷贝构造，拷贝赋值，移动构造，移动赋值</a:t>
-            </a:r>
-            <a:r>
-              <a:rPr lang="en-US" altLang="zh-CN" dirty="0" smtClean="0"/>
-              <a:t>5</a:t>
-            </a:r>
-            <a:r>
-              <a:rPr lang="zh-CN" altLang="en-US" dirty="0" smtClean="0"/>
-              <a:t>个函数</a:t>
-            </a:r>
-            <a:endParaRPr lang="zh-CN" altLang="en-US" dirty="0"/>
+              <a:t>a</a:t>
+            </a:r>
+            <a:r>
+              <a:rPr lang="zh-CN" altLang="en-US" dirty="0" smtClean="0">
+                <a:latin typeface="+mn-ea"/>
+              </a:rPr>
+              <a:t>是不能被修改的。</a:t>
+            </a:r>
+            <a:endParaRPr lang="zh-CN" altLang="en-US" dirty="0" smtClean="0">
+              <a:latin typeface="+mn-ea"/>
+            </a:endParaRPr>
+          </a:p>
+          <a:p>
+            <a:pPr marL="0" indent="0">
+              <a:buNone/>
+            </a:pPr>
+            <a:r>
+              <a:rPr lang="zh-CN" altLang="en-US" dirty="0" smtClean="0">
+                <a:latin typeface="+mn-ea"/>
+              </a:rPr>
+              <a:t>而如果不使用引用，又会导致不必要的拷贝构造函数</a:t>
+            </a:r>
+            <a:endParaRPr lang="zh-CN" altLang="en-US" dirty="0" smtClean="0">
+              <a:latin typeface="+mn-ea"/>
+            </a:endParaRPr>
           </a:p>
         </p:txBody>
       </p:sp>
@@ -6317,15 +6101,7 @@
             </a:r>
             <a:r>
               <a:rPr lang="zh-CN" altLang="en-US" dirty="0" smtClean="0"/>
-              <a:t>右值引用（加入</a:t>
-            </a:r>
-            <a:r>
-              <a:rPr lang="en-US" altLang="zh-CN" smtClean="0"/>
-              <a:t>unique_ptr</a:t>
-            </a:r>
-            <a:r>
-              <a:rPr lang="zh-CN" altLang="en-US" smtClean="0"/>
-              <a:t>）</a:t>
+              <a:t>右值引用</a:t>
             </a:r>
             <a:endParaRPr lang="zh-CN" altLang="en-US" dirty="0"/>
           </a:p>
@@ -6354,93 +6130,48 @@
           <a:lstStyle/>
           <a:p>
             <a:r>
+              <a:rPr lang="zh-CN" altLang="en-US" dirty="0" smtClean="0">
+                <a:latin typeface="+mn-ea"/>
+              </a:rPr>
+              <a:t>型如</a:t>
+            </a:r>
+            <a:r>
+              <a:rPr lang="en-US" altLang="zh-CN" dirty="0" smtClean="0">
+                <a:latin typeface="+mn-ea"/>
+              </a:rPr>
+              <a:t>T&amp;&amp; t=</a:t>
+            </a:r>
+            <a:r>
+              <a:rPr lang="zh-CN" altLang="en-US" dirty="0" smtClean="0">
+                <a:latin typeface="+mn-ea"/>
+              </a:rPr>
+              <a:t>（右值）</a:t>
+            </a:r>
+            <a:r>
+              <a:rPr lang="en-US" altLang="zh-CN" dirty="0" smtClean="0">
+                <a:latin typeface="+mn-ea"/>
+              </a:rPr>
+              <a:t>  </a:t>
+            </a:r>
+            <a:r>
+              <a:rPr lang="en-US" altLang="zh-CN" dirty="0" smtClean="0"/>
+              <a:t>——</a:t>
+            </a:r>
+            <a:r>
               <a:rPr lang="zh-CN" altLang="en-US" dirty="0" smtClean="0"/>
-              <a:t>移动</a:t>
-            </a:r>
-            <a:r>
-              <a:rPr lang="zh-CN" altLang="en-US" dirty="0"/>
-              <a:t>构造函数和移动赋值函数的例子（来自</a:t>
-            </a:r>
-            <a:r>
-              <a:rPr lang="en-US" altLang="zh-CN" dirty="0" err="1"/>
-              <a:t>msdn</a:t>
-            </a:r>
-            <a:r>
-              <a:rPr lang="zh-CN" altLang="en-US" dirty="0"/>
-              <a:t>）</a:t>
-            </a:r>
-            <a:endParaRPr lang="en-US" altLang="zh-CN" dirty="0"/>
-          </a:p>
-          <a:p>
-            <a:endParaRPr lang="en-US" altLang="zh-CN" dirty="0" smtClean="0"/>
-          </a:p>
-          <a:p>
-            <a:endParaRPr lang="en-US" altLang="zh-CN" dirty="0" smtClean="0"/>
-          </a:p>
-          <a:p>
-            <a:endParaRPr lang="en-US" altLang="zh-CN" dirty="0" smtClean="0"/>
-          </a:p>
-          <a:p>
-            <a:r>
-              <a:rPr lang="en-US" altLang="zh-CN" dirty="0" err="1"/>
-              <a:t>std</a:t>
-            </a:r>
-            <a:r>
-              <a:rPr lang="en-US" altLang="zh-CN" dirty="0"/>
-              <a:t>::move —— </a:t>
-            </a:r>
-            <a:r>
-              <a:rPr lang="zh-CN" altLang="en-US" dirty="0"/>
-              <a:t>强制转型为右值</a:t>
+              <a:t>通过右值引用减少不必要的拷贝构造</a:t>
+            </a:r>
+            <a:r>
+              <a:rPr lang="en-US" altLang="zh-CN" dirty="0" smtClean="0"/>
+              <a:t>(</a:t>
             </a:r>
             <a:r>
               <a:rPr lang="zh-CN" altLang="en-US" dirty="0" smtClean="0"/>
-              <a:t>引用（因为左值不可以作为右值被传入右值引用</a:t>
-            </a:r>
-            <a:r>
-              <a:rPr lang="zh-CN" altLang="en-US" dirty="0" smtClean="0"/>
-              <a:t>）</a:t>
-            </a:r>
-            <a:endParaRPr lang="en-US" altLang="zh-CN" dirty="0" smtClean="0"/>
-          </a:p>
-          <a:p>
-            <a:endParaRPr lang="en-US" altLang="zh-CN" dirty="0"/>
-          </a:p>
-          <a:p>
-            <a:endParaRPr lang="en-US" altLang="zh-CN" dirty="0" smtClean="0"/>
-          </a:p>
-          <a:p>
-            <a:r>
-              <a:rPr lang="en-US" altLang="zh-CN" dirty="0" err="1"/>
-              <a:t>std</a:t>
-            </a:r>
-            <a:r>
-              <a:rPr lang="en-US" altLang="zh-CN" dirty="0"/>
-              <a:t>::</a:t>
+              <a:t>转为移动构造</a:t>
             </a:r>
             <a:r>
               <a:rPr lang="en-US" altLang="zh-CN" dirty="0" smtClean="0"/>
-              <a:t>move</a:t>
-            </a:r>
-            <a:r>
-              <a:rPr lang="zh-CN" altLang="en-US" dirty="0" smtClean="0"/>
-              <a:t>与</a:t>
-            </a:r>
-            <a:r>
-              <a:rPr lang="en-US" altLang="zh-CN" dirty="0" smtClean="0"/>
-              <a:t>RVO</a:t>
-            </a:r>
-            <a:r>
-              <a:rPr lang="zh-CN" altLang="en-US" dirty="0" smtClean="0"/>
-              <a:t>、</a:t>
-            </a:r>
-            <a:r>
-              <a:rPr lang="en-US" altLang="zh-CN" dirty="0" smtClean="0"/>
-              <a:t>NRVO ——return</a:t>
-            </a:r>
-            <a:r>
-              <a:rPr lang="zh-CN" altLang="en-US" dirty="0" smtClean="0"/>
-              <a:t>时的编译器优化</a:t>
+              <a:t>)</a:t>
             </a:r>
             <a:endParaRPr lang="en-US" altLang="zh-CN" dirty="0"/>
           </a:p>
@@ -6454,7 +6185,7 @@
           </p:cNvPicPr>
           <p:nvPr/>
         </p:nvPicPr>
-        <p:blipFill>
+        <p:blipFill rotWithShape="1">
           <a:blip r:embed="rId1">
             <a:extLst>
               <a:ext uri="{28A0092B-C50C-407E-A947-70E740481C1C}">
@@ -6462,187 +6193,31 @@
               </a:ext>
             </a:extLst>
           </a:blip>
+          <a:srcRect b="7710"/>
           <a:stretch>
             <a:fillRect/>
           </a:stretch>
         </p:blipFill>
         <p:spPr>
           <a:xfrm>
-            <a:off x="4851013" y="2171700"/>
-            <a:ext cx="4541561" cy="865694"/>
+            <a:off x="1371600" y="2171700"/>
+            <a:ext cx="6126480" cy="4189911"/>
           </a:xfrm>
           <a:prstGeom prst="rect">
             <a:avLst/>
           </a:prstGeom>
         </p:spPr>
       </p:pic>
-      <p:pic>
-        <p:nvPicPr>
-          <p:cNvPr id="7" name="图片 6"/>
-          <p:cNvPicPr>
-            <a:picLocks noChangeAspect="1"/>
-          </p:cNvPicPr>
-          <p:nvPr/>
-        </p:nvPicPr>
-        <p:blipFill>
-          <a:blip r:embed="rId2">
-            <a:extLst>
-              <a:ext uri="{28A0092B-C50C-407E-A947-70E740481C1C}">
-                <a14:useLocalDpi xmlns:a14="http://schemas.microsoft.com/office/drawing/2010/main" val="0"/>
-              </a:ext>
-            </a:extLst>
-          </a:blip>
-          <a:stretch>
-            <a:fillRect/>
-          </a:stretch>
-        </p:blipFill>
-        <p:spPr>
-          <a:xfrm>
-            <a:off x="1371600" y="2040842"/>
-            <a:ext cx="2929093" cy="1248838"/>
-          </a:xfrm>
-          <a:prstGeom prst="rect">
-            <a:avLst/>
-          </a:prstGeom>
-        </p:spPr>
-      </p:pic>
-      <p:pic>
-        <p:nvPicPr>
-          <p:cNvPr id="8" name="图片 7"/>
-          <p:cNvPicPr>
-            <a:picLocks noChangeAspect="1"/>
-          </p:cNvPicPr>
-          <p:nvPr/>
-        </p:nvPicPr>
-        <p:blipFill>
-          <a:blip r:embed="rId3">
-            <a:extLst>
-              <a:ext uri="{28A0092B-C50C-407E-A947-70E740481C1C}">
-                <a14:useLocalDpi xmlns:a14="http://schemas.microsoft.com/office/drawing/2010/main" val="0"/>
-              </a:ext>
-            </a:extLst>
-          </a:blip>
-          <a:stretch>
-            <a:fillRect/>
-          </a:stretch>
-        </p:blipFill>
-        <p:spPr>
-          <a:xfrm>
-            <a:off x="1371600" y="3843596"/>
-            <a:ext cx="9815751" cy="630908"/>
-          </a:xfrm>
-          <a:prstGeom prst="rect">
-            <a:avLst/>
-          </a:prstGeom>
-        </p:spPr>
-      </p:pic>
-      <p:sp>
-        <p:nvSpPr>
-          <p:cNvPr id="9" name="矩形 8"/>
-          <p:cNvSpPr/>
-          <p:nvPr/>
-        </p:nvSpPr>
-        <p:spPr>
-          <a:xfrm>
-            <a:off x="1371598" y="5217766"/>
-            <a:ext cx="10672355" cy="400110"/>
-          </a:xfrm>
-          <a:prstGeom prst="rect">
-            <a:avLst/>
-          </a:prstGeom>
-        </p:spPr>
-        <p:txBody>
-          <a:bodyPr wrap="square">
-            <a:spAutoFit/>
-          </a:bodyPr>
-          <a:lstStyle/>
-          <a:p>
-            <a:r>
-              <a:rPr lang="en-US" altLang="zh-CN" sz="2000" dirty="0">
-                <a:solidFill>
-                  <a:srgbClr val="FF0000"/>
-                </a:solidFill>
-                <a:latin typeface="Times New Roman" panose="02020603050405020304" pitchFamily="18" charset="0"/>
-              </a:rPr>
-              <a:t>never</a:t>
-            </a:r>
-            <a:r>
-              <a:rPr lang="en-US" altLang="zh-CN" sz="2000" dirty="0">
-                <a:solidFill>
-                  <a:srgbClr val="222222"/>
-                </a:solidFill>
-                <a:latin typeface="Times New Roman" panose="02020603050405020304" pitchFamily="18" charset="0"/>
-              </a:rPr>
-              <a:t> apply </a:t>
-            </a:r>
-            <a:r>
-              <a:rPr lang="en-US" altLang="zh-CN" sz="2000" dirty="0" err="1">
-                <a:solidFill>
-                  <a:srgbClr val="222222"/>
-                </a:solidFill>
-                <a:latin typeface="Times New Roman" panose="02020603050405020304" pitchFamily="18" charset="0"/>
-              </a:rPr>
-              <a:t>std</a:t>
-            </a:r>
-            <a:r>
-              <a:rPr lang="en-US" altLang="zh-CN" sz="2000" dirty="0">
-                <a:solidFill>
-                  <a:srgbClr val="222222"/>
-                </a:solidFill>
-                <a:latin typeface="Times New Roman" panose="02020603050405020304" pitchFamily="18" charset="0"/>
-              </a:rPr>
-              <a:t>::move to </a:t>
-            </a:r>
-            <a:r>
-              <a:rPr lang="en-US" altLang="zh-CN" sz="2000" dirty="0">
-                <a:solidFill>
-                  <a:srgbClr val="FF0000"/>
-                </a:solidFill>
-                <a:latin typeface="Times New Roman" panose="02020603050405020304" pitchFamily="18" charset="0"/>
-              </a:rPr>
-              <a:t>local objects </a:t>
-            </a:r>
-            <a:r>
-              <a:rPr lang="en-US" altLang="zh-CN" sz="2000" dirty="0">
-                <a:solidFill>
-                  <a:srgbClr val="222222"/>
-                </a:solidFill>
-                <a:latin typeface="Times New Roman" panose="02020603050405020304" pitchFamily="18" charset="0"/>
-              </a:rPr>
-              <a:t>if they would otherwise be eligible for the </a:t>
-            </a:r>
-            <a:r>
-              <a:rPr lang="en-US" altLang="zh-CN" sz="2000" dirty="0" smtClean="0">
-                <a:solidFill>
-                  <a:srgbClr val="222222"/>
-                </a:solidFill>
-                <a:latin typeface="Times New Roman" panose="02020603050405020304" pitchFamily="18" charset="0"/>
-              </a:rPr>
-              <a:t>RVO</a:t>
-            </a:r>
-            <a:r>
-              <a:rPr lang="zh-CN" altLang="en-US" sz="2000" dirty="0" smtClean="0">
-                <a:solidFill>
-                  <a:srgbClr val="222222"/>
-                </a:solidFill>
-                <a:latin typeface="Times New Roman" panose="02020603050405020304" pitchFamily="18" charset="0"/>
-              </a:rPr>
-              <a:t>（临时变量）</a:t>
-            </a:r>
-            <a:endParaRPr lang="zh-CN" altLang="en-US" sz="2000" dirty="0"/>
-          </a:p>
-        </p:txBody>
-      </p:sp>
-      <p:sp>
-        <p:nvSpPr>
-          <p:cNvPr id="10" name="文本框 9"/>
+      <p:sp>
+        <p:nvSpPr>
+          <p:cNvPr id="7" name="文本框 6"/>
           <p:cNvSpPr txBox="1"/>
           <p:nvPr/>
         </p:nvSpPr>
         <p:spPr>
           <a:xfrm>
-            <a:off x="1371599" y="5769581"/>
-            <a:ext cx="7707087" cy="369332"/>
+            <a:off x="7498080" y="3321232"/>
+            <a:ext cx="3474720" cy="1477328"/>
           </a:xfrm>
           <a:prstGeom prst="rect">
             <a:avLst/>
@@ -6657,27 +6232,15 @@
           <a:p>
             <a:r>
               <a:rPr lang="zh-CN" altLang="en-US" dirty="0" smtClean="0"/>
-              <a:t>一定不加</a:t>
-            </a:r>
-            <a:r>
-              <a:rPr lang="en-US" altLang="zh-CN" dirty="0" err="1" smtClean="0"/>
-              <a:t>std</a:t>
+              <a:t>类有默认的移动构造和移动赋值函数，但是如果你重写了析构函数，则需要同时重写析构，拷贝构造，拷贝赋值，移动构造，移动赋值</a:t>
             </a:r>
             <a:r>
               <a:rPr lang="en-US" altLang="zh-CN" dirty="0" smtClean="0"/>
-              <a:t>::move</a:t>
+              <a:t>5</a:t>
             </a:r>
             <a:r>
               <a:rPr lang="zh-CN" altLang="en-US" dirty="0" smtClean="0"/>
-              <a:t>的准则：同一具名变量 </a:t>
-            </a:r>
-            <a:r>
-              <a:rPr lang="en-US" altLang="zh-CN" dirty="0" smtClean="0"/>
-              <a:t>|| </a:t>
-            </a:r>
-            <a:r>
-              <a:rPr lang="zh-CN" altLang="en-US" dirty="0" smtClean="0"/>
-              <a:t>同一类型匿名变量</a:t>
+              <a:t>个函数</a:t>
             </a:r>
             <a:endParaRPr lang="zh-CN" altLang="en-US" dirty="0"/>
           </a:p>
@@ -6736,7 +6299,15 @@
             </a:r>
             <a:r>
               <a:rPr lang="zh-CN" altLang="en-US" dirty="0" smtClean="0"/>
-              <a:t>右值引用</a:t>
+              <a:t>右值引用（加入</a:t>
+            </a:r>
+            <a:r>
+              <a:rPr lang="en-US" altLang="zh-CN" smtClean="0"/>
+              <a:t>unique_ptr</a:t>
+            </a:r>
+            <a:r>
+              <a:rPr lang="zh-CN" altLang="en-US" smtClean="0"/>
+              <a:t>）</a:t>
             </a:r>
             <a:endParaRPr lang="zh-CN" altLang="en-US" dirty="0"/>
           </a:p>
@@ -6754,8 +6325,8 @@
         </p:nvSpPr>
         <p:spPr>
           <a:xfrm>
-            <a:off x="1371600" y="1617980"/>
-            <a:ext cx="10037445" cy="5240020"/>
+            <a:off x="1371600" y="1617784"/>
+            <a:ext cx="9601200" cy="5240216"/>
           </a:xfrm>
         </p:spPr>
         <p:txBody>
@@ -6765,32 +6336,97 @@
           <a:lstStyle/>
           <a:p>
             <a:r>
+              <a:rPr lang="zh-CN" altLang="en-US" dirty="0" smtClean="0"/>
+              <a:t>移动</a:t>
+            </a:r>
+            <a:r>
+              <a:rPr lang="zh-CN" altLang="en-US" dirty="0"/>
+              <a:t>构造函数和移动赋值函数的例子（来自</a:t>
+            </a:r>
+            <a:r>
+              <a:rPr lang="en-US" altLang="zh-CN" dirty="0" err="1"/>
+              <a:t>msdn</a:t>
+            </a:r>
+            <a:r>
+              <a:rPr lang="zh-CN" altLang="en-US" dirty="0"/>
+              <a:t>）</a:t>
+            </a:r>
+            <a:endParaRPr lang="en-US" altLang="zh-CN" dirty="0"/>
+          </a:p>
+          <a:p>
+            <a:endParaRPr lang="en-US" altLang="zh-CN" dirty="0" smtClean="0"/>
+          </a:p>
+          <a:p>
+            <a:endParaRPr lang="en-US" altLang="zh-CN" dirty="0" smtClean="0"/>
+          </a:p>
+          <a:p>
+            <a:endParaRPr lang="en-US" altLang="zh-CN" dirty="0" smtClean="0"/>
+          </a:p>
+          <a:p>
+            <a:r>
+              <a:rPr lang="en-US" altLang="zh-CN" dirty="0" err="1"/>
+              <a:t>std</a:t>
+            </a:r>
+            <a:r>
               <a:rPr lang="en-US" altLang="zh-CN" dirty="0"/>
-              <a:t>universal </a:t>
+              <a:t>::move —— </a:t>
+            </a:r>
+            <a:r>
+              <a:rPr lang="zh-CN" altLang="en-US" dirty="0"/>
+              <a:t>强制转型为右值</a:t>
+            </a:r>
+            <a:r>
+              <a:rPr lang="zh-CN" altLang="en-US" dirty="0" smtClean="0"/>
+              <a:t>引用（因为左值不可以作为右值被传入右值引用）</a:t>
+            </a:r>
+            <a:endParaRPr lang="en-US" altLang="zh-CN" dirty="0" smtClean="0"/>
+          </a:p>
+          <a:p>
+            <a:endParaRPr lang="en-US" altLang="zh-CN" dirty="0"/>
+          </a:p>
+          <a:p>
+            <a:endParaRPr lang="en-US" altLang="zh-CN" dirty="0" smtClean="0"/>
+          </a:p>
+          <a:p>
+            <a:r>
+              <a:rPr lang="en-US" altLang="zh-CN" dirty="0" err="1"/>
+              <a:t>std</a:t>
+            </a:r>
+            <a:r>
+              <a:rPr lang="en-US" altLang="zh-CN" dirty="0"/>
+              <a:t>::</a:t>
             </a:r>
             <a:r>
               <a:rPr lang="en-US" altLang="zh-CN" dirty="0" smtClean="0"/>
-              <a:t>reference</a:t>
+              <a:t>move</a:t>
             </a:r>
             <a:r>
               <a:rPr lang="zh-CN" altLang="en-US" dirty="0" smtClean="0"/>
-              <a:t>与引用折叠 </a:t>
+              <a:t>与</a:t>
             </a:r>
             <a:r>
               <a:rPr lang="en-US" altLang="zh-CN" dirty="0" smtClean="0"/>
-              <a:t>——</a:t>
+              <a:t>RVO</a:t>
             </a:r>
             <a:r>
               <a:rPr lang="zh-CN" altLang="en-US" dirty="0" smtClean="0"/>
-              <a:t>用于判别基于模板或自动类型推导的引用类型</a:t>
-            </a:r>
-            <a:endParaRPr lang="zh-CN" altLang="en-US" dirty="0" smtClean="0"/>
+              <a:t>、</a:t>
+            </a:r>
+            <a:r>
+              <a:rPr lang="en-US" altLang="zh-CN" dirty="0" smtClean="0"/>
+              <a:t>NRVO ——return</a:t>
+            </a:r>
+            <a:r>
+              <a:rPr lang="zh-CN" altLang="en-US" dirty="0" smtClean="0"/>
+              <a:t>时的编译器优化</a:t>
+            </a:r>
+            <a:endParaRPr lang="en-US" altLang="zh-CN" dirty="0"/>
           </a:p>
         </p:txBody>
       </p:sp>
       <p:pic>
         <p:nvPicPr>
-          <p:cNvPr id="7" name="图片 6"/>
+          <p:cNvPr id="6" name="图片 5"/>
           <p:cNvPicPr>
             <a:picLocks noChangeAspect="1"/>
           </p:cNvPicPr>
@@ -6810,24 +6446,84 @@
         </p:blipFill>
         <p:spPr>
           <a:xfrm>
-            <a:off x="1371600" y="2786969"/>
-            <a:ext cx="4247846" cy="1433649"/>
+            <a:off x="4851013" y="2171700"/>
+            <a:ext cx="4541561" cy="865694"/>
           </a:xfrm>
           <a:prstGeom prst="rect">
             <a:avLst/>
           </a:prstGeom>
         </p:spPr>
       </p:pic>
-      <p:sp>
-        <p:nvSpPr>
-          <p:cNvPr id="10" name="矩形 9"/>
+      <p:pic>
+        <p:nvPicPr>
+          <p:cNvPr id="7" name="图片 6"/>
+          <p:cNvPicPr>
+            <a:picLocks noChangeAspect="1"/>
+          </p:cNvPicPr>
+          <p:nvPr/>
+        </p:nvPicPr>
+        <p:blipFill>
+          <a:blip r:embed="rId2">
+            <a:extLst>
+              <a:ext uri="{28A0092B-C50C-407E-A947-70E740481C1C}">
+                <a14:useLocalDpi xmlns:a14="http://schemas.microsoft.com/office/drawing/2010/main" val="0"/>
+              </a:ext>
+            </a:extLst>
+          </a:blip>
+          <a:stretch>
+            <a:fillRect/>
+          </a:stretch>
+        </p:blipFill>
+        <p:spPr>
+          <a:xfrm>
+            <a:off x="1371600" y="2040842"/>
+            <a:ext cx="2929093" cy="1248838"/>
+          </a:xfrm>
+          <a:prstGeom prst="rect">
+            <a:avLst/>
+          </a:prstGeom>
+        </p:spPr>
+      </p:pic>
+      <p:pic>
+        <p:nvPicPr>
+          <p:cNvPr id="8" name="图片 7"/>
+          <p:cNvPicPr>
+            <a:picLocks noChangeAspect="1"/>
+          </p:cNvPicPr>
+          <p:nvPr/>
+        </p:nvPicPr>
+        <p:blipFill>
+          <a:blip r:embed="rId3">
+            <a:extLst>
+              <a:ext uri="{28A0092B-C50C-407E-A947-70E740481C1C}">
+                <a14:useLocalDpi xmlns:a14="http://schemas.microsoft.com/office/drawing/2010/main" val="0"/>
+              </a:ext>
+            </a:extLst>
+          </a:blip>
+          <a:stretch>
+            <a:fillRect/>
+          </a:stretch>
+        </p:blipFill>
+        <p:spPr>
+          <a:xfrm>
+            <a:off x="1371600" y="3843596"/>
+            <a:ext cx="9815751" cy="630908"/>
+          </a:xfrm>
+          <a:prstGeom prst="rect">
+            <a:avLst/>
+          </a:prstGeom>
+        </p:spPr>
+      </p:pic>
+      <p:sp>
+        <p:nvSpPr>
+          <p:cNvPr id="9" name="矩形 8"/>
           <p:cNvSpPr/>
           <p:nvPr/>
         </p:nvSpPr>
         <p:spPr>
           <a:xfrm>
-            <a:off x="1371600" y="2171700"/>
-            <a:ext cx="10637520" cy="398780"/>
+            <a:off x="1371598" y="5217766"/>
+            <a:ext cx="10672355" cy="400110"/>
           </a:xfrm>
           <a:prstGeom prst="rect">
             <a:avLst/>
@@ -6840,71 +6536,91 @@
           <a:lstStyle/>
           <a:p>
             <a:r>
-              <a:rPr lang="zh-CN" altLang="en-US" sz="2000" dirty="0">
-                <a:latin typeface="Arial" panose="020B0604020202020204" pitchFamily="34" charset="0"/>
-                <a:cs typeface="Arial" panose="020B0604020202020204" pitchFamily="34" charset="0"/>
+              <a:rPr lang="en-US" altLang="zh-CN" sz="2000" dirty="0">
+                <a:solidFill>
+                  <a:srgbClr val="FF0000"/>
+                </a:solidFill>
+                <a:latin typeface="Times New Roman" panose="02020603050405020304" pitchFamily="18" charset="0"/>
               </a:rPr>
-              <a:t>自动推断规则</a:t>
-            </a:r>
-            <a:r>
-              <a:rPr lang="zh-CN" altLang="en-US" sz="2000" dirty="0">
-                <a:latin typeface="Arial" panose="020B0604020202020204" pitchFamily="34" charset="0"/>
-                <a:cs typeface="Arial" panose="020B0604020202020204" pitchFamily="34" charset="0"/>
+              <a:t>never</a:t>
+            </a:r>
+            <a:r>
+              <a:rPr lang="en-US" altLang="zh-CN" sz="2000" dirty="0">
+                <a:solidFill>
+                  <a:srgbClr val="222222"/>
+                </a:solidFill>
+                <a:latin typeface="Times New Roman" panose="02020603050405020304" pitchFamily="18" charset="0"/>
               </a:rPr>
-              <a:t>：</a:t>
-            </a:r>
-            <a:r>
-              <a:rPr lang="zh-CN" altLang="en-US" sz="2000" dirty="0">
-                <a:latin typeface="Arial" panose="020B0604020202020204" pitchFamily="34" charset="0"/>
-                <a:cs typeface="Arial" panose="020B0604020202020204" pitchFamily="34" charset="0"/>
+              <a:t> apply </a:t>
+            </a:r>
+            <a:r>
+              <a:rPr lang="en-US" altLang="zh-CN" sz="2000" dirty="0" err="1">
+                <a:solidFill>
+                  <a:srgbClr val="222222"/>
+                </a:solidFill>
+                <a:latin typeface="Times New Roman" panose="02020603050405020304" pitchFamily="18" charset="0"/>
               </a:rPr>
-              <a:t>变量或者参数的形式必须严格符合“</a:t>
+              <a:t>std</a:t>
             </a:r>
             <a:r>
               <a:rPr lang="en-US" altLang="zh-CN" sz="2000" dirty="0">
-                <a:latin typeface="Arial" panose="020B0604020202020204" pitchFamily="34" charset="0"/>
-                <a:cs typeface="Arial" panose="020B0604020202020204" pitchFamily="34" charset="0"/>
+                <a:solidFill>
+                  <a:srgbClr val="222222"/>
+                </a:solidFill>
+                <a:latin typeface="Times New Roman" panose="02020603050405020304" pitchFamily="18" charset="0"/>
               </a:rPr>
-              <a:t>T&amp;&amp;”</a:t>
-            </a:r>
-            <a:r>
-              <a:rPr lang="zh-CN" altLang="en-US" sz="2000" dirty="0">
-                <a:latin typeface="Arial" panose="020B0604020202020204" pitchFamily="34" charset="0"/>
-                <a:cs typeface="Arial" panose="020B0604020202020204" pitchFamily="34" charset="0"/>
+              <a:t>::move to </a:t>
+            </a:r>
+            <a:r>
+              <a:rPr lang="en-US" altLang="zh-CN" sz="2000" dirty="0">
+                <a:solidFill>
+                  <a:srgbClr val="FF0000"/>
+                </a:solidFill>
+                <a:latin typeface="Times New Roman" panose="02020603050405020304" pitchFamily="18" charset="0"/>
               </a:rPr>
-              <a:t>的形式，并且</a:t>
+              <a:t>local objects </a:t>
             </a:r>
             <a:r>
               <a:rPr lang="en-US" altLang="zh-CN" sz="2000" dirty="0">
-                <a:latin typeface="Arial" panose="020B0604020202020204" pitchFamily="34" charset="0"/>
-                <a:cs typeface="Arial" panose="020B0604020202020204" pitchFamily="34" charset="0"/>
+                <a:solidFill>
+                  <a:srgbClr val="222222"/>
+                </a:solidFill>
+                <a:latin typeface="Times New Roman" panose="02020603050405020304" pitchFamily="18" charset="0"/>
               </a:rPr>
-              <a:t>T</a:t>
-            </a:r>
-            <a:r>
-              <a:rPr lang="zh-CN" altLang="en-US" sz="2000" dirty="0">
-                <a:latin typeface="Arial" panose="020B0604020202020204" pitchFamily="34" charset="0"/>
-                <a:cs typeface="Arial" panose="020B0604020202020204" pitchFamily="34" charset="0"/>
+              <a:t>if they would otherwise be eligible for the </a:t>
+            </a:r>
+            <a:r>
+              <a:rPr lang="en-US" altLang="zh-CN" sz="2000" dirty="0" smtClean="0">
+                <a:solidFill>
+                  <a:srgbClr val="222222"/>
+                </a:solidFill>
+                <a:latin typeface="Times New Roman" panose="02020603050405020304" pitchFamily="18" charset="0"/>
               </a:rPr>
-              <a:t>需要经过类型推导</a:t>
-            </a:r>
-            <a:endParaRPr lang="zh-CN" altLang="en-US" sz="2000" dirty="0">
-              <a:latin typeface="Arial" panose="020B0604020202020204" pitchFamily="34" charset="0"/>
-              <a:cs typeface="Arial" panose="020B0604020202020204" pitchFamily="34" charset="0"/>
-            </a:endParaRPr>
-          </a:p>
-        </p:txBody>
-      </p:sp>
-      <p:sp>
-        <p:nvSpPr>
-          <p:cNvPr id="11" name="文本框 10"/>
+              <a:t>RVO</a:t>
+            </a:r>
+            <a:r>
+              <a:rPr lang="zh-CN" altLang="en-US" sz="2000" dirty="0" smtClean="0">
+                <a:solidFill>
+                  <a:srgbClr val="222222"/>
+                </a:solidFill>
+                <a:latin typeface="Times New Roman" panose="02020603050405020304" pitchFamily="18" charset="0"/>
+              </a:rPr>
+              <a:t>（临时变量）</a:t>
+            </a:r>
+            <a:endParaRPr lang="zh-CN" altLang="en-US" sz="2000" dirty="0"/>
+          </a:p>
+        </p:txBody>
+      </p:sp>
+      <p:sp>
+        <p:nvSpPr>
+          <p:cNvPr id="10" name="文本框 9"/>
           <p:cNvSpPr txBox="1"/>
           <p:nvPr/>
         </p:nvSpPr>
         <p:spPr>
           <a:xfrm>
-            <a:off x="1371599" y="4426252"/>
-            <a:ext cx="3801291" cy="1198880"/>
+            <a:off x="1371599" y="5769581"/>
+            <a:ext cx="7707087" cy="369332"/>
           </a:xfrm>
           <a:prstGeom prst="rect">
             <a:avLst/>
@@ -6918,130 +6634,30 @@
           <a:lstStyle/>
           <a:p>
             <a:r>
-              <a:rPr lang="zh-CN" altLang="en-US" dirty="0" smtClean="0">
-                <a:latin typeface="Arial" panose="020B0604020202020204" pitchFamily="34" charset="0"/>
-                <a:cs typeface="Arial" panose="020B0604020202020204" pitchFamily="34" charset="0"/>
-              </a:rPr>
-              <a:t>引用折叠规则：</a:t>
-            </a:r>
-            <a:endParaRPr lang="zh-CN" altLang="en-US" dirty="0" smtClean="0">
-              <a:latin typeface="Arial" panose="020B0604020202020204" pitchFamily="34" charset="0"/>
-              <a:cs typeface="Arial" panose="020B0604020202020204" pitchFamily="34" charset="0"/>
-            </a:endParaRPr>
-          </a:p>
-          <a:p>
-            <a:r>
-              <a:rPr lang="en-US" altLang="zh-CN" dirty="0" smtClean="0">
-                <a:latin typeface="Arial" panose="020B0604020202020204" pitchFamily="34" charset="0"/>
-                <a:cs typeface="Arial" panose="020B0604020202020204" pitchFamily="34" charset="0"/>
-              </a:rPr>
-              <a:t>&amp; &amp; - &gt; &amp;</a:t>
-            </a:r>
-            <a:endParaRPr lang="en-US" altLang="zh-CN" dirty="0" smtClean="0">
-              <a:latin typeface="Arial" panose="020B0604020202020204" pitchFamily="34" charset="0"/>
-              <a:cs typeface="Arial" panose="020B0604020202020204" pitchFamily="34" charset="0"/>
-            </a:endParaRPr>
-          </a:p>
-          <a:p>
-            <a:r>
-              <a:rPr lang="en-US" altLang="zh-CN" dirty="0" smtClean="0">
-                <a:latin typeface="Arial" panose="020B0604020202020204" pitchFamily="34" charset="0"/>
-                <a:cs typeface="Arial" panose="020B0604020202020204" pitchFamily="34" charset="0"/>
-              </a:rPr>
-              <a:t>&amp; &amp;&amp; </a:t>
-            </a:r>
-            <a:r>
-              <a:rPr lang="en-US" altLang="zh-CN" dirty="0" smtClean="0">
-                <a:latin typeface="微软雅黑" panose="020B0503020204020204" charset="-122"/>
-                <a:ea typeface="微软雅黑" panose="020B0503020204020204" charset="-122"/>
-                <a:cs typeface="Arial" panose="020B0604020202020204" pitchFamily="34" charset="0"/>
-              </a:rPr>
-              <a:t>-&gt;</a:t>
-            </a:r>
-            <a:r>
-              <a:rPr lang="en-US" altLang="zh-CN" dirty="0" smtClean="0">
-                <a:latin typeface="Arial" panose="020B0604020202020204" pitchFamily="34" charset="0"/>
-                <a:cs typeface="Arial" panose="020B0604020202020204" pitchFamily="34" charset="0"/>
-              </a:rPr>
-              <a:t> &amp;</a:t>
-            </a:r>
-            <a:endParaRPr lang="en-US" altLang="zh-CN" dirty="0" smtClean="0">
-              <a:latin typeface="Arial" panose="020B0604020202020204" pitchFamily="34" charset="0"/>
-              <a:cs typeface="Arial" panose="020B0604020202020204" pitchFamily="34" charset="0"/>
-            </a:endParaRPr>
-          </a:p>
-          <a:p>
-            <a:r>
-              <a:rPr lang="en-US" altLang="zh-CN" dirty="0" smtClean="0">
-                <a:latin typeface="Arial" panose="020B0604020202020204" pitchFamily="34" charset="0"/>
-                <a:cs typeface="Arial" panose="020B0604020202020204" pitchFamily="34" charset="0"/>
-              </a:rPr>
-              <a:t>&amp;&amp; &amp;&amp; </a:t>
-            </a:r>
-            <a:r>
-              <a:rPr lang="en-US" altLang="zh-CN" dirty="0">
-                <a:latin typeface="微软雅黑" panose="020B0503020204020204" charset="-122"/>
-                <a:ea typeface="微软雅黑" panose="020B0503020204020204" charset="-122"/>
-                <a:cs typeface="Arial" panose="020B0604020202020204" pitchFamily="34" charset="0"/>
-              </a:rPr>
-              <a:t>-&gt;</a:t>
-            </a:r>
-            <a:r>
-              <a:rPr lang="en-US" altLang="zh-CN" dirty="0" smtClean="0">
-                <a:latin typeface="Arial" panose="020B0604020202020204" pitchFamily="34" charset="0"/>
-                <a:cs typeface="Arial" panose="020B0604020202020204" pitchFamily="34" charset="0"/>
-              </a:rPr>
-              <a:t> &amp;&amp;</a:t>
-            </a:r>
-            <a:endParaRPr lang="zh-CN" altLang="en-US" dirty="0">
-              <a:latin typeface="Arial" panose="020B0604020202020204" pitchFamily="34" charset="0"/>
-              <a:cs typeface="Arial" panose="020B0604020202020204" pitchFamily="34" charset="0"/>
-            </a:endParaRPr>
-          </a:p>
-        </p:txBody>
-      </p:sp>
-      <p:sp>
-        <p:nvSpPr>
-          <p:cNvPr id="3" name="文本框 2"/>
-          <p:cNvSpPr txBox="1"/>
-          <p:nvPr/>
-        </p:nvSpPr>
-        <p:spPr>
-          <a:xfrm>
-            <a:off x="1371600" y="5723890"/>
-            <a:ext cx="10174605" cy="368300"/>
-          </a:xfrm>
-          <a:prstGeom prst="rect">
-            <a:avLst/>
-          </a:prstGeom>
-          <a:noFill/>
-        </p:spPr>
-        <p:txBody>
-          <a:bodyPr wrap="square" rtlCol="0">
-            <a:spAutoFit/>
-          </a:bodyPr>
-          <a:p>
-            <a:r>
-              <a:rPr lang="zh-CN" altLang="en-US"/>
-              <a:t>作用：不需要写两个函数重载</a:t>
-            </a:r>
-            <a:r>
-              <a:rPr lang="zh-CN" altLang="en-US"/>
-              <a:t>例如</a:t>
-            </a:r>
-            <a:r>
-              <a:rPr lang="en-US" altLang="zh-CN"/>
-              <a:t>void f(int&amp;&amp; param) </a:t>
-            </a:r>
-            <a:r>
-              <a:rPr lang="zh-CN" altLang="en-US"/>
-              <a:t>和 </a:t>
-            </a:r>
-            <a:r>
-              <a:rPr lang="en-US" altLang="zh-CN"/>
-              <a:t>void f(int&amp; param)</a:t>
-            </a:r>
-            <a:endParaRPr lang="en-US" altLang="zh-CN"/>
+              <a:rPr lang="zh-CN" altLang="en-US" dirty="0" smtClean="0"/>
+              <a:t>一定不加</a:t>
+            </a:r>
+            <a:r>
+              <a:rPr lang="en-US" altLang="zh-CN" dirty="0" err="1" smtClean="0"/>
+              <a:t>std</a:t>
+            </a:r>
+            <a:r>
+              <a:rPr lang="en-US" altLang="zh-CN" dirty="0" smtClean="0"/>
+              <a:t>::move</a:t>
+            </a:r>
+            <a:r>
+              <a:rPr lang="zh-CN" altLang="en-US" dirty="0" smtClean="0"/>
+              <a:t>的准则：同一具名变量 </a:t>
+            </a:r>
+            <a:r>
+              <a:rPr lang="en-US" altLang="zh-CN" dirty="0" smtClean="0"/>
+              <a:t>|| </a:t>
+            </a:r>
+            <a:r>
+              <a:rPr lang="zh-CN" altLang="en-US" dirty="0" smtClean="0"/>
+              <a:t>同一类型匿名变量</a:t>
+            </a:r>
+            <a:endParaRPr lang="zh-CN" altLang="en-US" dirty="0"/>
           </a:p>
         </p:txBody>
       </p:sp>
@@ -7116,6 +6732,350 @@
         </p:nvSpPr>
         <p:spPr>
           <a:xfrm>
+            <a:off x="1371600" y="1617980"/>
+            <a:ext cx="10037445" cy="5240020"/>
+          </a:xfrm>
+        </p:spPr>
+        <p:txBody>
+          <a:bodyPr>
+            <a:normAutofit/>
+          </a:bodyPr>
+          <a:lstStyle/>
+          <a:p>
+            <a:r>
+              <a:rPr lang="en-US" altLang="zh-CN" dirty="0"/>
+              <a:t>universal </a:t>
+            </a:r>
+            <a:r>
+              <a:rPr lang="en-US" altLang="zh-CN" dirty="0" smtClean="0"/>
+              <a:t>reference</a:t>
+            </a:r>
+            <a:r>
+              <a:rPr lang="zh-CN" altLang="en-US" dirty="0" smtClean="0"/>
+              <a:t>与引用折叠 </a:t>
+            </a:r>
+            <a:r>
+              <a:rPr lang="en-US" altLang="zh-CN" dirty="0" smtClean="0"/>
+              <a:t>——</a:t>
+            </a:r>
+            <a:r>
+              <a:rPr lang="zh-CN" altLang="en-US" dirty="0" smtClean="0"/>
+              <a:t>用于判别基于模板或自动类型推导的引用类型</a:t>
+            </a:r>
+            <a:endParaRPr lang="zh-CN" altLang="en-US" dirty="0" smtClean="0"/>
+          </a:p>
+        </p:txBody>
+      </p:sp>
+      <p:pic>
+        <p:nvPicPr>
+          <p:cNvPr id="7" name="图片 6"/>
+          <p:cNvPicPr>
+            <a:picLocks noChangeAspect="1"/>
+          </p:cNvPicPr>
+          <p:nvPr/>
+        </p:nvPicPr>
+        <p:blipFill>
+          <a:blip r:embed="rId1">
+            <a:extLst>
+              <a:ext uri="{28A0092B-C50C-407E-A947-70E740481C1C}">
+                <a14:useLocalDpi xmlns:a14="http://schemas.microsoft.com/office/drawing/2010/main" val="0"/>
+              </a:ext>
+            </a:extLst>
+          </a:blip>
+          <a:stretch>
+            <a:fillRect/>
+          </a:stretch>
+        </p:blipFill>
+        <p:spPr>
+          <a:xfrm>
+            <a:off x="1371600" y="2786969"/>
+            <a:ext cx="4247846" cy="1433649"/>
+          </a:xfrm>
+          <a:prstGeom prst="rect">
+            <a:avLst/>
+          </a:prstGeom>
+        </p:spPr>
+      </p:pic>
+      <p:sp>
+        <p:nvSpPr>
+          <p:cNvPr id="10" name="矩形 9"/>
+          <p:cNvSpPr/>
+          <p:nvPr/>
+        </p:nvSpPr>
+        <p:spPr>
+          <a:xfrm>
+            <a:off x="1371600" y="2171700"/>
+            <a:ext cx="10637520" cy="398780"/>
+          </a:xfrm>
+          <a:prstGeom prst="rect">
+            <a:avLst/>
+          </a:prstGeom>
+        </p:spPr>
+        <p:txBody>
+          <a:bodyPr wrap="square">
+            <a:spAutoFit/>
+          </a:bodyPr>
+          <a:lstStyle/>
+          <a:p>
+            <a:r>
+              <a:rPr lang="zh-CN" altLang="en-US" sz="2000" dirty="0">
+                <a:latin typeface="Arial" panose="020B0604020202020204" pitchFamily="34" charset="0"/>
+                <a:cs typeface="Arial" panose="020B0604020202020204" pitchFamily="34" charset="0"/>
+              </a:rPr>
+              <a:t>自动推断规则：变量或者参数的形式必须严格符合“</a:t>
+            </a:r>
+            <a:r>
+              <a:rPr lang="en-US" altLang="zh-CN" sz="2000" dirty="0">
+                <a:latin typeface="Arial" panose="020B0604020202020204" pitchFamily="34" charset="0"/>
+                <a:cs typeface="Arial" panose="020B0604020202020204" pitchFamily="34" charset="0"/>
+              </a:rPr>
+              <a:t>T&amp;&amp;”</a:t>
+            </a:r>
+            <a:r>
+              <a:rPr lang="zh-CN" altLang="en-US" sz="2000" dirty="0">
+                <a:latin typeface="Arial" panose="020B0604020202020204" pitchFamily="34" charset="0"/>
+                <a:cs typeface="Arial" panose="020B0604020202020204" pitchFamily="34" charset="0"/>
+              </a:rPr>
+              <a:t>的形式，并且</a:t>
+            </a:r>
+            <a:r>
+              <a:rPr lang="en-US" altLang="zh-CN" sz="2000" dirty="0">
+                <a:latin typeface="Arial" panose="020B0604020202020204" pitchFamily="34" charset="0"/>
+                <a:cs typeface="Arial" panose="020B0604020202020204" pitchFamily="34" charset="0"/>
+              </a:rPr>
+              <a:t>T</a:t>
+            </a:r>
+            <a:r>
+              <a:rPr lang="zh-CN" altLang="en-US" sz="2000" dirty="0">
+                <a:latin typeface="Arial" panose="020B0604020202020204" pitchFamily="34" charset="0"/>
+                <a:cs typeface="Arial" panose="020B0604020202020204" pitchFamily="34" charset="0"/>
+              </a:rPr>
+              <a:t>需要经过类型推导</a:t>
+            </a:r>
+            <a:endParaRPr lang="zh-CN" altLang="en-US" sz="2000" dirty="0">
+              <a:latin typeface="Arial" panose="020B0604020202020204" pitchFamily="34" charset="0"/>
+              <a:cs typeface="Arial" panose="020B0604020202020204" pitchFamily="34" charset="0"/>
+            </a:endParaRPr>
+          </a:p>
+        </p:txBody>
+      </p:sp>
+      <p:sp>
+        <p:nvSpPr>
+          <p:cNvPr id="11" name="文本框 10"/>
+          <p:cNvSpPr txBox="1"/>
+          <p:nvPr/>
+        </p:nvSpPr>
+        <p:spPr>
+          <a:xfrm>
+            <a:off x="1371599" y="4426252"/>
+            <a:ext cx="3801291" cy="1198880"/>
+          </a:xfrm>
+          <a:prstGeom prst="rect">
+            <a:avLst/>
+          </a:prstGeom>
+          <a:noFill/>
+        </p:spPr>
+        <p:txBody>
+          <a:bodyPr wrap="square" rtlCol="0">
+            <a:spAutoFit/>
+          </a:bodyPr>
+          <a:lstStyle/>
+          <a:p>
+            <a:r>
+              <a:rPr lang="zh-CN" altLang="en-US" dirty="0" smtClean="0">
+                <a:latin typeface="Arial" panose="020B0604020202020204" pitchFamily="34" charset="0"/>
+                <a:cs typeface="Arial" panose="020B0604020202020204" pitchFamily="34" charset="0"/>
+              </a:rPr>
+              <a:t>引用折叠规则：</a:t>
+            </a:r>
+            <a:endParaRPr lang="zh-CN" altLang="en-US" dirty="0" smtClean="0">
+              <a:latin typeface="Arial" panose="020B0604020202020204" pitchFamily="34" charset="0"/>
+              <a:cs typeface="Arial" panose="020B0604020202020204" pitchFamily="34" charset="0"/>
+            </a:endParaRPr>
+          </a:p>
+          <a:p>
+            <a:r>
+              <a:rPr lang="en-US" altLang="zh-CN" dirty="0" smtClean="0">
+                <a:latin typeface="Arial" panose="020B0604020202020204" pitchFamily="34" charset="0"/>
+                <a:cs typeface="Arial" panose="020B0604020202020204" pitchFamily="34" charset="0"/>
+              </a:rPr>
+              <a:t>&amp; &amp; - &gt; &amp;</a:t>
+            </a:r>
+            <a:endParaRPr lang="en-US" altLang="zh-CN" dirty="0" smtClean="0">
+              <a:latin typeface="Arial" panose="020B0604020202020204" pitchFamily="34" charset="0"/>
+              <a:cs typeface="Arial" panose="020B0604020202020204" pitchFamily="34" charset="0"/>
+            </a:endParaRPr>
+          </a:p>
+          <a:p>
+            <a:r>
+              <a:rPr lang="en-US" altLang="zh-CN" dirty="0" smtClean="0">
+                <a:latin typeface="Arial" panose="020B0604020202020204" pitchFamily="34" charset="0"/>
+                <a:cs typeface="Arial" panose="020B0604020202020204" pitchFamily="34" charset="0"/>
+              </a:rPr>
+              <a:t>&amp; &amp;&amp; </a:t>
+            </a:r>
+            <a:r>
+              <a:rPr lang="en-US" altLang="zh-CN" dirty="0" smtClean="0">
+                <a:latin typeface="微软雅黑" panose="020B0503020204020204" charset="-122"/>
+                <a:ea typeface="微软雅黑" panose="020B0503020204020204" charset="-122"/>
+                <a:cs typeface="Arial" panose="020B0604020202020204" pitchFamily="34" charset="0"/>
+              </a:rPr>
+              <a:t>-&gt;</a:t>
+            </a:r>
+            <a:r>
+              <a:rPr lang="en-US" altLang="zh-CN" dirty="0" smtClean="0">
+                <a:latin typeface="Arial" panose="020B0604020202020204" pitchFamily="34" charset="0"/>
+                <a:cs typeface="Arial" panose="020B0604020202020204" pitchFamily="34" charset="0"/>
+              </a:rPr>
+              <a:t> &amp;</a:t>
+            </a:r>
+            <a:endParaRPr lang="en-US" altLang="zh-CN" dirty="0" smtClean="0">
+              <a:latin typeface="Arial" panose="020B0604020202020204" pitchFamily="34" charset="0"/>
+              <a:cs typeface="Arial" panose="020B0604020202020204" pitchFamily="34" charset="0"/>
+            </a:endParaRPr>
+          </a:p>
+          <a:p>
+            <a:r>
+              <a:rPr lang="en-US" altLang="zh-CN" dirty="0" smtClean="0">
+                <a:latin typeface="Arial" panose="020B0604020202020204" pitchFamily="34" charset="0"/>
+                <a:cs typeface="Arial" panose="020B0604020202020204" pitchFamily="34" charset="0"/>
+              </a:rPr>
+              <a:t>&amp;&amp; &amp;&amp; </a:t>
+            </a:r>
+            <a:r>
+              <a:rPr lang="en-US" altLang="zh-CN" dirty="0">
+                <a:latin typeface="微软雅黑" panose="020B0503020204020204" charset="-122"/>
+                <a:ea typeface="微软雅黑" panose="020B0503020204020204" charset="-122"/>
+                <a:cs typeface="Arial" panose="020B0604020202020204" pitchFamily="34" charset="0"/>
+              </a:rPr>
+              <a:t>-&gt;</a:t>
+            </a:r>
+            <a:r>
+              <a:rPr lang="en-US" altLang="zh-CN" dirty="0" smtClean="0">
+                <a:latin typeface="Arial" panose="020B0604020202020204" pitchFamily="34" charset="0"/>
+                <a:cs typeface="Arial" panose="020B0604020202020204" pitchFamily="34" charset="0"/>
+              </a:rPr>
+              <a:t> &amp;&amp;</a:t>
+            </a:r>
+            <a:endParaRPr lang="zh-CN" altLang="en-US" dirty="0">
+              <a:latin typeface="Arial" panose="020B0604020202020204" pitchFamily="34" charset="0"/>
+              <a:cs typeface="Arial" panose="020B0604020202020204" pitchFamily="34" charset="0"/>
+            </a:endParaRPr>
+          </a:p>
+        </p:txBody>
+      </p:sp>
+      <p:sp>
+        <p:nvSpPr>
+          <p:cNvPr id="3" name="文本框 2"/>
+          <p:cNvSpPr txBox="1"/>
+          <p:nvPr/>
+        </p:nvSpPr>
+        <p:spPr>
+          <a:xfrm>
+            <a:off x="1371600" y="5723890"/>
+            <a:ext cx="10174605" cy="368300"/>
+          </a:xfrm>
+          <a:prstGeom prst="rect">
+            <a:avLst/>
+          </a:prstGeom>
+          <a:noFill/>
+        </p:spPr>
+        <p:txBody>
+          <a:bodyPr wrap="square" rtlCol="0">
+            <a:spAutoFit/>
+          </a:bodyPr>
+          <a:p>
+            <a:r>
+              <a:rPr lang="zh-CN" altLang="en-US"/>
+              <a:t>作用：不需要写两个函数重载例如</a:t>
+            </a:r>
+            <a:r>
+              <a:rPr lang="en-US" altLang="zh-CN"/>
+              <a:t>void f(int&amp;&amp; param) </a:t>
+            </a:r>
+            <a:r>
+              <a:rPr lang="zh-CN" altLang="en-US"/>
+              <a:t>和 </a:t>
+            </a:r>
+            <a:r>
+              <a:rPr lang="en-US" altLang="zh-CN"/>
+              <a:t>void f(int&amp; param)</a:t>
+            </a:r>
+            <a:endParaRPr lang="en-US" altLang="zh-CN"/>
+          </a:p>
+        </p:txBody>
+      </p:sp>
+    </p:spTree>
+  </p:cSld>
+  <p:clrMapOvr>
+    <a:masterClrMapping/>
+  </p:clrMapOvr>
+  <p:timing>
+    <p:tnLst>
+      <p:par>
+        <p:cTn id="1" dur="indefinite" restart="never" nodeType="tmRoot"/>
+      </p:par>
+    </p:tnLst>
+  </p:timing>
+</p:sld>
+</file>
+
+<file path=ppt/slides/slide25.xml><?xml version="1.0" encoding="utf-8"?>
+<p:sld xmlns:a="http://schemas.openxmlformats.org/drawingml/2006/main" xmlns:r="http://schemas.openxmlformats.org/officeDocument/2006/relationships" xmlns:p="http://schemas.openxmlformats.org/presentationml/2006/main">
+  <p:cSld>
+    <p:spTree>
+      <p:nvGrpSpPr>
+        <p:cNvPr id="1" name=""/>
+        <p:cNvGrpSpPr/>
+        <p:nvPr/>
+      </p:nvGrpSpPr>
+      <p:grpSpPr>
+        <a:xfrm>
+          <a:off x="0" y="0"/>
+          <a:ext cx="0" cy="0"/>
+          <a:chOff x="0" y="0"/>
+          <a:chExt cx="0" cy="0"/>
+        </a:xfrm>
+      </p:grpSpPr>
+      <p:sp>
+        <p:nvSpPr>
+          <p:cNvPr id="2" name="标题 1"/>
+          <p:cNvSpPr>
+            <a:spLocks noGrp="1"/>
+          </p:cNvSpPr>
+          <p:nvPr>
+            <p:ph type="title"/>
+          </p:nvPr>
+        </p:nvSpPr>
+        <p:spPr/>
+        <p:txBody>
+          <a:bodyPr/>
+          <a:lstStyle/>
+          <a:p>
+            <a:r>
+              <a:rPr lang="en-US" altLang="zh-CN" dirty="0" smtClean="0"/>
+              <a:t>8.</a:t>
+            </a:r>
+            <a:r>
+              <a:rPr lang="zh-CN" altLang="en-US" dirty="0" smtClean="0"/>
+              <a:t>右值引用</a:t>
+            </a:r>
+            <a:endParaRPr lang="zh-CN" altLang="en-US" dirty="0"/>
+          </a:p>
+        </p:txBody>
+      </p:sp>
+      <p:sp>
+        <p:nvSpPr>
+          <p:cNvPr id="4" name="内容占位符 2"/>
+          <p:cNvSpPr>
+            <a:spLocks noGrp="1"/>
+          </p:cNvSpPr>
+          <p:nvPr>
+            <p:ph idx="1"/>
+          </p:nvPr>
+        </p:nvSpPr>
+        <p:spPr>
+          <a:xfrm>
             <a:off x="1371600" y="1617784"/>
             <a:ext cx="9601200" cy="5240216"/>
           </a:xfrm>
@@ -7362,20 +7322,563 @@
           <a:lstStyle/>
           <a:p>
             <a:r>
-              <a:rPr lang="en-US" altLang="zh-CN" dirty="0"/>
-              <a:t>1.</a:t>
-            </a:r>
-            <a:r>
               <a:rPr lang="zh-CN" altLang="en-US" dirty="0"/>
-              <a:t>常量与变量</a:t>
+              <a:t>完成任务列表</a:t>
             </a:r>
             <a:endParaRPr lang="zh-CN" altLang="en-US" dirty="0"/>
           </a:p>
         </p:txBody>
       </p:sp>
-      <p:sp>
-        <p:nvSpPr>
-          <p:cNvPr id="5" name="内容占位符 2"/>
+      <p:graphicFrame>
+        <p:nvGraphicFramePr>
+          <p:cNvPr id="3" name="表格 2"/>
+          <p:cNvGraphicFramePr/>
+          <p:nvPr/>
+        </p:nvGraphicFramePr>
+        <p:xfrm>
+          <a:off x="1371600" y="1999615"/>
+          <a:ext cx="10312400" cy="3248025"/>
+        </p:xfrm>
+        <a:graphic>
+          <a:graphicData uri="http://schemas.openxmlformats.org/drawingml/2006/table">
+            <a:tbl>
+              <a:tblPr firstRow="1" bandRow="1">
+                <a:tableStyleId>{5C22544A-7EE6-4342-B048-85BDC9FD1C3A}</a:tableStyleId>
+              </a:tblPr>
+              <a:tblGrid>
+                <a:gridCol w="1289050"/>
+                <a:gridCol w="1289050"/>
+                <a:gridCol w="1289050"/>
+                <a:gridCol w="1289050"/>
+                <a:gridCol w="1289050"/>
+                <a:gridCol w="1289050"/>
+                <a:gridCol w="1289050"/>
+                <a:gridCol w="1289050"/>
+              </a:tblGrid>
+              <a:tr h="1534160">
+                <a:tc>
+                  <a:txBody>
+                    <a:bodyPr/>
+                    <a:p>
+                      <a:pPr>
+                        <a:buNone/>
+                      </a:pPr>
+                      <a:r>
+                        <a:rPr lang="en-US" altLang="zh-CN"/>
+                        <a:t>PC</a:t>
+                      </a:r>
+                      <a:r>
+                        <a:rPr lang="zh-CN" altLang="en-US"/>
+                        <a:t>前端开发</a:t>
+                      </a:r>
+                      <a:endParaRPr lang="zh-CN" altLang="en-US"/>
+                    </a:p>
+                  </a:txBody>
+                  <a:tcPr/>
+                </a:tc>
+                <a:tc>
+                  <a:txBody>
+                    <a:bodyPr/>
+                    <a:p>
+                      <a:pPr>
+                        <a:buNone/>
+                      </a:pPr>
+                      <a:r>
+                        <a:rPr sz="1800">
+                          <a:sym typeface="+mn-ea"/>
+                        </a:rPr>
+                        <a:t>PC前端覆盖度脚本</a:t>
+                      </a:r>
+                      <a:endParaRPr lang="zh-CN" altLang="en-US"/>
+                    </a:p>
+                  </a:txBody>
+                  <a:tcPr/>
+                </a:tc>
+                <a:tc>
+                  <a:txBody>
+                    <a:bodyPr/>
+                    <a:p>
+                      <a:pPr>
+                        <a:buNone/>
+                      </a:pPr>
+                      <a:r>
+                        <a:rPr sz="1800">
+                          <a:sym typeface="+mn-ea"/>
+                        </a:rPr>
+                        <a:t>web前端开发</a:t>
+                      </a:r>
+                      <a:endParaRPr lang="zh-CN" altLang="en-US"/>
+                    </a:p>
+                  </a:txBody>
+                  <a:tcPr/>
+                </a:tc>
+                <a:tc>
+                  <a:txBody>
+                    <a:bodyPr/>
+                    <a:p>
+                      <a:pPr>
+                        <a:buNone/>
+                      </a:pPr>
+                      <a:r>
+                        <a:rPr sz="1800">
+                          <a:sym typeface="+mn-ea"/>
+                        </a:rPr>
+                        <a:t>后端开发</a:t>
+                      </a:r>
+                      <a:endParaRPr lang="zh-CN" altLang="en-US"/>
+                    </a:p>
+                  </a:txBody>
+                  <a:tcPr/>
+                </a:tc>
+                <a:tc>
+                  <a:txBody>
+                    <a:bodyPr/>
+                    <a:p>
+                      <a:pPr>
+                        <a:buNone/>
+                      </a:pPr>
+                      <a:r>
+                        <a:rPr sz="1800">
+                          <a:sym typeface="+mn-ea"/>
+                        </a:rPr>
+                        <a:t>后端覆盖度脚本</a:t>
+                      </a:r>
+                      <a:endParaRPr lang="zh-CN" altLang="en-US"/>
+                    </a:p>
+                  </a:txBody>
+                  <a:tcPr/>
+                </a:tc>
+                <a:tc>
+                  <a:txBody>
+                    <a:bodyPr/>
+                    <a:p>
+                      <a:pPr>
+                        <a:buNone/>
+                      </a:pPr>
+                      <a:r>
+                        <a:rPr sz="1800">
+                          <a:sym typeface="+mn-ea"/>
+                        </a:rPr>
+                        <a:t>云服务器搭建</a:t>
+                      </a:r>
+                      <a:endParaRPr lang="zh-CN" altLang="en-US"/>
+                    </a:p>
+                  </a:txBody>
+                  <a:tcPr/>
+                </a:tc>
+                <a:tc>
+                  <a:txBody>
+                    <a:bodyPr/>
+                    <a:p>
+                      <a:pPr>
+                        <a:buNone/>
+                      </a:pPr>
+                      <a:r>
+                        <a:rPr sz="1800">
+                          <a:sym typeface="+mn-ea"/>
+                        </a:rPr>
+                        <a:t>系统功能测试</a:t>
+                      </a:r>
+                      <a:endParaRPr lang="zh-CN" altLang="en-US"/>
+                    </a:p>
+                  </a:txBody>
+                  <a:tcPr/>
+                </a:tc>
+                <a:tc>
+                  <a:txBody>
+                    <a:bodyPr/>
+                    <a:p>
+                      <a:pPr>
+                        <a:buNone/>
+                      </a:pPr>
+                      <a:r>
+                        <a:rPr sz="1800">
+                          <a:sym typeface="+mn-ea"/>
+                        </a:rPr>
+                        <a:t>系统性能测试</a:t>
+                      </a:r>
+                      <a:endParaRPr lang="zh-CN" altLang="en-US"/>
+                    </a:p>
+                  </a:txBody>
+                  <a:tcPr/>
+                </a:tc>
+              </a:tr>
+              <a:tr h="1074420">
+                <a:tc>
+                  <a:txBody>
+                    <a:bodyPr/>
+                    <a:p>
+                      <a:pPr>
+                        <a:buNone/>
+                      </a:pPr>
+                      <a:r>
+                        <a:rPr lang="zh-CN" altLang="en-US"/>
+                        <a:t>倪事通</a:t>
+                      </a:r>
+                      <a:endParaRPr lang="zh-CN" altLang="en-US"/>
+                    </a:p>
+                  </a:txBody>
+                  <a:tcPr/>
+                </a:tc>
+                <a:tc>
+                  <a:txBody>
+                    <a:bodyPr/>
+                    <a:p>
+                      <a:pPr>
+                        <a:buNone/>
+                      </a:pPr>
+                      <a:r>
+                        <a:rPr sz="1800">
+                          <a:sym typeface="+mn-ea"/>
+                        </a:rPr>
+                        <a:t>倪事通</a:t>
+                      </a:r>
+                      <a:endParaRPr lang="zh-CN" altLang="en-US"/>
+                    </a:p>
+                  </a:txBody>
+                  <a:tcPr/>
+                </a:tc>
+                <a:tc>
+                  <a:txBody>
+                    <a:bodyPr/>
+                    <a:p>
+                      <a:pPr>
+                        <a:buNone/>
+                      </a:pPr>
+                      <a:r>
+                        <a:rPr sz="1800">
+                          <a:sym typeface="+mn-ea"/>
+                        </a:rPr>
+                        <a:t>庄子凯</a:t>
+                      </a:r>
+                      <a:endParaRPr lang="zh-CN" altLang="en-US"/>
+                    </a:p>
+                  </a:txBody>
+                  <a:tcPr/>
+                </a:tc>
+                <a:tc>
+                  <a:txBody>
+                    <a:bodyPr/>
+                    <a:p>
+                      <a:pPr>
+                        <a:buNone/>
+                      </a:pPr>
+                      <a:r>
+                        <a:rPr sz="1800">
+                          <a:sym typeface="+mn-ea"/>
+                        </a:rPr>
+                        <a:t>庄子凯 </a:t>
+                      </a:r>
+                      <a:endParaRPr sz="1800">
+                        <a:sym typeface="+mn-ea"/>
+                      </a:endParaRPr>
+                    </a:p>
+                    <a:p>
+                      <a:pPr>
+                        <a:buNone/>
+                      </a:pPr>
+                      <a:r>
+                        <a:rPr sz="1800">
+                          <a:sym typeface="+mn-ea"/>
+                        </a:rPr>
+                        <a:t>赵奕威</a:t>
+                      </a:r>
+                      <a:endParaRPr lang="zh-CN" altLang="en-US"/>
+                    </a:p>
+                  </a:txBody>
+                  <a:tcPr/>
+                </a:tc>
+                <a:tc>
+                  <a:txBody>
+                    <a:bodyPr/>
+                    <a:p>
+                      <a:pPr>
+                        <a:buNone/>
+                      </a:pPr>
+                      <a:r>
+                        <a:rPr sz="1800">
+                          <a:sym typeface="+mn-ea"/>
+                        </a:rPr>
+                        <a:t>赵奕威</a:t>
+                      </a:r>
+                      <a:endParaRPr lang="zh-CN" altLang="en-US"/>
+                    </a:p>
+                  </a:txBody>
+                  <a:tcPr/>
+                </a:tc>
+                <a:tc>
+                  <a:txBody>
+                    <a:bodyPr/>
+                    <a:p>
+                      <a:pPr>
+                        <a:buNone/>
+                      </a:pPr>
+                      <a:r>
+                        <a:rPr sz="1800">
+                          <a:sym typeface="+mn-ea"/>
+                        </a:rPr>
+                        <a:t>吴岳 </a:t>
+                      </a:r>
+                      <a:endParaRPr sz="1800">
+                        <a:sym typeface="+mn-ea"/>
+                      </a:endParaRPr>
+                    </a:p>
+                    <a:p>
+                      <a:pPr>
+                        <a:buNone/>
+                      </a:pPr>
+                      <a:r>
+                        <a:rPr sz="1800">
+                          <a:sym typeface="+mn-ea"/>
+                        </a:rPr>
+                        <a:t>赵奕威</a:t>
+                      </a:r>
+                      <a:endParaRPr lang="zh-CN" altLang="en-US"/>
+                    </a:p>
+                  </a:txBody>
+                  <a:tcPr/>
+                </a:tc>
+                <a:tc>
+                  <a:txBody>
+                    <a:bodyPr/>
+                    <a:p>
+                      <a:pPr>
+                        <a:buNone/>
+                      </a:pPr>
+                      <a:r>
+                        <a:rPr sz="1800">
+                          <a:sym typeface="+mn-ea"/>
+                        </a:rPr>
+                        <a:t>吴岳</a:t>
+                      </a:r>
+                      <a:endParaRPr lang="zh-CN" altLang="en-US"/>
+                    </a:p>
+                  </a:txBody>
+                  <a:tcPr/>
+                </a:tc>
+                <a:tc>
+                  <a:txBody>
+                    <a:bodyPr/>
+                    <a:p>
+                      <a:pPr>
+                        <a:buNone/>
+                      </a:pPr>
+                      <a:r>
+                        <a:rPr sz="1800">
+                          <a:sym typeface="+mn-ea"/>
+                        </a:rPr>
+                        <a:t>吴岳</a:t>
+                      </a:r>
+                      <a:endParaRPr lang="zh-CN" altLang="en-US"/>
+                    </a:p>
+                  </a:txBody>
+                  <a:tcPr/>
+                </a:tc>
+              </a:tr>
+              <a:tr h="639445">
+                <a:tc>
+                  <a:txBody>
+                    <a:bodyPr/>
+                    <a:p>
+                      <a:pPr>
+                        <a:buNone/>
+                      </a:pPr>
+                      <a:r>
+                        <a:rPr lang="zh-CN" altLang="en-US"/>
+                        <a:t>已完成</a:t>
+                      </a:r>
+                      <a:endParaRPr lang="zh-CN" altLang="en-US"/>
+                    </a:p>
+                  </a:txBody>
+                  <a:tcPr/>
+                </a:tc>
+                <a:tc>
+                  <a:txBody>
+                    <a:bodyPr/>
+                    <a:p>
+                      <a:pPr>
+                        <a:buNone/>
+                      </a:pPr>
+                      <a:r>
+                        <a:rPr lang="zh-CN" altLang="en-US"/>
+                        <a:t>已完成</a:t>
+                      </a:r>
+                      <a:endParaRPr lang="zh-CN" altLang="en-US"/>
+                    </a:p>
+                  </a:txBody>
+                  <a:tcPr/>
+                </a:tc>
+                <a:tc>
+                  <a:txBody>
+                    <a:bodyPr/>
+                    <a:p>
+                      <a:pPr>
+                        <a:buNone/>
+                      </a:pPr>
+                      <a:r>
+                        <a:rPr lang="zh-CN" altLang="en-US"/>
+                        <a:t>已完成</a:t>
+                      </a:r>
+                      <a:endParaRPr lang="zh-CN" altLang="en-US"/>
+                    </a:p>
+                  </a:txBody>
+                  <a:tcPr/>
+                </a:tc>
+                <a:tc>
+                  <a:txBody>
+                    <a:bodyPr/>
+                    <a:p>
+                      <a:pPr>
+                        <a:buNone/>
+                      </a:pPr>
+                      <a:r>
+                        <a:rPr lang="zh-CN" altLang="en-US"/>
+                        <a:t>已完成</a:t>
+                      </a:r>
+                      <a:endParaRPr lang="zh-CN" altLang="en-US"/>
+                    </a:p>
+                  </a:txBody>
+                  <a:tcPr/>
+                </a:tc>
+                <a:tc>
+                  <a:txBody>
+                    <a:bodyPr/>
+                    <a:p>
+                      <a:pPr>
+                        <a:buNone/>
+                      </a:pPr>
+                      <a:r>
+                        <a:rPr lang="zh-CN" altLang="en-US" sz="1800">
+                          <a:sym typeface="+mn-ea"/>
+                        </a:rPr>
+                        <a:t>已完成</a:t>
+                      </a:r>
+                      <a:endParaRPr lang="zh-CN" altLang="en-US"/>
+                    </a:p>
+                  </a:txBody>
+                  <a:tcPr/>
+                </a:tc>
+                <a:tc>
+                  <a:txBody>
+                    <a:bodyPr/>
+                    <a:p>
+                      <a:pPr>
+                        <a:buNone/>
+                      </a:pPr>
+                      <a:r>
+                        <a:rPr lang="zh-CN" altLang="en-US" sz="1800">
+                          <a:sym typeface="+mn-ea"/>
+                        </a:rPr>
+                        <a:t>已完成</a:t>
+                      </a:r>
+                      <a:endParaRPr lang="zh-CN" altLang="en-US"/>
+                    </a:p>
+                  </a:txBody>
+                  <a:tcPr/>
+                </a:tc>
+                <a:tc>
+                  <a:txBody>
+                    <a:bodyPr/>
+                    <a:p>
+                      <a:pPr>
+                        <a:buNone/>
+                      </a:pPr>
+                      <a:r>
+                        <a:rPr lang="zh-CN" altLang="en-US" sz="1800">
+                          <a:sym typeface="+mn-ea"/>
+                        </a:rPr>
+                        <a:t>已完成</a:t>
+                      </a:r>
+                      <a:endParaRPr lang="zh-CN" altLang="en-US"/>
+                    </a:p>
+                  </a:txBody>
+                  <a:tcPr/>
+                </a:tc>
+                <a:tc>
+                  <a:txBody>
+                    <a:bodyPr/>
+                    <a:p>
+                      <a:pPr>
+                        <a:buNone/>
+                      </a:pPr>
+                      <a:r>
+                        <a:rPr lang="zh-CN" altLang="en-US" sz="1800">
+                          <a:sym typeface="+mn-ea"/>
+                        </a:rPr>
+                        <a:t>已完成</a:t>
+                      </a:r>
+                      <a:endParaRPr lang="zh-CN" altLang="en-US"/>
+                    </a:p>
+                  </a:txBody>
+                  <a:tcPr/>
+                </a:tc>
+              </a:tr>
+            </a:tbl>
+          </a:graphicData>
+        </a:graphic>
+      </p:graphicFrame>
+    </p:spTree>
+  </p:cSld>
+  <p:clrMapOvr>
+    <a:masterClrMapping/>
+  </p:clrMapOvr>
+  <p:timing>
+    <p:tnLst>
+      <p:par>
+        <p:cTn id="1" dur="indefinite" restart="never" nodeType="tmRoot"/>
+      </p:par>
+    </p:tnLst>
+  </p:timing>
+</p:sld>
+</file>
+
+<file path=ppt/slides/slide4.xml><?xml version="1.0" encoding="utf-8"?>
+<p:sld xmlns:a="http://schemas.openxmlformats.org/drawingml/2006/main" xmlns:r="http://schemas.openxmlformats.org/officeDocument/2006/relationships" xmlns:p="http://schemas.openxmlformats.org/presentationml/2006/main">
+  <p:cSld>
+    <p:spTree>
+      <p:nvGrpSpPr>
+        <p:cNvPr id="1" name=""/>
+        <p:cNvGrpSpPr/>
+        <p:nvPr/>
+      </p:nvGrpSpPr>
+      <p:grpSpPr>
+        <a:xfrm>
+          <a:off x="0" y="0"/>
+          <a:ext cx="0" cy="0"/>
+          <a:chOff x="0" y="0"/>
+          <a:chExt cx="0" cy="0"/>
+        </a:xfrm>
+      </p:grpSpPr>
+      <p:sp>
+        <p:nvSpPr>
+          <p:cNvPr id="2" name="标题 1"/>
+          <p:cNvSpPr>
+            <a:spLocks noGrp="1"/>
+          </p:cNvSpPr>
+          <p:nvPr>
+            <p:ph type="title"/>
+          </p:nvPr>
+        </p:nvSpPr>
+        <p:spPr/>
+        <p:txBody>
+          <a:bodyPr/>
+          <a:lstStyle/>
+          <a:p>
+            <a:r>
+              <a:rPr lang="en-US" dirty="0" smtClean="0"/>
+              <a:t>Timeline</a:t>
+            </a:r>
+            <a:r>
+              <a:rPr lang="zh-CN" altLang="en-US" dirty="0" smtClean="0"/>
+              <a:t>功能需求说明</a:t>
+            </a:r>
+            <a:endParaRPr lang="zh-CN" altLang="en-US" dirty="0" smtClean="0"/>
+          </a:p>
+        </p:txBody>
+      </p:sp>
+      <p:sp>
+        <p:nvSpPr>
+          <p:cNvPr id="4" name="内容占位符 2"/>
           <p:cNvSpPr txBox="1"/>
           <p:nvPr/>
         </p:nvSpPr>
@@ -7585,641 +8088,20 @@
           </a:lstStyle>
           <a:p>
             <a:r>
-              <a:rPr lang="en-US" altLang="zh-CN" dirty="0" err="1" smtClean="0"/>
-              <a:t>constexpr</a:t>
-            </a:r>
-            <a:r>
-              <a:rPr lang="zh-CN" altLang="en-US" dirty="0"/>
-              <a:t>变量</a:t>
-            </a:r>
-            <a:r>
-              <a:rPr lang="zh-CN" altLang="en-US" dirty="0" smtClean="0"/>
-              <a:t>  </a:t>
-            </a:r>
-            <a:r>
-              <a:rPr lang="en-US" altLang="zh-CN" dirty="0" smtClean="0"/>
-              <a:t>——</a:t>
-            </a:r>
-            <a:r>
-              <a:rPr lang="zh-CN" altLang="en-US" dirty="0"/>
-              <a:t>由编译器来验证变量的值是否是一个常量表达式</a:t>
-            </a:r>
-            <a:endParaRPr lang="en-US" altLang="zh-CN" dirty="0" smtClean="0"/>
-          </a:p>
-          <a:p>
-            <a:endParaRPr lang="en-US" altLang="zh-CN" dirty="0" smtClean="0"/>
-          </a:p>
-          <a:p>
-            <a:endParaRPr lang="en-US" altLang="zh-CN" dirty="0"/>
-          </a:p>
-          <a:p>
-            <a:r>
-              <a:rPr lang="zh-CN" altLang="en-US" dirty="0" smtClean="0"/>
-              <a:t>旧的</a:t>
-            </a:r>
-            <a:r>
-              <a:rPr lang="en-US" altLang="zh-CN" dirty="0" err="1" smtClean="0"/>
-              <a:t>typedef</a:t>
-            </a:r>
-            <a:r>
-              <a:rPr lang="zh-CN" altLang="en-US" dirty="0" smtClean="0"/>
-              <a:t>与新的</a:t>
-            </a:r>
-            <a:r>
-              <a:rPr lang="en-US" altLang="zh-CN" dirty="0" smtClean="0"/>
-              <a:t>using</a:t>
-            </a:r>
-            <a:endParaRPr lang="en-US" altLang="zh-CN" dirty="0" smtClean="0"/>
-          </a:p>
-          <a:p>
-            <a:endParaRPr lang="en-US" altLang="zh-CN" dirty="0" smtClean="0"/>
-          </a:p>
-          <a:p>
-            <a:endParaRPr lang="en-US" altLang="zh-CN" dirty="0"/>
-          </a:p>
-          <a:p>
-            <a:endParaRPr lang="zh-CN" altLang="en-US" dirty="0"/>
-          </a:p>
-          <a:p>
-            <a:endParaRPr lang="en-US" altLang="zh-CN" dirty="0"/>
-          </a:p>
-        </p:txBody>
-      </p:sp>
-      <p:pic>
-        <p:nvPicPr>
-          <p:cNvPr id="6" name="图片 5"/>
-          <p:cNvPicPr>
-            <a:picLocks noChangeAspect="1"/>
-          </p:cNvPicPr>
-          <p:nvPr/>
-        </p:nvPicPr>
-        <p:blipFill rotWithShape="1">
-          <a:blip r:embed="rId1">
-            <a:extLst>
-              <a:ext uri="{28A0092B-C50C-407E-A947-70E740481C1C}">
-                <a14:useLocalDpi xmlns:a14="http://schemas.microsoft.com/office/drawing/2010/main" val="0"/>
-              </a:ext>
-            </a:extLst>
-          </a:blip>
-          <a:srcRect b="15162"/>
-          <a:stretch>
-            <a:fillRect/>
-          </a:stretch>
-        </p:blipFill>
-        <p:spPr>
-          <a:xfrm>
-            <a:off x="1371600" y="2171700"/>
-            <a:ext cx="3052661" cy="542527"/>
-          </a:xfrm>
-          <a:prstGeom prst="rect">
-            <a:avLst/>
-          </a:prstGeom>
-        </p:spPr>
-      </p:pic>
-      <p:pic>
-        <p:nvPicPr>
-          <p:cNvPr id="7" name="图片 6"/>
-          <p:cNvPicPr>
-            <a:picLocks noChangeAspect="1"/>
-          </p:cNvPicPr>
-          <p:nvPr/>
-        </p:nvPicPr>
-        <p:blipFill>
-          <a:blip r:embed="rId2">
-            <a:extLst>
-              <a:ext uri="{28A0092B-C50C-407E-A947-70E740481C1C}">
-                <a14:useLocalDpi xmlns:a14="http://schemas.microsoft.com/office/drawing/2010/main" val="0"/>
-              </a:ext>
-            </a:extLst>
-          </a:blip>
-          <a:stretch>
-            <a:fillRect/>
-          </a:stretch>
-        </p:blipFill>
-        <p:spPr>
-          <a:xfrm>
-            <a:off x="4805495" y="2171699"/>
-            <a:ext cx="2813570" cy="542527"/>
-          </a:xfrm>
-          <a:prstGeom prst="rect">
-            <a:avLst/>
-          </a:prstGeom>
-        </p:spPr>
-      </p:pic>
-      <p:pic>
-        <p:nvPicPr>
-          <p:cNvPr id="8" name="图片 7"/>
-          <p:cNvPicPr>
-            <a:picLocks noChangeAspect="1"/>
-          </p:cNvPicPr>
-          <p:nvPr/>
-        </p:nvPicPr>
-        <p:blipFill>
-          <a:blip r:embed="rId3">
-            <a:extLst>
-              <a:ext uri="{28A0092B-C50C-407E-A947-70E740481C1C}">
-                <a14:useLocalDpi xmlns:a14="http://schemas.microsoft.com/office/drawing/2010/main" val="0"/>
-              </a:ext>
-            </a:extLst>
-          </a:blip>
-          <a:stretch>
-            <a:fillRect/>
-          </a:stretch>
-        </p:blipFill>
-        <p:spPr>
-          <a:xfrm>
-            <a:off x="1371600" y="3523615"/>
-            <a:ext cx="2649220" cy="647700"/>
-          </a:xfrm>
-          <a:prstGeom prst="rect">
-            <a:avLst/>
-          </a:prstGeom>
-        </p:spPr>
-      </p:pic>
-    </p:spTree>
-  </p:cSld>
-  <p:clrMapOvr>
-    <a:masterClrMapping/>
-  </p:clrMapOvr>
-  <p:timing>
-    <p:tnLst>
-      <p:par>
-        <p:cTn id="1" dur="indefinite" restart="never" nodeType="tmRoot"/>
-      </p:par>
-    </p:tnLst>
-  </p:timing>
-</p:sld>
-</file>
-
-<file path=ppt/slides/slide4.xml><?xml version="1.0" encoding="utf-8"?>
-<p:sld xmlns:a="http://schemas.openxmlformats.org/drawingml/2006/main" xmlns:r="http://schemas.openxmlformats.org/officeDocument/2006/relationships" xmlns:p="http://schemas.openxmlformats.org/presentationml/2006/main">
-  <p:cSld>
-    <p:spTree>
-      <p:nvGrpSpPr>
-        <p:cNvPr id="1" name=""/>
-        <p:cNvGrpSpPr/>
-        <p:nvPr/>
-      </p:nvGrpSpPr>
-      <p:grpSpPr>
-        <a:xfrm>
-          <a:off x="0" y="0"/>
-          <a:ext cx="0" cy="0"/>
-          <a:chOff x="0" y="0"/>
-          <a:chExt cx="0" cy="0"/>
-        </a:xfrm>
-      </p:grpSpPr>
-      <p:sp>
-        <p:nvSpPr>
-          <p:cNvPr id="2" name="标题 1"/>
-          <p:cNvSpPr>
-            <a:spLocks noGrp="1"/>
-          </p:cNvSpPr>
-          <p:nvPr>
-            <p:ph type="title"/>
-          </p:nvPr>
-        </p:nvSpPr>
-        <p:spPr/>
-        <p:txBody>
-          <a:bodyPr/>
-          <a:lstStyle/>
-          <a:p>
-            <a:r>
-              <a:rPr lang="en-US" altLang="zh-CN" dirty="0" smtClean="0"/>
-              <a:t>1.</a:t>
-            </a:r>
-            <a:r>
-              <a:rPr lang="zh-CN" altLang="en-US" dirty="0" smtClean="0"/>
-              <a:t>常量与变量</a:t>
-            </a:r>
-            <a:endParaRPr lang="zh-CN" altLang="en-US" dirty="0"/>
-          </a:p>
-        </p:txBody>
-      </p:sp>
-      <p:sp>
-        <p:nvSpPr>
-          <p:cNvPr id="4" name="内容占位符 2"/>
-          <p:cNvSpPr txBox="1"/>
-          <p:nvPr/>
-        </p:nvSpPr>
-        <p:spPr>
-          <a:xfrm>
-            <a:off x="1371600" y="1617784"/>
-            <a:ext cx="9601200" cy="5240216"/>
-          </a:xfrm>
-          <a:prstGeom prst="rect">
-            <a:avLst/>
-          </a:prstGeom>
-        </p:spPr>
-        <p:txBody>
-          <a:bodyPr vert="horz" lIns="91440" tIns="45720" rIns="91440" bIns="45720" rtlCol="0">
-            <a:normAutofit/>
-          </a:bodyPr>
-          <a:lstStyle>
-            <a:lvl1pPr marL="384175" indent="-384175" algn="l" defTabSz="914400" rtl="0" eaLnBrk="1" latinLnBrk="0" hangingPunct="1">
-              <a:lnSpc>
-                <a:spcPct val="94000"/>
-              </a:lnSpc>
-              <a:spcBef>
-                <a:spcPts val="1000"/>
-              </a:spcBef>
-              <a:spcAft>
-                <a:spcPts val="200"/>
-              </a:spcAft>
-              <a:buFont typeface="Franklin Gothic Book" panose="020B0503020102020204" pitchFamily="34" charset="0"/>
-              <a:buChar char="■"/>
-              <a:defRPr sz="2000" kern="1200" baseline="0">
-                <a:solidFill>
-                  <a:schemeClr val="tx2"/>
-                </a:solidFill>
-                <a:latin typeface="+mn-lt"/>
-                <a:ea typeface="+mn-ea"/>
-                <a:cs typeface="+mn-cs"/>
-              </a:defRPr>
-            </a:lvl1pPr>
-            <a:lvl2pPr marL="914400" indent="-384175" algn="l" defTabSz="914400" rtl="0" eaLnBrk="1" latinLnBrk="0" hangingPunct="1">
-              <a:lnSpc>
-                <a:spcPct val="94000"/>
-              </a:lnSpc>
-              <a:spcBef>
-                <a:spcPts val="500"/>
-              </a:spcBef>
-              <a:spcAft>
-                <a:spcPts val="200"/>
-              </a:spcAft>
-              <a:buFont typeface="Franklin Gothic Book" panose="020B0503020102020204" pitchFamily="34" charset="0"/>
-              <a:buChar char="–"/>
-              <a:defRPr sz="2000" i="1" kern="1200" baseline="0">
-                <a:solidFill>
-                  <a:schemeClr val="tx2"/>
-                </a:solidFill>
-                <a:latin typeface="+mn-lt"/>
-                <a:ea typeface="+mn-ea"/>
-                <a:cs typeface="+mn-cs"/>
-              </a:defRPr>
-            </a:lvl2pPr>
-            <a:lvl3pPr marL="1371600" indent="-384175" algn="l" defTabSz="914400" rtl="0" eaLnBrk="1" latinLnBrk="0" hangingPunct="1">
-              <a:lnSpc>
-                <a:spcPct val="94000"/>
-              </a:lnSpc>
-              <a:spcBef>
-                <a:spcPts val="500"/>
-              </a:spcBef>
-              <a:spcAft>
-                <a:spcPts val="200"/>
-              </a:spcAft>
-              <a:buFont typeface="Franklin Gothic Book" panose="020B0503020102020204" pitchFamily="34" charset="0"/>
-              <a:buChar char="■"/>
-              <a:defRPr sz="1800" kern="1200" baseline="0">
-                <a:solidFill>
-                  <a:schemeClr val="tx2"/>
-                </a:solidFill>
-                <a:latin typeface="+mn-lt"/>
-                <a:ea typeface="+mn-ea"/>
-                <a:cs typeface="+mn-cs"/>
-              </a:defRPr>
-            </a:lvl3pPr>
-            <a:lvl4pPr marL="1828800" indent="-384175" algn="l" defTabSz="914400" rtl="0" eaLnBrk="1" latinLnBrk="0" hangingPunct="1">
-              <a:lnSpc>
-                <a:spcPct val="94000"/>
-              </a:lnSpc>
-              <a:spcBef>
-                <a:spcPts val="500"/>
-              </a:spcBef>
-              <a:spcAft>
-                <a:spcPts val="200"/>
-              </a:spcAft>
-              <a:buFont typeface="Franklin Gothic Book" panose="020B0503020102020204" pitchFamily="34" charset="0"/>
-              <a:buChar char="–"/>
-              <a:defRPr sz="1800" i="1" kern="1200" baseline="0">
-                <a:solidFill>
-                  <a:schemeClr val="tx2"/>
-                </a:solidFill>
-                <a:latin typeface="+mn-lt"/>
-                <a:ea typeface="+mn-ea"/>
-                <a:cs typeface="+mn-cs"/>
-              </a:defRPr>
-            </a:lvl4pPr>
-            <a:lvl5pPr marL="2286000" indent="-384175" algn="l" defTabSz="914400" rtl="0" eaLnBrk="1" latinLnBrk="0" hangingPunct="1">
-              <a:lnSpc>
-                <a:spcPct val="94000"/>
-              </a:lnSpc>
-              <a:spcBef>
-                <a:spcPts val="500"/>
-              </a:spcBef>
-              <a:spcAft>
-                <a:spcPts val="200"/>
-              </a:spcAft>
-              <a:buFont typeface="Franklin Gothic Book" panose="020B0503020102020204" pitchFamily="34" charset="0"/>
-              <a:buChar char="■"/>
-              <a:defRPr sz="1600" kern="1200" baseline="0">
-                <a:solidFill>
-                  <a:schemeClr val="tx2"/>
-                </a:solidFill>
-                <a:latin typeface="+mn-lt"/>
-                <a:ea typeface="+mn-ea"/>
-                <a:cs typeface="+mn-cs"/>
-              </a:defRPr>
-            </a:lvl5pPr>
-            <a:lvl6pPr marL="2743200" indent="-384175" algn="l" defTabSz="914400" rtl="0" eaLnBrk="1" latinLnBrk="0" hangingPunct="1">
-              <a:lnSpc>
-                <a:spcPct val="94000"/>
-              </a:lnSpc>
-              <a:spcBef>
-                <a:spcPts val="500"/>
-              </a:spcBef>
-              <a:spcAft>
-                <a:spcPts val="200"/>
-              </a:spcAft>
-              <a:buFont typeface="Franklin Gothic Book" panose="020B0503020102020204" pitchFamily="34" charset="0"/>
-              <a:buChar char="–"/>
-              <a:defRPr sz="1600" i="1" kern="1200" baseline="0">
-                <a:solidFill>
-                  <a:schemeClr val="tx2"/>
-                </a:solidFill>
-                <a:latin typeface="+mn-lt"/>
-                <a:ea typeface="+mn-ea"/>
-                <a:cs typeface="+mn-cs"/>
-              </a:defRPr>
-            </a:lvl6pPr>
-            <a:lvl7pPr marL="3200400" indent="-384175" algn="l" defTabSz="914400" rtl="0" eaLnBrk="1" latinLnBrk="0" hangingPunct="1">
-              <a:lnSpc>
-                <a:spcPct val="94000"/>
-              </a:lnSpc>
-              <a:spcBef>
-                <a:spcPts val="500"/>
-              </a:spcBef>
-              <a:spcAft>
-                <a:spcPts val="200"/>
-              </a:spcAft>
-              <a:buFont typeface="Franklin Gothic Book" panose="020B0503020102020204" pitchFamily="34" charset="0"/>
-              <a:buChar char="■"/>
-              <a:defRPr sz="1400" kern="1200" baseline="0">
-                <a:solidFill>
-                  <a:schemeClr val="tx2"/>
-                </a:solidFill>
-                <a:latin typeface="+mn-lt"/>
-                <a:ea typeface="+mn-ea"/>
-                <a:cs typeface="+mn-cs"/>
-              </a:defRPr>
-            </a:lvl7pPr>
-            <a:lvl8pPr marL="3657600" indent="-384175" algn="l" defTabSz="914400" rtl="0" eaLnBrk="1" latinLnBrk="0" hangingPunct="1">
-              <a:lnSpc>
-                <a:spcPct val="94000"/>
-              </a:lnSpc>
-              <a:spcBef>
-                <a:spcPts val="500"/>
-              </a:spcBef>
-              <a:spcAft>
-                <a:spcPts val="200"/>
-              </a:spcAft>
-              <a:buFont typeface="Franklin Gothic Book" panose="020B0503020102020204" pitchFamily="34" charset="0"/>
-              <a:buChar char="–"/>
-              <a:defRPr sz="1400" i="1" kern="1200" baseline="0">
-                <a:solidFill>
-                  <a:schemeClr val="tx2"/>
-                </a:solidFill>
-                <a:latin typeface="+mn-lt"/>
-                <a:ea typeface="+mn-ea"/>
-                <a:cs typeface="+mn-cs"/>
-              </a:defRPr>
-            </a:lvl8pPr>
-            <a:lvl9pPr marL="4114800" indent="-384175" algn="l" defTabSz="914400" rtl="0" eaLnBrk="1" latinLnBrk="0" hangingPunct="1">
-              <a:lnSpc>
-                <a:spcPct val="94000"/>
-              </a:lnSpc>
-              <a:spcBef>
-                <a:spcPts val="500"/>
-              </a:spcBef>
-              <a:spcAft>
-                <a:spcPts val="200"/>
-              </a:spcAft>
-              <a:buFont typeface="Franklin Gothic Book" panose="020B0503020102020204" pitchFamily="34" charset="0"/>
-              <a:buChar char="■"/>
-              <a:defRPr sz="1400" kern="1200" baseline="0">
-                <a:solidFill>
-                  <a:schemeClr val="tx2"/>
-                </a:solidFill>
-                <a:latin typeface="+mn-lt"/>
-                <a:ea typeface="+mn-ea"/>
-                <a:cs typeface="+mn-cs"/>
-              </a:defRPr>
-            </a:lvl9pPr>
-          </a:lstStyle>
-          <a:p>
-            <a:r>
-              <a:rPr lang="en-US" altLang="zh-CN" dirty="0" smtClean="0"/>
-              <a:t>auto</a:t>
-            </a:r>
-            <a:r>
-              <a:rPr lang="zh-CN" altLang="en-US" dirty="0" smtClean="0"/>
-              <a:t>类型指示符   </a:t>
-            </a:r>
-            <a:r>
-              <a:rPr lang="en-US" altLang="zh-CN" dirty="0" smtClean="0"/>
-              <a:t>——</a:t>
-            </a:r>
-            <a:r>
-              <a:rPr lang="zh-CN" altLang="en-US" dirty="0"/>
-              <a:t>编译器通过初始值来推算变量的</a:t>
-            </a:r>
-            <a:r>
-              <a:rPr lang="zh-CN" altLang="en-US" dirty="0" smtClean="0"/>
-              <a:t>类型</a:t>
-            </a:r>
-            <a:endParaRPr lang="en-US" altLang="zh-CN" dirty="0" smtClean="0"/>
-          </a:p>
-          <a:p>
-            <a:r>
-              <a:rPr lang="zh-CN" altLang="en-US" dirty="0" smtClean="0">
-                <a:latin typeface="+mn-ea"/>
-              </a:rPr>
-              <a:t>注意</a:t>
-            </a:r>
-            <a:r>
-              <a:rPr lang="en-US" altLang="zh-CN" dirty="0" smtClean="0">
-                <a:latin typeface="Arial" panose="020B0604020202020204" pitchFamily="34" charset="0"/>
-                <a:cs typeface="Arial" panose="020B0604020202020204" pitchFamily="34" charset="0"/>
-              </a:rPr>
-              <a:t>auto&amp;&amp;</a:t>
-            </a:r>
-            <a:r>
-              <a:rPr lang="zh-CN" altLang="en-US" dirty="0" smtClean="0">
-                <a:latin typeface="+mn-ea"/>
-              </a:rPr>
-              <a:t>与</a:t>
-            </a:r>
-            <a:r>
-              <a:rPr lang="en-US" altLang="zh-CN" dirty="0" smtClean="0">
-                <a:latin typeface="Arial" panose="020B0604020202020204" pitchFamily="34" charset="0"/>
-                <a:cs typeface="Arial" panose="020B0604020202020204" pitchFamily="34" charset="0"/>
-              </a:rPr>
-              <a:t>auto</a:t>
-            </a:r>
-            <a:r>
-              <a:rPr lang="zh-CN" altLang="en-US" dirty="0" smtClean="0">
-                <a:latin typeface="+mn-ea"/>
-              </a:rPr>
-              <a:t>的区别！！！（引用与传值）</a:t>
-            </a:r>
-            <a:endParaRPr lang="en-US" altLang="zh-CN" dirty="0" smtClean="0">
-              <a:latin typeface="+mn-ea"/>
-            </a:endParaRPr>
-          </a:p>
-          <a:p>
-            <a:endParaRPr lang="en-US" altLang="zh-CN" dirty="0" smtClean="0">
-              <a:latin typeface="+mn-ea"/>
-            </a:endParaRPr>
-          </a:p>
-          <a:p>
-            <a:endParaRPr lang="en-US" altLang="zh-CN" dirty="0">
-              <a:latin typeface="+mn-ea"/>
-            </a:endParaRPr>
-          </a:p>
-          <a:p>
-            <a:endParaRPr lang="en-US" altLang="zh-CN" dirty="0" smtClean="0">
-              <a:latin typeface="+mn-ea"/>
-            </a:endParaRPr>
-          </a:p>
-          <a:p>
-            <a:pPr marL="0" indent="0">
-              <a:buNone/>
-            </a:pPr>
-            <a:endParaRPr lang="en-US" altLang="zh-CN" dirty="0" smtClean="0">
-              <a:latin typeface="+mn-ea"/>
-            </a:endParaRPr>
-          </a:p>
-          <a:p>
-            <a:r>
-              <a:rPr lang="en-US" altLang="zh-CN" dirty="0" err="1" smtClean="0"/>
-              <a:t>decltype</a:t>
-            </a:r>
-            <a:r>
-              <a:rPr lang="zh-CN" altLang="en-US" dirty="0" smtClean="0"/>
-              <a:t>类型指示符 </a:t>
-            </a:r>
-            <a:r>
-              <a:rPr lang="en-US" altLang="zh-CN" dirty="0" smtClean="0"/>
-              <a:t>——</a:t>
-            </a:r>
-            <a:r>
-              <a:rPr lang="zh-CN" altLang="en-US" dirty="0" smtClean="0"/>
-              <a:t>选择并返回操作数的数据类型</a:t>
-            </a:r>
-            <a:endParaRPr lang="en-US" altLang="zh-CN" dirty="0" smtClean="0"/>
-          </a:p>
-          <a:p>
-            <a:endParaRPr lang="en-US" altLang="zh-CN" dirty="0"/>
-          </a:p>
-          <a:p>
-            <a:endParaRPr lang="en-US" altLang="zh-CN" dirty="0" smtClean="0"/>
-          </a:p>
-          <a:p>
-            <a:pPr marL="0" indent="0">
-              <a:buNone/>
-            </a:pPr>
-            <a:r>
-              <a:rPr lang="en-US" altLang="zh-CN" dirty="0" smtClean="0"/>
-              <a:t>     </a:t>
-            </a:r>
-            <a:r>
-              <a:rPr lang="zh-CN" altLang="zh-CN" dirty="0" smtClean="0"/>
-              <a:t>注意若对象名称被括号括着，则它被当做通常的左值表达式，从而 decltype(x) 和 decltype((x)) 通常是不同的类型。 </a:t>
-            </a:r>
-            <a:endParaRPr lang="en-US" altLang="zh-CN" dirty="0"/>
-          </a:p>
-        </p:txBody>
-      </p:sp>
-      <p:pic>
-        <p:nvPicPr>
-          <p:cNvPr id="5" name="图片 4"/>
-          <p:cNvPicPr>
-            <a:picLocks noChangeAspect="1"/>
-          </p:cNvPicPr>
-          <p:nvPr/>
-        </p:nvPicPr>
-        <p:blipFill rotWithShape="1">
-          <a:blip r:embed="rId1">
-            <a:extLst>
-              <a:ext uri="{28A0092B-C50C-407E-A947-70E740481C1C}">
-                <a14:useLocalDpi xmlns:a14="http://schemas.microsoft.com/office/drawing/2010/main" val="0"/>
-              </a:ext>
-            </a:extLst>
-          </a:blip>
-          <a:srcRect t="10596"/>
-          <a:stretch>
-            <a:fillRect/>
-          </a:stretch>
-        </p:blipFill>
-        <p:spPr>
-          <a:xfrm>
-            <a:off x="1371600" y="4728754"/>
-            <a:ext cx="4047075" cy="783772"/>
-          </a:xfrm>
-          <a:prstGeom prst="rect">
-            <a:avLst/>
-          </a:prstGeom>
-        </p:spPr>
-      </p:pic>
-      <p:pic>
-        <p:nvPicPr>
-          <p:cNvPr id="6" name="图片 5"/>
-          <p:cNvPicPr>
-            <a:picLocks noChangeAspect="1"/>
-          </p:cNvPicPr>
-          <p:nvPr/>
-        </p:nvPicPr>
-        <p:blipFill>
-          <a:blip r:embed="rId2">
-            <a:extLst>
-              <a:ext uri="{28A0092B-C50C-407E-A947-70E740481C1C}">
-                <a14:useLocalDpi xmlns:a14="http://schemas.microsoft.com/office/drawing/2010/main" val="0"/>
-              </a:ext>
-            </a:extLst>
-          </a:blip>
-          <a:stretch>
-            <a:fillRect/>
-          </a:stretch>
-        </p:blipFill>
-        <p:spPr>
-          <a:xfrm>
-            <a:off x="5757947" y="4728754"/>
-            <a:ext cx="4461468" cy="783772"/>
-          </a:xfrm>
-          <a:prstGeom prst="rect">
-            <a:avLst/>
-          </a:prstGeom>
-        </p:spPr>
-      </p:pic>
-      <p:pic>
-        <p:nvPicPr>
-          <p:cNvPr id="3" name="图片 2"/>
-          <p:cNvPicPr>
-            <a:picLocks noChangeAspect="1"/>
-          </p:cNvPicPr>
-          <p:nvPr/>
-        </p:nvPicPr>
-        <p:blipFill>
-          <a:blip r:embed="rId3">
-            <a:extLst>
-              <a:ext uri="{28A0092B-C50C-407E-A947-70E740481C1C}">
-                <a14:useLocalDpi xmlns:a14="http://schemas.microsoft.com/office/drawing/2010/main" val="0"/>
-              </a:ext>
-            </a:extLst>
-          </a:blip>
-          <a:stretch>
-            <a:fillRect/>
-          </a:stretch>
-        </p:blipFill>
-        <p:spPr>
-          <a:xfrm>
-            <a:off x="1371600" y="2503009"/>
-            <a:ext cx="2939143" cy="1541665"/>
-          </a:xfrm>
-          <a:prstGeom prst="rect">
-            <a:avLst/>
-          </a:prstGeom>
-        </p:spPr>
-      </p:pic>
+              <a:rPr dirty="0"/>
+              <a:t>Timeline是社交软件中按时间显示动态功能的简化版，需要桌面应用和Web应用两种形式</a:t>
+            </a:r>
+            <a:endParaRPr dirty="0"/>
+          </a:p>
+          <a:p>
+            <a:r>
+              <a:rPr dirty="0"/>
+              <a:t>Timeline显示的动态信息对登录系统的所有用户一致，即任何用户发布更新删除的内容对所有人有效且发布内容只支持文字和图片，也无需复杂的用户管理功能，只需实现基本的登录注册即可。</a:t>
+            </a:r>
+            <a:endParaRPr dirty="0"/>
+          </a:p>
+        </p:txBody>
+      </p:sp>
     </p:spTree>
   </p:cSld>
   <p:clrMapOvr>
@@ -8484,7 +8366,7 @@
             </a:r>
             <a:r>
               <a:rPr lang="zh-CN" altLang="en-US" dirty="0" smtClean="0"/>
-              <a:t>类</a:t>
+              <a:t>代码测试</a:t>
             </a:r>
             <a:br>
               <a:rPr lang="zh-CN" altLang="en-US" dirty="0" smtClean="0"/>
@@ -8517,28 +8399,45 @@
           <a:p>
             <a:r>
               <a:rPr lang="zh-CN" altLang="en-US" dirty="0" smtClean="0"/>
-              <a:t>委托构造函数</a:t>
-            </a:r>
-            <a:endParaRPr lang="en-US" altLang="zh-CN" dirty="0" smtClean="0"/>
-          </a:p>
-          <a:p>
+              <a:t>设计思想</a:t>
+            </a:r>
+            <a:r>
+              <a:rPr lang="en-US" altLang="zh-CN" dirty="0" smtClean="0"/>
+              <a:t>——</a:t>
+            </a:r>
+            <a:r>
+              <a:rPr lang="zh-CN" altLang="en-US" dirty="0" smtClean="0"/>
+              <a:t>尽量</a:t>
+            </a:r>
+            <a:r>
+              <a:rPr lang="zh-CN" altLang="en-US" dirty="0" smtClean="0"/>
+              <a:t>全遍历</a:t>
+            </a:r>
+            <a:endParaRPr lang="zh-CN" altLang="en-US" dirty="0" smtClean="0"/>
+          </a:p>
+          <a:p>
+            <a:r>
+              <a:rPr lang="zh-CN" altLang="en-US" dirty="0" smtClean="0"/>
+              <a:t>使用的相关的测试工具：</a:t>
+            </a:r>
+            <a:r>
+              <a:rPr lang="en-US" altLang="zh-CN" dirty="0" smtClean="0"/>
+              <a:t>JUnit</a:t>
+            </a:r>
+            <a:r>
+              <a:rPr lang="zh-CN" altLang="en-US" dirty="0" smtClean="0"/>
+              <a:t>、</a:t>
+            </a:r>
+            <a:r>
+              <a:rPr lang="en-US" altLang="zh-CN" dirty="0" smtClean="0"/>
+              <a:t>SonarLint</a:t>
+            </a:r>
             <a:endParaRPr lang="en-US" altLang="zh-CN" dirty="0"/>
           </a:p>
           <a:p>
-            <a:endParaRPr lang="en-US" altLang="zh-CN" dirty="0" smtClean="0"/>
-          </a:p>
-          <a:p>
             <a:r>
               <a:rPr lang="zh-CN" altLang="en-US" dirty="0" smtClean="0"/>
-              <a:t>使用</a:t>
-            </a:r>
-            <a:r>
-              <a:rPr lang="en-US" altLang="zh-CN" dirty="0" smtClean="0"/>
-              <a:t>=default</a:t>
-            </a:r>
-            <a:r>
-              <a:rPr lang="zh-CN" altLang="en-US" dirty="0" smtClean="0"/>
-              <a:t>生成默认构造函数</a:t>
+              <a:t>遇到的关键问题：</a:t>
             </a:r>
             <a:endParaRPr lang="zh-CN" altLang="en-US" dirty="0" smtClean="0"/>
           </a:p>
@@ -8547,8 +8446,28 @@
               <a:buNone/>
             </a:pPr>
             <a:r>
+              <a:rPr lang="en-US" altLang="zh-CN" dirty="0" smtClean="0"/>
+              <a:t>	</a:t>
+            </a:r>
+            <a:r>
               <a:rPr lang="zh-CN" altLang="en-US" dirty="0" smtClean="0"/>
-              <a:t>因为如果类自己实现了某个构造函数，那么编译器就不会为其合成构造函数，只有手动加上=default才行</a:t>
+              <a:t>无法使用</a:t>
+            </a:r>
+            <a:r>
+              <a:rPr lang="en-US" altLang="zh-CN" dirty="0" smtClean="0"/>
+              <a:t>junit</a:t>
+            </a:r>
+            <a:r>
+              <a:rPr lang="zh-CN" altLang="en-US" dirty="0" smtClean="0"/>
+              <a:t>直接测试代码中的</a:t>
+            </a:r>
+            <a:r>
+              <a:rPr lang="en-US" altLang="zh-CN" dirty="0" smtClean="0"/>
+              <a:t>private</a:t>
+            </a:r>
+            <a:r>
+              <a:rPr lang="zh-CN" altLang="en-US" dirty="0" smtClean="0"/>
+              <a:t>方法</a:t>
             </a:r>
             <a:endParaRPr lang="zh-CN" altLang="en-US" dirty="0" smtClean="0"/>
           </a:p>
@@ -8556,12 +8475,56 @@
             <a:pPr marL="0" indent="0">
               <a:buNone/>
             </a:pPr>
+            <a:r>
+              <a:rPr lang="zh-CN" altLang="en-US" dirty="0" smtClean="0"/>
+              <a:t>   解决方案：</a:t>
+            </a:r>
             <a:endParaRPr lang="zh-CN" altLang="en-US" dirty="0" smtClean="0"/>
           </a:p>
           <a:p>
             <a:pPr marL="0" indent="0">
               <a:buNone/>
             </a:pPr>
+            <a:r>
+              <a:rPr lang="en-US" altLang="zh-CN" dirty="0" smtClean="0"/>
+              <a:t>	</a:t>
+            </a:r>
+            <a:r>
+              <a:rPr lang="zh-CN" altLang="en-US" dirty="0" smtClean="0"/>
+              <a:t>使用</a:t>
+            </a:r>
+            <a:r>
+              <a:rPr lang="en-US" altLang="zh-CN" dirty="0" smtClean="0"/>
+              <a:t>reflect</a:t>
+            </a:r>
+            <a:r>
+              <a:rPr lang="zh-CN" altLang="en-US" dirty="0" smtClean="0"/>
+              <a:t>的方式获取</a:t>
+            </a:r>
+            <a:r>
+              <a:rPr lang="en-US" altLang="zh-CN" dirty="0" smtClean="0">
+                <a:sym typeface="+mn-ea"/>
+              </a:rPr>
+              <a:t>private</a:t>
+            </a:r>
+            <a:r>
+              <a:rPr lang="zh-CN" altLang="en-US" dirty="0" smtClean="0">
+                <a:sym typeface="+mn-ea"/>
+              </a:rPr>
+              <a:t>方法</a:t>
+            </a:r>
+            <a:r>
+              <a:rPr lang="en-US" altLang="zh-CN" dirty="0" smtClean="0">
+                <a:sym typeface="+mn-ea"/>
+              </a:rPr>
+              <a:t>,</a:t>
+            </a:r>
+            <a:r>
+              <a:rPr lang="zh-CN" altLang="en-US" dirty="0" smtClean="0">
+                <a:sym typeface="+mn-ea"/>
+              </a:rPr>
+              <a:t>然后把访问权限设置为可访问</a:t>
+            </a:r>
             <a:endParaRPr lang="zh-CN" altLang="en-US" dirty="0" smtClean="0"/>
           </a:p>
           <a:p>
@@ -8571,83 +8534,28 @@
             <a:endParaRPr lang="en-US" altLang="zh-CN" dirty="0" smtClean="0"/>
           </a:p>
           <a:p>
-            <a:pPr marL="0" indent="0">
-              <a:buNone/>
-            </a:pPr>
-            <a:endParaRPr lang="en-US" altLang="zh-CN" dirty="0" smtClean="0"/>
-          </a:p>
-          <a:p>
-            <a:r>
-              <a:rPr lang="zh-CN" altLang="en-US" dirty="0" smtClean="0"/>
-              <a:t>使用</a:t>
-            </a:r>
-            <a:r>
-              <a:rPr lang="en-US" altLang="zh-CN" dirty="0" smtClean="0"/>
-              <a:t>=delete</a:t>
-            </a:r>
-            <a:r>
-              <a:rPr lang="zh-CN" altLang="en-US" dirty="0" smtClean="0"/>
-              <a:t>禁止默认</a:t>
-            </a:r>
-            <a:r>
-              <a:rPr lang="zh-CN" altLang="en-US" dirty="0" smtClean="0"/>
-              <a:t>函数（例子是禁止使用拷贝构造函数）</a:t>
-            </a:r>
-            <a:endParaRPr lang="en-US" altLang="zh-CN" dirty="0" smtClean="0"/>
-          </a:p>
-          <a:p>
             <a:endParaRPr lang="en-US" altLang="zh-CN" dirty="0"/>
           </a:p>
         </p:txBody>
       </p:sp>
       <p:pic>
         <p:nvPicPr>
-          <p:cNvPr id="5" name="图片 4"/>
+          <p:cNvPr id="6" name="图片 5"/>
           <p:cNvPicPr>
             <a:picLocks noChangeAspect="1"/>
           </p:cNvPicPr>
           <p:nvPr/>
         </p:nvPicPr>
         <p:blipFill>
-          <a:blip r:embed="rId1">
-            <a:extLst>
-              <a:ext uri="{28A0092B-C50C-407E-A947-70E740481C1C}">
-                <a14:useLocalDpi xmlns:a14="http://schemas.microsoft.com/office/drawing/2010/main" val="0"/>
-              </a:ext>
-            </a:extLst>
-          </a:blip>
+          <a:blip r:embed="rId1"/>
           <a:stretch>
             <a:fillRect/>
           </a:stretch>
         </p:blipFill>
         <p:spPr>
           <a:xfrm>
-            <a:off x="1371600" y="2049145"/>
-            <a:ext cx="3396343" cy="753325"/>
-          </a:xfrm>
-          <a:prstGeom prst="rect">
-            <a:avLst/>
-          </a:prstGeom>
-        </p:spPr>
-      </p:pic>
-      <p:pic>
-        <p:nvPicPr>
-          <p:cNvPr id="3" name="图片 2"/>
-          <p:cNvPicPr>
-            <a:picLocks noChangeAspect="1"/>
-          </p:cNvPicPr>
-          <p:nvPr/>
-        </p:nvPicPr>
-        <p:blipFill>
-          <a:blip r:embed="rId2"/>
-          <a:stretch>
-            <a:fillRect/>
-          </a:stretch>
-        </p:blipFill>
-        <p:spPr>
-          <a:xfrm>
-            <a:off x="1371600" y="4039870"/>
-            <a:ext cx="4006850" cy="1700530"/>
+            <a:off x="1371600" y="4236085"/>
+            <a:ext cx="8536305" cy="784225"/>
           </a:xfrm>
           <a:prstGeom prst="rect">
             <a:avLst/>
@@ -8703,23 +8611,11 @@
           <a:p>
             <a:r>
               <a:rPr lang="en-US" altLang="zh-CN" dirty="0" smtClean="0"/>
-              <a:t>4.Lambda</a:t>
+              <a:t>3.</a:t>
             </a:r>
             <a:r>
               <a:rPr lang="zh-CN" altLang="en-US" dirty="0" smtClean="0"/>
-              <a:t>表达式（</a:t>
-            </a:r>
-            <a:r>
-              <a:rPr lang="en-US" altLang="zh-CN" dirty="0" err="1" smtClean="0"/>
-              <a:t>c++</a:t>
-            </a:r>
-            <a:r>
-              <a:rPr lang="en-US" altLang="zh-CN" dirty="0" smtClean="0"/>
-              <a:t>14</a:t>
-            </a:r>
-            <a:r>
-              <a:rPr lang="zh-CN" altLang="en-US" dirty="0" smtClean="0"/>
-              <a:t>中完善）</a:t>
+              <a:t>代码测试</a:t>
             </a:r>
             <a:br>
               <a:rPr lang="zh-CN" altLang="en-US" dirty="0" smtClean="0"/>
@@ -8740,8 +8636,8 @@
         </p:nvSpPr>
         <p:spPr>
           <a:xfrm>
-            <a:off x="1371600" y="1617980"/>
-            <a:ext cx="10636250" cy="5240020"/>
+            <a:off x="1371600" y="1617784"/>
+            <a:ext cx="9601200" cy="5240216"/>
           </a:xfrm>
         </p:spPr>
         <p:txBody>
@@ -8751,29 +8647,46 @@
           <a:lstStyle/>
           <a:p>
             <a:r>
-              <a:rPr sz="3200"/>
-              <a:t>声明式编程风格：就地匿名定义目标函数或者函数，不需要额外写一个命名函数或者函数对象，以更直接的方式写程序。</a:t>
-            </a:r>
-            <a:endParaRPr sz="3200"/>
-          </a:p>
-          <a:p>
-            <a:r>
-              <a:rPr sz="3200"/>
-              <a:t>简洁：不需要额外再写一个函数或者函数对象，避免了代码膨胀和功能分散。</a:t>
-            </a:r>
-            <a:endParaRPr sz="3200"/>
-          </a:p>
-          <a:p>
-            <a:r>
-              <a:rPr sz="3200"/>
-              <a:t>在需要的时间和地点实现功能闭包，使程序更加灵活。</a:t>
-            </a:r>
+              <a:rPr lang="zh-CN" altLang="en-US" dirty="0" smtClean="0"/>
+              <a:t>测试代码示例</a:t>
+            </a:r>
+            <a:endParaRPr lang="zh-CN" altLang="en-US" dirty="0" smtClean="0"/>
+          </a:p>
+          <a:p>
+            <a:pPr marL="0" indent="0">
+              <a:buNone/>
+            </a:pPr>
+            <a:endParaRPr lang="en-US" altLang="zh-CN" dirty="0" smtClean="0"/>
           </a:p>
           <a:p>
             <a:endParaRPr lang="en-US" altLang="zh-CN" dirty="0"/>
           </a:p>
         </p:txBody>
       </p:sp>
+      <p:pic>
+        <p:nvPicPr>
+          <p:cNvPr id="3" name="图片 2"/>
+          <p:cNvPicPr>
+            <a:picLocks noChangeAspect="1"/>
+          </p:cNvPicPr>
+          <p:nvPr/>
+        </p:nvPicPr>
+        <p:blipFill>
+          <a:blip r:embed="rId1"/>
+          <a:stretch>
+            <a:fillRect/>
+          </a:stretch>
+        </p:blipFill>
+        <p:spPr>
+          <a:xfrm>
+            <a:off x="1371600" y="2171700"/>
+            <a:ext cx="8229600" cy="3943350"/>
+          </a:xfrm>
+          <a:prstGeom prst="rect">
+            <a:avLst/>
+          </a:prstGeom>
+        </p:spPr>
+      </p:pic>
     </p:spTree>
   </p:cSld>
   <p:clrMapOvr>
@@ -8860,8 +8773,8 @@
         </p:nvSpPr>
         <p:spPr>
           <a:xfrm>
-            <a:off x="1371600" y="1617784"/>
-            <a:ext cx="9601200" cy="5240216"/>
+            <a:off x="1371600" y="1617980"/>
+            <a:ext cx="10636250" cy="5240020"/>
           </a:xfrm>
         </p:spPr>
         <p:txBody>
@@ -8871,118 +8784,24 @@
           <a:lstStyle/>
           <a:p>
             <a:r>
-              <a:rPr lang="zh-CN" altLang="en-US" dirty="0"/>
-              <a:t>形如</a:t>
-            </a:r>
-            <a:r>
-              <a:rPr lang="en-US" altLang="zh-CN" dirty="0"/>
-              <a:t>[capture list] (</a:t>
-            </a:r>
-            <a:r>
-              <a:rPr lang="en-US" altLang="zh-CN" dirty="0" err="1"/>
-              <a:t>params</a:t>
-            </a:r>
-            <a:r>
-              <a:rPr lang="en-US" altLang="zh-CN" dirty="0"/>
-              <a:t> list) </a:t>
-            </a:r>
-            <a:r>
-              <a:rPr lang="en-US" altLang="zh-CN" dirty="0" smtClean="0"/>
-              <a:t>-&gt; </a:t>
-            </a:r>
-            <a:r>
-              <a:rPr lang="en-US" altLang="zh-CN" dirty="0"/>
-              <a:t>return type { </a:t>
-            </a:r>
-            <a:r>
-              <a:rPr lang="en-US" altLang="zh-CN" dirty="0" smtClean="0"/>
-              <a:t>function </a:t>
-            </a:r>
-            <a:r>
-              <a:rPr lang="en-US" altLang="zh-CN" dirty="0"/>
-              <a:t>body </a:t>
-            </a:r>
-            <a:r>
-              <a:rPr lang="en-US" altLang="zh-CN" dirty="0" smtClean="0"/>
-              <a:t>}</a:t>
-            </a:r>
-            <a:endParaRPr lang="en-US" altLang="zh-CN" dirty="0" smtClean="0"/>
-          </a:p>
-          <a:p>
-            <a:pPr marL="0" indent="0">
-              <a:buNone/>
-            </a:pPr>
-            <a:r>
-              <a:rPr lang="en-US" altLang="zh-CN" dirty="0">
-                <a:sym typeface="+mn-ea"/>
-              </a:rPr>
-              <a:t>capture list</a:t>
-            </a:r>
-            <a:r>
-              <a:rPr lang="en-US" altLang="zh-CN" dirty="0" smtClean="0"/>
-              <a:t>：</a:t>
-            </a:r>
-            <a:endParaRPr lang="en-US" altLang="zh-CN" dirty="0" smtClean="0"/>
-          </a:p>
-          <a:p>
-            <a:pPr marL="0" indent="0">
-              <a:buNone/>
-            </a:pPr>
-            <a:r>
-              <a:rPr lang="en-US" altLang="zh-CN" dirty="0" smtClean="0"/>
-              <a:t>[]不捕获任何变量；</a:t>
-            </a:r>
-            <a:endParaRPr lang="en-US" altLang="zh-CN" dirty="0" smtClean="0"/>
-          </a:p>
-          <a:p>
-            <a:pPr marL="0" indent="0">
-              <a:buNone/>
-            </a:pPr>
-            <a:r>
-              <a:rPr lang="en-US" altLang="zh-CN" dirty="0" smtClean="0"/>
-              <a:t>[&amp;]捕获外部作用域所有变量，并作为引用在函数体使用（按引用捕获）；</a:t>
-            </a:r>
-            <a:endParaRPr lang="en-US" altLang="zh-CN" dirty="0" smtClean="0"/>
-          </a:p>
-          <a:p>
-            <a:pPr marL="0" indent="0">
-              <a:buNone/>
-            </a:pPr>
-            <a:r>
-              <a:rPr lang="en-US" altLang="zh-CN" dirty="0" smtClean="0"/>
-              <a:t>[=]捕获外部作用域作用变量，并作为副本在函数体使用（按值捕获）；</a:t>
-            </a:r>
-            <a:endParaRPr lang="en-US" altLang="zh-CN" dirty="0" smtClean="0"/>
-          </a:p>
-          <a:p>
-            <a:pPr marL="0" indent="0">
-              <a:buNone/>
-            </a:pPr>
-            <a:r>
-              <a:rPr lang="en-US" altLang="zh-CN" dirty="0" smtClean="0"/>
-              <a:t>[=,&amp;foo]按值捕获外部作用域所有变量，并按引用捕获foo变量；</a:t>
-            </a:r>
-            <a:endParaRPr lang="en-US" altLang="zh-CN" dirty="0" smtClean="0"/>
-          </a:p>
-          <a:p>
-            <a:pPr marL="0" indent="0">
-              <a:buNone/>
-            </a:pPr>
-            <a:r>
-              <a:rPr lang="en-US" altLang="zh-CN" dirty="0" smtClean="0"/>
-              <a:t>[bar]按值捕获bar变量，同时不捕获其他变量；</a:t>
-            </a:r>
-            <a:endParaRPr lang="en-US" altLang="zh-CN" dirty="0" smtClean="0"/>
-          </a:p>
-          <a:p>
-            <a:pPr marL="0" indent="0">
-              <a:buNone/>
-            </a:pPr>
-            <a:r>
-              <a:rPr lang="en-US" altLang="zh-CN" dirty="0" smtClean="0"/>
-              <a:t>[this]捕获当前类中的this指针，让lambda拥有和当前类成员函数同样的访问权限，如果已经使用了&amp;或者=，就默认添加此选项。捕获this的目的是可以在lambda中使用当前类的成员函数和成员变量。</a:t>
-            </a:r>
-            <a:endParaRPr lang="en-US" altLang="zh-CN" dirty="0" smtClean="0"/>
+              <a:rPr sz="3200"/>
+              <a:t>声明式编程风格：就地匿名定义目标函数或者函数，不需要额外写一个命名函数或者函数对象，以更直接的方式写程序。</a:t>
+            </a:r>
+            <a:endParaRPr sz="3200"/>
+          </a:p>
+          <a:p>
+            <a:r>
+              <a:rPr sz="3200"/>
+              <a:t>简洁：不需要额外再写一个函数或者函数对象，避免了代码膨胀和功能分散。</a:t>
+            </a:r>
+            <a:endParaRPr sz="3200"/>
+          </a:p>
+          <a:p>
+            <a:r>
+              <a:rPr sz="3200"/>
+              <a:t>在需要的时间和地点实现功能闭包，使程序更加灵活。</a:t>
+            </a:r>
+            <a:endParaRPr sz="3200"/>
           </a:p>
           <a:p>
             <a:endParaRPr lang="en-US" altLang="zh-CN" dirty="0"/>
@@ -9086,77 +8905,124 @@
           <a:lstStyle/>
           <a:p>
             <a:r>
-              <a:rPr lang="zh-CN" altLang="en-US" dirty="0" smtClean="0"/>
-              <a:t>例子</a:t>
+              <a:rPr lang="zh-CN" altLang="en-US" dirty="0"/>
+              <a:t>形如</a:t>
+            </a:r>
+            <a:r>
+              <a:rPr lang="en-US" altLang="zh-CN" dirty="0"/>
+              <a:t>[capture list] (</a:t>
+            </a:r>
+            <a:r>
+              <a:rPr lang="en-US" altLang="zh-CN" dirty="0" err="1"/>
+              <a:t>params</a:t>
+            </a:r>
+            <a:r>
+              <a:rPr lang="en-US" altLang="zh-CN" dirty="0"/>
+              <a:t> list) </a:t>
+            </a:r>
+            <a:r>
+              <a:rPr lang="en-US" altLang="zh-CN" dirty="0" smtClean="0"/>
+              <a:t>-&gt; </a:t>
+            </a:r>
+            <a:r>
+              <a:rPr lang="en-US" altLang="zh-CN" dirty="0"/>
+              <a:t>return type { </a:t>
+            </a:r>
+            <a:r>
+              <a:rPr lang="en-US" altLang="zh-CN" dirty="0" smtClean="0"/>
+              <a:t>function </a:t>
+            </a:r>
+            <a:r>
+              <a:rPr lang="en-US" altLang="zh-CN" dirty="0"/>
+              <a:t>body </a:t>
+            </a:r>
+            <a:r>
+              <a:rPr lang="en-US" altLang="zh-CN" dirty="0" smtClean="0"/>
+              <a:t>}</a:t>
             </a:r>
             <a:endParaRPr lang="en-US" altLang="zh-CN" dirty="0" smtClean="0"/>
           </a:p>
           <a:p>
+            <a:pPr marL="0" indent="0">
+              <a:buNone/>
+            </a:pPr>
+            <a:r>
+              <a:rPr lang="en-US" altLang="zh-CN" dirty="0">
+                <a:sym typeface="+mn-ea"/>
+              </a:rPr>
+              <a:t>capture list</a:t>
+            </a:r>
+            <a:r>
+              <a:rPr lang="en-US" altLang="zh-CN" dirty="0" smtClean="0"/>
+              <a:t>：</a:t>
+            </a:r>
+            <a:endParaRPr lang="en-US" altLang="zh-CN" dirty="0" smtClean="0"/>
+          </a:p>
+          <a:p>
+            <a:pPr marL="0" indent="0">
+              <a:buNone/>
+            </a:pPr>
+            <a:r>
+              <a:rPr lang="en-US" altLang="zh-CN" dirty="0" smtClean="0"/>
+              <a:t>[]不捕获任何变量；</a:t>
+            </a:r>
+            <a:endParaRPr lang="en-US" altLang="zh-CN" dirty="0" smtClean="0"/>
+          </a:p>
+          <a:p>
+            <a:pPr marL="0" indent="0">
+              <a:buNone/>
+            </a:pPr>
+            <a:r>
+              <a:rPr lang="en-US" altLang="zh-CN" dirty="0" smtClean="0"/>
+              <a:t>[&amp;]捕获外部作用域所有变量，并作为引用在函数体使用（按引用捕获）；</a:t>
+            </a:r>
+            <a:endParaRPr lang="en-US" altLang="zh-CN" dirty="0" smtClean="0"/>
+          </a:p>
+          <a:p>
+            <a:pPr marL="0" indent="0">
+              <a:buNone/>
+            </a:pPr>
+            <a:r>
+              <a:rPr lang="en-US" altLang="zh-CN" dirty="0" smtClean="0"/>
+              <a:t>[=]捕获外部作用域作用变量，并作为副本在函数体使用（按值捕获）；</a:t>
+            </a:r>
+            <a:endParaRPr lang="en-US" altLang="zh-CN" dirty="0" smtClean="0"/>
+          </a:p>
+          <a:p>
+            <a:pPr marL="0" indent="0">
+              <a:buNone/>
+            </a:pPr>
+            <a:r>
+              <a:rPr lang="en-US" altLang="zh-CN" dirty="0" smtClean="0"/>
+              <a:t>[=,&amp;foo]按值捕获外部作用域所有变量，并按引用捕获foo变量；</a:t>
+            </a:r>
+            <a:endParaRPr lang="en-US" altLang="zh-CN" dirty="0" smtClean="0"/>
+          </a:p>
+          <a:p>
+            <a:pPr marL="0" indent="0">
+              <a:buNone/>
+            </a:pPr>
+            <a:r>
+              <a:rPr lang="en-US" altLang="zh-CN" dirty="0" smtClean="0"/>
+              <a:t>[bar]按值捕获bar变量，同时不捕获其他变量；</a:t>
+            </a:r>
+            <a:endParaRPr lang="en-US" altLang="zh-CN" dirty="0" smtClean="0"/>
+          </a:p>
+          <a:p>
+            <a:pPr marL="0" indent="0">
+              <a:buNone/>
+            </a:pPr>
+            <a:r>
+              <a:rPr lang="en-US" altLang="zh-CN" dirty="0" smtClean="0"/>
+              <a:t>[this]捕获当前类中的this指针，让lambda拥有和当前类成员函数同样的访问权限，如果已经使用了&amp;或者=，就默认添加此选项。捕获this的目的是可以在lambda中使用当前类的成员函数和成员变量。</a:t>
+            </a:r>
+            <a:endParaRPr lang="en-US" altLang="zh-CN" dirty="0" smtClean="0"/>
+          </a:p>
+          <a:p>
             <a:endParaRPr lang="en-US" altLang="zh-CN" dirty="0"/>
           </a:p>
         </p:txBody>
       </p:sp>
-      <p:pic>
-        <p:nvPicPr>
-          <p:cNvPr id="7" name="图片 6"/>
-          <p:cNvPicPr>
-            <a:picLocks noChangeAspect="1"/>
-          </p:cNvPicPr>
-          <p:nvPr/>
-        </p:nvPicPr>
-        <p:blipFill>
-          <a:blip r:embed="rId1">
-            <a:extLst>
-              <a:ext uri="{28A0092B-C50C-407E-A947-70E740481C1C}">
-                <a14:useLocalDpi xmlns:a14="http://schemas.microsoft.com/office/drawing/2010/main" val="0"/>
-              </a:ext>
-            </a:extLst>
-          </a:blip>
-          <a:stretch>
-            <a:fillRect/>
-          </a:stretch>
-        </p:blipFill>
-        <p:spPr>
-          <a:xfrm>
-            <a:off x="1158240" y="2430780"/>
-            <a:ext cx="7059930" cy="4055745"/>
-          </a:xfrm>
-          <a:prstGeom prst="rect">
-            <a:avLst/>
-          </a:prstGeom>
-        </p:spPr>
-      </p:pic>
-      <p:pic>
-        <p:nvPicPr>
-          <p:cNvPr id="8" name="图片 7"/>
-          <p:cNvPicPr>
-            <a:picLocks noChangeAspect="1"/>
-          </p:cNvPicPr>
-          <p:nvPr/>
-        </p:nvPicPr>
-        <p:blipFill rotWithShape="1">
-          <a:blip r:embed="rId2">
-            <a:extLst>
-              <a:ext uri="{28A0092B-C50C-407E-A947-70E740481C1C}">
-                <a14:useLocalDpi xmlns:a14="http://schemas.microsoft.com/office/drawing/2010/main" val="0"/>
-              </a:ext>
-            </a:extLst>
-          </a:blip>
-          <a:srcRect l="849" t="31663" r="1762" b="16264"/>
-          <a:stretch>
-            <a:fillRect/>
-          </a:stretch>
-        </p:blipFill>
-        <p:spPr>
-          <a:xfrm>
-            <a:off x="1158240" y="2059305"/>
-            <a:ext cx="10706735" cy="231775"/>
-          </a:xfrm>
-          <a:prstGeom prst="rect">
-            <a:avLst/>
-          </a:prstGeom>
-        </p:spPr>
-      </p:pic>
     </p:spTree>
   </p:cSld>
   <p:clrMapOvr>

--- a/7.展示PPT/Timeline展示PPT.pptx
+++ b/7.展示PPT/Timeline展示PPT.pptx
@@ -4,32 +4,32 @@
   <p:sldMasterIdLst>
     <p:sldMasterId id="2147483648" r:id="rId1"/>
   </p:sldMasterIdLst>
+  <p:notesMasterIdLst>
+    <p:notesMasterId r:id="rId7"/>
+  </p:notesMasterIdLst>
   <p:sldIdLst>
     <p:sldId id="256" r:id="rId3"/>
     <p:sldId id="257" r:id="rId4"/>
     <p:sldId id="258" r:id="rId5"/>
     <p:sldId id="259" r:id="rId6"/>
-    <p:sldId id="260" r:id="rId7"/>
-    <p:sldId id="261" r:id="rId8"/>
-    <p:sldId id="297" r:id="rId9"/>
-    <p:sldId id="279" r:id="rId10"/>
-    <p:sldId id="280" r:id="rId11"/>
-    <p:sldId id="262" r:id="rId12"/>
-    <p:sldId id="263" r:id="rId13"/>
-    <p:sldId id="264" r:id="rId14"/>
-    <p:sldId id="268" r:id="rId15"/>
-    <p:sldId id="265" r:id="rId16"/>
-    <p:sldId id="281" r:id="rId17"/>
-    <p:sldId id="266" r:id="rId18"/>
-    <p:sldId id="269" r:id="rId19"/>
-    <p:sldId id="267" r:id="rId20"/>
-    <p:sldId id="270" r:id="rId21"/>
-    <p:sldId id="271" r:id="rId22"/>
-    <p:sldId id="282" r:id="rId23"/>
-    <p:sldId id="272" r:id="rId24"/>
-    <p:sldId id="274" r:id="rId25"/>
-    <p:sldId id="273" r:id="rId26"/>
-    <p:sldId id="275" r:id="rId27"/>
+    <p:sldId id="329" r:id="rId8"/>
+    <p:sldId id="260" r:id="rId9"/>
+    <p:sldId id="261" r:id="rId10"/>
+    <p:sldId id="297" r:id="rId11"/>
+    <p:sldId id="316" r:id="rId12"/>
+    <p:sldId id="317" r:id="rId13"/>
+    <p:sldId id="318" r:id="rId14"/>
+    <p:sldId id="319" r:id="rId15"/>
+    <p:sldId id="321" r:id="rId16"/>
+    <p:sldId id="322" r:id="rId17"/>
+    <p:sldId id="323" r:id="rId18"/>
+    <p:sldId id="324" r:id="rId19"/>
+    <p:sldId id="326" r:id="rId20"/>
+    <p:sldId id="325" r:id="rId21"/>
+    <p:sldId id="327" r:id="rId22"/>
+    <p:sldId id="328" r:id="rId23"/>
+    <p:sldId id="330" r:id="rId24"/>
+    <p:sldId id="332" r:id="rId25"/>
   </p:sldIdLst>
   <p:sldSz cx="12192000" cy="6858000"/>
   <p:notesSz cx="6858000" cy="9144000"/>
@@ -129,6 +129,441 @@
     </a:lvl9pPr>
   </p:defaultTextStyle>
 </p:presentation>
+</file>
+
+<file path=ppt/notesMasters/notesMaster1.xml><?xml version="1.0" encoding="utf-8"?>
+<p:notesMaster xmlns:a="http://schemas.openxmlformats.org/drawingml/2006/main" xmlns:r="http://schemas.openxmlformats.org/officeDocument/2006/relationships" xmlns:p="http://schemas.openxmlformats.org/presentationml/2006/main">
+  <p:cSld>
+    <p:bg>
+      <p:bgRef idx="1001">
+        <a:schemeClr val="bg1"/>
+      </p:bgRef>
+    </p:bg>
+    <p:spTree>
+      <p:nvGrpSpPr>
+        <p:cNvPr id="1" name=""/>
+        <p:cNvGrpSpPr/>
+        <p:nvPr/>
+      </p:nvGrpSpPr>
+      <p:grpSpPr>
+        <a:xfrm>
+          <a:off x="0" y="0"/>
+          <a:ext cx="0" cy="0"/>
+          <a:chOff x="0" y="0"/>
+          <a:chExt cx="0" cy="0"/>
+        </a:xfrm>
+      </p:grpSpPr>
+      <p:sp>
+        <p:nvSpPr>
+          <p:cNvPr id="2" name="页眉占位符 1"/>
+          <p:cNvSpPr>
+            <a:spLocks noGrp="1"/>
+          </p:cNvSpPr>
+          <p:nvPr>
+            <p:ph type="hdr" sz="quarter"/>
+          </p:nvPr>
+        </p:nvSpPr>
+        <p:spPr>
+          <a:xfrm>
+            <a:off x="0" y="0"/>
+            <a:ext cx="2971800" cy="458788"/>
+          </a:xfrm>
+          <a:prstGeom prst="rect">
+            <a:avLst/>
+          </a:prstGeom>
+        </p:spPr>
+        <p:txBody>
+          <a:bodyPr vert="horz" lIns="91440" tIns="45720" rIns="91440" bIns="45720" rtlCol="0"/>
+          <a:lstStyle>
+            <a:lvl1pPr algn="l">
+              <a:defRPr sz="1200"/>
+            </a:lvl1pPr>
+          </a:lstStyle>
+          <a:p>
+            <a:endParaRPr lang="zh-CN" altLang="en-US"/>
+          </a:p>
+        </p:txBody>
+      </p:sp>
+      <p:sp>
+        <p:nvSpPr>
+          <p:cNvPr id="3" name="日期占位符 2"/>
+          <p:cNvSpPr>
+            <a:spLocks noGrp="1"/>
+          </p:cNvSpPr>
+          <p:nvPr>
+            <p:ph type="dt" idx="1"/>
+          </p:nvPr>
+        </p:nvSpPr>
+        <p:spPr>
+          <a:xfrm>
+            <a:off x="3884613" y="0"/>
+            <a:ext cx="2971800" cy="458788"/>
+          </a:xfrm>
+          <a:prstGeom prst="rect">
+            <a:avLst/>
+          </a:prstGeom>
+        </p:spPr>
+        <p:txBody>
+          <a:bodyPr vert="horz" lIns="91440" tIns="45720" rIns="91440" bIns="45720" rtlCol="0"/>
+          <a:lstStyle>
+            <a:lvl1pPr algn="r">
+              <a:defRPr sz="1200"/>
+            </a:lvl1pPr>
+          </a:lstStyle>
+          <a:p>
+            <a:fld id="{D2A48B96-639E-45A3-A0BA-2464DFDB1FAA}" type="datetimeFigureOut">
+              <a:rPr lang="zh-CN" altLang="en-US" smtClean="0"/>
+            </a:fld>
+            <a:endParaRPr lang="zh-CN" altLang="en-US"/>
+          </a:p>
+        </p:txBody>
+      </p:sp>
+      <p:sp>
+        <p:nvSpPr>
+          <p:cNvPr id="4" name="幻灯片图像占位符 3"/>
+          <p:cNvSpPr>
+            <a:spLocks noGrp="1" noRot="1" noChangeAspect="1"/>
+          </p:cNvSpPr>
+          <p:nvPr>
+            <p:ph type="sldImg" idx="2"/>
+          </p:nvPr>
+        </p:nvSpPr>
+        <p:spPr>
+          <a:xfrm>
+            <a:off x="685800" y="1143000"/>
+            <a:ext cx="5486400" cy="3086100"/>
+          </a:xfrm>
+          <a:prstGeom prst="rect">
+            <a:avLst/>
+          </a:prstGeom>
+          <a:noFill/>
+          <a:ln w="12700">
+            <a:solidFill>
+              <a:prstClr val="black"/>
+            </a:solidFill>
+          </a:ln>
+        </p:spPr>
+        <p:txBody>
+          <a:bodyPr vert="horz" lIns="91440" tIns="45720" rIns="91440" bIns="45720" rtlCol="0" anchor="ctr"/>
+          <a:lstStyle/>
+          <a:p>
+            <a:endParaRPr lang="zh-CN" altLang="en-US"/>
+          </a:p>
+        </p:txBody>
+      </p:sp>
+      <p:sp>
+        <p:nvSpPr>
+          <p:cNvPr id="5" name="备注占位符 4"/>
+          <p:cNvSpPr>
+            <a:spLocks noGrp="1"/>
+          </p:cNvSpPr>
+          <p:nvPr>
+            <p:ph type="body" sz="quarter" idx="3"/>
+          </p:nvPr>
+        </p:nvSpPr>
+        <p:spPr>
+          <a:xfrm>
+            <a:off x="685800" y="4400550"/>
+            <a:ext cx="5486400" cy="3600450"/>
+          </a:xfrm>
+          <a:prstGeom prst="rect">
+            <a:avLst/>
+          </a:prstGeom>
+        </p:spPr>
+        <p:txBody>
+          <a:bodyPr vert="horz" lIns="91440" tIns="45720" rIns="91440" bIns="45720" rtlCol="0"/>
+          <a:lstStyle/>
+          <a:p>
+            <a:pPr lvl="0"/>
+            <a:r>
+              <a:rPr lang="zh-CN" altLang="en-US" smtClean="0"/>
+              <a:t>单击此处编辑母版文本样式</a:t>
+            </a:r>
+            <a:endParaRPr lang="zh-CN" altLang="en-US" smtClean="0"/>
+          </a:p>
+          <a:p>
+            <a:pPr lvl="1"/>
+            <a:r>
+              <a:rPr lang="zh-CN" altLang="en-US" smtClean="0"/>
+              <a:t>第二级</a:t>
+            </a:r>
+            <a:endParaRPr lang="zh-CN" altLang="en-US" smtClean="0"/>
+          </a:p>
+          <a:p>
+            <a:pPr lvl="2"/>
+            <a:r>
+              <a:rPr lang="zh-CN" altLang="en-US" smtClean="0"/>
+              <a:t>第三级</a:t>
+            </a:r>
+            <a:endParaRPr lang="zh-CN" altLang="en-US" smtClean="0"/>
+          </a:p>
+          <a:p>
+            <a:pPr lvl="3"/>
+            <a:r>
+              <a:rPr lang="zh-CN" altLang="en-US" smtClean="0"/>
+              <a:t>第四级</a:t>
+            </a:r>
+            <a:endParaRPr lang="zh-CN" altLang="en-US" smtClean="0"/>
+          </a:p>
+          <a:p>
+            <a:pPr lvl="4"/>
+            <a:r>
+              <a:rPr lang="zh-CN" altLang="en-US" smtClean="0"/>
+              <a:t>第五级</a:t>
+            </a:r>
+            <a:endParaRPr lang="zh-CN" altLang="en-US"/>
+          </a:p>
+        </p:txBody>
+      </p:sp>
+      <p:sp>
+        <p:nvSpPr>
+          <p:cNvPr id="6" name="页脚占位符 5"/>
+          <p:cNvSpPr>
+            <a:spLocks noGrp="1"/>
+          </p:cNvSpPr>
+          <p:nvPr>
+            <p:ph type="ftr" sz="quarter" idx="4"/>
+          </p:nvPr>
+        </p:nvSpPr>
+        <p:spPr>
+          <a:xfrm>
+            <a:off x="0" y="8685213"/>
+            <a:ext cx="2971800" cy="458787"/>
+          </a:xfrm>
+          <a:prstGeom prst="rect">
+            <a:avLst/>
+          </a:prstGeom>
+        </p:spPr>
+        <p:txBody>
+          <a:bodyPr vert="horz" lIns="91440" tIns="45720" rIns="91440" bIns="45720" rtlCol="0" anchor="b"/>
+          <a:lstStyle>
+            <a:lvl1pPr algn="l">
+              <a:defRPr sz="1200"/>
+            </a:lvl1pPr>
+          </a:lstStyle>
+          <a:p>
+            <a:endParaRPr lang="zh-CN" altLang="en-US"/>
+          </a:p>
+        </p:txBody>
+      </p:sp>
+      <p:sp>
+        <p:nvSpPr>
+          <p:cNvPr id="7" name="灯片编号占位符 6"/>
+          <p:cNvSpPr>
+            <a:spLocks noGrp="1"/>
+          </p:cNvSpPr>
+          <p:nvPr>
+            <p:ph type="sldNum" sz="quarter" idx="5"/>
+          </p:nvPr>
+        </p:nvSpPr>
+        <p:spPr>
+          <a:xfrm>
+            <a:off x="3884613" y="8685213"/>
+            <a:ext cx="2971800" cy="458787"/>
+          </a:xfrm>
+          <a:prstGeom prst="rect">
+            <a:avLst/>
+          </a:prstGeom>
+        </p:spPr>
+        <p:txBody>
+          <a:bodyPr vert="horz" lIns="91440" tIns="45720" rIns="91440" bIns="45720" rtlCol="0" anchor="b"/>
+          <a:lstStyle>
+            <a:lvl1pPr algn="r">
+              <a:defRPr sz="1200"/>
+            </a:lvl1pPr>
+          </a:lstStyle>
+          <a:p>
+            <a:fld id="{A6837353-30EB-4A48-80EB-173D804AEFBD}" type="slidenum">
+              <a:rPr lang="zh-CN" altLang="en-US" smtClean="0"/>
+            </a:fld>
+            <a:endParaRPr lang="zh-CN" altLang="en-US"/>
+          </a:p>
+        </p:txBody>
+      </p:sp>
+    </p:spTree>
+  </p:cSld>
+  <p:clrMap bg1="lt1" tx1="dk1" bg2="lt2" tx2="dk2" accent1="accent1" accent2="accent2" accent3="accent3" accent4="accent4" accent5="accent5" accent6="accent6" hlink="hlink" folHlink="folHlink"/>
+  <p:notesStyle>
+    <a:lvl1pPr marL="0" algn="l" defTabSz="914400" rtl="0" eaLnBrk="1" latinLnBrk="0" hangingPunct="1">
+      <a:defRPr sz="1200" kern="1200">
+        <a:solidFill>
+          <a:schemeClr val="tx1"/>
+        </a:solidFill>
+        <a:latin typeface="+mn-lt"/>
+        <a:ea typeface="+mn-ea"/>
+        <a:cs typeface="+mn-cs"/>
+      </a:defRPr>
+    </a:lvl1pPr>
+    <a:lvl2pPr marL="457200" algn="l" defTabSz="914400" rtl="0" eaLnBrk="1" latinLnBrk="0" hangingPunct="1">
+      <a:defRPr sz="1200" kern="1200">
+        <a:solidFill>
+          <a:schemeClr val="tx1"/>
+        </a:solidFill>
+        <a:latin typeface="+mn-lt"/>
+        <a:ea typeface="+mn-ea"/>
+        <a:cs typeface="+mn-cs"/>
+      </a:defRPr>
+    </a:lvl2pPr>
+    <a:lvl3pPr marL="914400" algn="l" defTabSz="914400" rtl="0" eaLnBrk="1" latinLnBrk="0" hangingPunct="1">
+      <a:defRPr sz="1200" kern="1200">
+        <a:solidFill>
+          <a:schemeClr val="tx1"/>
+        </a:solidFill>
+        <a:latin typeface="+mn-lt"/>
+        <a:ea typeface="+mn-ea"/>
+        <a:cs typeface="+mn-cs"/>
+      </a:defRPr>
+    </a:lvl3pPr>
+    <a:lvl4pPr marL="1371600" algn="l" defTabSz="914400" rtl="0" eaLnBrk="1" latinLnBrk="0" hangingPunct="1">
+      <a:defRPr sz="1200" kern="1200">
+        <a:solidFill>
+          <a:schemeClr val="tx1"/>
+        </a:solidFill>
+        <a:latin typeface="+mn-lt"/>
+        <a:ea typeface="+mn-ea"/>
+        <a:cs typeface="+mn-cs"/>
+      </a:defRPr>
+    </a:lvl4pPr>
+    <a:lvl5pPr marL="1828800" algn="l" defTabSz="914400" rtl="0" eaLnBrk="1" latinLnBrk="0" hangingPunct="1">
+      <a:defRPr sz="1200" kern="1200">
+        <a:solidFill>
+          <a:schemeClr val="tx1"/>
+        </a:solidFill>
+        <a:latin typeface="+mn-lt"/>
+        <a:ea typeface="+mn-ea"/>
+        <a:cs typeface="+mn-cs"/>
+      </a:defRPr>
+    </a:lvl5pPr>
+    <a:lvl6pPr marL="2286000" algn="l" defTabSz="914400" rtl="0" eaLnBrk="1" latinLnBrk="0" hangingPunct="1">
+      <a:defRPr sz="1200" kern="1200">
+        <a:solidFill>
+          <a:schemeClr val="tx1"/>
+        </a:solidFill>
+        <a:latin typeface="+mn-lt"/>
+        <a:ea typeface="+mn-ea"/>
+        <a:cs typeface="+mn-cs"/>
+      </a:defRPr>
+    </a:lvl6pPr>
+    <a:lvl7pPr marL="2743200" algn="l" defTabSz="914400" rtl="0" eaLnBrk="1" latinLnBrk="0" hangingPunct="1">
+      <a:defRPr sz="1200" kern="1200">
+        <a:solidFill>
+          <a:schemeClr val="tx1"/>
+        </a:solidFill>
+        <a:latin typeface="+mn-lt"/>
+        <a:ea typeface="+mn-ea"/>
+        <a:cs typeface="+mn-cs"/>
+      </a:defRPr>
+    </a:lvl7pPr>
+    <a:lvl8pPr marL="3200400" algn="l" defTabSz="914400" rtl="0" eaLnBrk="1" latinLnBrk="0" hangingPunct="1">
+      <a:defRPr sz="1200" kern="1200">
+        <a:solidFill>
+          <a:schemeClr val="tx1"/>
+        </a:solidFill>
+        <a:latin typeface="+mn-lt"/>
+        <a:ea typeface="+mn-ea"/>
+        <a:cs typeface="+mn-cs"/>
+      </a:defRPr>
+    </a:lvl8pPr>
+    <a:lvl9pPr marL="3657600" algn="l" defTabSz="914400" rtl="0" eaLnBrk="1" latinLnBrk="0" hangingPunct="1">
+      <a:defRPr sz="1200" kern="1200">
+        <a:solidFill>
+          <a:schemeClr val="tx1"/>
+        </a:solidFill>
+        <a:latin typeface="+mn-lt"/>
+        <a:ea typeface="+mn-ea"/>
+        <a:cs typeface="+mn-cs"/>
+      </a:defRPr>
+    </a:lvl9pPr>
+  </p:notesStyle>
+</p:notesMaster>
+</file>
+
+<file path=ppt/notesSlides/notesSlide1.xml><?xml version="1.0" encoding="utf-8"?>
+<p:notes xmlns:a="http://schemas.openxmlformats.org/drawingml/2006/main" xmlns:r="http://schemas.openxmlformats.org/officeDocument/2006/relationships" xmlns:p="http://schemas.openxmlformats.org/presentationml/2006/main">
+  <p:cSld>
+    <p:spTree>
+      <p:nvGrpSpPr>
+        <p:cNvPr id="1" name=""/>
+        <p:cNvGrpSpPr/>
+        <p:nvPr/>
+      </p:nvGrpSpPr>
+      <p:grpSpPr/>
+      <p:sp>
+        <p:nvSpPr>
+          <p:cNvPr id="2" name="幻灯片图像占位符 1"/>
+          <p:cNvSpPr/>
+          <p:nvPr>
+            <p:ph type="sldImg" idx="2"/>
+          </p:nvPr>
+        </p:nvSpPr>
+        <p:spPr/>
+      </p:sp>
+      <p:sp>
+        <p:nvSpPr>
+          <p:cNvPr id="3" name="文本占位符 2"/>
+          <p:cNvSpPr/>
+          <p:nvPr>
+            <p:ph type="body" idx="3"/>
+          </p:nvPr>
+        </p:nvSpPr>
+        <p:spPr/>
+        <p:txBody>
+          <a:bodyPr/>
+          <a:p>
+            <a:endParaRPr lang="zh-CN" altLang="en-US"/>
+          </a:p>
+        </p:txBody>
+      </p:sp>
+    </p:spTree>
+  </p:cSld>
+  <p:clrMapOvr>
+    <a:masterClrMapping/>
+  </p:clrMapOvr>
+</p:notes>
+</file>
+
+<file path=ppt/notesSlides/notesSlide2.xml><?xml version="1.0" encoding="utf-8"?>
+<p:notes xmlns:a="http://schemas.openxmlformats.org/drawingml/2006/main" xmlns:r="http://schemas.openxmlformats.org/officeDocument/2006/relationships" xmlns:p="http://schemas.openxmlformats.org/presentationml/2006/main">
+  <p:cSld>
+    <p:spTree>
+      <p:nvGrpSpPr>
+        <p:cNvPr id="1" name=""/>
+        <p:cNvGrpSpPr/>
+        <p:nvPr/>
+      </p:nvGrpSpPr>
+      <p:grpSpPr/>
+      <p:sp>
+        <p:nvSpPr>
+          <p:cNvPr id="2" name="幻灯片图像占位符 1"/>
+          <p:cNvSpPr/>
+          <p:nvPr>
+            <p:ph type="sldImg" idx="2"/>
+          </p:nvPr>
+        </p:nvSpPr>
+        <p:spPr/>
+      </p:sp>
+      <p:sp>
+        <p:nvSpPr>
+          <p:cNvPr id="3" name="文本占位符 2"/>
+          <p:cNvSpPr/>
+          <p:nvPr>
+            <p:ph type="body" idx="3"/>
+          </p:nvPr>
+        </p:nvSpPr>
+        <p:spPr/>
+        <p:txBody>
+          <a:bodyPr/>
+          <a:p>
+            <a:endParaRPr lang="zh-CN" altLang="en-US"/>
+          </a:p>
+        </p:txBody>
+      </p:sp>
+    </p:spTree>
+  </p:cSld>
+  <p:clrMapOvr>
+    <a:masterClrMapping/>
+  </p:clrMapOvr>
+</p:notes>
 </file>
 
 <file path=ppt/slideLayouts/slideLayout1.xml><?xml version="1.0" encoding="utf-8"?>
@@ -3883,24 +4318,8 @@
           <a:lstStyle/>
           <a:p>
             <a:r>
-              <a:rPr lang="en-US" altLang="zh-CN" dirty="0" smtClean="0"/>
-              <a:t>4.Lambda</a:t>
-            </a:r>
-            <a:r>
-              <a:rPr lang="zh-CN" altLang="en-US" dirty="0" smtClean="0"/>
-              <a:t>表达式（</a:t>
-            </a:r>
-            <a:r>
-              <a:rPr lang="en-US" altLang="zh-CN" dirty="0" err="1" smtClean="0"/>
-              <a:t>c++</a:t>
-            </a:r>
-            <a:r>
-              <a:rPr lang="en-US" altLang="zh-CN" dirty="0" smtClean="0"/>
-              <a:t>14</a:t>
-            </a:r>
-            <a:r>
-              <a:rPr lang="zh-CN" altLang="en-US" dirty="0" smtClean="0"/>
-              <a:t>中完善）</a:t>
+              <a:rPr lang="zh-CN" altLang="en-US" dirty="0" smtClean="0"/>
+              <a:t>代码测试</a:t>
             </a:r>
             <a:br>
               <a:rPr lang="zh-CN" altLang="en-US" dirty="0" smtClean="0"/>
@@ -3932,9 +4351,19 @@
           <a:lstStyle/>
           <a:p>
             <a:r>
-              <a:rPr lang="zh-CN" altLang="en-US" dirty="0" smtClean="0"/>
-              <a:t>例子</a:t>
-            </a:r>
+              <a:rPr lang="en-US" altLang="zh-CN" dirty="0" smtClean="0"/>
+              <a:t>PC</a:t>
+            </a:r>
+            <a:r>
+              <a:rPr lang="zh-CN" altLang="en-US" dirty="0" smtClean="0"/>
+              <a:t>端测试结果</a:t>
+            </a:r>
+            <a:endParaRPr lang="zh-CN" altLang="en-US" dirty="0" smtClean="0"/>
+          </a:p>
+          <a:p>
+            <a:pPr marL="0" indent="0">
+              <a:buNone/>
+            </a:pPr>
             <a:endParaRPr lang="en-US" altLang="zh-CN" dirty="0" smtClean="0"/>
           </a:p>
           <a:p>
@@ -3944,28 +4373,22 @@
       </p:sp>
       <p:pic>
         <p:nvPicPr>
-          <p:cNvPr id="7" name="图片 6"/>
+          <p:cNvPr id="3" name="图片 2"/>
           <p:cNvPicPr>
             <a:picLocks noChangeAspect="1"/>
           </p:cNvPicPr>
           <p:nvPr/>
         </p:nvPicPr>
         <p:blipFill>
-          <a:blip r:embed="rId1">
-            <a:extLst>
-              <a:ext uri="{28A0092B-C50C-407E-A947-70E740481C1C}">
-                <a14:useLocalDpi xmlns:a14="http://schemas.microsoft.com/office/drawing/2010/main" val="0"/>
-              </a:ext>
-            </a:extLst>
-          </a:blip>
+          <a:blip r:embed="rId1"/>
           <a:stretch>
             <a:fillRect/>
           </a:stretch>
         </p:blipFill>
         <p:spPr>
           <a:xfrm>
-            <a:off x="1158240" y="2430780"/>
-            <a:ext cx="7059930" cy="4055745"/>
+            <a:off x="1350010" y="2171700"/>
+            <a:ext cx="6790055" cy="2083435"/>
           </a:xfrm>
           <a:prstGeom prst="rect">
             <a:avLst/>
@@ -3974,29 +4397,22 @@
       </p:pic>
       <p:pic>
         <p:nvPicPr>
-          <p:cNvPr id="8" name="图片 7"/>
+          <p:cNvPr id="5" name="图片 4"/>
           <p:cNvPicPr>
             <a:picLocks noChangeAspect="1"/>
           </p:cNvPicPr>
           <p:nvPr/>
         </p:nvPicPr>
-        <p:blipFill rotWithShape="1">
-          <a:blip r:embed="rId2">
-            <a:extLst>
-              <a:ext uri="{28A0092B-C50C-407E-A947-70E740481C1C}">
-                <a14:useLocalDpi xmlns:a14="http://schemas.microsoft.com/office/drawing/2010/main" val="0"/>
-              </a:ext>
-            </a:extLst>
-          </a:blip>
-          <a:srcRect l="849" t="31663" r="1762" b="16264"/>
+        <p:blipFill>
+          <a:blip r:embed="rId2"/>
           <a:stretch>
             <a:fillRect/>
           </a:stretch>
         </p:blipFill>
         <p:spPr>
           <a:xfrm>
-            <a:off x="1158240" y="2059305"/>
-            <a:ext cx="10706735" cy="231775"/>
+            <a:off x="1350010" y="4504690"/>
+            <a:ext cx="8115300" cy="1724025"/>
           </a:xfrm>
           <a:prstGeom prst="rect">
             <a:avLst/>
@@ -4051,24 +4467,8 @@
           <a:lstStyle/>
           <a:p>
             <a:r>
-              <a:rPr lang="en-US" altLang="zh-CN" dirty="0" smtClean="0"/>
-              <a:t>4.Lambda</a:t>
-            </a:r>
-            <a:r>
-              <a:rPr lang="zh-CN" altLang="en-US" dirty="0" smtClean="0"/>
-              <a:t>表达式（</a:t>
-            </a:r>
-            <a:r>
-              <a:rPr lang="en-US" altLang="zh-CN" dirty="0" err="1" smtClean="0"/>
-              <a:t>c++</a:t>
-            </a:r>
-            <a:r>
-              <a:rPr lang="en-US" altLang="zh-CN" dirty="0" smtClean="0"/>
-              <a:t>14</a:t>
-            </a:r>
-            <a:r>
-              <a:rPr lang="zh-CN" altLang="en-US" dirty="0" smtClean="0"/>
-              <a:t>中完善）</a:t>
+              <a:rPr lang="zh-CN" altLang="en-US" dirty="0" smtClean="0"/>
+              <a:t>代码测试</a:t>
             </a:r>
             <a:br>
               <a:rPr lang="zh-CN" altLang="en-US" dirty="0" smtClean="0"/>
@@ -4089,7 +4489,7 @@
         </p:nvSpPr>
         <p:spPr>
           <a:xfrm>
-            <a:off x="1371600" y="1617784"/>
+            <a:off x="1371600" y="1198049"/>
             <a:ext cx="9601200" cy="5240216"/>
           </a:xfrm>
         </p:spPr>
@@ -4099,45 +4499,57 @@
           </a:bodyPr>
           <a:lstStyle/>
           <a:p>
-            <a:r>
-              <a:rPr lang="zh-CN" altLang="en-US" dirty="0"/>
-              <a:t>例子</a:t>
-            </a:r>
+            <a:pPr marL="0" indent="0">
+              <a:buNone/>
+            </a:pPr>
+            <a:endParaRPr lang="en-US" altLang="zh-CN" dirty="0" smtClean="0"/>
+          </a:p>
+          <a:p>
+            <a:r>
+              <a:rPr lang="zh-CN" altLang="en-US" dirty="0" smtClean="0">
+                <a:sym typeface="+mn-ea"/>
+              </a:rPr>
+              <a:t>代码测试总结</a:t>
+            </a:r>
+            <a:endParaRPr lang="en-US" altLang="zh-CN" dirty="0" smtClean="0"/>
+          </a:p>
+          <a:p>
+            <a:pPr marL="0" indent="0">
+              <a:buNone/>
+            </a:pPr>
+            <a:r>
+              <a:rPr lang="zh-CN" altLang="en-US" dirty="0">
+                <a:sym typeface="+mn-ea"/>
+              </a:rPr>
+              <a:t>   除了后端的</a:t>
+            </a:r>
+            <a:r>
+              <a:rPr lang="en-US" altLang="zh-CN" dirty="0">
+                <a:sym typeface="+mn-ea"/>
+              </a:rPr>
+              <a:t>Exception</a:t>
+            </a:r>
+            <a:r>
+              <a:rPr lang="zh-CN" altLang="en-US" dirty="0">
+                <a:sym typeface="+mn-ea"/>
+              </a:rPr>
+              <a:t>和前端需要界面点击响应的弹窗函数</a:t>
+            </a:r>
+            <a:r>
+              <a:rPr lang="zh-CN" altLang="en-US" dirty="0">
+                <a:sym typeface="+mn-ea"/>
+              </a:rPr>
+              <a:t>没有覆盖到，其余均已完全覆盖。</a:t>
+            </a:r>
+            <a:endParaRPr lang="zh-CN" altLang="en-US" dirty="0">
+              <a:sym typeface="+mn-ea"/>
+            </a:endParaRPr>
+          </a:p>
+          <a:p>
             <a:endParaRPr lang="zh-CN" altLang="en-US" dirty="0"/>
           </a:p>
         </p:txBody>
       </p:sp>
-      <p:pic>
-        <p:nvPicPr>
-          <p:cNvPr id="9" name="图片 8"/>
-          <p:cNvPicPr>
-            <a:picLocks noChangeAspect="1"/>
-          </p:cNvPicPr>
-          <p:nvPr/>
-        </p:nvPicPr>
-        <p:blipFill>
-          <a:blip r:embed="rId1">
-            <a:extLst>
-              <a:ext uri="{28A0092B-C50C-407E-A947-70E740481C1C}">
-                <a14:useLocalDpi xmlns:a14="http://schemas.microsoft.com/office/drawing/2010/main" val="0"/>
-              </a:ext>
-            </a:extLst>
-          </a:blip>
-          <a:srcRect t="353"/>
-          <a:stretch>
-            <a:fillRect/>
-          </a:stretch>
-        </p:blipFill>
-        <p:spPr>
-          <a:xfrm>
-            <a:off x="1371600" y="2171700"/>
-            <a:ext cx="10602595" cy="3999230"/>
-          </a:xfrm>
-          <a:prstGeom prst="rect">
-            <a:avLst/>
-          </a:prstGeom>
-        </p:spPr>
-      </p:pic>
     </p:spTree>
   </p:cSld>
   <p:clrMapOvr>
@@ -4186,19 +4598,15 @@
           <a:lstStyle/>
           <a:p>
             <a:r>
-              <a:rPr lang="en-US" altLang="zh-CN" dirty="0" smtClean="0"/>
-              <a:t>5.</a:t>
-            </a:r>
-            <a:r>
-              <a:rPr lang="zh-CN" altLang="en-US" dirty="0" smtClean="0"/>
-              <a:t>重载运算与</a:t>
-            </a:r>
-            <a:r>
-              <a:rPr lang="zh-CN" altLang="en-US" dirty="0"/>
-              <a:t>类型转换</a:t>
+              <a:rPr lang="zh-CN" altLang="en-US" dirty="0" smtClean="0"/>
+              <a:t>系统功能</a:t>
+            </a:r>
+            <a:r>
+              <a:rPr lang="zh-CN" altLang="en-US" dirty="0" smtClean="0"/>
+              <a:t>测试</a:t>
             </a:r>
             <a:br>
-              <a:rPr lang="zh-CN" altLang="en-US" dirty="0"/>
+              <a:rPr lang="zh-CN" altLang="en-US" dirty="0" smtClean="0"/>
             </a:br>
             <a:endParaRPr lang="zh-CN" altLang="en-US" dirty="0"/>
           </a:p>
@@ -4227,85 +4635,173 @@
           <a:lstStyle/>
           <a:p>
             <a:r>
-              <a:rPr lang="en-US" altLang="zh-CN" dirty="0" smtClean="0"/>
-              <a:t>function</a:t>
-            </a:r>
-            <a:r>
-              <a:rPr lang="zh-CN" altLang="en-US" dirty="0" smtClean="0"/>
-              <a:t>类模板    </a:t>
+              <a:rPr lang="zh-CN" altLang="en-US" dirty="0" smtClean="0"/>
+              <a:t>设计思想</a:t>
             </a:r>
             <a:r>
               <a:rPr lang="en-US" altLang="zh-CN" dirty="0" smtClean="0"/>
               <a:t>——</a:t>
             </a:r>
             <a:r>
-              <a:rPr lang="zh-CN" altLang="en-US" dirty="0"/>
-              <a:t>提供一种通用、多态的函数封装（替代函数指针）</a:t>
-            </a:r>
+              <a:rPr lang="zh-CN" altLang="en-US" dirty="0" smtClean="0"/>
+              <a:t>利用</a:t>
+            </a:r>
+            <a:r>
+              <a:rPr lang="en-US" altLang="zh-CN" dirty="0" smtClean="0"/>
+              <a:t>Katalon Recorder</a:t>
+            </a:r>
+            <a:r>
+              <a:rPr lang="zh-CN" altLang="en-US" dirty="0" smtClean="0"/>
+              <a:t>进行脚本的录制 然后导出成</a:t>
+            </a:r>
+            <a:r>
+              <a:rPr lang="en-US" altLang="zh-CN" dirty="0" smtClean="0"/>
+              <a:t>Junit4</a:t>
+            </a:r>
+            <a:r>
+              <a:rPr lang="zh-CN" altLang="en-US" dirty="0" smtClean="0"/>
+              <a:t>代码 利用</a:t>
+            </a:r>
+            <a:r>
+              <a:rPr lang="en-US" altLang="zh-CN" dirty="0" smtClean="0"/>
+              <a:t>Selenium</a:t>
+            </a:r>
+            <a:r>
+              <a:rPr lang="zh-CN" altLang="en-US" dirty="0" smtClean="0"/>
+              <a:t>于</a:t>
+            </a:r>
+            <a:r>
+              <a:rPr lang="en-US" altLang="zh-CN" dirty="0" smtClean="0"/>
+              <a:t>Junit4</a:t>
+            </a:r>
+            <a:r>
+              <a:rPr lang="zh-CN" altLang="en-US" dirty="0" smtClean="0"/>
+              <a:t>的脚本知识 对网页元素进行爬虫 再使用</a:t>
+            </a:r>
+            <a:r>
+              <a:rPr lang="en-US" altLang="zh-CN" dirty="0" smtClean="0"/>
+              <a:t>Junit</a:t>
+            </a:r>
+            <a:r>
+              <a:rPr lang="zh-CN" altLang="en-US" dirty="0" smtClean="0"/>
+              <a:t>进行</a:t>
+            </a:r>
+            <a:r>
+              <a:rPr lang="zh-CN" altLang="en-US" dirty="0" smtClean="0"/>
+              <a:t>验证</a:t>
+            </a:r>
+            <a:endParaRPr lang="zh-CN" altLang="en-US" dirty="0" smtClean="0"/>
+          </a:p>
+          <a:p>
+            <a:r>
+              <a:rPr lang="zh-CN" altLang="en-US" dirty="0" smtClean="0"/>
+              <a:t>特点：全自动化</a:t>
+            </a:r>
+            <a:endParaRPr lang="zh-CN" altLang="en-US" dirty="0" smtClean="0"/>
+          </a:p>
+          <a:p>
+            <a:r>
+              <a:rPr lang="zh-CN" altLang="en-US" dirty="0" smtClean="0"/>
+              <a:t>使用的相关的测试工具：</a:t>
+            </a:r>
+            <a:r>
+              <a:rPr lang="en-US" altLang="zh-CN" dirty="0" smtClean="0"/>
+              <a:t>JUnit</a:t>
+            </a:r>
+            <a:r>
+              <a:rPr lang="zh-CN" altLang="en-US" dirty="0" smtClean="0"/>
+              <a:t>、</a:t>
+            </a:r>
+            <a:r>
+              <a:rPr lang="en-US" altLang="zh-CN" dirty="0" smtClean="0">
+                <a:sym typeface="+mn-ea"/>
+              </a:rPr>
+              <a:t>Katalon Recorder</a:t>
+            </a:r>
+            <a:r>
+              <a:rPr lang="zh-CN" altLang="en-US" dirty="0" smtClean="0">
+                <a:sym typeface="+mn-ea"/>
+              </a:rPr>
+              <a:t>、</a:t>
+            </a:r>
+            <a:r>
+              <a:rPr lang="en-US" altLang="zh-CN" dirty="0" smtClean="0">
+                <a:sym typeface="+mn-ea"/>
+              </a:rPr>
+              <a:t>Selenium</a:t>
+            </a:r>
+            <a:endParaRPr lang="zh-CN" altLang="en-US" dirty="0" smtClean="0">
+              <a:sym typeface="+mn-ea"/>
+            </a:endParaRPr>
+          </a:p>
+          <a:p>
+            <a:r>
+              <a:rPr lang="zh-CN" altLang="en-US" dirty="0" smtClean="0"/>
+              <a:t>遇到的关键问题：</a:t>
+            </a:r>
+            <a:endParaRPr lang="zh-CN" altLang="en-US" dirty="0" smtClean="0"/>
+          </a:p>
+          <a:p>
+            <a:pPr marL="0" indent="0">
+              <a:buNone/>
+            </a:pPr>
+            <a:r>
+              <a:rPr lang="en-US" altLang="zh-CN" dirty="0" smtClean="0"/>
+              <a:t>	</a:t>
+            </a:r>
+            <a:r>
+              <a:rPr lang="zh-CN" altLang="en-US" dirty="0" smtClean="0"/>
+              <a:t>无法验证使用自动化脚本添加的文本</a:t>
+            </a:r>
+            <a:endParaRPr lang="zh-CN" altLang="en-US" dirty="0" smtClean="0"/>
+          </a:p>
+          <a:p>
+            <a:pPr marL="0" indent="0">
+              <a:buNone/>
+            </a:pPr>
+            <a:r>
+              <a:rPr lang="zh-CN" altLang="en-US" dirty="0" smtClean="0"/>
+              <a:t>   解决方案：</a:t>
+            </a:r>
+            <a:endParaRPr lang="zh-CN" altLang="en-US" dirty="0" smtClean="0"/>
+          </a:p>
+          <a:p>
+            <a:pPr marL="0" indent="0">
+              <a:buNone/>
+            </a:pPr>
+            <a:r>
+              <a:rPr lang="en-US" altLang="zh-CN" dirty="0" smtClean="0"/>
+              <a:t>	</a:t>
+            </a:r>
+            <a:r>
+              <a:rPr lang="zh-CN" altLang="en-US" dirty="0" smtClean="0"/>
+              <a:t>在脚本中添加</a:t>
+            </a:r>
+            <a:r>
+              <a:rPr lang="zh-CN" altLang="en-US" dirty="0" smtClean="0">
+                <a:sym typeface="+mn-ea"/>
+              </a:rPr>
+              <a:t>对网页元素的爬虫  然后使用</a:t>
+            </a:r>
+            <a:r>
+              <a:rPr lang="en-US" altLang="zh-CN" dirty="0" smtClean="0">
+                <a:sym typeface="+mn-ea"/>
+              </a:rPr>
+              <a:t>Junit</a:t>
+            </a:r>
+            <a:r>
+              <a:rPr lang="zh-CN" altLang="en-US" dirty="0" smtClean="0">
+                <a:sym typeface="+mn-ea"/>
+              </a:rPr>
+              <a:t>进行验证</a:t>
+            </a:r>
+            <a:endParaRPr lang="en-US" altLang="zh-CN" dirty="0" smtClean="0"/>
+          </a:p>
+          <a:p>
             <a:endParaRPr lang="en-US" altLang="zh-CN" dirty="0"/>
           </a:p>
         </p:txBody>
       </p:sp>
-      <p:pic>
-        <p:nvPicPr>
-          <p:cNvPr id="3" name="图片 2"/>
-          <p:cNvPicPr>
-            <a:picLocks noChangeAspect="1"/>
-          </p:cNvPicPr>
-          <p:nvPr/>
-        </p:nvPicPr>
-        <p:blipFill>
-          <a:blip r:embed="rId1">
-            <a:extLst>
-              <a:ext uri="{28A0092B-C50C-407E-A947-70E740481C1C}">
-                <a14:useLocalDpi xmlns:a14="http://schemas.microsoft.com/office/drawing/2010/main" val="0"/>
-              </a:ext>
-            </a:extLst>
-          </a:blip>
-          <a:stretch>
-            <a:fillRect/>
-          </a:stretch>
-        </p:blipFill>
-        <p:spPr>
-          <a:xfrm>
-            <a:off x="6901137" y="2642088"/>
-            <a:ext cx="5123809" cy="2800000"/>
-          </a:xfrm>
-          <a:prstGeom prst="rect">
-            <a:avLst/>
-          </a:prstGeom>
-        </p:spPr>
-      </p:pic>
-      <p:pic>
-        <p:nvPicPr>
-          <p:cNvPr id="5" name="图片 4"/>
-          <p:cNvPicPr>
-            <a:picLocks noChangeAspect="1"/>
-          </p:cNvPicPr>
-          <p:nvPr/>
-        </p:nvPicPr>
-        <p:blipFill>
-          <a:blip r:embed="rId2">
-            <a:extLst>
-              <a:ext uri="{28A0092B-C50C-407E-A947-70E740481C1C}">
-                <a14:useLocalDpi xmlns:a14="http://schemas.microsoft.com/office/drawing/2010/main" val="0"/>
-              </a:ext>
-            </a:extLst>
-          </a:blip>
-          <a:stretch>
-            <a:fillRect/>
-          </a:stretch>
-        </p:blipFill>
-        <p:spPr>
-          <a:xfrm>
-            <a:off x="1371599" y="1977911"/>
-            <a:ext cx="5389685" cy="4766502"/>
-          </a:xfrm>
-          <a:prstGeom prst="rect">
-            <a:avLst/>
-          </a:prstGeom>
-        </p:spPr>
-      </p:pic>
     </p:spTree>
   </p:cSld>
   <p:clrMapOvr>
@@ -4348,132 +4844,35 @@
             <p:ph type="title"/>
           </p:nvPr>
         </p:nvSpPr>
-        <p:spPr/>
-        <p:txBody>
-          <a:bodyPr/>
-          <a:lstStyle/>
-          <a:p>
-            <a:r>
-              <a:rPr lang="en-US" altLang="zh-CN" dirty="0" smtClean="0"/>
-              <a:t>5.</a:t>
-            </a:r>
-            <a:r>
-              <a:rPr lang="zh-CN" altLang="en-US" dirty="0" smtClean="0"/>
-              <a:t>重载运算与类型转换</a:t>
-            </a:r>
-            <a:br>
-              <a:rPr lang="zh-CN" altLang="en-US" dirty="0" smtClean="0"/>
-            </a:br>
-            <a:endParaRPr lang="zh-CN" altLang="en-US" dirty="0"/>
-          </a:p>
-        </p:txBody>
-      </p:sp>
-      <p:sp>
-        <p:nvSpPr>
-          <p:cNvPr id="4" name="内容占位符 2"/>
-          <p:cNvSpPr>
-            <a:spLocks noGrp="1"/>
-          </p:cNvSpPr>
-          <p:nvPr>
-            <p:ph idx="1"/>
-          </p:nvPr>
-        </p:nvSpPr>
         <p:spPr>
           <a:xfrm>
-            <a:off x="1371600" y="1617784"/>
-            <a:ext cx="9601200" cy="5240216"/>
+            <a:off x="1554480" y="2686050"/>
+            <a:ext cx="9836150" cy="1485900"/>
           </a:xfrm>
         </p:spPr>
         <p:txBody>
           <a:bodyPr>
-            <a:normAutofit/>
+            <a:noAutofit/>
           </a:bodyPr>
           <a:lstStyle/>
           <a:p>
-            <a:r>
-              <a:rPr lang="en-US" altLang="zh-CN" dirty="0" smtClean="0"/>
-              <a:t>explicit</a:t>
-            </a:r>
-            <a:r>
-              <a:rPr lang="zh-CN" altLang="en-US" dirty="0" smtClean="0"/>
-              <a:t>类型转换运算符</a:t>
-            </a:r>
-            <a:r>
-              <a:rPr lang="zh-CN" altLang="en-US" b="1" dirty="0" smtClean="0"/>
-              <a:t> </a:t>
-            </a:r>
-            <a:r>
-              <a:rPr lang="en-US" altLang="zh-CN" dirty="0" smtClean="0"/>
-              <a:t>——</a:t>
-            </a:r>
-            <a:r>
-              <a:rPr lang="zh-CN" altLang="en-US" dirty="0" smtClean="0"/>
-              <a:t>用来防止由构造函数定义的隐式转换</a:t>
-            </a:r>
-            <a:endParaRPr lang="en-US" altLang="zh-CN" dirty="0"/>
-          </a:p>
-        </p:txBody>
-      </p:sp>
-      <p:pic>
-        <p:nvPicPr>
-          <p:cNvPr id="6" name="图片 5"/>
-          <p:cNvPicPr>
-            <a:picLocks noChangeAspect="1"/>
-          </p:cNvPicPr>
-          <p:nvPr/>
-        </p:nvPicPr>
-        <p:blipFill>
-          <a:blip r:embed="rId1">
-            <a:extLst>
-              <a:ext uri="{28A0092B-C50C-407E-A947-70E740481C1C}">
-                <a14:useLocalDpi xmlns:a14="http://schemas.microsoft.com/office/drawing/2010/main" val="0"/>
-              </a:ext>
-            </a:extLst>
-          </a:blip>
-          <a:stretch>
-            <a:fillRect/>
-          </a:stretch>
-        </p:blipFill>
-        <p:spPr>
-          <a:xfrm>
-            <a:off x="1371599" y="4093745"/>
-            <a:ext cx="5952482" cy="2052078"/>
-          </a:xfrm>
-          <a:prstGeom prst="rect">
-            <a:avLst/>
-          </a:prstGeom>
-        </p:spPr>
-      </p:pic>
-      <p:pic>
-        <p:nvPicPr>
-          <p:cNvPr id="7" name="图片 6"/>
-          <p:cNvPicPr>
-            <a:picLocks noChangeAspect="1"/>
-          </p:cNvPicPr>
-          <p:nvPr/>
-        </p:nvPicPr>
-        <p:blipFill>
-          <a:blip r:embed="rId2">
-            <a:extLst>
-              <a:ext uri="{28A0092B-C50C-407E-A947-70E740481C1C}">
-                <a14:useLocalDpi xmlns:a14="http://schemas.microsoft.com/office/drawing/2010/main" val="0"/>
-              </a:ext>
-            </a:extLst>
-          </a:blip>
-          <a:stretch>
-            <a:fillRect/>
-          </a:stretch>
-        </p:blipFill>
-        <p:spPr>
-          <a:xfrm>
-            <a:off x="1371599" y="2171699"/>
-            <a:ext cx="3050931" cy="1763993"/>
-          </a:xfrm>
-          <a:prstGeom prst="rect">
-            <a:avLst/>
-          </a:prstGeom>
-        </p:spPr>
-      </p:pic>
+            <a:pPr algn="ctr"/>
+            <a:r>
+              <a:rPr lang="zh-CN" altLang="en-US" sz="6600" b="1" dirty="0" smtClean="0"/>
+              <a:t>测试用例</a:t>
+            </a:r>
+            <a:r>
+              <a:rPr lang="en-US" altLang="zh-CN" sz="6600" b="1" dirty="0" smtClean="0"/>
+              <a:t>/</a:t>
+            </a:r>
+            <a:r>
+              <a:rPr lang="zh-CN" altLang="en-US" sz="6600" b="1" dirty="0" smtClean="0"/>
+              <a:t>测试脚本展示</a:t>
+            </a:r>
+            <a:endParaRPr lang="zh-CN" altLang="en-US" sz="6600" b="1" dirty="0" smtClean="0"/>
+          </a:p>
+        </p:txBody>
+      </p:sp>
     </p:spTree>
   </p:cSld>
   <p:clrMapOvr>
@@ -4516,373 +4915,28 @@
             <p:ph type="title"/>
           </p:nvPr>
         </p:nvSpPr>
-        <p:spPr/>
-        <p:txBody>
-          <a:bodyPr/>
-          <a:lstStyle/>
-          <a:p>
-            <a:r>
-              <a:rPr lang="en-US" altLang="zh-CN" dirty="0" smtClean="0"/>
-              <a:t>6.</a:t>
-            </a:r>
-            <a:r>
-              <a:rPr lang="zh-CN" altLang="en-US" dirty="0" smtClean="0"/>
-              <a:t>动态内存</a:t>
-            </a:r>
-            <a:endParaRPr lang="zh-CN" altLang="en-US" dirty="0"/>
-          </a:p>
-        </p:txBody>
-      </p:sp>
-      <p:sp>
-        <p:nvSpPr>
-          <p:cNvPr id="4" name="内容占位符 2"/>
-          <p:cNvSpPr>
-            <a:spLocks noGrp="1"/>
-          </p:cNvSpPr>
-          <p:nvPr>
-            <p:ph idx="1"/>
-          </p:nvPr>
-        </p:nvSpPr>
         <p:spPr>
           <a:xfrm>
-            <a:off x="1371600" y="1617784"/>
-            <a:ext cx="9601200" cy="5240216"/>
+            <a:off x="1554480" y="2686050"/>
+            <a:ext cx="9836150" cy="1485900"/>
           </a:xfrm>
         </p:spPr>
         <p:txBody>
           <a:bodyPr>
-            <a:normAutofit/>
+            <a:noAutofit/>
           </a:bodyPr>
           <a:lstStyle/>
           <a:p>
-            <a:r>
-              <a:rPr lang="en-US" altLang="zh-CN" dirty="0" err="1"/>
-              <a:t>s</a:t>
-            </a:r>
-            <a:r>
-              <a:rPr lang="en-US" altLang="zh-CN" dirty="0" err="1" smtClean="0"/>
-              <a:t>hared_ptr</a:t>
-            </a:r>
-            <a:r>
-              <a:rPr lang="zh-CN" altLang="en-US" dirty="0" smtClean="0"/>
-              <a:t>与</a:t>
-            </a:r>
-            <a:r>
-              <a:rPr lang="en-US" altLang="zh-CN" dirty="0" err="1" smtClean="0"/>
-              <a:t>weak_ptr</a:t>
-            </a:r>
-            <a:r>
-              <a:rPr lang="en-US" altLang="zh-CN" dirty="0" smtClean="0"/>
-              <a:t>(</a:t>
-            </a:r>
-            <a:r>
-              <a:rPr lang="zh-CN" altLang="en-US" dirty="0"/>
-              <a:t>只提供了对管理对象的一个访问手段，同时也可以实时动态地知道指向的对象是否存活</a:t>
-            </a:r>
-            <a:r>
-              <a:rPr lang="en-US" altLang="zh-CN" dirty="0" smtClean="0"/>
-              <a:t>)</a:t>
-            </a:r>
-            <a:endParaRPr lang="en-US" altLang="zh-CN" dirty="0" smtClean="0"/>
-          </a:p>
-          <a:p>
-            <a:pPr marL="0" indent="0">
-              <a:buNone/>
-            </a:pPr>
-            <a:r>
-              <a:rPr lang="zh-CN" altLang="en-US" dirty="0" smtClean="0"/>
-              <a:t>用</a:t>
-            </a:r>
-            <a:r>
-              <a:rPr lang="en-US" altLang="zh-CN" dirty="0" err="1" smtClean="0">
-                <a:solidFill>
-                  <a:srgbClr val="FF0000"/>
-                </a:solidFill>
-              </a:rPr>
-              <a:t>std</a:t>
-            </a:r>
-            <a:r>
-              <a:rPr lang="en-US" altLang="zh-CN" dirty="0" smtClean="0">
-                <a:solidFill>
-                  <a:srgbClr val="FF0000"/>
-                </a:solidFill>
-              </a:rPr>
-              <a:t>::</a:t>
-            </a:r>
-            <a:r>
-              <a:rPr lang="en-US" altLang="zh-CN" dirty="0" err="1" smtClean="0">
-                <a:solidFill>
-                  <a:srgbClr val="FF0000"/>
-                </a:solidFill>
-              </a:rPr>
-              <a:t>make_shared</a:t>
-            </a:r>
-            <a:r>
-              <a:rPr lang="zh-CN" altLang="en-US" dirty="0" smtClean="0">
-                <a:solidFill>
-                  <a:srgbClr val="FF0000"/>
-                </a:solidFill>
-              </a:rPr>
-              <a:t>替代</a:t>
-            </a:r>
-            <a:r>
-              <a:rPr lang="en-US" altLang="zh-CN" dirty="0" smtClean="0">
-                <a:solidFill>
-                  <a:srgbClr val="FF0000"/>
-                </a:solidFill>
-              </a:rPr>
-              <a:t>new</a:t>
-            </a:r>
-            <a:r>
-              <a:rPr lang="en-US" altLang="zh-CN" dirty="0" smtClean="0"/>
-              <a:t> </a:t>
-            </a:r>
-            <a:r>
-              <a:rPr lang="zh-CN" altLang="en-US" dirty="0" smtClean="0">
-                <a:latin typeface="Arial" panose="020B0604020202020204" pitchFamily="34" charset="0"/>
-                <a:cs typeface="Arial" panose="020B0604020202020204" pitchFamily="34" charset="0"/>
-              </a:rPr>
-              <a:t>以及</a:t>
-            </a:r>
-            <a:r>
-              <a:rPr lang="en-US" altLang="zh-CN" dirty="0" smtClean="0">
-                <a:latin typeface="Arial" panose="020B0604020202020204" pitchFamily="34" charset="0"/>
-                <a:cs typeface="Arial" panose="020B0604020202020204" pitchFamily="34" charset="0"/>
-              </a:rPr>
-              <a:t> </a:t>
-            </a:r>
-            <a:r>
-              <a:rPr lang="zh-CN" altLang="en-US" dirty="0" smtClean="0">
-                <a:solidFill>
-                  <a:srgbClr val="FF0000"/>
-                </a:solidFill>
-                <a:latin typeface="Arial" panose="020B0604020202020204" pitchFamily="34" charset="0"/>
-                <a:cs typeface="Arial" panose="020B0604020202020204" pitchFamily="34" charset="0"/>
-              </a:rPr>
-              <a:t>避免循环引用</a:t>
-            </a:r>
-            <a:r>
-              <a:rPr lang="zh-CN" altLang="en-US" dirty="0" smtClean="0">
-                <a:latin typeface="Arial" panose="020B0604020202020204" pitchFamily="34" charset="0"/>
-                <a:cs typeface="Arial" panose="020B0604020202020204" pitchFamily="34" charset="0"/>
-              </a:rPr>
-              <a:t>（</a:t>
-            </a:r>
-            <a:r>
-              <a:rPr lang="en-US" altLang="zh-CN" dirty="0" err="1" smtClean="0">
-                <a:latin typeface="Arial" panose="020B0604020202020204" pitchFamily="34" charset="0"/>
-                <a:cs typeface="Arial" panose="020B0604020202020204" pitchFamily="34" charset="0"/>
-              </a:rPr>
-              <a:t>make_unique</a:t>
-            </a:r>
-            <a:r>
-              <a:rPr lang="zh-CN" altLang="en-US" dirty="0" smtClean="0">
-                <a:latin typeface="Arial" panose="020B0604020202020204" pitchFamily="34" charset="0"/>
-                <a:cs typeface="Arial" panose="020B0604020202020204" pitchFamily="34" charset="0"/>
-              </a:rPr>
-              <a:t>在</a:t>
-            </a:r>
-            <a:r>
-              <a:rPr lang="en-US" altLang="zh-CN" dirty="0" smtClean="0">
-                <a:latin typeface="Arial" panose="020B0604020202020204" pitchFamily="34" charset="0"/>
-                <a:cs typeface="Arial" panose="020B0604020202020204" pitchFamily="34" charset="0"/>
-              </a:rPr>
-              <a:t>C++14</a:t>
-            </a:r>
-            <a:r>
-              <a:rPr lang="zh-CN" altLang="en-US" dirty="0" smtClean="0">
-                <a:latin typeface="Arial" panose="020B0604020202020204" pitchFamily="34" charset="0"/>
-                <a:cs typeface="Arial" panose="020B0604020202020204" pitchFamily="34" charset="0"/>
-              </a:rPr>
-              <a:t>后有）</a:t>
-            </a:r>
-            <a:endParaRPr lang="en-US" altLang="zh-CN" dirty="0" smtClean="0"/>
-          </a:p>
-          <a:p>
-            <a:pPr marL="0" indent="0">
-              <a:buNone/>
-            </a:pPr>
-            <a:endParaRPr lang="en-US" altLang="zh-CN" dirty="0"/>
-          </a:p>
-        </p:txBody>
-      </p:sp>
-      <p:pic>
-        <p:nvPicPr>
-          <p:cNvPr id="3" name="图片 2"/>
-          <p:cNvPicPr>
-            <a:picLocks noChangeAspect="1"/>
-          </p:cNvPicPr>
-          <p:nvPr/>
-        </p:nvPicPr>
-        <p:blipFill>
-          <a:blip r:embed="rId1">
-            <a:extLst>
-              <a:ext uri="{28A0092B-C50C-407E-A947-70E740481C1C}">
-                <a14:useLocalDpi xmlns:a14="http://schemas.microsoft.com/office/drawing/2010/main" val="0"/>
-              </a:ext>
-            </a:extLst>
-          </a:blip>
-          <a:stretch>
-            <a:fillRect/>
-          </a:stretch>
-        </p:blipFill>
-        <p:spPr>
-          <a:xfrm>
-            <a:off x="1371600" y="2967263"/>
-            <a:ext cx="7152017" cy="1042335"/>
-          </a:xfrm>
-          <a:prstGeom prst="rect">
-            <a:avLst/>
-          </a:prstGeom>
-        </p:spPr>
-      </p:pic>
-      <p:sp>
-        <p:nvSpPr>
-          <p:cNvPr id="5" name="文本框 4"/>
-          <p:cNvSpPr txBox="1"/>
-          <p:nvPr/>
-        </p:nvSpPr>
-        <p:spPr>
-          <a:xfrm>
-            <a:off x="1371600" y="4237892"/>
-            <a:ext cx="8921931" cy="707886"/>
-          </a:xfrm>
-          <a:prstGeom prst="rect">
-            <a:avLst/>
-          </a:prstGeom>
-          <a:noFill/>
-        </p:spPr>
-        <p:txBody>
-          <a:bodyPr wrap="square" rtlCol="0">
-            <a:spAutoFit/>
-          </a:bodyPr>
-          <a:lstStyle/>
-          <a:p>
-            <a:r>
-              <a:rPr lang="zh-CN" altLang="en-US" sz="2000" dirty="0" smtClean="0">
-                <a:effectLst/>
-              </a:rPr>
-              <a:t>同直接使用</a:t>
-            </a:r>
-            <a:r>
-              <a:rPr lang="en-US" altLang="zh-CN" sz="2000" dirty="0" smtClean="0">
-                <a:effectLst/>
-              </a:rPr>
-              <a:t>new</a:t>
-            </a:r>
-            <a:r>
-              <a:rPr lang="zh-CN" altLang="en-US" sz="2000" dirty="0" smtClean="0">
-                <a:effectLst/>
-              </a:rPr>
-              <a:t>相比，</a:t>
-            </a:r>
-            <a:r>
-              <a:rPr lang="en-US" altLang="zh-CN" sz="2000" dirty="0" smtClean="0">
-                <a:effectLst/>
-              </a:rPr>
-              <a:t>make</a:t>
-            </a:r>
-            <a:r>
-              <a:rPr lang="zh-CN" altLang="en-US" sz="2000" dirty="0" smtClean="0">
-                <a:effectLst/>
-              </a:rPr>
-              <a:t>函数减小了代码重复，提高了异常安全，并且对于</a:t>
-            </a:r>
-            <a:r>
-              <a:rPr lang="en-US" altLang="zh-CN" sz="2000" dirty="0" err="1" smtClean="0">
-                <a:effectLst/>
-              </a:rPr>
-              <a:t>std</a:t>
-            </a:r>
-            <a:r>
-              <a:rPr lang="en-US" altLang="zh-CN" sz="2000" dirty="0" smtClean="0">
-                <a:effectLst/>
-              </a:rPr>
-              <a:t>::</a:t>
-            </a:r>
-            <a:r>
-              <a:rPr lang="en-US" altLang="zh-CN" sz="2000" dirty="0" err="1" smtClean="0">
-                <a:effectLst/>
-              </a:rPr>
-              <a:t>make_shared</a:t>
-            </a:r>
-            <a:r>
-              <a:rPr lang="zh-CN" altLang="en-US" sz="2000" dirty="0" smtClean="0">
-                <a:effectLst/>
-              </a:rPr>
-              <a:t>和</a:t>
-            </a:r>
-            <a:r>
-              <a:rPr lang="en-US" altLang="zh-CN" sz="2000" dirty="0" err="1" smtClean="0">
-                <a:effectLst/>
-              </a:rPr>
-              <a:t>std</a:t>
-            </a:r>
-            <a:r>
-              <a:rPr lang="en-US" altLang="zh-CN" sz="2000" dirty="0" smtClean="0">
-                <a:effectLst/>
-              </a:rPr>
-              <a:t>::</a:t>
-            </a:r>
-            <a:r>
-              <a:rPr lang="en-US" altLang="zh-CN" sz="2000" dirty="0" err="1" smtClean="0">
-                <a:effectLst/>
-              </a:rPr>
-              <a:t>allcoated_shared</a:t>
-            </a:r>
-            <a:r>
-              <a:rPr lang="zh-CN" altLang="en-US" sz="2000" dirty="0" smtClean="0">
-                <a:effectLst/>
-              </a:rPr>
-              <a:t>，生成的代码会更小更快。</a:t>
-            </a:r>
-            <a:endParaRPr lang="zh-CN" altLang="en-US" sz="2000" dirty="0"/>
-          </a:p>
-        </p:txBody>
-      </p:sp>
-      <p:sp>
-        <p:nvSpPr>
-          <p:cNvPr id="6" name="文本框 5"/>
-          <p:cNvSpPr txBox="1"/>
-          <p:nvPr/>
-        </p:nvSpPr>
-        <p:spPr>
-          <a:xfrm>
-            <a:off x="1365068" y="5154718"/>
-            <a:ext cx="7432765" cy="400110"/>
-          </a:xfrm>
-          <a:prstGeom prst="rect">
-            <a:avLst/>
-          </a:prstGeom>
-          <a:noFill/>
-        </p:spPr>
-        <p:txBody>
-          <a:bodyPr wrap="square" rtlCol="0">
-            <a:spAutoFit/>
-          </a:bodyPr>
-          <a:lstStyle/>
-          <a:p>
-            <a:r>
-              <a:rPr lang="zh-CN" altLang="en-US" sz="2000" dirty="0" smtClean="0"/>
-              <a:t>不要让</a:t>
-            </a:r>
-            <a:r>
-              <a:rPr lang="en-US" altLang="zh-CN" sz="2000" dirty="0" smtClean="0"/>
-              <a:t>child</a:t>
-            </a:r>
-            <a:r>
-              <a:rPr lang="zh-CN" altLang="en-US" sz="2000" dirty="0" smtClean="0"/>
-              <a:t>与</a:t>
-            </a:r>
-            <a:r>
-              <a:rPr lang="en-US" altLang="zh-CN" sz="2000" dirty="0" smtClean="0"/>
-              <a:t>parent</a:t>
-            </a:r>
-            <a:r>
-              <a:rPr lang="zh-CN" altLang="en-US" sz="2000" dirty="0" smtClean="0"/>
-              <a:t>互相循环引用导致内存泄漏</a:t>
-            </a:r>
-            <a:endParaRPr lang="zh-CN" altLang="en-US" sz="2000" dirty="0"/>
+            <a:pPr algn="ctr"/>
+            <a:r>
+              <a:rPr lang="zh-CN" altLang="en-US" sz="6600" b="1" dirty="0" smtClean="0"/>
+              <a:t>缺陷报告单</a:t>
+            </a:r>
+            <a:r>
+              <a:rPr lang="zh-CN" altLang="en-US" sz="6600" b="1" dirty="0" smtClean="0"/>
+              <a:t>展示</a:t>
+            </a:r>
+            <a:endParaRPr lang="zh-CN" altLang="en-US" sz="6600" b="1" dirty="0" smtClean="0"/>
           </a:p>
         </p:txBody>
       </p:sp>
@@ -4934,54 +4988,81 @@
           <a:lstStyle/>
           <a:p>
             <a:r>
-              <a:rPr lang="en-US" altLang="zh-CN" dirty="0" smtClean="0"/>
-              <a:t>6.</a:t>
-            </a:r>
-            <a:r>
-              <a:rPr lang="zh-CN" altLang="en-US" dirty="0" smtClean="0"/>
-              <a:t>动态内存</a:t>
-            </a:r>
-            <a:r>
-              <a:rPr lang="en-US" altLang="zh-CN" dirty="0" smtClean="0"/>
-              <a:t>——</a:t>
-            </a:r>
-            <a:r>
-              <a:rPr lang="zh-CN" altLang="en-US">
-                <a:sym typeface="+mn-ea"/>
-              </a:rPr>
-              <a:t>循环引用例子</a:t>
+              <a:rPr lang="zh-CN" altLang="en-US" dirty="0" smtClean="0"/>
+              <a:t>系统功能测试</a:t>
             </a:r>
             <a:br>
-              <a:rPr lang="zh-CN" altLang="en-US"/>
+              <a:rPr lang="zh-CN" altLang="en-US" dirty="0" smtClean="0"/>
             </a:br>
-            <a:endParaRPr lang="en-US" altLang="zh-CN" dirty="0" smtClean="0"/>
-          </a:p>
-        </p:txBody>
-      </p:sp>
-      <p:pic>
-        <p:nvPicPr>
-          <p:cNvPr id="8" name="图片 7"/>
-          <p:cNvPicPr>
-            <a:picLocks noChangeAspect="1"/>
-          </p:cNvPicPr>
-          <p:nvPr/>
-        </p:nvPicPr>
-        <p:blipFill>
-          <a:blip r:embed="rId1"/>
-          <a:stretch>
-            <a:fillRect/>
-          </a:stretch>
-        </p:blipFill>
+            <a:endParaRPr lang="zh-CN" altLang="en-US" dirty="0"/>
+          </a:p>
+        </p:txBody>
+      </p:sp>
+      <p:sp>
+        <p:nvSpPr>
+          <p:cNvPr id="4" name="内容占位符 2"/>
+          <p:cNvSpPr>
+            <a:spLocks noGrp="1"/>
+          </p:cNvSpPr>
+          <p:nvPr>
+            <p:ph idx="1"/>
+          </p:nvPr>
+        </p:nvSpPr>
         <p:spPr>
           <a:xfrm>
-            <a:off x="1371600" y="1443990"/>
-            <a:ext cx="4001770" cy="5129530"/>
-          </a:xfrm>
-          <a:prstGeom prst="rect">
-            <a:avLst/>
-          </a:prstGeom>
-        </p:spPr>
-      </p:pic>
+            <a:off x="1371600" y="1617784"/>
+            <a:ext cx="9601200" cy="5240216"/>
+          </a:xfrm>
+        </p:spPr>
+        <p:txBody>
+          <a:bodyPr>
+            <a:normAutofit/>
+          </a:bodyPr>
+          <a:lstStyle/>
+          <a:p>
+            <a:r>
+              <a:rPr lang="zh-CN" altLang="en-US" dirty="0" smtClean="0"/>
+              <a:t>系统功能测试总结</a:t>
+            </a:r>
+            <a:endParaRPr lang="zh-CN" altLang="en-US" dirty="0" smtClean="0"/>
+          </a:p>
+          <a:p>
+            <a:r>
+              <a:rPr lang="zh-CN" altLang="en-US" dirty="0" smtClean="0"/>
+              <a:t>在对Timeline的系统功能测试中,我们对Timeline包括主要功能在内的6个功能进行了测试。测试结果如下:Timeline基本功能可用,缺陷主要出现在注册系统中。</a:t>
+            </a:r>
+            <a:endParaRPr lang="zh-CN" altLang="en-US" dirty="0" smtClean="0"/>
+          </a:p>
+          <a:p>
+            <a:r>
+              <a:rPr lang="zh-CN" altLang="en-US" dirty="0" smtClean="0"/>
+              <a:t>登陆、注册功能有较多缺陷。建议修改点是对于信息的录入应该给予验证，如密码长度的最低限度等。其中已修复了注册时能够重复注册的问题，未修复的问题还有，没有账号的大小写识别，没有特殊字符的禁用。</a:t>
+            </a:r>
+            <a:endParaRPr lang="zh-CN" altLang="en-US" dirty="0" smtClean="0"/>
+          </a:p>
+          <a:p>
+            <a:r>
+              <a:rPr lang="zh-CN" altLang="en-US" dirty="0" smtClean="0"/>
+              <a:t>查询更多信息与刷新信息功能无明显缺陷。建议修改点是对于信息的显示可以向上回溯。</a:t>
+            </a:r>
+            <a:endParaRPr lang="zh-CN" altLang="en-US" dirty="0" smtClean="0"/>
+          </a:p>
+          <a:p>
+            <a:r>
+              <a:rPr lang="zh-CN" altLang="en-US" dirty="0" smtClean="0"/>
+              <a:t>发布信息功能也是其中重要的功能，未实现对图片的存储及显示的功能，故无法进行测试，而对于文字信息的发布与显示功能无明显缺陷。建议修改点是加入图片的发布和显示功能，以及放大输入文本框的大小，将其从横向输入，改为一个有可扩展性的矩形输入框。</a:t>
+            </a:r>
+            <a:endParaRPr lang="zh-CN" altLang="en-US" dirty="0" smtClean="0"/>
+          </a:p>
+          <a:p>
+            <a:r>
+              <a:rPr lang="zh-CN" altLang="en-US" dirty="0" smtClean="0"/>
+              <a:t>总体来说，被测对象已无明显缺陷。</a:t>
+            </a:r>
+            <a:endParaRPr lang="zh-CN" altLang="en-US" dirty="0" smtClean="0"/>
+          </a:p>
+        </p:txBody>
+      </p:sp>
     </p:spTree>
   </p:cSld>
   <p:clrMapOvr>
@@ -5030,13 +5111,16 @@
           <a:lstStyle/>
           <a:p>
             <a:r>
-              <a:rPr lang="en-US" altLang="zh-CN" dirty="0" smtClean="0"/>
-              <a:t>7.</a:t>
-            </a:r>
-            <a:r>
-              <a:rPr lang="zh-CN" altLang="en-US" dirty="0" smtClean="0"/>
-              <a:t>面向对象程序设计</a:t>
-            </a:r>
+              <a:rPr lang="zh-CN" altLang="en-US" dirty="0" smtClean="0"/>
+              <a:t>性能</a:t>
+            </a:r>
+            <a:r>
+              <a:rPr lang="zh-CN" altLang="en-US" dirty="0" smtClean="0"/>
+              <a:t>测试</a:t>
+            </a:r>
+            <a:br>
+              <a:rPr lang="zh-CN" altLang="en-US" dirty="0" smtClean="0"/>
+            </a:br>
             <a:endParaRPr lang="zh-CN" altLang="en-US" dirty="0"/>
           </a:p>
         </p:txBody>
@@ -5065,269 +5149,83 @@
           <a:p>
             <a:r>
               <a:rPr lang="zh-CN" altLang="en-US" dirty="0" smtClean="0"/>
-              <a:t>虚函数的</a:t>
-            </a:r>
-            <a:r>
-              <a:rPr lang="en-US" altLang="zh-CN" dirty="0" smtClean="0"/>
-              <a:t>override</a:t>
-            </a:r>
-            <a:r>
-              <a:rPr lang="zh-CN" altLang="en-US" dirty="0" smtClean="0"/>
-              <a:t>和</a:t>
-            </a:r>
-            <a:r>
-              <a:rPr lang="en-US" altLang="zh-CN" dirty="0" smtClean="0"/>
-              <a:t>final</a:t>
-            </a:r>
-            <a:r>
-              <a:rPr lang="zh-CN" altLang="en-US" dirty="0" smtClean="0"/>
-              <a:t>指示符 </a:t>
+              <a:t>设计思想</a:t>
             </a:r>
             <a:r>
               <a:rPr lang="en-US" altLang="zh-CN" dirty="0" smtClean="0"/>
               <a:t>——</a:t>
             </a:r>
-            <a:endParaRPr lang="en-US" altLang="zh-CN" dirty="0"/>
-          </a:p>
-        </p:txBody>
-      </p:sp>
-      <p:pic>
-        <p:nvPicPr>
-          <p:cNvPr id="3" name="图片 2"/>
-          <p:cNvPicPr>
-            <a:picLocks noChangeAspect="1"/>
-          </p:cNvPicPr>
-          <p:nvPr/>
-        </p:nvPicPr>
-        <p:blipFill>
-          <a:blip r:embed="rId1">
-            <a:extLst>
-              <a:ext uri="{28A0092B-C50C-407E-A947-70E740481C1C}">
-                <a14:useLocalDpi xmlns:a14="http://schemas.microsoft.com/office/drawing/2010/main" val="0"/>
-              </a:ext>
-            </a:extLst>
-          </a:blip>
-          <a:stretch>
-            <a:fillRect/>
-          </a:stretch>
-        </p:blipFill>
-        <p:spPr>
-          <a:xfrm>
-            <a:off x="1265601" y="3317074"/>
-            <a:ext cx="8702851" cy="662940"/>
-          </a:xfrm>
-          <a:prstGeom prst="rect">
-            <a:avLst/>
-          </a:prstGeom>
-        </p:spPr>
-      </p:pic>
-      <p:sp>
-        <p:nvSpPr>
-          <p:cNvPr id="6" name="Rectangle 2"/>
-          <p:cNvSpPr>
-            <a:spLocks noChangeArrowheads="1"/>
-          </p:cNvSpPr>
-          <p:nvPr/>
-        </p:nvSpPr>
-        <p:spPr bwMode="auto">
-          <a:xfrm>
-            <a:off x="1371598" y="2035095"/>
-            <a:ext cx="8490857" cy="936150"/>
-          </a:xfrm>
-          <a:prstGeom prst="rect">
-            <a:avLst/>
-          </a:prstGeom>
-          <a:noFill/>
-          <a:ln>
-            <a:noFill/>
-          </a:ln>
-          <a:effectLst/>
-          <a:extLst>
-            <a:ext uri="{909E8E84-426E-40DD-AFC4-6F175D3DCCD1}">
-              <a14:hiddenFill xmlns:a14="http://schemas.microsoft.com/office/drawing/2010/main">
-                <a:solidFill>
-                  <a:schemeClr val="accent1"/>
-                </a:solidFill>
-              </a14:hiddenFill>
-            </a:ext>
-            <a:ext uri="{91240B29-F687-4F45-9708-019B960494DF}">
-              <a14:hiddenLine xmlns:a14="http://schemas.microsoft.com/office/drawing/2010/main" w="9525">
-                <a:solidFill>
-                  <a:schemeClr val="tx1"/>
-                </a:solidFill>
-                <a:miter lim="800000"/>
-                <a:headEnd/>
-                <a:tailEnd/>
-              </a14:hiddenLine>
-            </a:ext>
-            <a:ext uri="{AF507438-7753-43E0-B8FC-AC1667EBCBE1}">
-              <a14:hiddenEffects xmlns:a14="http://schemas.microsoft.com/office/drawing/2010/main">
-                <a:effectLst>
-                  <a:outerShdw dist="35921" dir="2700000" algn="ctr" rotWithShape="0">
-                    <a:schemeClr val="bg2"/>
-                  </a:outerShdw>
-                </a:effectLst>
-              </a14:hiddenEffects>
-            </a:ext>
-          </a:extLst>
-        </p:spPr>
-        <p:txBody>
-          <a:bodyPr vert="horz" wrap="square" lIns="31740" tIns="6348" rIns="31740" bIns="6348" numCol="1" anchor="ctr" anchorCtr="0" compatLnSpc="1">
-            <a:spAutoFit/>
-          </a:bodyPr>
-          <a:lstStyle/>
-          <a:p>
-            <a:pPr marL="0" marR="0" lvl="0" indent="317500" algn="l" defTabSz="914400" rtl="0" eaLnBrk="0" fontAlgn="ctr" latinLnBrk="0" hangingPunct="0">
-              <a:lnSpc>
-                <a:spcPct val="100000"/>
-              </a:lnSpc>
-              <a:spcBef>
-                <a:spcPct val="0"/>
-              </a:spcBef>
-              <a:spcAft>
-                <a:spcPct val="0"/>
-              </a:spcAft>
-              <a:buClrTx/>
-              <a:buSzTx/>
-              <a:buFontTx/>
+            <a:r>
+              <a:rPr lang="zh-CN" altLang="en-US" dirty="0" smtClean="0"/>
+              <a:t>利用</a:t>
+            </a:r>
+            <a:r>
+              <a:rPr lang="en-US" altLang="zh-CN" dirty="0" smtClean="0"/>
+              <a:t>Jmeter</a:t>
+            </a:r>
+            <a:r>
+              <a:rPr lang="zh-CN" altLang="en-US" dirty="0" smtClean="0"/>
+              <a:t>直接发送</a:t>
+            </a:r>
+            <a:r>
+              <a:rPr lang="en-US" altLang="zh-CN" dirty="0" smtClean="0"/>
+              <a:t>HTTP</a:t>
+            </a:r>
+            <a:r>
+              <a:rPr lang="zh-CN" altLang="en-US" dirty="0" smtClean="0"/>
+              <a:t>请求进行灰盒性能测试</a:t>
+            </a:r>
+            <a:endParaRPr lang="en-US" altLang="zh-CN" dirty="0" smtClean="0"/>
+          </a:p>
+          <a:p>
+            <a:r>
+              <a:rPr lang="zh-CN" altLang="en-US" dirty="0" smtClean="0"/>
+              <a:t>特点：云服务器</a:t>
+            </a:r>
+            <a:endParaRPr lang="zh-CN" altLang="en-US" dirty="0" smtClean="0"/>
+          </a:p>
+          <a:p>
+            <a:r>
+              <a:rPr lang="zh-CN" altLang="en-US" dirty="0" smtClean="0"/>
+              <a:t>使用的相关的测试工具：</a:t>
+            </a:r>
+            <a:r>
+              <a:rPr lang="en-US" dirty="0" smtClean="0"/>
+              <a:t>Jmeter</a:t>
+            </a:r>
+            <a:endParaRPr lang="en-US" dirty="0" smtClean="0"/>
+          </a:p>
+          <a:p>
+            <a:r>
+              <a:rPr lang="zh-CN" altLang="en-US" dirty="0" smtClean="0"/>
+              <a:t>遇到的关键问题：</a:t>
+            </a:r>
+            <a:endParaRPr lang="zh-CN" altLang="en-US" dirty="0" smtClean="0"/>
+          </a:p>
+          <a:p>
+            <a:pPr marL="0" indent="0">
               <a:buNone/>
             </a:pPr>
             <a:r>
-              <a:rPr kumimoji="0" lang="zh-CN" altLang="zh-CN" sz="2000" i="0" u="none" strike="noStrike" cap="none" normalizeH="0" baseline="0" dirty="0" smtClean="0">
-                <a:ln>
-                  <a:noFill/>
-                </a:ln>
-                <a:solidFill>
-                  <a:schemeClr val="tx1"/>
-                </a:solidFill>
-                <a:effectLst/>
-                <a:latin typeface="Arial Unicode MS"/>
-                <a:cs typeface="Courier New" panose="02070309020205020404" pitchFamily="49" charset="0"/>
-              </a:rPr>
-              <a:t>override</a:t>
-            </a:r>
-            <a:r>
-              <a:rPr kumimoji="0" lang="zh-CN" altLang="zh-CN" sz="2000" i="0" u="none" strike="noStrike" cap="none" normalizeH="0" baseline="0" dirty="0" smtClean="0">
-                <a:ln>
-                  <a:noFill/>
-                </a:ln>
-                <a:solidFill>
-                  <a:schemeClr val="tx1"/>
-                </a:solidFill>
-                <a:effectLst/>
-              </a:rPr>
-              <a:t> 可以帮助程序员的意图更加的清晰的同时让编译器可以为我们发现一些错误。其只能用于覆盖基类的</a:t>
-            </a:r>
-            <a:r>
-              <a:rPr kumimoji="0" lang="zh-CN" altLang="zh-CN" sz="2000" i="0" u="none" strike="noStrike" cap="none" normalizeH="0" baseline="0" dirty="0" smtClean="0">
-                <a:ln>
-                  <a:noFill/>
-                </a:ln>
-                <a:solidFill>
-                  <a:schemeClr val="tx1"/>
-                </a:solidFill>
-                <a:effectLst/>
-                <a:latin typeface="Arial" panose="020B0604020202020204" pitchFamily="34" charset="0"/>
-              </a:rPr>
-              <a:t>虚函数；</a:t>
-            </a:r>
-            <a:endParaRPr kumimoji="0" lang="zh-CN" altLang="zh-CN" sz="2000" i="0" u="none" strike="noStrike" cap="none" normalizeH="0" baseline="0" dirty="0" smtClean="0">
-              <a:ln>
-                <a:noFill/>
-              </a:ln>
-              <a:solidFill>
-                <a:schemeClr val="tx1"/>
-              </a:solidFill>
-              <a:effectLst/>
-              <a:latin typeface="Arial" panose="020B0604020202020204" pitchFamily="34" charset="0"/>
-            </a:endParaRPr>
-          </a:p>
-          <a:p>
-            <a:pPr marL="0" marR="0" lvl="0" indent="317500" algn="l" defTabSz="914400" rtl="0" eaLnBrk="0" fontAlgn="ctr" latinLnBrk="0" hangingPunct="0">
-              <a:lnSpc>
-                <a:spcPct val="100000"/>
-              </a:lnSpc>
-              <a:spcBef>
-                <a:spcPct val="0"/>
-              </a:spcBef>
-              <a:spcAft>
-                <a:spcPct val="0"/>
-              </a:spcAft>
-              <a:buClrTx/>
-              <a:buSzTx/>
-              <a:buFontTx/>
-              <a:buNone/>
-            </a:pPr>
-            <a:r>
-              <a:rPr kumimoji="0" lang="zh-CN" altLang="zh-CN" sz="2000" i="0" u="none" strike="noStrike" cap="none" normalizeH="0" baseline="0" dirty="0" smtClean="0">
-                <a:ln>
-                  <a:noFill/>
-                </a:ln>
-                <a:solidFill>
-                  <a:schemeClr val="tx1"/>
-                </a:solidFill>
-                <a:effectLst/>
-                <a:latin typeface="Arial Unicode MS"/>
-                <a:cs typeface="Courier New" panose="02070309020205020404" pitchFamily="49" charset="0"/>
-              </a:rPr>
-              <a:t>final</a:t>
-            </a:r>
-            <a:r>
-              <a:rPr kumimoji="0" lang="zh-CN" altLang="zh-CN" sz="2000" i="0" u="none" strike="noStrike" cap="none" normalizeH="0" baseline="0" dirty="0" smtClean="0">
-                <a:ln>
-                  <a:noFill/>
-                </a:ln>
-                <a:solidFill>
-                  <a:schemeClr val="tx1"/>
-                </a:solidFill>
-                <a:effectLst/>
-              </a:rPr>
-              <a:t> 使得任何尝试覆盖该函数的操作都将引发错误，并不特指虚函数；</a:t>
-            </a:r>
-            <a:endParaRPr kumimoji="0" lang="zh-CN" altLang="zh-CN" sz="2000" i="0" u="none" strike="noStrike" cap="none" normalizeH="0" baseline="0" dirty="0" smtClean="0">
-              <a:ln>
-                <a:noFill/>
-              </a:ln>
-              <a:solidFill>
-                <a:schemeClr val="tx1"/>
-              </a:solidFill>
-              <a:effectLst/>
-              <a:latin typeface="Arial" panose="020B0604020202020204" pitchFamily="34" charset="0"/>
-            </a:endParaRPr>
-          </a:p>
-        </p:txBody>
-      </p:sp>
-      <p:pic>
-        <p:nvPicPr>
-          <p:cNvPr id="16" name="图片 15"/>
-          <p:cNvPicPr>
-            <a:picLocks noChangeAspect="1"/>
-          </p:cNvPicPr>
-          <p:nvPr/>
-        </p:nvPicPr>
-        <p:blipFill rotWithShape="1">
-          <a:blip r:embed="rId2">
-            <a:extLst>
-              <a:ext uri="{28A0092B-C50C-407E-A947-70E740481C1C}">
-                <a14:useLocalDpi xmlns:a14="http://schemas.microsoft.com/office/drawing/2010/main" val="0"/>
-              </a:ext>
-            </a:extLst>
-          </a:blip>
-          <a:srcRect t="26600" b="19932"/>
-          <a:stretch>
-            <a:fillRect/>
-          </a:stretch>
-        </p:blipFill>
-        <p:spPr>
-          <a:xfrm>
-            <a:off x="1265600" y="4370198"/>
-            <a:ext cx="5148263" cy="272241"/>
-          </a:xfrm>
-          <a:prstGeom prst="rect">
-            <a:avLst/>
-          </a:prstGeom>
-        </p:spPr>
-      </p:pic>
+              <a:rPr lang="en-US" altLang="zh-CN" dirty="0" smtClean="0"/>
+              <a:t>	</a:t>
+            </a:r>
+            <a:r>
+              <a:rPr lang="zh-CN" altLang="en-US" dirty="0" smtClean="0"/>
+              <a:t>服务器性能比较一般，体现出来的</a:t>
+            </a:r>
+            <a:r>
+              <a:rPr lang="en-US" altLang="zh-CN" dirty="0" smtClean="0"/>
+              <a:t>TPS</a:t>
+            </a:r>
+            <a:r>
+              <a:rPr lang="zh-CN" altLang="en-US" dirty="0" smtClean="0"/>
+              <a:t>较差</a:t>
+            </a:r>
+            <a:endParaRPr lang="zh-CN" altLang="en-US" dirty="0" smtClean="0"/>
+          </a:p>
+        </p:txBody>
+      </p:sp>
     </p:spTree>
   </p:cSld>
   <p:clrMapOvr>
@@ -5376,13 +5274,20 @@
           <a:lstStyle/>
           <a:p>
             <a:r>
+              <a:rPr lang="zh-CN" altLang="en-US" dirty="0" smtClean="0"/>
+              <a:t>性能测试</a:t>
+            </a:r>
+            <a:r>
               <a:rPr lang="en-US" altLang="zh-CN" dirty="0" smtClean="0"/>
-              <a:t>7.</a:t>
-            </a:r>
-            <a:r>
-              <a:rPr lang="zh-CN" altLang="en-US" dirty="0" smtClean="0"/>
-              <a:t>面向对象程序设计</a:t>
-            </a:r>
+              <a:t>——</a:t>
+            </a:r>
+            <a:r>
+              <a:rPr lang="zh-CN" altLang="en-US" dirty="0" smtClean="0"/>
+              <a:t>场景介绍</a:t>
+            </a:r>
+            <a:br>
+              <a:rPr lang="zh-CN" altLang="en-US" dirty="0" smtClean="0"/>
+            </a:br>
             <a:endParaRPr lang="zh-CN" altLang="en-US" dirty="0"/>
           </a:p>
         </p:txBody>
@@ -5399,92 +5304,110 @@
         </p:nvSpPr>
         <p:spPr>
           <a:xfrm>
-            <a:off x="1371600" y="1617784"/>
+            <a:off x="1220470" y="1316159"/>
             <a:ext cx="9601200" cy="5240216"/>
           </a:xfrm>
         </p:spPr>
         <p:txBody>
           <a:bodyPr>
-            <a:normAutofit/>
+            <a:normAutofit fontScale="70000"/>
           </a:bodyPr>
           <a:lstStyle/>
           <a:p>
-            <a:r>
-              <a:rPr lang="zh-CN" altLang="en-US" dirty="0" smtClean="0"/>
-              <a:t>继承构造函数 </a:t>
-            </a:r>
-            <a:r>
-              <a:rPr lang="en-US" altLang="zh-CN" dirty="0" smtClean="0"/>
-              <a:t>——</a:t>
-            </a:r>
-            <a:r>
-              <a:rPr lang="zh-CN" altLang="en-US" dirty="0" smtClean="0"/>
-              <a:t>（继承不会继承构造函数和拷贝构造函数）</a:t>
-            </a:r>
+            <a:pPr marL="0" indent="0">
+              <a:buNone/>
+            </a:pPr>
             <a:endParaRPr lang="zh-CN" altLang="en-US" dirty="0" smtClean="0"/>
           </a:p>
-        </p:txBody>
-      </p:sp>
-      <p:pic>
-        <p:nvPicPr>
-          <p:cNvPr id="17" name="图片 16"/>
-          <p:cNvPicPr>
-            <a:picLocks noChangeAspect="1"/>
-          </p:cNvPicPr>
-          <p:nvPr/>
-        </p:nvPicPr>
-        <p:blipFill>
-          <a:blip r:embed="rId1">
-            <a:extLst>
-              <a:ext uri="{28A0092B-C50C-407E-A947-70E740481C1C}">
-                <a14:useLocalDpi xmlns:a14="http://schemas.microsoft.com/office/drawing/2010/main" val="0"/>
-              </a:ext>
-            </a:extLst>
-          </a:blip>
-          <a:stretch>
-            <a:fillRect/>
-          </a:stretch>
-        </p:blipFill>
-        <p:spPr>
-          <a:xfrm>
-            <a:off x="1371600" y="2028008"/>
-            <a:ext cx="6444575" cy="2857500"/>
-          </a:xfrm>
-          <a:prstGeom prst="rect">
-            <a:avLst/>
-          </a:prstGeom>
-        </p:spPr>
-      </p:pic>
-      <p:sp>
-        <p:nvSpPr>
-          <p:cNvPr id="5" name="矩形 4"/>
-          <p:cNvSpPr/>
-          <p:nvPr/>
-        </p:nvSpPr>
-        <p:spPr>
-          <a:xfrm>
-            <a:off x="1371600" y="4885508"/>
-            <a:ext cx="9601200" cy="1015663"/>
-          </a:xfrm>
-          <a:prstGeom prst="rect">
-            <a:avLst/>
-          </a:prstGeom>
-        </p:spPr>
-        <p:txBody>
-          <a:bodyPr wrap="square">
-            <a:spAutoFit/>
-          </a:bodyPr>
-          <a:lstStyle/>
-          <a:p>
-            <a:r>
-              <a:rPr lang="en-US" altLang="zh-CN" sz="2000" dirty="0"/>
-              <a:t>using</a:t>
-            </a:r>
-            <a:r>
-              <a:rPr lang="zh-CN" altLang="en-US" sz="2000" dirty="0"/>
-              <a:t>声明语句将令编译器产生代码，对于基类的每个构造函数，编译器都在派生类中生成一个形参列表完全相同的构造函数；如果派生类含有自己的数据成员，则这些成员将会被默认初始化；</a:t>
-            </a:r>
-            <a:endParaRPr lang="zh-CN" altLang="en-US" sz="2000" dirty="0"/>
+          <a:p>
+            <a:r>
+              <a:rPr lang="zh-CN" altLang="en-US" dirty="0" smtClean="0"/>
+              <a:t>独立场景：</a:t>
+            </a:r>
+            <a:endParaRPr lang="zh-CN" altLang="en-US" dirty="0" smtClean="0"/>
+          </a:p>
+          <a:p>
+            <a:r>
+              <a:rPr lang="zh-CN" altLang="en-US" dirty="0" smtClean="0"/>
+              <a:t>1）用户注册</a:t>
+            </a:r>
+            <a:endParaRPr lang="zh-CN" altLang="en-US" dirty="0" smtClean="0"/>
+          </a:p>
+          <a:p>
+            <a:r>
+              <a:rPr lang="zh-CN" altLang="en-US" dirty="0" smtClean="0"/>
+              <a:t>2）用户登录</a:t>
+            </a:r>
+            <a:endParaRPr lang="zh-CN" altLang="en-US" dirty="0" smtClean="0"/>
+          </a:p>
+          <a:p>
+            <a:r>
+              <a:rPr lang="zh-CN" altLang="en-US" dirty="0" smtClean="0"/>
+              <a:t>3）查看最新数据</a:t>
+            </a:r>
+            <a:endParaRPr lang="zh-CN" altLang="en-US" dirty="0" smtClean="0"/>
+          </a:p>
+          <a:p>
+            <a:r>
+              <a:rPr lang="zh-CN" altLang="en-US" dirty="0" smtClean="0"/>
+              <a:t>4）发布数据</a:t>
+            </a:r>
+            <a:endParaRPr lang="zh-CN" altLang="en-US" dirty="0" smtClean="0"/>
+          </a:p>
+          <a:p>
+            <a:endParaRPr lang="zh-CN" altLang="en-US" dirty="0" smtClean="0"/>
+          </a:p>
+          <a:p>
+            <a:r>
+              <a:rPr lang="zh-CN" altLang="en-US" dirty="0" smtClean="0"/>
+              <a:t>混合场景：</a:t>
+            </a:r>
+            <a:endParaRPr lang="zh-CN" altLang="en-US" dirty="0" smtClean="0"/>
+          </a:p>
+          <a:p>
+            <a:r>
+              <a:rPr lang="zh-CN" altLang="en-US" dirty="0" smtClean="0"/>
+              <a:t>1）用户登录与用户查看数据混合</a:t>
+            </a:r>
+            <a:endParaRPr lang="zh-CN" altLang="en-US" dirty="0" smtClean="0"/>
+          </a:p>
+          <a:p>
+            <a:r>
+              <a:rPr lang="zh-CN" altLang="en-US" dirty="0" smtClean="0"/>
+              <a:t>2）用户查看数据与用户发布数据混合</a:t>
+            </a:r>
+            <a:endParaRPr lang="zh-CN" altLang="en-US" dirty="0" smtClean="0"/>
+          </a:p>
+          <a:p>
+            <a:r>
+              <a:rPr lang="zh-CN" altLang="en-US" dirty="0" smtClean="0"/>
+              <a:t>3）用户登录与用户查看数据与用户发布数据混合</a:t>
+            </a:r>
+            <a:endParaRPr lang="zh-CN" altLang="en-US" dirty="0" smtClean="0"/>
+          </a:p>
+          <a:p>
+            <a:endParaRPr lang="zh-CN" altLang="en-US" dirty="0" smtClean="0"/>
+          </a:p>
+          <a:p>
+            <a:r>
+              <a:rPr lang="zh-CN" altLang="en-US" dirty="0" smtClean="0"/>
+              <a:t>极限场景：</a:t>
+            </a:r>
+            <a:endParaRPr lang="zh-CN" altLang="en-US" dirty="0" smtClean="0"/>
+          </a:p>
+          <a:p>
+            <a:r>
+              <a:rPr lang="zh-CN" altLang="en-US" dirty="0" smtClean="0"/>
+              <a:t>1）用户并发查看最新数据的极限情况</a:t>
+            </a:r>
+            <a:endParaRPr lang="zh-CN" altLang="en-US" dirty="0" smtClean="0"/>
+          </a:p>
+          <a:p>
+            <a:r>
+              <a:rPr lang="zh-CN" altLang="en-US" dirty="0" smtClean="0"/>
+              <a:t>2）用户并发登录的极限情况</a:t>
+            </a:r>
+            <a:endParaRPr lang="zh-CN" altLang="en-US" dirty="0" smtClean="0"/>
           </a:p>
         </p:txBody>
       </p:sp>
@@ -5520,62 +5443,83 @@
           <a:chExt cx="0" cy="0"/>
         </a:xfrm>
       </p:grpSpPr>
-      <p:sp>
-        <p:nvSpPr>
-          <p:cNvPr id="2" name="标题 1"/>
-          <p:cNvSpPr>
-            <a:spLocks noGrp="1"/>
-          </p:cNvSpPr>
-          <p:nvPr>
-            <p:ph type="title"/>
-          </p:nvPr>
-        </p:nvSpPr>
-        <p:spPr/>
-        <p:txBody>
-          <a:bodyPr/>
-          <a:lstStyle/>
-          <a:p>
-            <a:r>
-              <a:rPr lang="en-US" altLang="zh-CN" dirty="0" smtClean="0"/>
-              <a:t>8.</a:t>
-            </a:r>
-            <a:r>
-              <a:rPr lang="zh-CN" altLang="en-US" dirty="0" smtClean="0"/>
-              <a:t>右值引用</a:t>
-            </a:r>
-            <a:endParaRPr lang="zh-CN" altLang="en-US" dirty="0"/>
-          </a:p>
-        </p:txBody>
-      </p:sp>
       <p:pic>
         <p:nvPicPr>
-          <p:cNvPr id="5" name="内容占位符 4"/>
+          <p:cNvPr id="3" name="图片 2"/>
           <p:cNvPicPr>
-            <a:picLocks noGrp="1" noChangeAspect="1"/>
+            <a:picLocks noChangeAspect="1"/>
           </p:cNvPicPr>
-          <p:nvPr>
-            <p:ph idx="1"/>
-          </p:nvPr>
+          <p:nvPr/>
         </p:nvPicPr>
         <p:blipFill>
-          <a:blip r:embed="rId1">
-            <a:extLst>
-              <a:ext uri="{28A0092B-C50C-407E-A947-70E740481C1C}">
-                <a14:useLocalDpi xmlns:a14="http://schemas.microsoft.com/office/drawing/2010/main" val="0"/>
-              </a:ext>
-            </a:extLst>
-          </a:blip>
+          <a:blip r:embed="rId1"/>
           <a:stretch>
             <a:fillRect/>
           </a:stretch>
         </p:blipFill>
         <p:spPr>
           <a:xfrm>
-            <a:off x="1371600" y="1434524"/>
-            <a:ext cx="7328263" cy="5253337"/>
-          </a:xfrm>
+            <a:off x="1233170" y="2105660"/>
+            <a:ext cx="10619740" cy="3616960"/>
+          </a:xfrm>
+          <a:prstGeom prst="rect">
+            <a:avLst/>
+          </a:prstGeom>
+          <a:noFill/>
+          <a:ln w="9525">
+            <a:noFill/>
+          </a:ln>
         </p:spPr>
       </p:pic>
+      <p:sp>
+        <p:nvSpPr>
+          <p:cNvPr id="4" name="标题 1"/>
+          <p:cNvSpPr>
+            <a:spLocks noGrp="1"/>
+          </p:cNvSpPr>
+          <p:nvPr/>
+        </p:nvSpPr>
+        <p:spPr>
+          <a:xfrm>
+            <a:off x="1371600" y="685800"/>
+            <a:ext cx="9601200" cy="1485900"/>
+          </a:xfrm>
+          <a:prstGeom prst="rect">
+            <a:avLst/>
+          </a:prstGeom>
+        </p:spPr>
+        <p:txBody>
+          <a:bodyPr vert="horz" lIns="91440" tIns="45720" rIns="91440" bIns="45720" rtlCol="0" anchor="t">
+            <a:normAutofit/>
+          </a:bodyPr>
+          <a:lstStyle>
+            <a:lvl1pPr algn="l" defTabSz="914400" rtl="0" eaLnBrk="1" latinLnBrk="0" hangingPunct="1">
+              <a:lnSpc>
+                <a:spcPct val="89000"/>
+              </a:lnSpc>
+              <a:spcBef>
+                <a:spcPct val="0"/>
+              </a:spcBef>
+              <a:buNone/>
+              <a:defRPr sz="4400" kern="1200" baseline="0">
+                <a:solidFill>
+                  <a:schemeClr val="tx2"/>
+                </a:solidFill>
+                <a:latin typeface="+mj-lt"/>
+                <a:ea typeface="+mj-ea"/>
+                <a:cs typeface="+mj-cs"/>
+              </a:defRPr>
+            </a:lvl1pPr>
+          </a:lstStyle>
+          <a:p>
+            <a:r>
+              <a:rPr lang="zh-CN" altLang="en-US" dirty="0" smtClean="0"/>
+              <a:t>性能测试脚本示例</a:t>
+            </a:r>
+            <a:endParaRPr lang="zh-CN" altLang="en-US" dirty="0" smtClean="0"/>
+          </a:p>
+        </p:txBody>
+      </p:sp>
     </p:spTree>
   </p:cSld>
   <p:clrMapOvr>
@@ -5610,55 +5554,71 @@
       </p:grpSpPr>
       <p:sp>
         <p:nvSpPr>
-          <p:cNvPr id="2" name="标题 1"/>
-          <p:cNvSpPr>
-            <a:spLocks noGrp="1"/>
-          </p:cNvSpPr>
-          <p:nvPr>
-            <p:ph type="title"/>
-          </p:nvPr>
-        </p:nvSpPr>
-        <p:spPr/>
-        <p:txBody>
-          <a:bodyPr/>
-          <a:lstStyle/>
-          <a:p>
-            <a:r>
-              <a:rPr lang="en-US" altLang="zh-CN" dirty="0" smtClean="0"/>
-              <a:t>8.</a:t>
-            </a:r>
-            <a:r>
-              <a:rPr lang="zh-CN" altLang="en-US" dirty="0" smtClean="0"/>
-              <a:t>右值引用</a:t>
-            </a:r>
-            <a:endParaRPr lang="zh-CN" altLang="en-US" dirty="0"/>
+          <p:cNvPr id="4" name="标题 1"/>
+          <p:cNvSpPr>
+            <a:spLocks noGrp="1"/>
+          </p:cNvSpPr>
+          <p:nvPr/>
+        </p:nvSpPr>
+        <p:spPr>
+          <a:xfrm>
+            <a:off x="1371600" y="685800"/>
+            <a:ext cx="9601200" cy="1485900"/>
+          </a:xfrm>
+          <a:prstGeom prst="rect">
+            <a:avLst/>
+          </a:prstGeom>
+        </p:spPr>
+        <p:txBody>
+          <a:bodyPr vert="horz" lIns="91440" tIns="45720" rIns="91440" bIns="45720" rtlCol="0" anchor="t">
+            <a:normAutofit/>
+          </a:bodyPr>
+          <a:lstStyle>
+            <a:lvl1pPr algn="l" defTabSz="914400" rtl="0" eaLnBrk="1" latinLnBrk="0" hangingPunct="1">
+              <a:lnSpc>
+                <a:spcPct val="89000"/>
+              </a:lnSpc>
+              <a:spcBef>
+                <a:spcPct val="0"/>
+              </a:spcBef>
+              <a:buNone/>
+              <a:defRPr sz="4400" kern="1200" baseline="0">
+                <a:solidFill>
+                  <a:schemeClr val="tx2"/>
+                </a:solidFill>
+                <a:latin typeface="+mj-lt"/>
+                <a:ea typeface="+mj-ea"/>
+                <a:cs typeface="+mj-cs"/>
+              </a:defRPr>
+            </a:lvl1pPr>
+          </a:lstStyle>
+          <a:p>
+            <a:r>
+              <a:rPr lang="zh-CN" altLang="en-US" dirty="0" smtClean="0"/>
+              <a:t>性能测试结果</a:t>
+            </a:r>
+            <a:endParaRPr lang="zh-CN" altLang="en-US" dirty="0" smtClean="0"/>
           </a:p>
         </p:txBody>
       </p:sp>
       <p:pic>
         <p:nvPicPr>
-          <p:cNvPr id="5" name="图片 4"/>
+          <p:cNvPr id="2" name="图片 1"/>
           <p:cNvPicPr>
             <a:picLocks noChangeAspect="1"/>
           </p:cNvPicPr>
           <p:nvPr/>
         </p:nvPicPr>
         <p:blipFill>
-          <a:blip r:embed="rId1">
-            <a:extLst>
-              <a:ext uri="{28A0092B-C50C-407E-A947-70E740481C1C}">
-                <a14:useLocalDpi xmlns:a14="http://schemas.microsoft.com/office/drawing/2010/main" val="0"/>
-              </a:ext>
-            </a:extLst>
-          </a:blip>
+          <a:blip r:embed="rId1"/>
           <a:stretch>
             <a:fillRect/>
           </a:stretch>
         </p:blipFill>
         <p:spPr>
           <a:xfrm>
-            <a:off x="1371600" y="1428750"/>
-            <a:ext cx="6662057" cy="5298779"/>
+            <a:off x="1371600" y="1858645"/>
+            <a:ext cx="8035925" cy="3807460"/>
           </a:xfrm>
           <a:prstGeom prst="rect">
             <a:avLst/>
@@ -5832,61 +5792,150 @@
       </p:grpSpPr>
       <p:sp>
         <p:nvSpPr>
-          <p:cNvPr id="2" name="标题 1"/>
-          <p:cNvSpPr>
-            <a:spLocks noGrp="1"/>
-          </p:cNvSpPr>
-          <p:nvPr>
-            <p:ph type="title"/>
-          </p:nvPr>
-        </p:nvSpPr>
-        <p:spPr/>
-        <p:txBody>
-          <a:bodyPr/>
-          <a:lstStyle/>
-          <a:p>
-            <a:r>
-              <a:rPr lang="en-US" altLang="zh-CN" dirty="0" smtClean="0"/>
-              <a:t>8.</a:t>
-            </a:r>
-            <a:r>
-              <a:rPr lang="zh-CN" altLang="en-US" dirty="0" smtClean="0"/>
-              <a:t>右值引用</a:t>
-            </a:r>
-            <a:endParaRPr lang="zh-CN" altLang="en-US" dirty="0"/>
-          </a:p>
-        </p:txBody>
-      </p:sp>
-      <p:pic>
-        <p:nvPicPr>
-          <p:cNvPr id="5" name="图片 4"/>
-          <p:cNvPicPr>
-            <a:picLocks noChangeAspect="1"/>
-          </p:cNvPicPr>
+          <p:cNvPr id="4" name="标题 1"/>
+          <p:cNvSpPr>
+            <a:spLocks noGrp="1"/>
+          </p:cNvSpPr>
           <p:nvPr/>
-        </p:nvPicPr>
-        <p:blipFill>
-          <a:blip r:embed="rId1">
-            <a:extLst>
-              <a:ext uri="{28A0092B-C50C-407E-A947-70E740481C1C}">
-                <a14:useLocalDpi xmlns:a14="http://schemas.microsoft.com/office/drawing/2010/main" val="0"/>
-              </a:ext>
-            </a:extLst>
-          </a:blip>
-          <a:stretch>
-            <a:fillRect/>
-          </a:stretch>
-        </p:blipFill>
+        </p:nvSpPr>
         <p:spPr>
           <a:xfrm>
-            <a:off x="1371600" y="1940379"/>
-            <a:ext cx="9684423" cy="4042410"/>
+            <a:off x="1371600" y="685800"/>
+            <a:ext cx="9601200" cy="1485900"/>
           </a:xfrm>
           <a:prstGeom prst="rect">
             <a:avLst/>
           </a:prstGeom>
         </p:spPr>
-      </p:pic>
+        <p:txBody>
+          <a:bodyPr vert="horz" lIns="91440" tIns="45720" rIns="91440" bIns="45720" rtlCol="0" anchor="t">
+            <a:normAutofit/>
+          </a:bodyPr>
+          <a:lstStyle>
+            <a:lvl1pPr algn="l" defTabSz="914400" rtl="0" eaLnBrk="1" latinLnBrk="0" hangingPunct="1">
+              <a:lnSpc>
+                <a:spcPct val="89000"/>
+              </a:lnSpc>
+              <a:spcBef>
+                <a:spcPct val="0"/>
+              </a:spcBef>
+              <a:buNone/>
+              <a:defRPr sz="4400" kern="1200" baseline="0">
+                <a:solidFill>
+                  <a:schemeClr val="tx2"/>
+                </a:solidFill>
+                <a:latin typeface="+mj-lt"/>
+                <a:ea typeface="+mj-ea"/>
+                <a:cs typeface="+mj-cs"/>
+              </a:defRPr>
+            </a:lvl1pPr>
+          </a:lstStyle>
+          <a:p>
+            <a:r>
+              <a:rPr lang="zh-CN" altLang="en-US" dirty="0" smtClean="0"/>
+              <a:t>性能测试缺陷</a:t>
+            </a:r>
+            <a:endParaRPr lang="zh-CN" altLang="en-US" dirty="0" smtClean="0"/>
+          </a:p>
+        </p:txBody>
+      </p:sp>
+      <p:sp>
+        <p:nvSpPr>
+          <p:cNvPr id="100" name="文本框 99"/>
+          <p:cNvSpPr txBox="1"/>
+          <p:nvPr/>
+        </p:nvSpPr>
+        <p:spPr>
+          <a:xfrm>
+            <a:off x="1371600" y="1809750"/>
+            <a:ext cx="10387330" cy="3538220"/>
+          </a:xfrm>
+          <a:prstGeom prst="rect">
+            <a:avLst/>
+          </a:prstGeom>
+          <a:noFill/>
+          <a:ln w="9525">
+            <a:noFill/>
+          </a:ln>
+        </p:spPr>
+        <p:txBody>
+          <a:bodyPr wrap="square">
+            <a:spAutoFit/>
+          </a:bodyPr>
+          <a:p>
+            <a:pPr indent="0"/>
+            <a:r>
+              <a:rPr lang="zh-CN" sz="2800" b="1">
+                <a:ea typeface="等线 Light" panose="02010600030101010101" charset="-122"/>
+              </a:rPr>
+              <a:t>缺陷一：</a:t>
+            </a:r>
+            <a:r>
+              <a:rPr lang="zh-CN" sz="2800" b="0">
+                <a:ea typeface="等线" panose="02010600030101010101" charset="-122"/>
+              </a:rPr>
+              <a:t>+独立场景下，登入操作速度过慢</a:t>
+            </a:r>
+            <a:r>
+              <a:rPr lang="en-US" sz="2800" b="0">
+                <a:latin typeface="等线" panose="02010600030101010101" charset="-122"/>
+                <a:cs typeface="Times New Roman" panose="02020603050405020304" pitchFamily="18" charset="0"/>
+              </a:rPr>
+              <a:t> </a:t>
+            </a:r>
+            <a:r>
+              <a:rPr lang="zh-CN" sz="2800" b="1">
+                <a:ea typeface="等线 Light" panose="02010600030101010101" charset="-122"/>
+              </a:rPr>
+              <a:t>+缺陷二：</a:t>
+            </a:r>
+            <a:r>
+              <a:rPr lang="zh-CN" sz="2800" b="0">
+                <a:ea typeface="等线" panose="02010600030101010101" charset="-122"/>
+              </a:rPr>
+              <a:t>+混合场景下，加高压（</a:t>
+            </a:r>
+            <a:r>
+              <a:rPr lang="zh-CN" sz="2800" b="0">
+                <a:ea typeface="等线" panose="02010600030101010101" charset="-122"/>
+                <a:cs typeface="Times New Roman" panose="02020603050405020304" pitchFamily="18" charset="0"/>
+              </a:rPr>
+              <a:t>200笔/s以上）容易出现超时无法响应的情况,不满足事务成功率100%的限制。</a:t>
+            </a:r>
+            <a:endParaRPr lang="zh-CN" sz="2800" b="0">
+              <a:ea typeface="等线" panose="02010600030101010101" charset="-122"/>
+              <a:cs typeface="Times New Roman" panose="02020603050405020304" pitchFamily="18" charset="0"/>
+            </a:endParaRPr>
+          </a:p>
+          <a:p>
+            <a:pPr indent="0"/>
+            <a:r>
+              <a:rPr lang="zh-CN" sz="2800" b="1">
+                <a:ea typeface="等线 Light" panose="02010600030101010101" charset="-122"/>
+              </a:rPr>
+              <a:t>缺陷三、四：</a:t>
+            </a:r>
+            <a:r>
+              <a:rPr lang="zh-CN" sz="2800" b="0">
+                <a:ea typeface="等线" panose="02010600030101010101" charset="-122"/>
+              </a:rPr>
+              <a:t>+极限场景下，加高压（</a:t>
+            </a:r>
+            <a:r>
+              <a:rPr lang="zh-CN" sz="2800" b="0">
+                <a:ea typeface="等线" panose="02010600030101010101" charset="-122"/>
+                <a:cs typeface="Times New Roman" panose="02020603050405020304" pitchFamily="18" charset="0"/>
+              </a:rPr>
+              <a:t>500笔/s以上）容易出现超时无法响应的情况,不满足事务成功率100%的限制。</a:t>
+            </a:r>
+            <a:endParaRPr lang="zh-CN" altLang="en-US" sz="2800"/>
+          </a:p>
+        </p:txBody>
+      </p:sp>
     </p:spTree>
   </p:cSld>
   <p:clrMapOvr>
@@ -5921,129 +5970,170 @@
       </p:grpSpPr>
       <p:sp>
         <p:nvSpPr>
-          <p:cNvPr id="2" name="标题 1"/>
-          <p:cNvSpPr>
-            <a:spLocks noGrp="1"/>
-          </p:cNvSpPr>
-          <p:nvPr>
-            <p:ph type="title"/>
-          </p:nvPr>
-        </p:nvSpPr>
-        <p:spPr/>
-        <p:txBody>
-          <a:bodyPr/>
-          <a:lstStyle/>
-          <a:p>
-            <a:r>
-              <a:rPr lang="en-US" altLang="zh-CN" dirty="0" smtClean="0"/>
-              <a:t>8.</a:t>
-            </a:r>
-            <a:r>
-              <a:rPr lang="zh-CN" altLang="en-US" dirty="0" smtClean="0"/>
-              <a:t>右值引用</a:t>
-            </a:r>
-            <a:endParaRPr lang="zh-CN" altLang="en-US" dirty="0"/>
-          </a:p>
-        </p:txBody>
-      </p:sp>
-      <p:sp>
-        <p:nvSpPr>
-          <p:cNvPr id="4" name="内容占位符 2"/>
-          <p:cNvSpPr>
-            <a:spLocks noGrp="1"/>
-          </p:cNvSpPr>
-          <p:nvPr>
-            <p:ph idx="1"/>
-          </p:nvPr>
+          <p:cNvPr id="4" name="标题 1"/>
+          <p:cNvSpPr>
+            <a:spLocks noGrp="1"/>
+          </p:cNvSpPr>
+          <p:nvPr/>
         </p:nvSpPr>
         <p:spPr>
           <a:xfrm>
-            <a:off x="1371600" y="1617784"/>
-            <a:ext cx="9601200" cy="5240216"/>
-          </a:xfrm>
-        </p:spPr>
-        <p:txBody>
-          <a:bodyPr>
+            <a:off x="1371600" y="685800"/>
+            <a:ext cx="9601200" cy="1485900"/>
+          </a:xfrm>
+          <a:prstGeom prst="rect">
+            <a:avLst/>
+          </a:prstGeom>
+        </p:spPr>
+        <p:txBody>
+          <a:bodyPr vert="horz" lIns="91440" tIns="45720" rIns="91440" bIns="45720" rtlCol="0" anchor="t">
             <a:normAutofit/>
           </a:bodyPr>
-          <a:lstStyle/>
-          <a:p>
-            <a:r>
-              <a:rPr lang="zh-CN" altLang="en-US" dirty="0" smtClean="0">
-                <a:latin typeface="+mn-ea"/>
+          <a:lstStyle>
+            <a:lvl1pPr algn="l" defTabSz="914400" rtl="0" eaLnBrk="1" latinLnBrk="0" hangingPunct="1">
+              <a:lnSpc>
+                <a:spcPct val="89000"/>
+              </a:lnSpc>
+              <a:spcBef>
+                <a:spcPct val="0"/>
+              </a:spcBef>
+              <a:buNone/>
+              <a:defRPr sz="4400" kern="1200" baseline="0">
+                <a:solidFill>
+                  <a:schemeClr val="tx2"/>
+                </a:solidFill>
+                <a:latin typeface="+mj-lt"/>
+                <a:ea typeface="+mj-ea"/>
+                <a:cs typeface="+mj-cs"/>
+              </a:defRPr>
+            </a:lvl1pPr>
+          </a:lstStyle>
+          <a:p>
+            <a:r>
+              <a:rPr lang="zh-CN" altLang="en-US" dirty="0" smtClean="0"/>
+              <a:t>性能测试优化建议</a:t>
+            </a:r>
+            <a:endParaRPr lang="zh-CN" altLang="en-US" dirty="0" smtClean="0"/>
+          </a:p>
+        </p:txBody>
+      </p:sp>
+      <p:sp>
+        <p:nvSpPr>
+          <p:cNvPr id="100" name="文本框 99"/>
+          <p:cNvSpPr txBox="1"/>
+          <p:nvPr/>
+        </p:nvSpPr>
+        <p:spPr>
+          <a:xfrm>
+            <a:off x="1371600" y="1809750"/>
+            <a:ext cx="10387330" cy="2245360"/>
+          </a:xfrm>
+          <a:prstGeom prst="rect">
+            <a:avLst/>
+          </a:prstGeom>
+          <a:noFill/>
+          <a:ln w="9525">
+            <a:noFill/>
+          </a:ln>
+        </p:spPr>
+        <p:txBody>
+          <a:bodyPr wrap="square">
+            <a:spAutoFit/>
+          </a:bodyPr>
+          <a:p>
+            <a:pPr indent="0"/>
+            <a:r>
+              <a:rPr lang="en-US" altLang="zh-CN" sz="2800" b="1">
+                <a:ea typeface="等线 Light" panose="02010600030101010101" charset="-122"/>
               </a:rPr>
-              <a:t>背景：</a:t>
-            </a:r>
-            <a:endParaRPr lang="zh-CN" altLang="en-US" dirty="0" smtClean="0">
-              <a:latin typeface="+mn-ea"/>
+              <a:t>1.</a:t>
+            </a:r>
+            <a:r>
+              <a:rPr lang="zh-CN" sz="2800" b="1">
+                <a:ea typeface="等线 Light" panose="02010600030101010101" charset="-122"/>
+              </a:rPr>
+              <a:t>使用</a:t>
+            </a:r>
+            <a:r>
+              <a:rPr lang="en-US" altLang="zh-CN" sz="2800" b="1">
+                <a:ea typeface="等线 Light" panose="02010600030101010101" charset="-122"/>
+              </a:rPr>
+              <a:t>HttpClient</a:t>
+            </a:r>
+            <a:r>
+              <a:rPr lang="zh-CN" altLang="en-US" sz="2800" b="1">
+                <a:ea typeface="等线 Light" panose="02010600030101010101" charset="-122"/>
+              </a:rPr>
+              <a:t>缓存池</a:t>
+            </a:r>
+            <a:endParaRPr lang="zh-CN" altLang="en-US" sz="2800" b="1">
+              <a:ea typeface="等线 Light" panose="02010600030101010101" charset="-122"/>
             </a:endParaRPr>
           </a:p>
           <a:p>
-            <a:pPr marL="0" indent="0">
-              <a:buNone/>
-            </a:pPr>
-            <a:r>
-              <a:rPr lang="en-US" altLang="zh-CN" dirty="0" smtClean="0">
-                <a:latin typeface="+mn-ea"/>
+            <a:pPr indent="0"/>
+            <a:endParaRPr lang="zh-CN" altLang="en-US" sz="2800" b="1">
+              <a:ea typeface="等线 Light" panose="02010600030101010101" charset="-122"/>
+            </a:endParaRPr>
+          </a:p>
+          <a:p>
+            <a:pPr indent="0"/>
+            <a:r>
+              <a:rPr lang="en-US" altLang="zh-CN" sz="2800" b="1">
+                <a:ea typeface="等线 Light" panose="02010600030101010101" charset="-122"/>
               </a:rPr>
-              <a:t>在 C++11 之前，右值是不能被引用的，最大限度就是用常量引用绑定一个右值，</a:t>
-            </a:r>
-            <a:endParaRPr lang="en-US" altLang="zh-CN" dirty="0" smtClean="0">
-              <a:latin typeface="+mn-ea"/>
+              <a:t>2.</a:t>
+            </a:r>
+            <a:r>
+              <a:rPr lang="zh-CN" altLang="en-US" sz="2800" b="1">
+                <a:ea typeface="等线 Light" panose="02010600030101010101" charset="-122"/>
+              </a:rPr>
+              <a:t>将</a:t>
+            </a:r>
+            <a:r>
+              <a:rPr lang="en-US" altLang="zh-CN" sz="2800" b="1">
+                <a:ea typeface="等线 Light" panose="02010600030101010101" charset="-122"/>
+              </a:rPr>
+              <a:t>JsonPath</a:t>
+            </a:r>
+            <a:r>
+              <a:rPr lang="zh-CN" altLang="en-US" sz="2800" b="1">
+                <a:ea typeface="等线 Light" panose="02010600030101010101" charset="-122"/>
+              </a:rPr>
+              <a:t>替换为</a:t>
+            </a:r>
+            <a:r>
+              <a:rPr lang="en-US" altLang="zh-CN" sz="2800" b="1">
+                <a:ea typeface="等线 Light" panose="02010600030101010101" charset="-122"/>
+              </a:rPr>
+              <a:t>FastJson</a:t>
+            </a:r>
+            <a:endParaRPr lang="en-US" altLang="zh-CN" sz="2800" b="1">
+              <a:ea typeface="等线 Light" panose="02010600030101010101" charset="-122"/>
             </a:endParaRPr>
           </a:p>
           <a:p>
-            <a:pPr marL="0" indent="0">
-              <a:buNone/>
-            </a:pPr>
-            <a:r>
-              <a:rPr lang="en-US" altLang="zh-CN" dirty="0" smtClean="0">
-                <a:latin typeface="+mn-ea"/>
+            <a:pPr indent="0"/>
+            <a:endParaRPr lang="en-US" altLang="zh-CN" sz="2800" b="1">
+              <a:ea typeface="等线 Light" panose="02010600030101010101" charset="-122"/>
+            </a:endParaRPr>
+          </a:p>
+          <a:p>
+            <a:pPr indent="0"/>
+            <a:r>
+              <a:rPr lang="en-US" altLang="zh-CN" sz="2800" b="1">
+                <a:ea typeface="等线 Light" panose="02010600030101010101" charset="-122"/>
               </a:rPr>
-              <a:t>如 : const int &amp;a = 1;</a:t>
-            </a:r>
-            <a:endParaRPr lang="en-US" altLang="zh-CN" dirty="0" smtClean="0">
-              <a:latin typeface="+mn-ea"/>
-            </a:endParaRPr>
-          </a:p>
-          <a:p>
-            <a:pPr marL="0" indent="0">
-              <a:buNone/>
-            </a:pPr>
-            <a:r>
-              <a:rPr lang="zh-CN" altLang="en-US" dirty="0" smtClean="0">
-                <a:latin typeface="+mn-ea"/>
+              <a:t>3.</a:t>
+            </a:r>
+            <a:r>
+              <a:rPr lang="zh-CN" altLang="en-US" sz="2800" b="1">
+                <a:ea typeface="等线 Light" panose="02010600030101010101" charset="-122"/>
               </a:rPr>
-              <a:t>但是在这种情况下，</a:t>
-            </a:r>
-            <a:r>
-              <a:rPr lang="en-US" altLang="zh-CN" dirty="0" smtClean="0">
-                <a:latin typeface="+mn-ea"/>
-              </a:rPr>
-              <a:t>a</a:t>
-            </a:r>
-            <a:r>
-              <a:rPr lang="zh-CN" altLang="en-US" dirty="0" smtClean="0">
-                <a:latin typeface="+mn-ea"/>
-              </a:rPr>
-              <a:t>是不能被修改的。</a:t>
-            </a:r>
-            <a:endParaRPr lang="zh-CN" altLang="en-US" dirty="0" smtClean="0">
-              <a:latin typeface="+mn-ea"/>
-            </a:endParaRPr>
-          </a:p>
-          <a:p>
-            <a:pPr marL="0" indent="0">
-              <a:buNone/>
-            </a:pPr>
-            <a:r>
-              <a:rPr lang="zh-CN" altLang="en-US" dirty="0" smtClean="0">
-                <a:latin typeface="+mn-ea"/>
-              </a:rPr>
-              <a:t>而如果不使用引用，又会导致不必要的拷贝构造函数</a:t>
-            </a:r>
-            <a:endParaRPr lang="zh-CN" altLang="en-US" dirty="0" smtClean="0">
-              <a:latin typeface="+mn-ea"/>
+              <a:t>尝试读写分离，给读性能更大的资源</a:t>
+            </a:r>
+            <a:endParaRPr lang="zh-CN" altLang="en-US" sz="2800" b="1">
+              <a:ea typeface="等线 Light" panose="02010600030101010101" charset="-122"/>
             </a:endParaRPr>
           </a:p>
         </p:txBody>
@@ -6090,1187 +6180,24 @@
             <p:ph type="title"/>
           </p:nvPr>
         </p:nvSpPr>
-        <p:spPr/>
-        <p:txBody>
-          <a:bodyPr/>
-          <a:lstStyle/>
-          <a:p>
-            <a:r>
-              <a:rPr lang="en-US" altLang="zh-CN" dirty="0" smtClean="0"/>
-              <a:t>8.</a:t>
-            </a:r>
-            <a:r>
-              <a:rPr lang="zh-CN" altLang="en-US" dirty="0" smtClean="0"/>
-              <a:t>右值引用</a:t>
-            </a:r>
-            <a:endParaRPr lang="zh-CN" altLang="en-US" dirty="0"/>
-          </a:p>
-        </p:txBody>
-      </p:sp>
-      <p:sp>
-        <p:nvSpPr>
-          <p:cNvPr id="4" name="内容占位符 2"/>
-          <p:cNvSpPr>
-            <a:spLocks noGrp="1"/>
-          </p:cNvSpPr>
-          <p:nvPr>
-            <p:ph idx="1"/>
-          </p:nvPr>
-        </p:nvSpPr>
         <p:spPr>
           <a:xfrm>
-            <a:off x="1371600" y="1617784"/>
-            <a:ext cx="9601200" cy="5240216"/>
+            <a:off x="1005840" y="2406015"/>
+            <a:ext cx="9836150" cy="1485900"/>
           </a:xfrm>
         </p:spPr>
         <p:txBody>
           <a:bodyPr>
-            <a:normAutofit/>
+            <a:noAutofit/>
           </a:bodyPr>
           <a:lstStyle/>
           <a:p>
-            <a:r>
-              <a:rPr lang="zh-CN" altLang="en-US" dirty="0" smtClean="0">
-                <a:latin typeface="+mn-ea"/>
-              </a:rPr>
-              <a:t>型如</a:t>
-            </a:r>
-            <a:r>
-              <a:rPr lang="en-US" altLang="zh-CN" dirty="0" smtClean="0">
-                <a:latin typeface="+mn-ea"/>
-              </a:rPr>
-              <a:t>T&amp;&amp; t=</a:t>
-            </a:r>
-            <a:r>
-              <a:rPr lang="zh-CN" altLang="en-US" dirty="0" smtClean="0">
-                <a:latin typeface="+mn-ea"/>
-              </a:rPr>
-              <a:t>（右值）</a:t>
-            </a:r>
-            <a:r>
-              <a:rPr lang="en-US" altLang="zh-CN" dirty="0" smtClean="0">
-                <a:latin typeface="+mn-ea"/>
-              </a:rPr>
-              <a:t>  </a:t>
-            </a:r>
-            <a:r>
-              <a:rPr lang="en-US" altLang="zh-CN" dirty="0" smtClean="0"/>
-              <a:t>——</a:t>
-            </a:r>
-            <a:r>
-              <a:rPr lang="zh-CN" altLang="en-US" dirty="0" smtClean="0"/>
-              <a:t>通过右值引用减少不必要的拷贝构造</a:t>
-            </a:r>
-            <a:r>
-              <a:rPr lang="en-US" altLang="zh-CN" dirty="0" smtClean="0"/>
-              <a:t>(</a:t>
-            </a:r>
-            <a:r>
-              <a:rPr lang="zh-CN" altLang="en-US" dirty="0" smtClean="0"/>
-              <a:t>转为移动构造</a:t>
-            </a:r>
-            <a:r>
-              <a:rPr lang="en-US" altLang="zh-CN" dirty="0" smtClean="0"/>
-              <a:t>)</a:t>
-            </a:r>
-            <a:endParaRPr lang="en-US" altLang="zh-CN" dirty="0"/>
-          </a:p>
-        </p:txBody>
-      </p:sp>
-      <p:pic>
-        <p:nvPicPr>
-          <p:cNvPr id="6" name="图片 5"/>
-          <p:cNvPicPr>
-            <a:picLocks noChangeAspect="1"/>
-          </p:cNvPicPr>
-          <p:nvPr/>
-        </p:nvPicPr>
-        <p:blipFill rotWithShape="1">
-          <a:blip r:embed="rId1">
-            <a:extLst>
-              <a:ext uri="{28A0092B-C50C-407E-A947-70E740481C1C}">
-                <a14:useLocalDpi xmlns:a14="http://schemas.microsoft.com/office/drawing/2010/main" val="0"/>
-              </a:ext>
-            </a:extLst>
-          </a:blip>
-          <a:srcRect b="7710"/>
-          <a:stretch>
-            <a:fillRect/>
-          </a:stretch>
-        </p:blipFill>
-        <p:spPr>
-          <a:xfrm>
-            <a:off x="1371600" y="2171700"/>
-            <a:ext cx="6126480" cy="4189911"/>
-          </a:xfrm>
-          <a:prstGeom prst="rect">
-            <a:avLst/>
-          </a:prstGeom>
-        </p:spPr>
-      </p:pic>
-      <p:sp>
-        <p:nvSpPr>
-          <p:cNvPr id="7" name="文本框 6"/>
-          <p:cNvSpPr txBox="1"/>
-          <p:nvPr/>
-        </p:nvSpPr>
-        <p:spPr>
-          <a:xfrm>
-            <a:off x="7498080" y="3321232"/>
-            <a:ext cx="3474720" cy="1477328"/>
-          </a:xfrm>
-          <a:prstGeom prst="rect">
-            <a:avLst/>
-          </a:prstGeom>
-          <a:noFill/>
-        </p:spPr>
-        <p:txBody>
-          <a:bodyPr wrap="square" rtlCol="0">
-            <a:spAutoFit/>
-          </a:bodyPr>
-          <a:lstStyle/>
-          <a:p>
-            <a:r>
-              <a:rPr lang="zh-CN" altLang="en-US" dirty="0" smtClean="0"/>
-              <a:t>类有默认的移动构造和移动赋值函数，但是如果你重写了析构函数，则需要同时重写析构，拷贝构造，拷贝赋值，移动构造，移动赋值</a:t>
-            </a:r>
-            <a:r>
-              <a:rPr lang="en-US" altLang="zh-CN" dirty="0" smtClean="0"/>
-              <a:t>5</a:t>
-            </a:r>
-            <a:r>
-              <a:rPr lang="zh-CN" altLang="en-US" dirty="0" smtClean="0"/>
-              <a:t>个函数</a:t>
-            </a:r>
-            <a:endParaRPr lang="zh-CN" altLang="en-US" dirty="0"/>
-          </a:p>
-        </p:txBody>
-      </p:sp>
-    </p:spTree>
-  </p:cSld>
-  <p:clrMapOvr>
-    <a:masterClrMapping/>
-  </p:clrMapOvr>
-  <p:timing>
-    <p:tnLst>
-      <p:par>
-        <p:cTn id="1" dur="indefinite" restart="never" nodeType="tmRoot"/>
-      </p:par>
-    </p:tnLst>
-  </p:timing>
-</p:sld>
-</file>
-
-<file path=ppt/slides/slide23.xml><?xml version="1.0" encoding="utf-8"?>
-<p:sld xmlns:a="http://schemas.openxmlformats.org/drawingml/2006/main" xmlns:r="http://schemas.openxmlformats.org/officeDocument/2006/relationships" xmlns:p="http://schemas.openxmlformats.org/presentationml/2006/main">
-  <p:cSld>
-    <p:spTree>
-      <p:nvGrpSpPr>
-        <p:cNvPr id="1" name=""/>
-        <p:cNvGrpSpPr/>
-        <p:nvPr/>
-      </p:nvGrpSpPr>
-      <p:grpSpPr>
-        <a:xfrm>
-          <a:off x="0" y="0"/>
-          <a:ext cx="0" cy="0"/>
-          <a:chOff x="0" y="0"/>
-          <a:chExt cx="0" cy="0"/>
-        </a:xfrm>
-      </p:grpSpPr>
-      <p:sp>
-        <p:nvSpPr>
-          <p:cNvPr id="2" name="标题 1"/>
-          <p:cNvSpPr>
-            <a:spLocks noGrp="1"/>
-          </p:cNvSpPr>
-          <p:nvPr>
-            <p:ph type="title"/>
-          </p:nvPr>
-        </p:nvSpPr>
-        <p:spPr/>
-        <p:txBody>
-          <a:bodyPr/>
-          <a:lstStyle/>
-          <a:p>
-            <a:r>
-              <a:rPr lang="en-US" altLang="zh-CN" dirty="0" smtClean="0"/>
-              <a:t>8.</a:t>
-            </a:r>
-            <a:r>
-              <a:rPr lang="zh-CN" altLang="en-US" dirty="0" smtClean="0"/>
-              <a:t>右值引用（加入</a:t>
-            </a:r>
-            <a:r>
-              <a:rPr lang="en-US" altLang="zh-CN" smtClean="0"/>
-              <a:t>unique_ptr</a:t>
-            </a:r>
-            <a:r>
-              <a:rPr lang="zh-CN" altLang="en-US" smtClean="0"/>
-              <a:t>）</a:t>
-            </a:r>
-            <a:endParaRPr lang="zh-CN" altLang="en-US" dirty="0"/>
-          </a:p>
-        </p:txBody>
-      </p:sp>
-      <p:sp>
-        <p:nvSpPr>
-          <p:cNvPr id="4" name="内容占位符 2"/>
-          <p:cNvSpPr>
-            <a:spLocks noGrp="1"/>
-          </p:cNvSpPr>
-          <p:nvPr>
-            <p:ph idx="1"/>
-          </p:nvPr>
-        </p:nvSpPr>
-        <p:spPr>
-          <a:xfrm>
-            <a:off x="1371600" y="1617784"/>
-            <a:ext cx="9601200" cy="5240216"/>
-          </a:xfrm>
-        </p:spPr>
-        <p:txBody>
-          <a:bodyPr>
-            <a:normAutofit/>
-          </a:bodyPr>
-          <a:lstStyle/>
-          <a:p>
-            <a:r>
-              <a:rPr lang="zh-CN" altLang="en-US" dirty="0" smtClean="0"/>
-              <a:t>移动</a:t>
-            </a:r>
-            <a:r>
-              <a:rPr lang="zh-CN" altLang="en-US" dirty="0"/>
-              <a:t>构造函数和移动赋值函数的例子（来自</a:t>
-            </a:r>
-            <a:r>
-              <a:rPr lang="en-US" altLang="zh-CN" dirty="0" err="1"/>
-              <a:t>msdn</a:t>
-            </a:r>
-            <a:r>
-              <a:rPr lang="zh-CN" altLang="en-US" dirty="0"/>
-              <a:t>）</a:t>
-            </a:r>
-            <a:endParaRPr lang="en-US" altLang="zh-CN" dirty="0"/>
-          </a:p>
-          <a:p>
-            <a:endParaRPr lang="en-US" altLang="zh-CN" dirty="0" smtClean="0"/>
-          </a:p>
-          <a:p>
-            <a:endParaRPr lang="en-US" altLang="zh-CN" dirty="0" smtClean="0"/>
-          </a:p>
-          <a:p>
-            <a:endParaRPr lang="en-US" altLang="zh-CN" dirty="0" smtClean="0"/>
-          </a:p>
-          <a:p>
-            <a:r>
-              <a:rPr lang="en-US" altLang="zh-CN" dirty="0" err="1"/>
-              <a:t>std</a:t>
-            </a:r>
-            <a:r>
-              <a:rPr lang="en-US" altLang="zh-CN" dirty="0"/>
-              <a:t>::move —— </a:t>
-            </a:r>
-            <a:r>
-              <a:rPr lang="zh-CN" altLang="en-US" dirty="0"/>
-              <a:t>强制转型为右值</a:t>
-            </a:r>
-            <a:r>
-              <a:rPr lang="zh-CN" altLang="en-US" dirty="0" smtClean="0"/>
-              <a:t>引用（因为左值不可以作为右值被传入右值引用）</a:t>
-            </a:r>
-            <a:endParaRPr lang="en-US" altLang="zh-CN" dirty="0" smtClean="0"/>
-          </a:p>
-          <a:p>
-            <a:endParaRPr lang="en-US" altLang="zh-CN" dirty="0"/>
-          </a:p>
-          <a:p>
-            <a:endParaRPr lang="en-US" altLang="zh-CN" dirty="0" smtClean="0"/>
-          </a:p>
-          <a:p>
-            <a:r>
-              <a:rPr lang="en-US" altLang="zh-CN" dirty="0" err="1"/>
-              <a:t>std</a:t>
-            </a:r>
-            <a:r>
-              <a:rPr lang="en-US" altLang="zh-CN" dirty="0"/>
-              <a:t>::</a:t>
-            </a:r>
-            <a:r>
-              <a:rPr lang="en-US" altLang="zh-CN" dirty="0" smtClean="0"/>
-              <a:t>move</a:t>
-            </a:r>
-            <a:r>
-              <a:rPr lang="zh-CN" altLang="en-US" dirty="0" smtClean="0"/>
-              <a:t>与</a:t>
-            </a:r>
-            <a:r>
-              <a:rPr lang="en-US" altLang="zh-CN" dirty="0" smtClean="0"/>
-              <a:t>RVO</a:t>
-            </a:r>
-            <a:r>
-              <a:rPr lang="zh-CN" altLang="en-US" dirty="0" smtClean="0"/>
-              <a:t>、</a:t>
-            </a:r>
-            <a:r>
-              <a:rPr lang="en-US" altLang="zh-CN" dirty="0" smtClean="0"/>
-              <a:t>NRVO ——return</a:t>
-            </a:r>
-            <a:r>
-              <a:rPr lang="zh-CN" altLang="en-US" dirty="0" smtClean="0"/>
-              <a:t>时的编译器优化</a:t>
-            </a:r>
-            <a:endParaRPr lang="en-US" altLang="zh-CN" dirty="0"/>
-          </a:p>
-        </p:txBody>
-      </p:sp>
-      <p:pic>
-        <p:nvPicPr>
-          <p:cNvPr id="6" name="图片 5"/>
-          <p:cNvPicPr>
-            <a:picLocks noChangeAspect="1"/>
-          </p:cNvPicPr>
-          <p:nvPr/>
-        </p:nvPicPr>
-        <p:blipFill>
-          <a:blip r:embed="rId1">
-            <a:extLst>
-              <a:ext uri="{28A0092B-C50C-407E-A947-70E740481C1C}">
-                <a14:useLocalDpi xmlns:a14="http://schemas.microsoft.com/office/drawing/2010/main" val="0"/>
-              </a:ext>
-            </a:extLst>
-          </a:blip>
-          <a:stretch>
-            <a:fillRect/>
-          </a:stretch>
-        </p:blipFill>
-        <p:spPr>
-          <a:xfrm>
-            <a:off x="4851013" y="2171700"/>
-            <a:ext cx="4541561" cy="865694"/>
-          </a:xfrm>
-          <a:prstGeom prst="rect">
-            <a:avLst/>
-          </a:prstGeom>
-        </p:spPr>
-      </p:pic>
-      <p:pic>
-        <p:nvPicPr>
-          <p:cNvPr id="7" name="图片 6"/>
-          <p:cNvPicPr>
-            <a:picLocks noChangeAspect="1"/>
-          </p:cNvPicPr>
-          <p:nvPr/>
-        </p:nvPicPr>
-        <p:blipFill>
-          <a:blip r:embed="rId2">
-            <a:extLst>
-              <a:ext uri="{28A0092B-C50C-407E-A947-70E740481C1C}">
-                <a14:useLocalDpi xmlns:a14="http://schemas.microsoft.com/office/drawing/2010/main" val="0"/>
-              </a:ext>
-            </a:extLst>
-          </a:blip>
-          <a:stretch>
-            <a:fillRect/>
-          </a:stretch>
-        </p:blipFill>
-        <p:spPr>
-          <a:xfrm>
-            <a:off x="1371600" y="2040842"/>
-            <a:ext cx="2929093" cy="1248838"/>
-          </a:xfrm>
-          <a:prstGeom prst="rect">
-            <a:avLst/>
-          </a:prstGeom>
-        </p:spPr>
-      </p:pic>
-      <p:pic>
-        <p:nvPicPr>
-          <p:cNvPr id="8" name="图片 7"/>
-          <p:cNvPicPr>
-            <a:picLocks noChangeAspect="1"/>
-          </p:cNvPicPr>
-          <p:nvPr/>
-        </p:nvPicPr>
-        <p:blipFill>
-          <a:blip r:embed="rId3">
-            <a:extLst>
-              <a:ext uri="{28A0092B-C50C-407E-A947-70E740481C1C}">
-                <a14:useLocalDpi xmlns:a14="http://schemas.microsoft.com/office/drawing/2010/main" val="0"/>
-              </a:ext>
-            </a:extLst>
-          </a:blip>
-          <a:stretch>
-            <a:fillRect/>
-          </a:stretch>
-        </p:blipFill>
-        <p:spPr>
-          <a:xfrm>
-            <a:off x="1371600" y="3843596"/>
-            <a:ext cx="9815751" cy="630908"/>
-          </a:xfrm>
-          <a:prstGeom prst="rect">
-            <a:avLst/>
-          </a:prstGeom>
-        </p:spPr>
-      </p:pic>
-      <p:sp>
-        <p:nvSpPr>
-          <p:cNvPr id="9" name="矩形 8"/>
-          <p:cNvSpPr/>
-          <p:nvPr/>
-        </p:nvSpPr>
-        <p:spPr>
-          <a:xfrm>
-            <a:off x="1371598" y="5217766"/>
-            <a:ext cx="10672355" cy="400110"/>
-          </a:xfrm>
-          <a:prstGeom prst="rect">
-            <a:avLst/>
-          </a:prstGeom>
-        </p:spPr>
-        <p:txBody>
-          <a:bodyPr wrap="square">
-            <a:spAutoFit/>
-          </a:bodyPr>
-          <a:lstStyle/>
-          <a:p>
-            <a:r>
-              <a:rPr lang="en-US" altLang="zh-CN" sz="2000" dirty="0">
-                <a:solidFill>
-                  <a:srgbClr val="FF0000"/>
-                </a:solidFill>
-                <a:latin typeface="Times New Roman" panose="02020603050405020304" pitchFamily="18" charset="0"/>
-              </a:rPr>
-              <a:t>never</a:t>
-            </a:r>
-            <a:r>
-              <a:rPr lang="en-US" altLang="zh-CN" sz="2000" dirty="0">
-                <a:solidFill>
-                  <a:srgbClr val="222222"/>
-                </a:solidFill>
-                <a:latin typeface="Times New Roman" panose="02020603050405020304" pitchFamily="18" charset="0"/>
-              </a:rPr>
-              <a:t> apply </a:t>
-            </a:r>
-            <a:r>
-              <a:rPr lang="en-US" altLang="zh-CN" sz="2000" dirty="0" err="1">
-                <a:solidFill>
-                  <a:srgbClr val="222222"/>
-                </a:solidFill>
-                <a:latin typeface="Times New Roman" panose="02020603050405020304" pitchFamily="18" charset="0"/>
-              </a:rPr>
-              <a:t>std</a:t>
-            </a:r>
-            <a:r>
-              <a:rPr lang="en-US" altLang="zh-CN" sz="2000" dirty="0">
-                <a:solidFill>
-                  <a:srgbClr val="222222"/>
-                </a:solidFill>
-                <a:latin typeface="Times New Roman" panose="02020603050405020304" pitchFamily="18" charset="0"/>
-              </a:rPr>
-              <a:t>::move to </a:t>
-            </a:r>
-            <a:r>
-              <a:rPr lang="en-US" altLang="zh-CN" sz="2000" dirty="0">
-                <a:solidFill>
-                  <a:srgbClr val="FF0000"/>
-                </a:solidFill>
-                <a:latin typeface="Times New Roman" panose="02020603050405020304" pitchFamily="18" charset="0"/>
-              </a:rPr>
-              <a:t>local objects </a:t>
-            </a:r>
-            <a:r>
-              <a:rPr lang="en-US" altLang="zh-CN" sz="2000" dirty="0">
-                <a:solidFill>
-                  <a:srgbClr val="222222"/>
-                </a:solidFill>
-                <a:latin typeface="Times New Roman" panose="02020603050405020304" pitchFamily="18" charset="0"/>
-              </a:rPr>
-              <a:t>if they would otherwise be eligible for the </a:t>
-            </a:r>
-            <a:r>
-              <a:rPr lang="en-US" altLang="zh-CN" sz="2000" dirty="0" smtClean="0">
-                <a:solidFill>
-                  <a:srgbClr val="222222"/>
-                </a:solidFill>
-                <a:latin typeface="Times New Roman" panose="02020603050405020304" pitchFamily="18" charset="0"/>
-              </a:rPr>
-              <a:t>RVO</a:t>
-            </a:r>
-            <a:r>
-              <a:rPr lang="zh-CN" altLang="en-US" sz="2000" dirty="0" smtClean="0">
-                <a:solidFill>
-                  <a:srgbClr val="222222"/>
-                </a:solidFill>
-                <a:latin typeface="Times New Roman" panose="02020603050405020304" pitchFamily="18" charset="0"/>
-              </a:rPr>
-              <a:t>（临时变量）</a:t>
-            </a:r>
-            <a:endParaRPr lang="zh-CN" altLang="en-US" sz="2000" dirty="0"/>
-          </a:p>
-        </p:txBody>
-      </p:sp>
-      <p:sp>
-        <p:nvSpPr>
-          <p:cNvPr id="10" name="文本框 9"/>
-          <p:cNvSpPr txBox="1"/>
-          <p:nvPr/>
-        </p:nvSpPr>
-        <p:spPr>
-          <a:xfrm>
-            <a:off x="1371599" y="5769581"/>
-            <a:ext cx="7707087" cy="369332"/>
-          </a:xfrm>
-          <a:prstGeom prst="rect">
-            <a:avLst/>
-          </a:prstGeom>
-          <a:noFill/>
-        </p:spPr>
-        <p:txBody>
-          <a:bodyPr wrap="square" rtlCol="0">
-            <a:spAutoFit/>
-          </a:bodyPr>
-          <a:lstStyle/>
-          <a:p>
-            <a:r>
-              <a:rPr lang="zh-CN" altLang="en-US" dirty="0" smtClean="0"/>
-              <a:t>一定不加</a:t>
-            </a:r>
-            <a:r>
-              <a:rPr lang="en-US" altLang="zh-CN" dirty="0" err="1" smtClean="0"/>
-              <a:t>std</a:t>
-            </a:r>
-            <a:r>
-              <a:rPr lang="en-US" altLang="zh-CN" dirty="0" smtClean="0"/>
-              <a:t>::move</a:t>
-            </a:r>
-            <a:r>
-              <a:rPr lang="zh-CN" altLang="en-US" dirty="0" smtClean="0"/>
-              <a:t>的准则：同一具名变量 </a:t>
-            </a:r>
-            <a:r>
-              <a:rPr lang="en-US" altLang="zh-CN" dirty="0" smtClean="0"/>
-              <a:t>|| </a:t>
-            </a:r>
-            <a:r>
-              <a:rPr lang="zh-CN" altLang="en-US" dirty="0" smtClean="0"/>
-              <a:t>同一类型匿名变量</a:t>
-            </a:r>
-            <a:endParaRPr lang="zh-CN" altLang="en-US" dirty="0"/>
-          </a:p>
-        </p:txBody>
-      </p:sp>
-    </p:spTree>
-  </p:cSld>
-  <p:clrMapOvr>
-    <a:masterClrMapping/>
-  </p:clrMapOvr>
-  <p:timing>
-    <p:tnLst>
-      <p:par>
-        <p:cTn id="1" dur="indefinite" restart="never" nodeType="tmRoot"/>
-      </p:par>
-    </p:tnLst>
-  </p:timing>
-</p:sld>
-</file>
-
-<file path=ppt/slides/slide24.xml><?xml version="1.0" encoding="utf-8"?>
-<p:sld xmlns:a="http://schemas.openxmlformats.org/drawingml/2006/main" xmlns:r="http://schemas.openxmlformats.org/officeDocument/2006/relationships" xmlns:p="http://schemas.openxmlformats.org/presentationml/2006/main">
-  <p:cSld>
-    <p:spTree>
-      <p:nvGrpSpPr>
-        <p:cNvPr id="1" name=""/>
-        <p:cNvGrpSpPr/>
-        <p:nvPr/>
-      </p:nvGrpSpPr>
-      <p:grpSpPr>
-        <a:xfrm>
-          <a:off x="0" y="0"/>
-          <a:ext cx="0" cy="0"/>
-          <a:chOff x="0" y="0"/>
-          <a:chExt cx="0" cy="0"/>
-        </a:xfrm>
-      </p:grpSpPr>
-      <p:sp>
-        <p:nvSpPr>
-          <p:cNvPr id="2" name="标题 1"/>
-          <p:cNvSpPr>
-            <a:spLocks noGrp="1"/>
-          </p:cNvSpPr>
-          <p:nvPr>
-            <p:ph type="title"/>
-          </p:nvPr>
-        </p:nvSpPr>
-        <p:spPr/>
-        <p:txBody>
-          <a:bodyPr/>
-          <a:lstStyle/>
-          <a:p>
-            <a:r>
-              <a:rPr lang="en-US" altLang="zh-CN" dirty="0" smtClean="0"/>
-              <a:t>8.</a:t>
-            </a:r>
-            <a:r>
-              <a:rPr lang="zh-CN" altLang="en-US" dirty="0" smtClean="0"/>
-              <a:t>右值引用</a:t>
-            </a:r>
-            <a:endParaRPr lang="zh-CN" altLang="en-US" dirty="0"/>
-          </a:p>
-        </p:txBody>
-      </p:sp>
-      <p:sp>
-        <p:nvSpPr>
-          <p:cNvPr id="4" name="内容占位符 2"/>
-          <p:cNvSpPr>
-            <a:spLocks noGrp="1"/>
-          </p:cNvSpPr>
-          <p:nvPr>
-            <p:ph idx="1"/>
-          </p:nvPr>
-        </p:nvSpPr>
-        <p:spPr>
-          <a:xfrm>
-            <a:off x="1371600" y="1617980"/>
-            <a:ext cx="10037445" cy="5240020"/>
-          </a:xfrm>
-        </p:spPr>
-        <p:txBody>
-          <a:bodyPr>
-            <a:normAutofit/>
-          </a:bodyPr>
-          <a:lstStyle/>
-          <a:p>
-            <a:r>
-              <a:rPr lang="en-US" altLang="zh-CN" dirty="0"/>
-              <a:t>universal </a:t>
-            </a:r>
-            <a:r>
-              <a:rPr lang="en-US" altLang="zh-CN" dirty="0" smtClean="0"/>
-              <a:t>reference</a:t>
-            </a:r>
-            <a:r>
-              <a:rPr lang="zh-CN" altLang="en-US" dirty="0" smtClean="0"/>
-              <a:t>与引用折叠 </a:t>
-            </a:r>
-            <a:r>
-              <a:rPr lang="en-US" altLang="zh-CN" dirty="0" smtClean="0"/>
-              <a:t>——</a:t>
-            </a:r>
-            <a:r>
-              <a:rPr lang="zh-CN" altLang="en-US" dirty="0" smtClean="0"/>
-              <a:t>用于判别基于模板或自动类型推导的引用类型</a:t>
-            </a:r>
-            <a:endParaRPr lang="zh-CN" altLang="en-US" dirty="0" smtClean="0"/>
-          </a:p>
-        </p:txBody>
-      </p:sp>
-      <p:pic>
-        <p:nvPicPr>
-          <p:cNvPr id="7" name="图片 6"/>
-          <p:cNvPicPr>
-            <a:picLocks noChangeAspect="1"/>
-          </p:cNvPicPr>
-          <p:nvPr/>
-        </p:nvPicPr>
-        <p:blipFill>
-          <a:blip r:embed="rId1">
-            <a:extLst>
-              <a:ext uri="{28A0092B-C50C-407E-A947-70E740481C1C}">
-                <a14:useLocalDpi xmlns:a14="http://schemas.microsoft.com/office/drawing/2010/main" val="0"/>
-              </a:ext>
-            </a:extLst>
-          </a:blip>
-          <a:stretch>
-            <a:fillRect/>
-          </a:stretch>
-        </p:blipFill>
-        <p:spPr>
-          <a:xfrm>
-            <a:off x="1371600" y="2786969"/>
-            <a:ext cx="4247846" cy="1433649"/>
-          </a:xfrm>
-          <a:prstGeom prst="rect">
-            <a:avLst/>
-          </a:prstGeom>
-        </p:spPr>
-      </p:pic>
-      <p:sp>
-        <p:nvSpPr>
-          <p:cNvPr id="10" name="矩形 9"/>
-          <p:cNvSpPr/>
-          <p:nvPr/>
-        </p:nvSpPr>
-        <p:spPr>
-          <a:xfrm>
-            <a:off x="1371600" y="2171700"/>
-            <a:ext cx="10637520" cy="398780"/>
-          </a:xfrm>
-          <a:prstGeom prst="rect">
-            <a:avLst/>
-          </a:prstGeom>
-        </p:spPr>
-        <p:txBody>
-          <a:bodyPr wrap="square">
-            <a:spAutoFit/>
-          </a:bodyPr>
-          <a:lstStyle/>
-          <a:p>
-            <a:r>
-              <a:rPr lang="zh-CN" altLang="en-US" sz="2000" dirty="0">
-                <a:latin typeface="Arial" panose="020B0604020202020204" pitchFamily="34" charset="0"/>
-                <a:cs typeface="Arial" panose="020B0604020202020204" pitchFamily="34" charset="0"/>
-              </a:rPr>
-              <a:t>自动推断规则：变量或者参数的形式必须严格符合“</a:t>
-            </a:r>
-            <a:r>
-              <a:rPr lang="en-US" altLang="zh-CN" sz="2000" dirty="0">
-                <a:latin typeface="Arial" panose="020B0604020202020204" pitchFamily="34" charset="0"/>
-                <a:cs typeface="Arial" panose="020B0604020202020204" pitchFamily="34" charset="0"/>
-              </a:rPr>
-              <a:t>T&amp;&amp;”</a:t>
-            </a:r>
-            <a:r>
-              <a:rPr lang="zh-CN" altLang="en-US" sz="2000" dirty="0">
-                <a:latin typeface="Arial" panose="020B0604020202020204" pitchFamily="34" charset="0"/>
-                <a:cs typeface="Arial" panose="020B0604020202020204" pitchFamily="34" charset="0"/>
-              </a:rPr>
-              <a:t>的形式，并且</a:t>
-            </a:r>
-            <a:r>
-              <a:rPr lang="en-US" altLang="zh-CN" sz="2000" dirty="0">
-                <a:latin typeface="Arial" panose="020B0604020202020204" pitchFamily="34" charset="0"/>
-                <a:cs typeface="Arial" panose="020B0604020202020204" pitchFamily="34" charset="0"/>
-              </a:rPr>
-              <a:t>T</a:t>
-            </a:r>
-            <a:r>
-              <a:rPr lang="zh-CN" altLang="en-US" sz="2000" dirty="0">
-                <a:latin typeface="Arial" panose="020B0604020202020204" pitchFamily="34" charset="0"/>
-                <a:cs typeface="Arial" panose="020B0604020202020204" pitchFamily="34" charset="0"/>
-              </a:rPr>
-              <a:t>需要经过类型推导</a:t>
-            </a:r>
-            <a:endParaRPr lang="zh-CN" altLang="en-US" sz="2000" dirty="0">
-              <a:latin typeface="Arial" panose="020B0604020202020204" pitchFamily="34" charset="0"/>
-              <a:cs typeface="Arial" panose="020B0604020202020204" pitchFamily="34" charset="0"/>
-            </a:endParaRPr>
-          </a:p>
-        </p:txBody>
-      </p:sp>
-      <p:sp>
-        <p:nvSpPr>
-          <p:cNvPr id="11" name="文本框 10"/>
-          <p:cNvSpPr txBox="1"/>
-          <p:nvPr/>
-        </p:nvSpPr>
-        <p:spPr>
-          <a:xfrm>
-            <a:off x="1371599" y="4426252"/>
-            <a:ext cx="3801291" cy="1198880"/>
-          </a:xfrm>
-          <a:prstGeom prst="rect">
-            <a:avLst/>
-          </a:prstGeom>
-          <a:noFill/>
-        </p:spPr>
-        <p:txBody>
-          <a:bodyPr wrap="square" rtlCol="0">
-            <a:spAutoFit/>
-          </a:bodyPr>
-          <a:lstStyle/>
-          <a:p>
-            <a:r>
-              <a:rPr lang="zh-CN" altLang="en-US" dirty="0" smtClean="0">
-                <a:latin typeface="Arial" panose="020B0604020202020204" pitchFamily="34" charset="0"/>
-                <a:cs typeface="Arial" panose="020B0604020202020204" pitchFamily="34" charset="0"/>
-              </a:rPr>
-              <a:t>引用折叠规则：</a:t>
-            </a:r>
-            <a:endParaRPr lang="zh-CN" altLang="en-US" dirty="0" smtClean="0">
-              <a:latin typeface="Arial" panose="020B0604020202020204" pitchFamily="34" charset="0"/>
-              <a:cs typeface="Arial" panose="020B0604020202020204" pitchFamily="34" charset="0"/>
-            </a:endParaRPr>
-          </a:p>
-          <a:p>
-            <a:r>
-              <a:rPr lang="en-US" altLang="zh-CN" dirty="0" smtClean="0">
-                <a:latin typeface="Arial" panose="020B0604020202020204" pitchFamily="34" charset="0"/>
-                <a:cs typeface="Arial" panose="020B0604020202020204" pitchFamily="34" charset="0"/>
-              </a:rPr>
-              <a:t>&amp; &amp; - &gt; &amp;</a:t>
-            </a:r>
-            <a:endParaRPr lang="en-US" altLang="zh-CN" dirty="0" smtClean="0">
-              <a:latin typeface="Arial" panose="020B0604020202020204" pitchFamily="34" charset="0"/>
-              <a:cs typeface="Arial" panose="020B0604020202020204" pitchFamily="34" charset="0"/>
-            </a:endParaRPr>
-          </a:p>
-          <a:p>
-            <a:r>
-              <a:rPr lang="en-US" altLang="zh-CN" dirty="0" smtClean="0">
-                <a:latin typeface="Arial" panose="020B0604020202020204" pitchFamily="34" charset="0"/>
-                <a:cs typeface="Arial" panose="020B0604020202020204" pitchFamily="34" charset="0"/>
-              </a:rPr>
-              <a:t>&amp; &amp;&amp; </a:t>
-            </a:r>
-            <a:r>
-              <a:rPr lang="en-US" altLang="zh-CN" dirty="0" smtClean="0">
-                <a:latin typeface="微软雅黑" panose="020B0503020204020204" charset="-122"/>
-                <a:ea typeface="微软雅黑" panose="020B0503020204020204" charset="-122"/>
-                <a:cs typeface="Arial" panose="020B0604020202020204" pitchFamily="34" charset="0"/>
-              </a:rPr>
-              <a:t>-&gt;</a:t>
-            </a:r>
-            <a:r>
-              <a:rPr lang="en-US" altLang="zh-CN" dirty="0" smtClean="0">
-                <a:latin typeface="Arial" panose="020B0604020202020204" pitchFamily="34" charset="0"/>
-                <a:cs typeface="Arial" panose="020B0604020202020204" pitchFamily="34" charset="0"/>
-              </a:rPr>
-              <a:t> &amp;</a:t>
-            </a:r>
-            <a:endParaRPr lang="en-US" altLang="zh-CN" dirty="0" smtClean="0">
-              <a:latin typeface="Arial" panose="020B0604020202020204" pitchFamily="34" charset="0"/>
-              <a:cs typeface="Arial" panose="020B0604020202020204" pitchFamily="34" charset="0"/>
-            </a:endParaRPr>
-          </a:p>
-          <a:p>
-            <a:r>
-              <a:rPr lang="en-US" altLang="zh-CN" dirty="0" smtClean="0">
-                <a:latin typeface="Arial" panose="020B0604020202020204" pitchFamily="34" charset="0"/>
-                <a:cs typeface="Arial" panose="020B0604020202020204" pitchFamily="34" charset="0"/>
-              </a:rPr>
-              <a:t>&amp;&amp; &amp;&amp; </a:t>
-            </a:r>
-            <a:r>
-              <a:rPr lang="en-US" altLang="zh-CN" dirty="0">
-                <a:latin typeface="微软雅黑" panose="020B0503020204020204" charset="-122"/>
-                <a:ea typeface="微软雅黑" panose="020B0503020204020204" charset="-122"/>
-                <a:cs typeface="Arial" panose="020B0604020202020204" pitchFamily="34" charset="0"/>
-              </a:rPr>
-              <a:t>-&gt;</a:t>
-            </a:r>
-            <a:r>
-              <a:rPr lang="en-US" altLang="zh-CN" dirty="0" smtClean="0">
-                <a:latin typeface="Arial" panose="020B0604020202020204" pitchFamily="34" charset="0"/>
-                <a:cs typeface="Arial" panose="020B0604020202020204" pitchFamily="34" charset="0"/>
-              </a:rPr>
-              <a:t> &amp;&amp;</a:t>
-            </a:r>
-            <a:endParaRPr lang="zh-CN" altLang="en-US" dirty="0">
-              <a:latin typeface="Arial" panose="020B0604020202020204" pitchFamily="34" charset="0"/>
-              <a:cs typeface="Arial" panose="020B0604020202020204" pitchFamily="34" charset="0"/>
-            </a:endParaRPr>
-          </a:p>
-        </p:txBody>
-      </p:sp>
-      <p:sp>
-        <p:nvSpPr>
-          <p:cNvPr id="3" name="文本框 2"/>
-          <p:cNvSpPr txBox="1"/>
-          <p:nvPr/>
-        </p:nvSpPr>
-        <p:spPr>
-          <a:xfrm>
-            <a:off x="1371600" y="5723890"/>
-            <a:ext cx="10174605" cy="368300"/>
-          </a:xfrm>
-          <a:prstGeom prst="rect">
-            <a:avLst/>
-          </a:prstGeom>
-          <a:noFill/>
-        </p:spPr>
-        <p:txBody>
-          <a:bodyPr wrap="square" rtlCol="0">
-            <a:spAutoFit/>
-          </a:bodyPr>
-          <a:p>
-            <a:r>
-              <a:rPr lang="zh-CN" altLang="en-US"/>
-              <a:t>作用：不需要写两个函数重载例如</a:t>
-            </a:r>
-            <a:r>
-              <a:rPr lang="en-US" altLang="zh-CN"/>
-              <a:t>void f(int&amp;&amp; param) </a:t>
-            </a:r>
-            <a:r>
-              <a:rPr lang="zh-CN" altLang="en-US"/>
-              <a:t>和 </a:t>
-            </a:r>
-            <a:r>
-              <a:rPr lang="en-US" altLang="zh-CN"/>
-              <a:t>void f(int&amp; param)</a:t>
-            </a:r>
-            <a:endParaRPr lang="en-US" altLang="zh-CN"/>
-          </a:p>
-        </p:txBody>
-      </p:sp>
-    </p:spTree>
-  </p:cSld>
-  <p:clrMapOvr>
-    <a:masterClrMapping/>
-  </p:clrMapOvr>
-  <p:timing>
-    <p:tnLst>
-      <p:par>
-        <p:cTn id="1" dur="indefinite" restart="never" nodeType="tmRoot"/>
-      </p:par>
-    </p:tnLst>
-  </p:timing>
-</p:sld>
-</file>
-
-<file path=ppt/slides/slide25.xml><?xml version="1.0" encoding="utf-8"?>
-<p:sld xmlns:a="http://schemas.openxmlformats.org/drawingml/2006/main" xmlns:r="http://schemas.openxmlformats.org/officeDocument/2006/relationships" xmlns:p="http://schemas.openxmlformats.org/presentationml/2006/main">
-  <p:cSld>
-    <p:spTree>
-      <p:nvGrpSpPr>
-        <p:cNvPr id="1" name=""/>
-        <p:cNvGrpSpPr/>
-        <p:nvPr/>
-      </p:nvGrpSpPr>
-      <p:grpSpPr>
-        <a:xfrm>
-          <a:off x="0" y="0"/>
-          <a:ext cx="0" cy="0"/>
-          <a:chOff x="0" y="0"/>
-          <a:chExt cx="0" cy="0"/>
-        </a:xfrm>
-      </p:grpSpPr>
-      <p:sp>
-        <p:nvSpPr>
-          <p:cNvPr id="2" name="标题 1"/>
-          <p:cNvSpPr>
-            <a:spLocks noGrp="1"/>
-          </p:cNvSpPr>
-          <p:nvPr>
-            <p:ph type="title"/>
-          </p:nvPr>
-        </p:nvSpPr>
-        <p:spPr/>
-        <p:txBody>
-          <a:bodyPr/>
-          <a:lstStyle/>
-          <a:p>
-            <a:r>
-              <a:rPr lang="en-US" altLang="zh-CN" dirty="0" smtClean="0"/>
-              <a:t>8.</a:t>
-            </a:r>
-            <a:r>
-              <a:rPr lang="zh-CN" altLang="en-US" dirty="0" smtClean="0"/>
-              <a:t>右值引用</a:t>
-            </a:r>
-            <a:endParaRPr lang="zh-CN" altLang="en-US" dirty="0"/>
-          </a:p>
-        </p:txBody>
-      </p:sp>
-      <p:sp>
-        <p:nvSpPr>
-          <p:cNvPr id="4" name="内容占位符 2"/>
-          <p:cNvSpPr>
-            <a:spLocks noGrp="1"/>
-          </p:cNvSpPr>
-          <p:nvPr>
-            <p:ph idx="1"/>
-          </p:nvPr>
-        </p:nvSpPr>
-        <p:spPr>
-          <a:xfrm>
-            <a:off x="1371600" y="1617784"/>
-            <a:ext cx="9601200" cy="5240216"/>
-          </a:xfrm>
-        </p:spPr>
-        <p:txBody>
-          <a:bodyPr>
-            <a:normAutofit/>
-          </a:bodyPr>
-          <a:lstStyle/>
-          <a:p>
-            <a:r>
-              <a:rPr lang="zh-CN" altLang="en-US" dirty="0" smtClean="0"/>
-              <a:t>完美转发 </a:t>
-            </a:r>
-            <a:r>
-              <a:rPr lang="en-US" altLang="zh-CN" dirty="0" smtClean="0"/>
-              <a:t>——</a:t>
-            </a:r>
-            <a:r>
-              <a:rPr lang="en-US" altLang="zh-CN" dirty="0" err="1" smtClean="0"/>
-              <a:t>std</a:t>
-            </a:r>
-            <a:r>
-              <a:rPr lang="en-US" altLang="zh-CN" dirty="0" smtClean="0"/>
-              <a:t>::forward</a:t>
-            </a:r>
-            <a:r>
-              <a:rPr lang="zh-CN" altLang="en-US" dirty="0" smtClean="0"/>
-              <a:t>的使用</a:t>
-            </a:r>
-            <a:endParaRPr lang="en-US" altLang="zh-CN" dirty="0"/>
-          </a:p>
-        </p:txBody>
-      </p:sp>
-      <p:pic>
-        <p:nvPicPr>
-          <p:cNvPr id="5" name="图片 4"/>
-          <p:cNvPicPr>
-            <a:picLocks noChangeAspect="1"/>
-          </p:cNvPicPr>
-          <p:nvPr/>
-        </p:nvPicPr>
-        <p:blipFill>
-          <a:blip r:embed="rId1">
-            <a:extLst>
-              <a:ext uri="{28A0092B-C50C-407E-A947-70E740481C1C}">
-                <a14:useLocalDpi xmlns:a14="http://schemas.microsoft.com/office/drawing/2010/main" val="0"/>
-              </a:ext>
-            </a:extLst>
-          </a:blip>
-          <a:stretch>
-            <a:fillRect/>
-          </a:stretch>
-        </p:blipFill>
-        <p:spPr>
-          <a:xfrm>
-            <a:off x="1371600" y="2410941"/>
-            <a:ext cx="2455817" cy="1116281"/>
-          </a:xfrm>
-          <a:prstGeom prst="rect">
-            <a:avLst/>
-          </a:prstGeom>
-        </p:spPr>
-      </p:pic>
-      <p:pic>
-        <p:nvPicPr>
-          <p:cNvPr id="6" name="图片 5"/>
-          <p:cNvPicPr>
-            <a:picLocks noChangeAspect="1"/>
-          </p:cNvPicPr>
-          <p:nvPr/>
-        </p:nvPicPr>
-        <p:blipFill>
-          <a:blip r:embed="rId2">
-            <a:extLst>
-              <a:ext uri="{28A0092B-C50C-407E-A947-70E740481C1C}">
-                <a14:useLocalDpi xmlns:a14="http://schemas.microsoft.com/office/drawing/2010/main" val="0"/>
-              </a:ext>
-            </a:extLst>
-          </a:blip>
-          <a:stretch>
-            <a:fillRect/>
-          </a:stretch>
-        </p:blipFill>
-        <p:spPr>
-          <a:xfrm>
-            <a:off x="1371600" y="4021313"/>
-            <a:ext cx="3679530" cy="1171297"/>
-          </a:xfrm>
-          <a:prstGeom prst="rect">
-            <a:avLst/>
-          </a:prstGeom>
-        </p:spPr>
-      </p:pic>
-      <p:sp>
-        <p:nvSpPr>
-          <p:cNvPr id="7" name="文本框 6"/>
-          <p:cNvSpPr txBox="1"/>
-          <p:nvPr/>
-        </p:nvSpPr>
-        <p:spPr>
-          <a:xfrm>
-            <a:off x="4417060" y="2646680"/>
-            <a:ext cx="7021830" cy="645160"/>
-          </a:xfrm>
-          <a:prstGeom prst="rect">
-            <a:avLst/>
-          </a:prstGeom>
-          <a:noFill/>
-        </p:spPr>
-        <p:txBody>
-          <a:bodyPr wrap="square" rtlCol="0">
-            <a:spAutoFit/>
-          </a:bodyPr>
-          <a:lstStyle/>
-          <a:p>
-            <a:r>
-              <a:rPr lang="zh-CN" altLang="en-US" dirty="0" smtClean="0"/>
-              <a:t>虽然会自动以左右值引用方式传给</a:t>
-            </a:r>
-            <a:r>
-              <a:rPr lang="en-US" altLang="zh-CN" dirty="0" err="1" smtClean="0"/>
-              <a:t>val</a:t>
-            </a:r>
-            <a:r>
-              <a:rPr lang="zh-CN" altLang="en-US" dirty="0" smtClean="0"/>
-              <a:t>，但</a:t>
-            </a:r>
-            <a:r>
-              <a:rPr lang="en-US" altLang="zh-CN" dirty="0" err="1" smtClean="0"/>
-              <a:t>val</a:t>
-            </a:r>
-            <a:r>
-              <a:rPr lang="zh-CN" altLang="en-US" dirty="0" err="1" smtClean="0"/>
-              <a:t>对于</a:t>
-            </a:r>
-            <a:r>
-              <a:rPr lang="en-US" altLang="zh-CN" dirty="0" err="1" smtClean="0"/>
-              <a:t>processValue</a:t>
-            </a:r>
-            <a:r>
-              <a:rPr lang="zh-CN" altLang="en-US" dirty="0" err="1" smtClean="0"/>
-              <a:t>这个函数，它作为参数</a:t>
-            </a:r>
-            <a:r>
-              <a:rPr lang="zh-CN" altLang="en-US" dirty="0" smtClean="0"/>
-              <a:t>还是左值</a:t>
-            </a:r>
-            <a:endParaRPr lang="zh-CN" altLang="en-US" dirty="0"/>
-          </a:p>
-        </p:txBody>
-      </p:sp>
-      <p:sp>
-        <p:nvSpPr>
-          <p:cNvPr id="8" name="文本框 7"/>
-          <p:cNvSpPr txBox="1"/>
-          <p:nvPr/>
-        </p:nvSpPr>
-        <p:spPr>
-          <a:xfrm>
-            <a:off x="5560423" y="4430531"/>
-            <a:ext cx="5878286" cy="369332"/>
-          </a:xfrm>
-          <a:prstGeom prst="rect">
-            <a:avLst/>
-          </a:prstGeom>
-          <a:noFill/>
-        </p:spPr>
-        <p:txBody>
-          <a:bodyPr wrap="square" rtlCol="0">
-            <a:spAutoFit/>
-          </a:bodyPr>
-          <a:lstStyle/>
-          <a:p>
-            <a:r>
-              <a:rPr lang="zh-CN" altLang="en-US" dirty="0" smtClean="0"/>
-              <a:t>通过</a:t>
-            </a:r>
-            <a:r>
-              <a:rPr lang="en-US" altLang="zh-CN" dirty="0" smtClean="0"/>
-              <a:t>forward</a:t>
-            </a:r>
-            <a:r>
-              <a:rPr lang="zh-CN" altLang="en-US" dirty="0" smtClean="0"/>
-              <a:t>，自动以</a:t>
-            </a:r>
-            <a:r>
-              <a:rPr lang="en-US" altLang="zh-CN" dirty="0" smtClean="0"/>
-              <a:t>T</a:t>
-            </a:r>
-            <a:r>
-              <a:rPr lang="zh-CN" altLang="en-US" smtClean="0"/>
-              <a:t>的类型返回左值或者右值</a:t>
-            </a:r>
-            <a:endParaRPr lang="zh-CN" altLang="en-US" dirty="0"/>
+            <a:pPr algn="ctr"/>
+            <a:r>
+              <a:rPr lang="en-US" altLang="zh-CN" sz="9600" b="1" dirty="0" smtClean="0"/>
+              <a:t>THE END</a:t>
+            </a:r>
+            <a:endParaRPr lang="en-US" altLang="zh-CN" sz="9600" b="1" dirty="0" smtClean="0"/>
           </a:p>
         </p:txBody>
       </p:sp>
@@ -7859,7 +6786,12 @@
             <p:ph type="title"/>
           </p:nvPr>
         </p:nvSpPr>
-        <p:spPr/>
+        <p:spPr>
+          <a:xfrm>
+            <a:off x="1371600" y="492125"/>
+            <a:ext cx="9601200" cy="1485900"/>
+          </a:xfrm>
+        </p:spPr>
         <p:txBody>
           <a:bodyPr/>
           <a:lstStyle/>
@@ -7884,7 +6816,7 @@
         </p:nvSpPr>
         <p:spPr>
           <a:xfrm>
-            <a:off x="1371600" y="1617784"/>
+            <a:off x="1371600" y="1240594"/>
             <a:ext cx="9601200" cy="5240216"/>
           </a:xfrm>
           <a:prstGeom prst="rect">
@@ -8102,6 +7034,30 @@
           </a:p>
         </p:txBody>
       </p:sp>
+      <p:pic>
+        <p:nvPicPr>
+          <p:cNvPr id="3" name="图片 1"/>
+          <p:cNvPicPr>
+            <a:picLocks noChangeAspect="1"/>
+          </p:cNvPicPr>
+          <p:nvPr/>
+        </p:nvPicPr>
+        <p:blipFill>
+          <a:blip r:embed="rId1"/>
+          <a:stretch>
+            <a:fillRect/>
+          </a:stretch>
+        </p:blipFill>
+        <p:spPr>
+          <a:xfrm>
+            <a:off x="1371600" y="2936875"/>
+            <a:ext cx="4608195" cy="3771265"/>
+          </a:xfrm>
+          <a:prstGeom prst="rect">
+            <a:avLst/>
+          </a:prstGeom>
+        </p:spPr>
+      </p:pic>
     </p:spTree>
   </p:cSld>
   <p:clrMapOvr>
@@ -8144,175 +7100,93 @@
             <p:ph type="title"/>
           </p:nvPr>
         </p:nvSpPr>
-        <p:spPr/>
+        <p:spPr>
+          <a:xfrm>
+            <a:off x="1371600" y="492125"/>
+            <a:ext cx="9601200" cy="1485900"/>
+          </a:xfrm>
+        </p:spPr>
         <p:txBody>
           <a:bodyPr/>
           <a:lstStyle/>
           <a:p>
             <a:r>
-              <a:rPr lang="en-US" altLang="zh-CN" dirty="0" smtClean="0"/>
-              <a:t>2.</a:t>
-            </a:r>
-            <a:r>
-              <a:rPr lang="zh-CN" altLang="en-US" dirty="0" smtClean="0"/>
-              <a:t>函数</a:t>
-            </a:r>
-            <a:endParaRPr lang="zh-CN" altLang="en-US" dirty="0"/>
-          </a:p>
-        </p:txBody>
-      </p:sp>
-      <p:sp>
-        <p:nvSpPr>
-          <p:cNvPr id="5" name="内容占位符 2"/>
-          <p:cNvSpPr>
-            <a:spLocks noGrp="1"/>
-          </p:cNvSpPr>
-          <p:nvPr>
-            <p:ph idx="1"/>
-          </p:nvPr>
-        </p:nvSpPr>
-        <p:spPr>
-          <a:xfrm>
-            <a:off x="1371600" y="1617784"/>
-            <a:ext cx="9601200" cy="5240216"/>
-          </a:xfrm>
-        </p:spPr>
-        <p:txBody>
-          <a:bodyPr>
-            <a:normAutofit/>
-          </a:bodyPr>
-          <a:lstStyle/>
-          <a:p>
-            <a:r>
-              <a:rPr lang="zh-CN" altLang="en-US" dirty="0" smtClean="0"/>
-              <a:t>定义尾置返回类型  </a:t>
-            </a:r>
-            <a:r>
-              <a:rPr lang="en-US" altLang="zh-CN" dirty="0" smtClean="0"/>
-              <a:t>——</a:t>
-            </a:r>
-            <a:r>
-              <a:rPr lang="zh-CN" altLang="en-US" dirty="0"/>
-              <a:t>适用于返回类型比较复杂的情况</a:t>
-            </a:r>
-            <a:endParaRPr lang="en-US" altLang="zh-CN" dirty="0" smtClean="0"/>
-          </a:p>
-          <a:p>
-            <a:endParaRPr lang="en-US" altLang="zh-CN" dirty="0"/>
-          </a:p>
-          <a:p>
-            <a:endParaRPr lang="en-US" altLang="zh-CN" dirty="0" smtClean="0"/>
-          </a:p>
-          <a:p>
-            <a:endParaRPr lang="en-US" altLang="zh-CN" dirty="0"/>
-          </a:p>
-          <a:p>
-            <a:r>
-              <a:rPr lang="en-US" altLang="zh-CN" dirty="0" err="1"/>
-              <a:t>c</a:t>
-            </a:r>
-            <a:r>
-              <a:rPr lang="en-US" altLang="zh-CN" dirty="0" err="1" smtClean="0"/>
-              <a:t>onstexpr</a:t>
-            </a:r>
-            <a:r>
-              <a:rPr lang="zh-CN" altLang="en-US" dirty="0" smtClean="0"/>
-              <a:t>函数 </a:t>
-            </a:r>
-            <a:r>
-              <a:rPr lang="en-US" altLang="zh-CN" dirty="0" smtClean="0"/>
-              <a:t>——</a:t>
-            </a:r>
-            <a:r>
-              <a:rPr lang="zh-CN" altLang="en-US" dirty="0" smtClean="0"/>
-              <a:t>可以在编译期运行的</a:t>
-            </a:r>
-            <a:r>
-              <a:rPr lang="zh-CN" altLang="en-US" dirty="0"/>
-              <a:t>函数（</a:t>
-            </a:r>
-            <a:r>
-              <a:rPr lang="zh-CN" altLang="en-US" dirty="0" smtClean="0"/>
-              <a:t>用常量</a:t>
-            </a:r>
-            <a:r>
-              <a:rPr lang="zh-CN" altLang="en-US" dirty="0"/>
-              <a:t>参数</a:t>
-            </a:r>
-            <a:r>
-              <a:rPr lang="zh-CN" altLang="en-US" dirty="0" smtClean="0"/>
-              <a:t>调用）</a:t>
-            </a:r>
-            <a:endParaRPr lang="en-US" altLang="zh-CN" dirty="0" smtClean="0"/>
-          </a:p>
-          <a:p>
-            <a:endParaRPr lang="zh-CN" altLang="en-US" dirty="0"/>
-          </a:p>
-          <a:p>
-            <a:endParaRPr lang="en-US" altLang="zh-CN" dirty="0"/>
+              <a:rPr lang="zh-CN" altLang="en-US" dirty="0" smtClean="0"/>
+              <a:t>云服务器配置</a:t>
+            </a:r>
+            <a:endParaRPr lang="zh-CN" altLang="en-US" dirty="0" smtClean="0"/>
           </a:p>
         </p:txBody>
       </p:sp>
       <p:pic>
         <p:nvPicPr>
-          <p:cNvPr id="6" name="图片 5"/>
+          <p:cNvPr id="5" name="图片 1"/>
           <p:cNvPicPr>
             <a:picLocks noChangeAspect="1"/>
           </p:cNvPicPr>
           <p:nvPr/>
         </p:nvPicPr>
         <p:blipFill>
-          <a:blip r:embed="rId1">
-            <a:extLst>
-              <a:ext uri="{28A0092B-C50C-407E-A947-70E740481C1C}">
-                <a14:useLocalDpi xmlns:a14="http://schemas.microsoft.com/office/drawing/2010/main" val="0"/>
-              </a:ext>
-            </a:extLst>
-          </a:blip>
+          <a:blip r:embed="rId1"/>
           <a:stretch>
             <a:fillRect/>
           </a:stretch>
         </p:blipFill>
         <p:spPr>
           <a:xfrm>
-            <a:off x="1371600" y="2171700"/>
-            <a:ext cx="3676190" cy="1114286"/>
+            <a:off x="1371600" y="3382010"/>
+            <a:ext cx="9201785" cy="1967865"/>
           </a:xfrm>
           <a:prstGeom prst="rect">
             <a:avLst/>
           </a:prstGeom>
+          <a:noFill/>
+          <a:ln w="9525">
+            <a:noFill/>
+          </a:ln>
         </p:spPr>
       </p:pic>
-      <p:pic>
-        <p:nvPicPr>
-          <p:cNvPr id="7" name="图片 6"/>
-          <p:cNvPicPr>
-            <a:picLocks noChangeAspect="1"/>
-          </p:cNvPicPr>
+      <p:sp>
+        <p:nvSpPr>
+          <p:cNvPr id="100" name="文本框 99"/>
+          <p:cNvSpPr txBox="1"/>
           <p:nvPr/>
-        </p:nvPicPr>
-        <p:blipFill>
-          <a:blip r:embed="rId2">
-            <a:extLst>
-              <a:ext uri="{28A0092B-C50C-407E-A947-70E740481C1C}">
-                <a14:useLocalDpi xmlns:a14="http://schemas.microsoft.com/office/drawing/2010/main" val="0"/>
-              </a:ext>
-            </a:extLst>
-          </a:blip>
-          <a:stretch>
-            <a:fillRect/>
-          </a:stretch>
-        </p:blipFill>
+        </p:nvSpPr>
         <p:spPr>
           <a:xfrm>
-            <a:off x="1371600" y="3839902"/>
-            <a:ext cx="3984171" cy="2977182"/>
+            <a:off x="1242060" y="1978025"/>
+            <a:ext cx="9180830" cy="645160"/>
           </a:xfrm>
           <a:prstGeom prst="rect">
             <a:avLst/>
           </a:prstGeom>
-        </p:spPr>
-      </p:pic>
+          <a:noFill/>
+          <a:ln w="9525">
+            <a:noFill/>
+          </a:ln>
+        </p:spPr>
+        <p:txBody>
+          <a:bodyPr wrap="square">
+            <a:spAutoFit/>
+          </a:bodyPr>
+          <a:p>
+            <a:pPr indent="266700"/>
+            <a:r>
+              <a:rPr lang="zh-CN" sz="3600" b="0">
+                <a:ea typeface="宋体" panose="02010600030101010101" pitchFamily="2" charset="-122"/>
+              </a:rPr>
+              <a:t>Linux系统  腾讯云服务器  Mysql数据库</a:t>
+            </a:r>
+            <a:r>
+              <a:rPr lang="zh-CN" sz="1200" b="0">
+                <a:ea typeface="宋体" panose="02010600030101010101" pitchFamily="2" charset="-122"/>
+              </a:rPr>
+              <a:t>  </a:t>
+            </a:r>
+            <a:endParaRPr lang="zh-CN" altLang="en-US"/>
+          </a:p>
+        </p:txBody>
+      </p:sp>
     </p:spTree>
   </p:cSld>
   <p:clrMapOvr>
@@ -8355,213 +7229,31 @@
             <p:ph type="title"/>
           </p:nvPr>
         </p:nvSpPr>
-        <p:spPr/>
-        <p:txBody>
-          <a:bodyPr/>
-          <a:lstStyle/>
-          <a:p>
-            <a:r>
-              <a:rPr lang="en-US" altLang="zh-CN" dirty="0" smtClean="0"/>
-              <a:t>3.</a:t>
-            </a:r>
-            <a:r>
-              <a:rPr lang="zh-CN" altLang="en-US" dirty="0" smtClean="0"/>
-              <a:t>代码测试</a:t>
-            </a:r>
-            <a:br>
-              <a:rPr lang="zh-CN" altLang="en-US" dirty="0" smtClean="0"/>
-            </a:br>
-            <a:endParaRPr lang="zh-CN" altLang="en-US" dirty="0"/>
-          </a:p>
-        </p:txBody>
-      </p:sp>
-      <p:sp>
-        <p:nvSpPr>
-          <p:cNvPr id="4" name="内容占位符 2"/>
-          <p:cNvSpPr>
-            <a:spLocks noGrp="1"/>
-          </p:cNvSpPr>
-          <p:nvPr>
-            <p:ph idx="1"/>
-          </p:nvPr>
-        </p:nvSpPr>
         <p:spPr>
           <a:xfrm>
-            <a:off x="1371600" y="1617784"/>
-            <a:ext cx="9601200" cy="5240216"/>
+            <a:off x="2576830" y="2686050"/>
+            <a:ext cx="7275195" cy="1485900"/>
           </a:xfrm>
         </p:spPr>
         <p:txBody>
           <a:bodyPr>
-            <a:normAutofit/>
+            <a:noAutofit/>
           </a:bodyPr>
           <a:lstStyle/>
           <a:p>
-            <a:r>
-              <a:rPr lang="zh-CN" altLang="en-US" dirty="0" smtClean="0"/>
-              <a:t>设计思想</a:t>
-            </a:r>
-            <a:r>
-              <a:rPr lang="en-US" altLang="zh-CN" dirty="0" smtClean="0"/>
-              <a:t>——</a:t>
-            </a:r>
-            <a:r>
-              <a:rPr lang="zh-CN" altLang="en-US" dirty="0" smtClean="0"/>
-              <a:t>尽量</a:t>
-            </a:r>
-            <a:r>
-              <a:rPr lang="zh-CN" altLang="en-US" dirty="0" smtClean="0"/>
-              <a:t>全遍历</a:t>
-            </a:r>
-            <a:endParaRPr lang="zh-CN" altLang="en-US" dirty="0" smtClean="0"/>
-          </a:p>
-          <a:p>
-            <a:r>
-              <a:rPr lang="zh-CN" altLang="en-US" dirty="0" smtClean="0"/>
-              <a:t>使用的相关的测试工具：</a:t>
-            </a:r>
-            <a:r>
-              <a:rPr lang="en-US" altLang="zh-CN" dirty="0" smtClean="0"/>
-              <a:t>JUnit</a:t>
-            </a:r>
-            <a:r>
-              <a:rPr lang="zh-CN" altLang="en-US" dirty="0" smtClean="0"/>
-              <a:t>、</a:t>
-            </a:r>
-            <a:r>
-              <a:rPr lang="en-US" altLang="zh-CN" dirty="0" smtClean="0"/>
-              <a:t>SonarLint</a:t>
-            </a:r>
-            <a:endParaRPr lang="en-US" altLang="zh-CN" dirty="0"/>
-          </a:p>
-          <a:p>
-            <a:r>
-              <a:rPr lang="zh-CN" altLang="en-US" dirty="0" smtClean="0"/>
-              <a:t>遇到的关键问题：</a:t>
-            </a:r>
-            <a:endParaRPr lang="zh-CN" altLang="en-US" dirty="0" smtClean="0"/>
-          </a:p>
-          <a:p>
-            <a:pPr marL="0" indent="0">
-              <a:buNone/>
-            </a:pPr>
-            <a:r>
-              <a:rPr lang="en-US" altLang="zh-CN" dirty="0" smtClean="0"/>
-              <a:t>	</a:t>
-            </a:r>
-            <a:r>
-              <a:rPr lang="zh-CN" altLang="en-US" dirty="0" smtClean="0"/>
-              <a:t>无法使用</a:t>
-            </a:r>
-            <a:r>
-              <a:rPr lang="en-US" altLang="zh-CN" dirty="0" smtClean="0"/>
-              <a:t>junit</a:t>
-            </a:r>
-            <a:r>
-              <a:rPr lang="zh-CN" altLang="en-US" dirty="0" smtClean="0"/>
-              <a:t>直接测试代码中的</a:t>
-            </a:r>
-            <a:r>
-              <a:rPr lang="en-US" altLang="zh-CN" dirty="0" smtClean="0"/>
-              <a:t>private</a:t>
-            </a:r>
-            <a:r>
-              <a:rPr lang="zh-CN" altLang="en-US" dirty="0" smtClean="0"/>
-              <a:t>方法</a:t>
-            </a:r>
-            <a:endParaRPr lang="zh-CN" altLang="en-US" dirty="0" smtClean="0"/>
-          </a:p>
-          <a:p>
-            <a:pPr marL="0" indent="0">
-              <a:buNone/>
-            </a:pPr>
-            <a:r>
-              <a:rPr lang="zh-CN" altLang="en-US" dirty="0" smtClean="0"/>
-              <a:t>   解决方案：</a:t>
-            </a:r>
-            <a:endParaRPr lang="zh-CN" altLang="en-US" dirty="0" smtClean="0"/>
-          </a:p>
-          <a:p>
-            <a:pPr marL="0" indent="0">
-              <a:buNone/>
-            </a:pPr>
-            <a:r>
-              <a:rPr lang="en-US" altLang="zh-CN" dirty="0" smtClean="0"/>
-              <a:t>	</a:t>
-            </a:r>
-            <a:r>
-              <a:rPr lang="zh-CN" altLang="en-US" dirty="0" smtClean="0"/>
-              <a:t>使用</a:t>
-            </a:r>
-            <a:r>
-              <a:rPr lang="en-US" altLang="zh-CN" dirty="0" smtClean="0"/>
-              <a:t>reflect</a:t>
-            </a:r>
-            <a:r>
-              <a:rPr lang="zh-CN" altLang="en-US" dirty="0" smtClean="0"/>
-              <a:t>的方式获取</a:t>
-            </a:r>
-            <a:r>
-              <a:rPr lang="en-US" altLang="zh-CN" dirty="0" smtClean="0">
-                <a:sym typeface="+mn-ea"/>
-              </a:rPr>
-              <a:t>private</a:t>
-            </a:r>
-            <a:r>
-              <a:rPr lang="zh-CN" altLang="en-US" dirty="0" smtClean="0">
-                <a:sym typeface="+mn-ea"/>
-              </a:rPr>
-              <a:t>方法</a:t>
-            </a:r>
-            <a:r>
-              <a:rPr lang="en-US" altLang="zh-CN" dirty="0" smtClean="0">
-                <a:sym typeface="+mn-ea"/>
-              </a:rPr>
-              <a:t>,</a:t>
-            </a:r>
-            <a:r>
-              <a:rPr lang="zh-CN" altLang="en-US" dirty="0" smtClean="0">
-                <a:sym typeface="+mn-ea"/>
-              </a:rPr>
-              <a:t>然后把访问权限设置为可访问</a:t>
-            </a:r>
-            <a:endParaRPr lang="zh-CN" altLang="en-US" dirty="0" smtClean="0"/>
-          </a:p>
-          <a:p>
-            <a:pPr marL="0" indent="0">
-              <a:buNone/>
-            </a:pPr>
-            <a:endParaRPr lang="en-US" altLang="zh-CN" dirty="0" smtClean="0"/>
-          </a:p>
-          <a:p>
-            <a:endParaRPr lang="en-US" altLang="zh-CN" dirty="0"/>
-          </a:p>
-        </p:txBody>
-      </p:sp>
-      <p:pic>
-        <p:nvPicPr>
-          <p:cNvPr id="6" name="图片 5"/>
-          <p:cNvPicPr>
-            <a:picLocks noChangeAspect="1"/>
-          </p:cNvPicPr>
-          <p:nvPr/>
-        </p:nvPicPr>
-        <p:blipFill>
-          <a:blip r:embed="rId1"/>
-          <a:stretch>
-            <a:fillRect/>
-          </a:stretch>
-        </p:blipFill>
-        <p:spPr>
-          <a:xfrm>
-            <a:off x="1371600" y="4236085"/>
-            <a:ext cx="8536305" cy="784225"/>
-          </a:xfrm>
-          <a:prstGeom prst="rect">
-            <a:avLst/>
-          </a:prstGeom>
-        </p:spPr>
-      </p:pic>
+            <a:pPr algn="ctr"/>
+            <a:r>
+              <a:rPr lang="en-US" altLang="zh-CN" sz="6600" b="1" dirty="0" smtClean="0"/>
+              <a:t>Timeline</a:t>
+            </a:r>
+            <a:r>
+              <a:rPr lang="zh-CN" altLang="en-US" sz="6600" b="1" dirty="0" smtClean="0"/>
+              <a:t>功能演示</a:t>
+            </a:r>
+            <a:endParaRPr lang="zh-CN" altLang="en-US" sz="6600" b="1" dirty="0" smtClean="0"/>
+          </a:p>
+        </p:txBody>
+      </p:sp>
     </p:spTree>
   </p:cSld>
   <p:clrMapOvr>
@@ -8610,10 +7302,6 @@
           <a:lstStyle/>
           <a:p>
             <a:r>
-              <a:rPr lang="en-US" altLang="zh-CN" dirty="0" smtClean="0"/>
-              <a:t>3.</a:t>
-            </a:r>
-            <a:r>
               <a:rPr lang="zh-CN" altLang="en-US" dirty="0" smtClean="0"/>
               <a:t>代码测试</a:t>
             </a:r>
@@ -8648,7 +7336,131 @@
           <a:p>
             <a:r>
               <a:rPr lang="zh-CN" altLang="en-US" dirty="0" smtClean="0"/>
-              <a:t>测试代码示例</a:t>
+              <a:t>设计思想</a:t>
+            </a:r>
+            <a:r>
+              <a:rPr lang="en-US" altLang="zh-CN" dirty="0" smtClean="0"/>
+              <a:t>——</a:t>
+            </a:r>
+            <a:r>
+              <a:rPr lang="zh-CN" altLang="en-US" dirty="0" smtClean="0"/>
+              <a:t>尽量全遍历</a:t>
+            </a:r>
+            <a:endParaRPr lang="zh-CN" altLang="en-US" dirty="0" smtClean="0"/>
+          </a:p>
+          <a:p>
+            <a:r>
+              <a:rPr lang="zh-CN" altLang="en-US" dirty="0" smtClean="0"/>
+              <a:t>使用的相关的测试工具：</a:t>
+            </a:r>
+            <a:r>
+              <a:rPr lang="en-US" altLang="zh-CN" dirty="0" smtClean="0"/>
+              <a:t>JUnit</a:t>
+            </a:r>
+            <a:r>
+              <a:rPr lang="zh-CN" altLang="en-US" dirty="0" smtClean="0"/>
+              <a:t>、</a:t>
+            </a:r>
+            <a:r>
+              <a:rPr lang="en-US" altLang="zh-CN" dirty="0" smtClean="0"/>
+              <a:t>SonarLint</a:t>
+            </a:r>
+            <a:endParaRPr lang="en-US" altLang="zh-CN" dirty="0"/>
+          </a:p>
+          <a:p>
+            <a:r>
+              <a:rPr lang="zh-CN" altLang="en-US" dirty="0" smtClean="0"/>
+              <a:t>遇到的关键问题：</a:t>
+            </a:r>
+            <a:endParaRPr lang="zh-CN" altLang="en-US" dirty="0" smtClean="0"/>
+          </a:p>
+          <a:p>
+            <a:pPr marL="0" indent="0">
+              <a:buNone/>
+            </a:pPr>
+            <a:r>
+              <a:rPr lang="en-US" altLang="zh-CN" dirty="0" smtClean="0"/>
+              <a:t>	</a:t>
+            </a:r>
+            <a:r>
+              <a:rPr lang="zh-CN" altLang="en-US" dirty="0" smtClean="0"/>
+              <a:t>无法使用</a:t>
+            </a:r>
+            <a:r>
+              <a:rPr lang="en-US" altLang="zh-CN" dirty="0" smtClean="0"/>
+              <a:t>junit</a:t>
+            </a:r>
+            <a:r>
+              <a:rPr lang="zh-CN" altLang="en-US" dirty="0" smtClean="0"/>
+              <a:t>直接测试代码中的</a:t>
+            </a:r>
+            <a:r>
+              <a:rPr lang="en-US" altLang="zh-CN" dirty="0" smtClean="0"/>
+              <a:t>private</a:t>
+            </a:r>
+            <a:r>
+              <a:rPr lang="zh-CN" altLang="en-US" dirty="0" smtClean="0"/>
+              <a:t>方法</a:t>
+            </a:r>
+            <a:endParaRPr lang="zh-CN" altLang="en-US" dirty="0" smtClean="0"/>
+          </a:p>
+          <a:p>
+            <a:pPr marL="0" indent="0">
+              <a:buNone/>
+            </a:pPr>
+            <a:r>
+              <a:rPr lang="zh-CN" altLang="en-US" dirty="0" smtClean="0"/>
+              <a:t>   解决方案：</a:t>
+            </a:r>
+            <a:endParaRPr lang="zh-CN" altLang="en-US" dirty="0" smtClean="0"/>
+          </a:p>
+          <a:p>
+            <a:pPr marL="0" indent="0">
+              <a:buNone/>
+            </a:pPr>
+            <a:r>
+              <a:rPr lang="en-US" altLang="zh-CN" dirty="0" smtClean="0"/>
+              <a:t>	</a:t>
+            </a:r>
+            <a:r>
+              <a:rPr lang="zh-CN" altLang="en-US" dirty="0" smtClean="0"/>
+              <a:t>使用</a:t>
+            </a:r>
+            <a:r>
+              <a:rPr lang="en-US" altLang="zh-CN" dirty="0" smtClean="0"/>
+              <a:t>R</a:t>
+            </a:r>
+            <a:r>
+              <a:rPr lang="en-US" altLang="zh-CN" dirty="0" smtClean="0"/>
+              <a:t>eflect</a:t>
+            </a:r>
+            <a:r>
+              <a:rPr lang="zh-CN" altLang="en-US" dirty="0" smtClean="0"/>
+              <a:t>的方式获取</a:t>
+            </a:r>
+            <a:r>
+              <a:rPr lang="en-US" altLang="zh-CN" dirty="0" smtClean="0">
+                <a:sym typeface="+mn-ea"/>
+              </a:rPr>
+              <a:t>private</a:t>
+            </a:r>
+            <a:r>
+              <a:rPr lang="zh-CN" altLang="en-US" dirty="0" smtClean="0">
+                <a:sym typeface="+mn-ea"/>
+              </a:rPr>
+              <a:t>方法</a:t>
+            </a:r>
+            <a:r>
+              <a:rPr lang="en-US" altLang="zh-CN" dirty="0" smtClean="0">
+                <a:sym typeface="+mn-ea"/>
+              </a:rPr>
+              <a:t>,</a:t>
+            </a:r>
+            <a:r>
+              <a:rPr lang="zh-CN" altLang="en-US" dirty="0" smtClean="0">
+                <a:sym typeface="+mn-ea"/>
+              </a:rPr>
+              <a:t>然后把访问权限设置为可访问</a:t>
             </a:r>
             <a:endParaRPr lang="zh-CN" altLang="en-US" dirty="0" smtClean="0"/>
           </a:p>
@@ -8665,7 +7477,7 @@
       </p:sp>
       <p:pic>
         <p:nvPicPr>
-          <p:cNvPr id="3" name="图片 2"/>
+          <p:cNvPr id="6" name="图片 5"/>
           <p:cNvPicPr>
             <a:picLocks noChangeAspect="1"/>
           </p:cNvPicPr>
@@ -8679,8 +7491,8 @@
         </p:blipFill>
         <p:spPr>
           <a:xfrm>
-            <a:off x="1371600" y="2171700"/>
-            <a:ext cx="8229600" cy="3943350"/>
+            <a:off x="1371600" y="4236085"/>
+            <a:ext cx="8536305" cy="784225"/>
           </a:xfrm>
           <a:prstGeom prst="rect">
             <a:avLst/>
@@ -8735,24 +7547,8 @@
           <a:lstStyle/>
           <a:p>
             <a:r>
-              <a:rPr lang="en-US" altLang="zh-CN" dirty="0" smtClean="0"/>
-              <a:t>4.Lambda</a:t>
-            </a:r>
-            <a:r>
-              <a:rPr lang="zh-CN" altLang="en-US" dirty="0" smtClean="0"/>
-              <a:t>表达式（</a:t>
-            </a:r>
-            <a:r>
-              <a:rPr lang="en-US" altLang="zh-CN" dirty="0" err="1" smtClean="0"/>
-              <a:t>c++</a:t>
-            </a:r>
-            <a:r>
-              <a:rPr lang="en-US" altLang="zh-CN" dirty="0" smtClean="0"/>
-              <a:t>14</a:t>
-            </a:r>
-            <a:r>
-              <a:rPr lang="zh-CN" altLang="en-US" dirty="0" smtClean="0"/>
-              <a:t>中完善）</a:t>
+              <a:rPr lang="zh-CN" altLang="en-US" dirty="0" smtClean="0"/>
+              <a:t>代码测试</a:t>
             </a:r>
             <a:br>
               <a:rPr lang="zh-CN" altLang="en-US" dirty="0" smtClean="0"/>
@@ -8773,8 +7569,8 @@
         </p:nvSpPr>
         <p:spPr>
           <a:xfrm>
-            <a:off x="1371600" y="1617980"/>
-            <a:ext cx="10636250" cy="5240020"/>
+            <a:off x="1371600" y="1617784"/>
+            <a:ext cx="9601200" cy="5240216"/>
           </a:xfrm>
         </p:spPr>
         <p:txBody>
@@ -8784,30 +7580,46 @@
           <a:lstStyle/>
           <a:p>
             <a:r>
-              <a:rPr sz="3200"/>
-              <a:t>声明式编程风格：就地匿名定义目标函数或者函数，不需要额外写一个命名函数或者函数对象，以更直接的方式写程序。</a:t>
-            </a:r>
-            <a:endParaRPr sz="3200"/>
-          </a:p>
-          <a:p>
-            <a:r>
-              <a:rPr sz="3200"/>
-              <a:t>简洁：不需要额外再写一个函数或者函数对象，避免了代码膨胀和功能分散。</a:t>
-            </a:r>
-            <a:endParaRPr sz="3200"/>
-          </a:p>
-          <a:p>
-            <a:r>
-              <a:rPr sz="3200"/>
-              <a:t>在需要的时间和地点实现功能闭包，使程序更加灵活。</a:t>
-            </a:r>
-            <a:endParaRPr sz="3200"/>
+              <a:rPr lang="zh-CN" altLang="en-US" dirty="0" smtClean="0"/>
+              <a:t>测试代码示例</a:t>
+            </a:r>
+            <a:endParaRPr lang="zh-CN" altLang="en-US" dirty="0" smtClean="0"/>
+          </a:p>
+          <a:p>
+            <a:pPr marL="0" indent="0">
+              <a:buNone/>
+            </a:pPr>
+            <a:endParaRPr lang="en-US" altLang="zh-CN" dirty="0" smtClean="0"/>
           </a:p>
           <a:p>
             <a:endParaRPr lang="en-US" altLang="zh-CN" dirty="0"/>
           </a:p>
         </p:txBody>
       </p:sp>
+      <p:pic>
+        <p:nvPicPr>
+          <p:cNvPr id="3" name="图片 2"/>
+          <p:cNvPicPr>
+            <a:picLocks noChangeAspect="1"/>
+          </p:cNvPicPr>
+          <p:nvPr/>
+        </p:nvPicPr>
+        <p:blipFill>
+          <a:blip r:embed="rId1"/>
+          <a:stretch>
+            <a:fillRect/>
+          </a:stretch>
+        </p:blipFill>
+        <p:spPr>
+          <a:xfrm>
+            <a:off x="1371600" y="2171700"/>
+            <a:ext cx="8229600" cy="3943350"/>
+          </a:xfrm>
+          <a:prstGeom prst="rect">
+            <a:avLst/>
+          </a:prstGeom>
+        </p:spPr>
+      </p:pic>
     </p:spTree>
   </p:cSld>
   <p:clrMapOvr>
@@ -8856,24 +7668,8 @@
           <a:lstStyle/>
           <a:p>
             <a:r>
-              <a:rPr lang="en-US" altLang="zh-CN" dirty="0" smtClean="0"/>
-              <a:t>4.Lambda</a:t>
-            </a:r>
-            <a:r>
-              <a:rPr lang="zh-CN" altLang="en-US" dirty="0" smtClean="0"/>
-              <a:t>表达式（</a:t>
-            </a:r>
-            <a:r>
-              <a:rPr lang="en-US" altLang="zh-CN" dirty="0" err="1" smtClean="0"/>
-              <a:t>c++</a:t>
-            </a:r>
-            <a:r>
-              <a:rPr lang="en-US" altLang="zh-CN" dirty="0" smtClean="0"/>
-              <a:t>14</a:t>
-            </a:r>
-            <a:r>
-              <a:rPr lang="zh-CN" altLang="en-US" dirty="0" smtClean="0"/>
-              <a:t>中完善）</a:t>
+              <a:rPr lang="zh-CN" altLang="en-US" dirty="0" smtClean="0"/>
+              <a:t>代码测试</a:t>
             </a:r>
             <a:br>
               <a:rPr lang="zh-CN" altLang="en-US" dirty="0" smtClean="0"/>
@@ -8894,7 +7690,7 @@
         </p:nvSpPr>
         <p:spPr>
           <a:xfrm>
-            <a:off x="1371600" y="1617784"/>
+            <a:off x="1371600" y="1499039"/>
             <a:ext cx="9601200" cy="5240216"/>
           </a:xfrm>
         </p:spPr>
@@ -8905,124 +7701,75 @@
           <a:lstStyle/>
           <a:p>
             <a:r>
-              <a:rPr lang="zh-CN" altLang="en-US" dirty="0"/>
-              <a:t>形如</a:t>
-            </a:r>
-            <a:r>
-              <a:rPr lang="en-US" altLang="zh-CN" dirty="0"/>
-              <a:t>[capture list] (</a:t>
-            </a:r>
-            <a:r>
-              <a:rPr lang="en-US" altLang="zh-CN" dirty="0" err="1"/>
-              <a:t>params</a:t>
-            </a:r>
-            <a:r>
-              <a:rPr lang="en-US" altLang="zh-CN" dirty="0"/>
-              <a:t> list) </a:t>
-            </a:r>
-            <a:r>
-              <a:rPr lang="en-US" altLang="zh-CN" dirty="0" smtClean="0"/>
-              <a:t>-&gt; </a:t>
-            </a:r>
-            <a:r>
-              <a:rPr lang="en-US" altLang="zh-CN" dirty="0"/>
-              <a:t>return type { </a:t>
-            </a:r>
-            <a:r>
-              <a:rPr lang="en-US" altLang="zh-CN" dirty="0" smtClean="0"/>
-              <a:t>function </a:t>
-            </a:r>
-            <a:r>
-              <a:rPr lang="en-US" altLang="zh-CN" dirty="0"/>
-              <a:t>body </a:t>
-            </a:r>
-            <a:r>
-              <a:rPr lang="en-US" altLang="zh-CN" dirty="0" smtClean="0"/>
-              <a:t>}</a:t>
-            </a:r>
-            <a:endParaRPr lang="en-US" altLang="zh-CN" dirty="0" smtClean="0"/>
+              <a:rPr lang="zh-CN" altLang="en-US" dirty="0" smtClean="0"/>
+              <a:t>后端</a:t>
+            </a:r>
+            <a:r>
+              <a:rPr lang="zh-CN" altLang="en-US" dirty="0" smtClean="0"/>
+              <a:t>测试结果</a:t>
+            </a:r>
+            <a:endParaRPr lang="zh-CN" altLang="en-US" dirty="0" smtClean="0"/>
           </a:p>
           <a:p>
             <a:pPr marL="0" indent="0">
               <a:buNone/>
             </a:pPr>
-            <a:r>
-              <a:rPr lang="en-US" altLang="zh-CN" dirty="0">
-                <a:sym typeface="+mn-ea"/>
-              </a:rPr>
-              <a:t>capture list</a:t>
-            </a:r>
-            <a:r>
-              <a:rPr lang="en-US" altLang="zh-CN" dirty="0" smtClean="0"/>
-              <a:t>：</a:t>
-            </a:r>
             <a:endParaRPr lang="en-US" altLang="zh-CN" dirty="0" smtClean="0"/>
           </a:p>
           <a:p>
-            <a:pPr marL="0" indent="0">
-              <a:buNone/>
-            </a:pPr>
-            <a:r>
-              <a:rPr lang="en-US" altLang="zh-CN" dirty="0" smtClean="0"/>
-              <a:t>[]不捕获任何变量；</a:t>
-            </a:r>
-            <a:endParaRPr lang="en-US" altLang="zh-CN" dirty="0" smtClean="0"/>
-          </a:p>
-          <a:p>
-            <a:pPr marL="0" indent="0">
-              <a:buNone/>
-            </a:pPr>
-            <a:r>
-              <a:rPr lang="en-US" altLang="zh-CN" dirty="0" smtClean="0"/>
-              <a:t>[&amp;]捕获外部作用域所有变量，并作为引用在函数体使用（按引用捕获）；</a:t>
-            </a:r>
-            <a:endParaRPr lang="en-US" altLang="zh-CN" dirty="0" smtClean="0"/>
-          </a:p>
-          <a:p>
-            <a:pPr marL="0" indent="0">
-              <a:buNone/>
-            </a:pPr>
-            <a:r>
-              <a:rPr lang="en-US" altLang="zh-CN" dirty="0" smtClean="0"/>
-              <a:t>[=]捕获外部作用域作用变量，并作为副本在函数体使用（按值捕获）；</a:t>
-            </a:r>
-            <a:endParaRPr lang="en-US" altLang="zh-CN" dirty="0" smtClean="0"/>
-          </a:p>
-          <a:p>
-            <a:pPr marL="0" indent="0">
-              <a:buNone/>
-            </a:pPr>
-            <a:r>
-              <a:rPr lang="en-US" altLang="zh-CN" dirty="0" smtClean="0"/>
-              <a:t>[=,&amp;foo]按值捕获外部作用域所有变量，并按引用捕获foo变量；</a:t>
-            </a:r>
-            <a:endParaRPr lang="en-US" altLang="zh-CN" dirty="0" smtClean="0"/>
-          </a:p>
-          <a:p>
-            <a:pPr marL="0" indent="0">
-              <a:buNone/>
-            </a:pPr>
-            <a:r>
-              <a:rPr lang="en-US" altLang="zh-CN" dirty="0" smtClean="0"/>
-              <a:t>[bar]按值捕获bar变量，同时不捕获其他变量；</a:t>
-            </a:r>
-            <a:endParaRPr lang="en-US" altLang="zh-CN" dirty="0" smtClean="0"/>
-          </a:p>
-          <a:p>
-            <a:pPr marL="0" indent="0">
-              <a:buNone/>
-            </a:pPr>
-            <a:r>
-              <a:rPr lang="en-US" altLang="zh-CN" dirty="0" smtClean="0"/>
-              <a:t>[this]捕获当前类中的this指针，让lambda拥有和当前类成员函数同样的访问权限，如果已经使用了&amp;或者=，就默认添加此选项。捕获this的目的是可以在lambda中使用当前类的成员函数和成员变量。</a:t>
-            </a:r>
-            <a:endParaRPr lang="en-US" altLang="zh-CN" dirty="0" smtClean="0"/>
-          </a:p>
-          <a:p>
             <a:endParaRPr lang="en-US" altLang="zh-CN" dirty="0"/>
           </a:p>
         </p:txBody>
       </p:sp>
+      <p:pic>
+        <p:nvPicPr>
+          <p:cNvPr id="5" name="图片 4"/>
+          <p:cNvPicPr>
+            <a:picLocks noChangeAspect="1"/>
+          </p:cNvPicPr>
+          <p:nvPr/>
+        </p:nvPicPr>
+        <p:blipFill>
+          <a:blip r:embed="rId1"/>
+          <a:stretch>
+            <a:fillRect/>
+          </a:stretch>
+        </p:blipFill>
+        <p:spPr>
+          <a:xfrm>
+            <a:off x="1371600" y="2053590"/>
+            <a:ext cx="6296025" cy="2295525"/>
+          </a:xfrm>
+          <a:prstGeom prst="rect">
+            <a:avLst/>
+          </a:prstGeom>
+        </p:spPr>
+      </p:pic>
+      <p:pic>
+        <p:nvPicPr>
+          <p:cNvPr id="6" name="图片 5"/>
+          <p:cNvPicPr>
+            <a:picLocks noChangeAspect="1"/>
+          </p:cNvPicPr>
+          <p:nvPr/>
+        </p:nvPicPr>
+        <p:blipFill>
+          <a:blip r:embed="rId2"/>
+          <a:srcRect t="1411" b="2822"/>
+          <a:stretch>
+            <a:fillRect/>
+          </a:stretch>
+        </p:blipFill>
+        <p:spPr>
+          <a:xfrm>
+            <a:off x="1371600" y="4540885"/>
+            <a:ext cx="5324475" cy="2198370"/>
+          </a:xfrm>
+          <a:prstGeom prst="rect">
+            <a:avLst/>
+          </a:prstGeom>
+        </p:spPr>
+      </p:pic>
     </p:spTree>
   </p:cSld>
   <p:clrMapOvr>
@@ -9292,4 +8039,263 @@
     </a:ext>
   </a:extLst>
 </a:theme>
+</file>
+
+<file path=ppt/theme/theme2.xml><?xml version="1.0" encoding="utf-8"?>
+<a:theme xmlns:a="http://schemas.openxmlformats.org/drawingml/2006/main" name="Office 主题">
+  <a:themeElements>
+    <a:clrScheme name="Office">
+      <a:dk1>
+        <a:sysClr val="windowText" lastClr="000000"/>
+      </a:dk1>
+      <a:lt1>
+        <a:sysClr val="window" lastClr="FFFFFF"/>
+      </a:lt1>
+      <a:dk2>
+        <a:srgbClr val="44546A"/>
+      </a:dk2>
+      <a:lt2>
+        <a:srgbClr val="E7E6E6"/>
+      </a:lt2>
+      <a:accent1>
+        <a:srgbClr val="5B9BD5"/>
+      </a:accent1>
+      <a:accent2>
+        <a:srgbClr val="ED7D31"/>
+      </a:accent2>
+      <a:accent3>
+        <a:srgbClr val="A5A5A5"/>
+      </a:accent3>
+      <a:accent4>
+        <a:srgbClr val="FFC000"/>
+      </a:accent4>
+      <a:accent5>
+        <a:srgbClr val="4472C4"/>
+      </a:accent5>
+      <a:accent6>
+        <a:srgbClr val="70AD47"/>
+      </a:accent6>
+      <a:hlink>
+        <a:srgbClr val="0563C1"/>
+      </a:hlink>
+      <a:folHlink>
+        <a:srgbClr val="954F72"/>
+      </a:folHlink>
+    </a:clrScheme>
+    <a:fontScheme name="Office">
+      <a:majorFont>
+        <a:latin typeface="Calibri Light"/>
+        <a:ea typeface=""/>
+        <a:cs typeface=""/>
+        <a:font script="Jpan" typeface="ＭＳ Ｐゴシック"/>
+        <a:font script="Hang" typeface="맑은 고딕"/>
+        <a:font script="Hans" typeface="宋体"/>
+        <a:font script="Hant" typeface="新細明體"/>
+        <a:font script="Arab" typeface="Times New Roman"/>
+        <a:font script="Hebr" typeface="Times New Roman"/>
+        <a:font script="Thai" typeface="Angsana New"/>
+        <a:font script="Ethi" typeface="Nyala"/>
+        <a:font script="Beng" typeface="Vrinda"/>
+        <a:font script="Gujr" typeface="Shruti"/>
+        <a:font script="Khmr" typeface="MoolBoran"/>
+        <a:font script="Knda" typeface="Tunga"/>
+        <a:font script="Guru" typeface="Raavi"/>
+        <a:font script="Cans" typeface="Euphemia"/>
+        <a:font script="Cher" typeface="Plantagenet Cherokee"/>
+        <a:font script="Yiii" typeface="Microsoft Yi Baiti"/>
+        <a:font script="Tibt" typeface="Microsoft Himalaya"/>
+        <a:font script="Thaa" typeface="MV Boli"/>
+        <a:font script="Deva" typeface="Mangal"/>
+        <a:font script="Telu" typeface="Gautami"/>
+        <a:font script="Taml" typeface="Latha"/>
+        <a:font script="Syrc" typeface="Estrangelo Edessa"/>
+        <a:font script="Orya" typeface="Kalinga"/>
+        <a:font script="Mlym" typeface="Kartika"/>
+        <a:font script="Laoo" typeface="DokChampa"/>
+        <a:font script="Sinh" typeface="Iskoola Pota"/>
+        <a:font script="Mong" typeface="Mongolian Baiti"/>
+        <a:font script="Viet" typeface="Times New Roman"/>
+        <a:font script="Uigh" typeface="Microsoft Uighur"/>
+        <a:font script="Geor" typeface="Sylfaen"/>
+      </a:majorFont>
+      <a:minorFont>
+        <a:latin typeface="Calibri"/>
+        <a:ea typeface=""/>
+        <a:cs typeface=""/>
+        <a:font script="Jpan" typeface="ＭＳ Ｐゴシック"/>
+        <a:font script="Hang" typeface="맑은 고딕"/>
+        <a:font script="Hans" typeface="宋体"/>
+        <a:font script="Hant" typeface="新細明體"/>
+        <a:font script="Arab" typeface="Arial"/>
+        <a:font script="Hebr" typeface="Arial"/>
+        <a:font script="Thai" typeface="Cordia New"/>
+        <a:font script="Ethi" typeface="Nyala"/>
+        <a:font script="Beng" typeface="Vrinda"/>
+        <a:font script="Gujr" typeface="Shruti"/>
+        <a:font script="Khmr" typeface="DaunPenh"/>
+        <a:font script="Knda" typeface="Tunga"/>
+        <a:font script="Guru" typeface="Raavi"/>
+        <a:font script="Cans" typeface="Euphemia"/>
+        <a:font script="Cher" typeface="Plantagenet Cherokee"/>
+        <a:font script="Yiii" typeface="Microsoft Yi Baiti"/>
+        <a:font script="Tibt" typeface="Microsoft Himalaya"/>
+        <a:font script="Thaa" typeface="MV Boli"/>
+        <a:font script="Deva" typeface="Mangal"/>
+        <a:font script="Telu" typeface="Gautami"/>
+        <a:font script="Taml" typeface="Latha"/>
+        <a:font script="Syrc" typeface="Estrangelo Edessa"/>
+        <a:font script="Orya" typeface="Kalinga"/>
+        <a:font script="Mlym" typeface="Kartika"/>
+        <a:font script="Laoo" typeface="DokChampa"/>
+        <a:font script="Sinh" typeface="Iskoola Pota"/>
+        <a:font script="Mong" typeface="Mongolian Baiti"/>
+        <a:font script="Viet" typeface="Arial"/>
+        <a:font script="Uigh" typeface="Microsoft Uighur"/>
+        <a:font script="Geor" typeface="Sylfaen"/>
+      </a:minorFont>
+    </a:fontScheme>
+    <a:fmtScheme name="Office">
+      <a:fillStyleLst>
+        <a:solidFill>
+          <a:schemeClr val="phClr"/>
+        </a:solidFill>
+        <a:gradFill rotWithShape="1">
+          <a:gsLst>
+            <a:gs pos="0">
+              <a:schemeClr val="phClr">
+                <a:lumMod val="110000"/>
+                <a:satMod val="105000"/>
+                <a:tint val="67000"/>
+              </a:schemeClr>
+            </a:gs>
+            <a:gs pos="50000">
+              <a:schemeClr val="phClr">
+                <a:lumMod val="105000"/>
+                <a:satMod val="103000"/>
+                <a:tint val="73000"/>
+              </a:schemeClr>
+            </a:gs>
+            <a:gs pos="100000">
+              <a:schemeClr val="phClr">
+                <a:lumMod val="105000"/>
+                <a:satMod val="109000"/>
+                <a:tint val="81000"/>
+              </a:schemeClr>
+            </a:gs>
+          </a:gsLst>
+          <a:lin ang="5400000" scaled="0"/>
+        </a:gradFill>
+        <a:gradFill rotWithShape="1">
+          <a:gsLst>
+            <a:gs pos="0">
+              <a:schemeClr val="phClr">
+                <a:satMod val="103000"/>
+                <a:lumMod val="102000"/>
+                <a:tint val="94000"/>
+              </a:schemeClr>
+            </a:gs>
+            <a:gs pos="50000">
+              <a:schemeClr val="phClr">
+                <a:satMod val="110000"/>
+                <a:lumMod val="100000"/>
+                <a:shade val="100000"/>
+              </a:schemeClr>
+            </a:gs>
+            <a:gs pos="100000">
+              <a:schemeClr val="phClr">
+                <a:lumMod val="99000"/>
+                <a:satMod val="120000"/>
+                <a:shade val="78000"/>
+              </a:schemeClr>
+            </a:gs>
+          </a:gsLst>
+          <a:lin ang="5400000" scaled="0"/>
+        </a:gradFill>
+      </a:fillStyleLst>
+      <a:lnStyleLst>
+        <a:ln w="6350" cap="flat" cmpd="sng" algn="ctr">
+          <a:solidFill>
+            <a:schemeClr val="phClr"/>
+          </a:solidFill>
+          <a:prstDash val="solid"/>
+          <a:miter lim="800000"/>
+        </a:ln>
+        <a:ln w="12700" cap="flat" cmpd="sng" algn="ctr">
+          <a:solidFill>
+            <a:schemeClr val="phClr"/>
+          </a:solidFill>
+          <a:prstDash val="solid"/>
+          <a:miter lim="800000"/>
+        </a:ln>
+        <a:ln w="19050" cap="flat" cmpd="sng" algn="ctr">
+          <a:solidFill>
+            <a:schemeClr val="phClr"/>
+          </a:solidFill>
+          <a:prstDash val="solid"/>
+          <a:miter lim="800000"/>
+        </a:ln>
+      </a:lnStyleLst>
+      <a:effectStyleLst>
+        <a:effectStyle>
+          <a:effectLst/>
+        </a:effectStyle>
+        <a:effectStyle>
+          <a:effectLst/>
+        </a:effectStyle>
+        <a:effectStyle>
+          <a:effectLst>
+            <a:outerShdw blurRad="57150" dist="19050" dir="5400000" algn="ctr" rotWithShape="0">
+              <a:srgbClr val="000000">
+                <a:alpha val="63000"/>
+              </a:srgbClr>
+            </a:outerShdw>
+          </a:effectLst>
+        </a:effectStyle>
+      </a:effectStyleLst>
+      <a:bgFillStyleLst>
+        <a:solidFill>
+          <a:schemeClr val="phClr"/>
+        </a:solidFill>
+        <a:solidFill>
+          <a:schemeClr val="phClr">
+            <a:tint val="95000"/>
+            <a:satMod val="170000"/>
+          </a:schemeClr>
+        </a:solidFill>
+        <a:gradFill rotWithShape="1">
+          <a:gsLst>
+            <a:gs pos="0">
+              <a:schemeClr val="phClr">
+                <a:tint val="93000"/>
+                <a:satMod val="150000"/>
+                <a:shade val="98000"/>
+                <a:lumMod val="102000"/>
+              </a:schemeClr>
+            </a:gs>
+            <a:gs pos="50000">
+              <a:schemeClr val="phClr">
+                <a:tint val="98000"/>
+                <a:satMod val="130000"/>
+                <a:shade val="90000"/>
+                <a:lumMod val="103000"/>
+              </a:schemeClr>
+            </a:gs>
+            <a:gs pos="100000">
+              <a:schemeClr val="phClr">
+                <a:shade val="63000"/>
+                <a:satMod val="120000"/>
+              </a:schemeClr>
+            </a:gs>
+          </a:gsLst>
+          <a:lin ang="5400000" scaled="0"/>
+        </a:gradFill>
+      </a:bgFillStyleLst>
+    </a:fmtScheme>
+  </a:themeElements>
+  <a:extLst>
+    <a:ext uri="{05A4C25C-085E-4340-85A3-A5531E510DB2}">
+      <thm15:themeFamily xmlns:thm15="http://schemas.microsoft.com/office/thememl/2012/main" name="Office Theme" id="{62F939B6-93AF-4DB8-9C6B-D6C7DFDC589F}" vid="{4A3C46E8-61CC-4603-A589-7422A47A8E4A}"/>
+    </a:ext>
+  </a:extLst>
+</a:theme>
 </file>